--- a/01. Document/DropOut_Project_Report v_04.12.2011.pptx
+++ b/01. Document/DropOut_Project_Report v_04.12.2011.pptx
@@ -253,7 +253,7 @@
                   <c:v>0.23832034024881138</c:v>
                 </c:pt>
                 <c:pt idx="3">
-                  <c:v>0.3926296737536672</c:v>
+                  <c:v>0.39262967375366736</c:v>
                 </c:pt>
               </c:numCache>
             </c:numRef>
@@ -309,13 +309,13 @@
                   <c:v>0.20414887194318332</c:v>
                 </c:pt>
                 <c:pt idx="2">
-                  <c:v>0.36933638443935995</c:v>
+                  <c:v>0.36933638443936001</c:v>
                 </c:pt>
                 <c:pt idx="3">
-                  <c:v>0.31250000000000061</c:v>
+                  <c:v>0.31250000000000067</c:v>
                 </c:pt>
                 <c:pt idx="4">
-                  <c:v>0.31250000000000061</c:v>
+                  <c:v>0.31250000000000067</c:v>
                 </c:pt>
               </c:numCache>
             </c:numRef>
@@ -368,7 +368,7 @@
                   <c:v>0</c:v>
                 </c:pt>
                 <c:pt idx="1">
-                  <c:v>0.13237374467863661</c:v>
+                  <c:v>0.13237374467863658</c:v>
                 </c:pt>
                 <c:pt idx="2">
                   <c:v>0.42974122300911977</c:v>
@@ -387,25 +387,25 @@
           <c:showVal val="1"/>
         </c:dLbls>
         <c:shape val="box"/>
-        <c:axId val="75102848"/>
-        <c:axId val="75121024"/>
+        <c:axId val="74984064"/>
+        <c:axId val="74998144"/>
         <c:axId val="0"/>
       </c:bar3DChart>
       <c:catAx>
-        <c:axId val="75102848"/>
+        <c:axId val="74984064"/>
         <c:scaling>
           <c:orientation val="minMax"/>
         </c:scaling>
         <c:axPos val="b"/>
         <c:tickLblPos val="nextTo"/>
-        <c:crossAx val="75121024"/>
+        <c:crossAx val="74998144"/>
         <c:crosses val="autoZero"/>
         <c:auto val="1"/>
         <c:lblAlgn val="ctr"/>
         <c:lblOffset val="100"/>
       </c:catAx>
       <c:valAx>
-        <c:axId val="75121024"/>
+        <c:axId val="74998144"/>
         <c:scaling>
           <c:orientation val="minMax"/>
         </c:scaling>
@@ -440,7 +440,7 @@
         </c:title>
         <c:numFmt formatCode="0%" sourceLinked="1"/>
         <c:tickLblPos val="nextTo"/>
-        <c:crossAx val="75102848"/>
+        <c:crossAx val="74984064"/>
         <c:crosses val="autoZero"/>
         <c:crossBetween val="between"/>
       </c:valAx>
@@ -3855,11 +3855,7 @@
           </a:r>
           <a:r>
             <a:rPr lang="en-US" dirty="0" smtClean="0"/>
-            <a:t> NGHỈ HỌC ở </a:t>
-          </a:r>
-          <a:r>
-            <a:rPr lang="en-US" dirty="0" smtClean="0"/>
-            <a:t>HOU-</a:t>
+            <a:t> NGHỈ HỌC ở HOU-</a:t>
           </a:r>
           <a:r>
             <a:rPr lang="en-US" dirty="0" err="1" smtClean="0"/>
@@ -6360,11 +6356,7 @@
           </a:r>
           <a:r>
             <a:rPr lang="en-US" sz="2400" kern="1200" dirty="0" smtClean="0"/>
-            <a:t> NGHỈ HỌC ở </a:t>
-          </a:r>
-          <a:r>
-            <a:rPr lang="en-US" sz="2400" kern="1200" dirty="0" smtClean="0"/>
-            <a:t>HOU-</a:t>
+            <a:t> NGHỈ HỌC ở HOU-</a:t>
           </a:r>
           <a:r>
             <a:rPr lang="en-US" sz="2400" kern="1200" dirty="0" err="1" smtClean="0"/>
@@ -6825,7 +6817,7 @@
             </a:spcAft>
             <a:buChar char="••"/>
           </a:pPr>
-          <a:endParaRPr lang="en-US" sz="1800" kern="1200"/>
+          <a:endParaRPr lang="en-US" sz="1800" kern="1200" dirty="0"/>
         </a:p>
       </dsp:txBody>
       <dsp:txXfrm rot="5400000">
@@ -17641,7 +17633,70 @@
           </a:bodyPr>
           <a:lstStyle/>
           <a:p>
-            <a:endParaRPr lang="en-US"/>
+            <a:r>
+              <a:rPr lang="en-US" dirty="0" err="1" smtClean="0"/>
+              <a:t>Tác</a:t>
+            </a:r>
+            <a:r>
+              <a:rPr lang="en-US" baseline="0" dirty="0" smtClean="0"/>
+              <a:t> </a:t>
+            </a:r>
+            <a:r>
+              <a:rPr lang="en-US" baseline="0" dirty="0" err="1" smtClean="0"/>
+              <a:t>động</a:t>
+            </a:r>
+            <a:r>
+              <a:rPr lang="en-US" baseline="0" dirty="0" smtClean="0"/>
+              <a:t> </a:t>
+            </a:r>
+            <a:r>
+              <a:rPr lang="en-US" baseline="0" dirty="0" err="1" smtClean="0"/>
+              <a:t>tiêu</a:t>
+            </a:r>
+            <a:r>
+              <a:rPr lang="en-US" baseline="0" dirty="0" smtClean="0"/>
+              <a:t> </a:t>
+            </a:r>
+            <a:r>
+              <a:rPr lang="en-US" baseline="0" dirty="0" err="1" smtClean="0"/>
+              <a:t>cực</a:t>
+            </a:r>
+            <a:r>
+              <a:rPr lang="en-US" baseline="0" dirty="0" smtClean="0"/>
+              <a:t> </a:t>
+            </a:r>
+            <a:r>
+              <a:rPr lang="en-US" baseline="0" dirty="0" err="1" smtClean="0"/>
+              <a:t>dài</a:t>
+            </a:r>
+            <a:r>
+              <a:rPr lang="en-US" baseline="0" dirty="0" smtClean="0"/>
+              <a:t> </a:t>
+            </a:r>
+            <a:r>
+              <a:rPr lang="en-US" baseline="0" dirty="0" err="1" smtClean="0"/>
+              <a:t>hạn</a:t>
+            </a:r>
+            <a:endParaRPr lang="en-US" dirty="0" smtClean="0"/>
+          </a:p>
+          <a:p>
+            <a:r>
+              <a:rPr lang="vi-VN" dirty="0" smtClean="0"/>
+              <a:t>- Khả năng kiếm tiền của học viên nghỉ học giảm gần như liên tục trong 3 thập kỷ qua.</a:t>
+            </a:r>
+          </a:p>
+          <a:p>
+            <a:r>
+              <a:rPr lang="vi-VN" dirty="0" smtClean="0"/>
+              <a:t>- Trong năm 2001, chỉ có 55% học viên bỏ học có nghề nghiệp, so với 74% học viên trung học tốt nghiệp, 87% học viên đại học (4-năm học)</a:t>
+            </a:r>
+          </a:p>
+          <a:p>
+            <a:r>
+              <a:rPr lang="vi-VN" dirty="0" smtClean="0"/>
+              <a:t>- Tăng 1% tỉ lệ học viên tốt nghiệp tiết kiểm $1.4 tỷ đô la mỹ hàng năm trong việc giảm chi phí tội phạm.</a:t>
+            </a:r>
+            <a:endParaRPr lang="en-US" dirty="0"/>
           </a:p>
         </p:txBody>
       </p:sp>
@@ -17920,193 +17975,286 @@
           <a:lstStyle/>
           <a:p>
             <a:r>
-              <a:rPr lang="en-US" err="1" smtClean="0"/>
+              <a:rPr lang="en-US" dirty="0" err="1" smtClean="0"/>
               <a:t>Sô</a:t>
             </a:r>
             <a:r>
-              <a:rPr lang="en-US" smtClean="0"/>
+              <a:rPr lang="en-US" dirty="0" smtClean="0"/>
               <a:t>́</a:t>
             </a:r>
             <a:r>
-              <a:rPr lang="en-US" baseline="0" smtClean="0"/>
+              <a:rPr lang="en-US" baseline="0" dirty="0" smtClean="0"/>
               <a:t> </a:t>
             </a:r>
             <a:r>
-              <a:rPr lang="en-US" baseline="0" err="1" smtClean="0"/>
+              <a:rPr lang="en-US" baseline="0" dirty="0" err="1" smtClean="0"/>
               <a:t>Liệu</a:t>
             </a:r>
             <a:r>
-              <a:rPr lang="en-US" baseline="0" smtClean="0"/>
+              <a:rPr lang="en-US" baseline="0" dirty="0" smtClean="0"/>
               <a:t> </a:t>
             </a:r>
             <a:r>
-              <a:rPr lang="en-US" baseline="0" err="1" smtClean="0"/>
+              <a:rPr lang="en-US" baseline="0" dirty="0" err="1" smtClean="0"/>
               <a:t>Thống</a:t>
             </a:r>
             <a:r>
-              <a:rPr lang="en-US" baseline="0" smtClean="0"/>
+              <a:rPr lang="en-US" baseline="0" dirty="0" smtClean="0"/>
               <a:t> </a:t>
             </a:r>
             <a:r>
-              <a:rPr lang="en-US" baseline="0" err="1" smtClean="0"/>
+              <a:rPr lang="en-US" baseline="0" dirty="0" err="1" smtClean="0"/>
               <a:t>Kê</a:t>
             </a:r>
             <a:r>
-              <a:rPr lang="en-US" baseline="0" smtClean="0"/>
+              <a:rPr lang="en-US" baseline="0" dirty="0" smtClean="0"/>
               <a:t> </a:t>
             </a:r>
             <a:r>
-              <a:rPr lang="en-US" baseline="0" err="1" smtClean="0"/>
+              <a:rPr lang="en-US" baseline="0" dirty="0" err="1" smtClean="0"/>
               <a:t>Của</a:t>
             </a:r>
             <a:r>
-              <a:rPr lang="en-US" baseline="0" smtClean="0"/>
+              <a:rPr lang="en-US" baseline="0" dirty="0" smtClean="0"/>
               <a:t> </a:t>
             </a:r>
             <a:r>
-              <a:rPr lang="en-US" baseline="0" err="1" smtClean="0"/>
+              <a:rPr lang="en-US" baseline="0" dirty="0" err="1" smtClean="0"/>
               <a:t>Cô</a:t>
             </a:r>
             <a:r>
-              <a:rPr lang="en-US" baseline="0" smtClean="0"/>
+              <a:rPr lang="en-US" baseline="0" dirty="0" smtClean="0"/>
               <a:t>́ </a:t>
             </a:r>
             <a:r>
-              <a:rPr lang="en-US" baseline="0" err="1" smtClean="0"/>
+              <a:rPr lang="en-US" baseline="0" dirty="0" err="1" smtClean="0"/>
               <a:t>Vấn</a:t>
             </a:r>
             <a:r>
-              <a:rPr lang="en-US" baseline="0" smtClean="0"/>
+              <a:rPr lang="en-US" baseline="0" dirty="0" smtClean="0"/>
               <a:t> </a:t>
             </a:r>
             <a:r>
-              <a:rPr lang="en-US" baseline="0" err="1" smtClean="0"/>
+              <a:rPr lang="en-US" baseline="0" dirty="0" err="1" smtClean="0"/>
               <a:t>Học</a:t>
             </a:r>
             <a:r>
-              <a:rPr lang="en-US" baseline="0" smtClean="0"/>
+              <a:rPr lang="en-US" baseline="0" dirty="0" smtClean="0"/>
               <a:t> </a:t>
             </a:r>
             <a:r>
-              <a:rPr lang="en-US" baseline="0" err="1" smtClean="0"/>
+              <a:rPr lang="en-US" baseline="0" dirty="0" err="1" smtClean="0"/>
               <a:t>Tập</a:t>
             </a:r>
-            <a:endParaRPr lang="en-US" baseline="0" smtClean="0"/>
+            <a:endParaRPr lang="en-US" baseline="0" dirty="0" smtClean="0"/>
           </a:p>
           <a:p>
             <a:r>
-              <a:rPr lang="en-US" baseline="0" err="1" smtClean="0"/>
+              <a:rPr lang="en-US" baseline="0" dirty="0" err="1" smtClean="0"/>
               <a:t>Sau</a:t>
             </a:r>
             <a:r>
-              <a:rPr lang="en-US" baseline="0" smtClean="0"/>
+              <a:rPr lang="en-US" baseline="0" dirty="0" smtClean="0"/>
               <a:t> </a:t>
             </a:r>
             <a:r>
-              <a:rPr lang="en-US" baseline="0" err="1" smtClean="0"/>
+              <a:rPr lang="en-US" baseline="0" dirty="0" err="1" smtClean="0"/>
               <a:t>ki</a:t>
             </a:r>
             <a:r>
-              <a:rPr lang="en-US" baseline="0" smtClean="0"/>
+              <a:rPr lang="en-US" baseline="0" dirty="0" smtClean="0"/>
               <a:t>̀ 5 có </a:t>
             </a:r>
             <a:r>
-              <a:rPr lang="en-US" baseline="0" err="1" smtClean="0"/>
+              <a:rPr lang="en-US" baseline="0" dirty="0" err="1" smtClean="0"/>
               <a:t>một</a:t>
             </a:r>
             <a:r>
-              <a:rPr lang="en-US" baseline="0" smtClean="0"/>
+              <a:rPr lang="en-US" baseline="0" dirty="0" smtClean="0"/>
               <a:t> </a:t>
             </a:r>
             <a:r>
-              <a:rPr lang="en-US" baseline="0" err="1" smtClean="0"/>
+              <a:rPr lang="en-US" baseline="0" dirty="0" err="1" smtClean="0"/>
               <a:t>sô</a:t>
             </a:r>
             <a:r>
-              <a:rPr lang="en-US" baseline="0" smtClean="0"/>
+              <a:rPr lang="en-US" baseline="0" dirty="0" smtClean="0"/>
               <a:t>́ </a:t>
             </a:r>
             <a:r>
-              <a:rPr lang="en-US" baseline="0" err="1" smtClean="0"/>
+              <a:rPr lang="en-US" baseline="0" dirty="0" err="1" smtClean="0"/>
               <a:t>nghành</a:t>
             </a:r>
             <a:r>
-              <a:rPr lang="en-US" baseline="0" smtClean="0"/>
+              <a:rPr lang="en-US" baseline="0" dirty="0" smtClean="0"/>
               <a:t> </a:t>
             </a:r>
             <a:r>
-              <a:rPr lang="vi-VN" baseline="0" smtClean="0"/>
+              <a:rPr lang="vi-VN" baseline="0" dirty="0" smtClean="0"/>
               <a:t>NGHỈ HỌC</a:t>
             </a:r>
             <a:r>
-              <a:rPr lang="en-US" baseline="0" smtClean="0"/>
+              <a:rPr lang="en-US" baseline="0" dirty="0" smtClean="0"/>
               <a:t> </a:t>
             </a:r>
             <a:r>
-              <a:rPr lang="en-US" baseline="0" err="1" smtClean="0"/>
+              <a:rPr lang="en-US" baseline="0" dirty="0" err="1" smtClean="0"/>
               <a:t>tới</a:t>
             </a:r>
             <a:r>
-              <a:rPr lang="en-US" baseline="0" smtClean="0"/>
+              <a:rPr lang="en-US" baseline="0" dirty="0" smtClean="0"/>
               <a:t> 55% </a:t>
             </a:r>
             <a:r>
-              <a:rPr lang="en-US" baseline="0" err="1" smtClean="0"/>
+              <a:rPr lang="en-US" baseline="0" dirty="0" err="1" smtClean="0"/>
               <a:t>tức</a:t>
             </a:r>
             <a:r>
-              <a:rPr lang="en-US" baseline="0" smtClean="0"/>
+              <a:rPr lang="en-US" baseline="0" dirty="0" smtClean="0"/>
               <a:t> là 100 </a:t>
             </a:r>
             <a:r>
-              <a:rPr lang="en-US" baseline="0" err="1" smtClean="0"/>
+              <a:rPr lang="en-US" baseline="0" dirty="0" err="1" smtClean="0"/>
               <a:t>học</a:t>
             </a:r>
             <a:r>
-              <a:rPr lang="en-US" baseline="0" smtClean="0"/>
+              <a:rPr lang="en-US" baseline="0" dirty="0" smtClean="0"/>
               <a:t> </a:t>
             </a:r>
             <a:r>
-              <a:rPr lang="en-US" baseline="0" err="1" smtClean="0"/>
+              <a:rPr lang="en-US" baseline="0" dirty="0" err="1" smtClean="0"/>
               <a:t>viên</a:t>
             </a:r>
             <a:r>
-              <a:rPr lang="en-US" baseline="0" smtClean="0"/>
+              <a:rPr lang="en-US" baseline="0" dirty="0" smtClean="0"/>
               <a:t> </a:t>
             </a:r>
             <a:r>
-              <a:rPr lang="en-US" baseline="0" err="1" smtClean="0"/>
+              <a:rPr lang="en-US" baseline="0" dirty="0" err="1" smtClean="0"/>
               <a:t>thi</a:t>
             </a:r>
             <a:r>
-              <a:rPr lang="en-US" baseline="0" smtClean="0"/>
-              <a:t>̀ nghỉ học 55 </a:t>
-            </a:r>
-            <a:r>
-              <a:rPr lang="en-US" baseline="0" err="1" smtClean="0"/>
+              <a:rPr lang="en-US" baseline="0" dirty="0" smtClean="0"/>
+              <a:t>̀ </a:t>
+            </a:r>
+            <a:r>
+              <a:rPr lang="en-US" baseline="0" dirty="0" err="1" smtClean="0"/>
+              <a:t>nghi</a:t>
+            </a:r>
+            <a:r>
+              <a:rPr lang="en-US" baseline="0" dirty="0" smtClean="0"/>
+              <a:t>̉ </a:t>
+            </a:r>
+            <a:r>
+              <a:rPr lang="en-US" baseline="0" dirty="0" err="1" smtClean="0"/>
+              <a:t>học</a:t>
+            </a:r>
+            <a:r>
+              <a:rPr lang="en-US" baseline="0" dirty="0" smtClean="0"/>
+              <a:t> 55 </a:t>
+            </a:r>
+            <a:r>
+              <a:rPr lang="en-US" baseline="0" dirty="0" err="1" smtClean="0"/>
               <a:t>rất</a:t>
             </a:r>
             <a:r>
-              <a:rPr lang="en-US" baseline="0" smtClean="0"/>
+              <a:rPr lang="en-US" baseline="0" dirty="0" smtClean="0"/>
               <a:t> </a:t>
             </a:r>
             <a:r>
-              <a:rPr lang="en-US" baseline="0" err="1" smtClean="0"/>
+              <a:rPr lang="en-US" baseline="0" dirty="0" err="1" smtClean="0"/>
               <a:t>nguy</a:t>
             </a:r>
             <a:r>
-              <a:rPr lang="en-US" baseline="0" smtClean="0"/>
+              <a:rPr lang="en-US" baseline="0" dirty="0" smtClean="0"/>
               <a:t> </a:t>
             </a:r>
             <a:r>
-              <a:rPr lang="en-US" baseline="0" err="1" smtClean="0"/>
+              <a:rPr lang="en-US" baseline="0" dirty="0" err="1" smtClean="0"/>
               <a:t>cấp</a:t>
             </a:r>
             <a:r>
-              <a:rPr lang="en-US" baseline="0" smtClean="0"/>
+              <a:rPr lang="en-US" baseline="0" dirty="0" smtClean="0"/>
               <a:t>.</a:t>
             </a:r>
-            <a:endParaRPr lang="en-US"/>
+          </a:p>
+          <a:p>
+            <a:endParaRPr lang="en-US" baseline="0" dirty="0" smtClean="0"/>
+          </a:p>
+          <a:p>
+            <a:r>
+              <a:rPr lang="en-US" baseline="0" dirty="0" err="1" smtClean="0"/>
+              <a:t>Thống</a:t>
+            </a:r>
+            <a:r>
+              <a:rPr lang="en-US" baseline="0" dirty="0" smtClean="0"/>
+              <a:t> </a:t>
+            </a:r>
+            <a:r>
+              <a:rPr lang="en-US" baseline="0" dirty="0" err="1" smtClean="0"/>
+              <a:t>kê</a:t>
+            </a:r>
+            <a:r>
+              <a:rPr lang="en-US" baseline="0" dirty="0" smtClean="0"/>
+              <a:t> </a:t>
+            </a:r>
+            <a:r>
+              <a:rPr lang="en-US" baseline="0" dirty="0" err="1" smtClean="0"/>
+              <a:t>trên</a:t>
+            </a:r>
+            <a:r>
+              <a:rPr lang="en-US" baseline="0" dirty="0" smtClean="0"/>
+              <a:t> 3060 </a:t>
+            </a:r>
+            <a:r>
+              <a:rPr lang="en-US" baseline="0" dirty="0" err="1" smtClean="0"/>
+              <a:t>sinh</a:t>
+            </a:r>
+            <a:r>
+              <a:rPr lang="en-US" baseline="0" dirty="0" smtClean="0"/>
+              <a:t> </a:t>
+            </a:r>
+            <a:r>
+              <a:rPr lang="en-US" baseline="0" dirty="0" err="1" smtClean="0"/>
+              <a:t>viên</a:t>
+            </a:r>
+            <a:r>
+              <a:rPr lang="en-US" baseline="0" dirty="0" smtClean="0"/>
+              <a:t>.</a:t>
+            </a:r>
+          </a:p>
+          <a:p>
+            <a:r>
+              <a:rPr lang="en-US" baseline="0" dirty="0" err="1" smtClean="0"/>
+              <a:t>Khoảng</a:t>
+            </a:r>
+            <a:r>
+              <a:rPr lang="en-US" baseline="0" dirty="0" smtClean="0"/>
+              <a:t> </a:t>
+            </a:r>
+            <a:r>
+              <a:rPr lang="en-US" baseline="0" dirty="0" err="1" smtClean="0"/>
+              <a:t>thời</a:t>
+            </a:r>
+            <a:r>
+              <a:rPr lang="en-US" baseline="0" dirty="0" smtClean="0"/>
+              <a:t> </a:t>
+            </a:r>
+            <a:r>
+              <a:rPr lang="en-US" baseline="0" dirty="0" err="1" smtClean="0"/>
+              <a:t>gian</a:t>
+            </a:r>
+            <a:r>
+              <a:rPr lang="en-US" baseline="0" dirty="0" smtClean="0"/>
+              <a:t>: </a:t>
+            </a:r>
+          </a:p>
+          <a:p>
+            <a:r>
+              <a:rPr lang="vi-VN" dirty="0" smtClean="0"/>
+              <a:t>Giáo dục đào tạo từ xa với tỉ lệ NGHỈ HỌC báo cáo khác nhau từ 30% - 68% (Pithers &amp; Twyford, 2000)</a:t>
+            </a:r>
+            <a:endParaRPr lang="en-US" dirty="0"/>
           </a:p>
         </p:txBody>
       </p:sp>
@@ -19937,6 +20085,7 @@
           <a:p>
             <a:fld id="{D5750C61-1B1B-46B6-B31E-D649465530C5}" type="datetime1">
               <a:rPr lang="en-US" smtClean="0"/>
+              <a:pPr/>
               <a:t>12/04/2011</a:t>
             </a:fld>
             <a:endParaRPr lang="en-US"/>
@@ -20103,6 +20252,7 @@
           <a:p>
             <a:fld id="{F0102A04-BBCD-461B-A199-D9BD4E84C0E5}" type="datetime1">
               <a:rPr lang="en-US" smtClean="0"/>
+              <a:pPr/>
               <a:t>12/04/2011</a:t>
             </a:fld>
             <a:endParaRPr lang="en-US"/>
@@ -20279,6 +20429,7 @@
           <a:p>
             <a:fld id="{F5ADEA59-335A-4139-B6AC-2C2AF3B0B34D}" type="datetime1">
               <a:rPr lang="en-US" smtClean="0"/>
+              <a:pPr/>
               <a:t>12/04/2011</a:t>
             </a:fld>
             <a:endParaRPr lang="en-US"/>
@@ -20445,6 +20596,7 @@
           <a:p>
             <a:fld id="{7D8299D4-A067-483F-B2B9-F2F8A3FB729A}" type="datetime1">
               <a:rPr lang="en-US" smtClean="0"/>
+              <a:pPr/>
               <a:t>12/04/2011</a:t>
             </a:fld>
             <a:endParaRPr lang="en-US"/>
@@ -20687,6 +20839,7 @@
           <a:p>
             <a:fld id="{C22C175D-2C7A-4D66-88B6-E0F5F5B17531}" type="datetime1">
               <a:rPr lang="en-US" smtClean="0"/>
+              <a:pPr/>
               <a:t>12/04/2011</a:t>
             </a:fld>
             <a:endParaRPr lang="en-US"/>
@@ -20971,6 +21124,7 @@
           <a:p>
             <a:fld id="{C2D7B737-869F-4FAF-9385-D3F2738BB1AE}" type="datetime1">
               <a:rPr lang="en-US" smtClean="0"/>
+              <a:pPr/>
               <a:t>12/04/2011</a:t>
             </a:fld>
             <a:endParaRPr lang="en-US"/>
@@ -21389,6 +21543,7 @@
           <a:p>
             <a:fld id="{5E1BB41B-6DB4-43E8-9FE7-8BDAFA3680E9}" type="datetime1">
               <a:rPr lang="en-US" smtClean="0"/>
+              <a:pPr/>
               <a:t>12/04/2011</a:t>
             </a:fld>
             <a:endParaRPr lang="en-US"/>
@@ -21503,6 +21658,7 @@
           <a:p>
             <a:fld id="{BF629E0D-50CD-4636-8F50-CEFDF0E19BF7}" type="datetime1">
               <a:rPr lang="en-US" smtClean="0"/>
+              <a:pPr/>
               <a:t>12/04/2011</a:t>
             </a:fld>
             <a:endParaRPr lang="en-US"/>
@@ -21594,6 +21750,7 @@
           <a:p>
             <a:fld id="{594EDB9E-11A9-485B-B60E-0AFD450CBBF3}" type="datetime1">
               <a:rPr lang="en-US" smtClean="0"/>
+              <a:pPr/>
               <a:t>12/04/2011</a:t>
             </a:fld>
             <a:endParaRPr lang="en-US"/>
@@ -21867,6 +22024,7 @@
           <a:p>
             <a:fld id="{7B0459D5-DCA3-4EF3-B47F-B43A4B354999}" type="datetime1">
               <a:rPr lang="en-US" smtClean="0"/>
+              <a:pPr/>
               <a:t>12/04/2011</a:t>
             </a:fld>
             <a:endParaRPr lang="en-US"/>
@@ -22116,6 +22274,7 @@
           <a:p>
             <a:fld id="{938DE8E1-FE14-4385-A876-487C9FA1D09F}" type="datetime1">
               <a:rPr lang="en-US" smtClean="0"/>
+              <a:pPr/>
               <a:t>12/04/2011</a:t>
             </a:fld>
             <a:endParaRPr lang="en-US"/>
@@ -22325,6 +22484,7 @@
           <a:p>
             <a:fld id="{7ADFE16A-217C-4C76-96D2-0BBDED199008}" type="datetime1">
               <a:rPr lang="en-US" smtClean="0"/>
+              <a:pPr/>
               <a:t>12/04/2011</a:t>
             </a:fld>
             <a:endParaRPr lang="en-US"/>
@@ -26302,15 +26462,7 @@
                           <a:ea typeface="Tahoma" pitchFamily="34" charset="0"/>
                           <a:cs typeface="Times New Roman" pitchFamily="18" charset="0"/>
                         </a:rPr>
-                        <a:t>1 </a:t>
-                      </a:r>
-                      <a:r>
-                        <a:rPr lang="en-US" dirty="0" smtClean="0">
-                          <a:latin typeface="Times New Roman" pitchFamily="18" charset="0"/>
-                          <a:ea typeface="Tahoma" pitchFamily="34" charset="0"/>
-                          <a:cs typeface="Times New Roman" pitchFamily="18" charset="0"/>
-                        </a:rPr>
-                        <a:t>–</a:t>
+                        <a:t>1 –</a:t>
                       </a:r>
                       <a:r>
                         <a:rPr lang="en-US" baseline="0" dirty="0" smtClean="0">
@@ -26964,14 +27116,6 @@
                           <a:cs typeface="Times New Roman" pitchFamily="18" charset="0"/>
                         </a:rPr>
                         <a:t>;</a:t>
-                      </a:r>
-                      <a:r>
-                        <a:rPr lang="en-US" baseline="0" dirty="0" smtClean="0">
-                          <a:latin typeface="Times New Roman" pitchFamily="18" charset="0"/>
-                          <a:ea typeface="Tahoma" pitchFamily="34" charset="0"/>
-                          <a:cs typeface="Times New Roman" pitchFamily="18" charset="0"/>
-                        </a:rPr>
-                        <a:t/>
                       </a:r>
                       <a:br>
                         <a:rPr lang="en-US" baseline="0" dirty="0" smtClean="0">
@@ -31712,15 +31856,7 @@
                   <a:schemeClr val="bg1"/>
                 </a:solidFill>
               </a:rPr>
-              <a:t> </a:t>
-            </a:r>
-            <a:r>
-              <a:rPr lang="en-US" sz="4000" b="1" dirty="0" smtClean="0">
-                <a:solidFill>
-                  <a:schemeClr val="bg1"/>
-                </a:solidFill>
-              </a:rPr>
-              <a:t>dung</a:t>
+              <a:t> dung</a:t>
             </a:r>
             <a:endParaRPr lang="en-US" sz="4000" b="1" dirty="0">
               <a:solidFill>
@@ -32258,15 +32394,7 @@
                   <a:srgbClr val="FF0000"/>
                 </a:solidFill>
               </a:rPr>
-              <a:t> </a:t>
-            </a:r>
-            <a:r>
-              <a:rPr lang="en-US" dirty="0" smtClean="0">
-                <a:solidFill>
-                  <a:srgbClr val="FF0000"/>
-                </a:solidFill>
-              </a:rPr>
-              <a:t>tin</a:t>
+              <a:t> tin</a:t>
             </a:r>
           </a:p>
           <a:p>
@@ -32579,15 +32707,7 @@
                   <a:srgbClr val="FF0000"/>
                 </a:solidFill>
               </a:rPr>
-              <a:t>NGHỈ </a:t>
-            </a:r>
-            <a:r>
-              <a:rPr lang="vi-VN" dirty="0" smtClean="0">
-                <a:solidFill>
-                  <a:srgbClr val="FF0000"/>
-                </a:solidFill>
-              </a:rPr>
-              <a:t>HỌC</a:t>
+              <a:t>NGHỈ HỌC</a:t>
             </a:r>
             <a:endParaRPr lang="en-US" dirty="0" smtClean="0">
               <a:solidFill>
@@ -33165,20 +33285,27 @@
                     <a:p>
                       <a:pPr algn="ctr"/>
                       <a:r>
-                        <a:rPr lang="en-US" sz="1200" i="0" smtClean="0">
+                        <a:rPr lang="en-US" sz="1200" i="0" dirty="0" err="1" smtClean="0">
                           <a:latin typeface="Times New Roman" pitchFamily="18" charset="0"/>
                           <a:cs typeface="Times New Roman" pitchFamily="18" charset="0"/>
                         </a:rPr>
                         <a:t>Đối</a:t>
                       </a:r>
                       <a:r>
-                        <a:rPr lang="en-US" sz="1200" i="0" baseline="0" smtClean="0">
-                          <a:latin typeface="Times New Roman" pitchFamily="18" charset="0"/>
-                          <a:cs typeface="Times New Roman" pitchFamily="18" charset="0"/>
-                        </a:rPr>
-                        <a:t> tượng</a:t>
-                      </a:r>
-                      <a:endParaRPr lang="en-US" sz="1200" i="0">
+                        <a:rPr lang="en-US" sz="1200" i="0" baseline="0" dirty="0" smtClean="0">
+                          <a:latin typeface="Times New Roman" pitchFamily="18" charset="0"/>
+                          <a:cs typeface="Times New Roman" pitchFamily="18" charset="0"/>
+                        </a:rPr>
+                        <a:t> </a:t>
+                      </a:r>
+                      <a:r>
+                        <a:rPr lang="en-US" sz="1200" i="0" baseline="0" dirty="0" err="1" smtClean="0">
+                          <a:latin typeface="Times New Roman" pitchFamily="18" charset="0"/>
+                          <a:cs typeface="Times New Roman" pitchFamily="18" charset="0"/>
+                        </a:rPr>
+                        <a:t>tượng</a:t>
+                      </a:r>
+                      <a:endParaRPr lang="en-US" sz="1200" i="0" dirty="0">
                         <a:latin typeface="Times New Roman" pitchFamily="18" charset="0"/>
                         <a:cs typeface="Times New Roman" pitchFamily="18" charset="0"/>
                       </a:endParaRPr>
@@ -33342,75 +33469,89 @@
                         <a:defRPr/>
                       </a:pPr>
                       <a:r>
-                        <a:rPr lang="en-US" sz="1200" i="0" err="1" smtClean="0">
+                        <a:rPr lang="en-US" sz="1200" i="0" dirty="0" err="1" smtClean="0">
                           <a:latin typeface="Times New Roman" pitchFamily="18" charset="0"/>
                           <a:cs typeface="Times New Roman" pitchFamily="18" charset="0"/>
                         </a:rPr>
                         <a:t>Doanh</a:t>
                       </a:r>
                       <a:r>
-                        <a:rPr lang="en-US" sz="1200" i="0" smtClean="0">
-                          <a:latin typeface="Times New Roman" pitchFamily="18" charset="0"/>
-                          <a:cs typeface="Times New Roman" pitchFamily="18" charset="0"/>
-                        </a:rPr>
-                        <a:t> thu </a:t>
-                      </a:r>
-                      <a:r>
-                        <a:rPr lang="en-US" sz="1200" i="0" err="1" smtClean="0">
+                        <a:rPr lang="en-US" sz="1200" i="0" dirty="0" smtClean="0">
+                          <a:latin typeface="Times New Roman" pitchFamily="18" charset="0"/>
+                          <a:cs typeface="Times New Roman" pitchFamily="18" charset="0"/>
+                        </a:rPr>
+                        <a:t> </a:t>
+                      </a:r>
+                      <a:r>
+                        <a:rPr lang="en-US" sz="1200" i="0" dirty="0" err="1" smtClean="0">
+                          <a:latin typeface="Times New Roman" pitchFamily="18" charset="0"/>
+                          <a:cs typeface="Times New Roman" pitchFamily="18" charset="0"/>
+                        </a:rPr>
+                        <a:t>thu</a:t>
+                      </a:r>
+                      <a:r>
+                        <a:rPr lang="en-US" sz="1200" i="0" dirty="0" smtClean="0">
+                          <a:latin typeface="Times New Roman" pitchFamily="18" charset="0"/>
+                          <a:cs typeface="Times New Roman" pitchFamily="18" charset="0"/>
+                        </a:rPr>
+                        <a:t> </a:t>
+                      </a:r>
+                      <a:r>
+                        <a:rPr lang="en-US" sz="1200" i="0" dirty="0" err="1" smtClean="0">
                           <a:latin typeface="Times New Roman" pitchFamily="18" charset="0"/>
                           <a:cs typeface="Times New Roman" pitchFamily="18" charset="0"/>
                         </a:rPr>
                         <a:t>của</a:t>
                       </a:r>
                       <a:r>
-                        <a:rPr lang="en-US" sz="1200" i="0" smtClean="0">
-                          <a:latin typeface="Times New Roman" pitchFamily="18" charset="0"/>
-                          <a:cs typeface="Times New Roman" pitchFamily="18" charset="0"/>
-                        </a:rPr>
-                        <a:t> </a:t>
-                      </a:r>
-                      <a:r>
-                        <a:rPr lang="en-US" sz="1200" i="0" err="1" smtClean="0">
+                        <a:rPr lang="en-US" sz="1200" i="0" dirty="0" smtClean="0">
+                          <a:latin typeface="Times New Roman" pitchFamily="18" charset="0"/>
+                          <a:cs typeface="Times New Roman" pitchFamily="18" charset="0"/>
+                        </a:rPr>
+                        <a:t> </a:t>
+                      </a:r>
+                      <a:r>
+                        <a:rPr lang="en-US" sz="1200" i="0" dirty="0" err="1" smtClean="0">
                           <a:latin typeface="Times New Roman" pitchFamily="18" charset="0"/>
                           <a:cs typeface="Times New Roman" pitchFamily="18" charset="0"/>
                         </a:rPr>
                         <a:t>trường</a:t>
                       </a:r>
                       <a:r>
-                        <a:rPr lang="en-US" sz="1200" i="0" smtClean="0">
-                          <a:latin typeface="Times New Roman" pitchFamily="18" charset="0"/>
-                          <a:cs typeface="Times New Roman" pitchFamily="18" charset="0"/>
-                        </a:rPr>
-                        <a:t> </a:t>
-                      </a:r>
-                      <a:r>
-                        <a:rPr lang="en-US" sz="1200" i="0" err="1" smtClean="0">
+                        <a:rPr lang="en-US" sz="1200" i="0" dirty="0" smtClean="0">
+                          <a:latin typeface="Times New Roman" pitchFamily="18" charset="0"/>
+                          <a:cs typeface="Times New Roman" pitchFamily="18" charset="0"/>
+                        </a:rPr>
+                        <a:t> </a:t>
+                      </a:r>
+                      <a:r>
+                        <a:rPr lang="en-US" sz="1200" i="0" dirty="0" err="1" smtClean="0">
                           <a:latin typeface="Times New Roman" pitchFamily="18" charset="0"/>
                           <a:cs typeface="Times New Roman" pitchFamily="18" charset="0"/>
                         </a:rPr>
                         <a:t>học</a:t>
                       </a:r>
                       <a:r>
-                        <a:rPr lang="en-US" sz="1200" i="0" smtClean="0">
-                          <a:latin typeface="Times New Roman" pitchFamily="18" charset="0"/>
-                          <a:cs typeface="Times New Roman" pitchFamily="18" charset="0"/>
-                        </a:rPr>
-                        <a:t> </a:t>
-                      </a:r>
-                      <a:r>
-                        <a:rPr lang="en-US" sz="1200" i="0" err="1" smtClean="0">
+                        <a:rPr lang="en-US" sz="1200" i="0" dirty="0" smtClean="0">
+                          <a:latin typeface="Times New Roman" pitchFamily="18" charset="0"/>
+                          <a:cs typeface="Times New Roman" pitchFamily="18" charset="0"/>
+                        </a:rPr>
+                        <a:t> </a:t>
+                      </a:r>
+                      <a:r>
+                        <a:rPr lang="en-US" sz="1200" i="0" dirty="0" err="1" smtClean="0">
                           <a:latin typeface="Times New Roman" pitchFamily="18" charset="0"/>
                           <a:cs typeface="Times New Roman" pitchFamily="18" charset="0"/>
                         </a:rPr>
                         <a:t>giảm</a:t>
                       </a:r>
-                      <a:endParaRPr lang="en-US" sz="1200" i="0" smtClean="0">
+                      <a:endParaRPr lang="en-US" sz="1200" i="0" dirty="0" smtClean="0">
                         <a:latin typeface="Times New Roman" pitchFamily="18" charset="0"/>
                         <a:cs typeface="Times New Roman" pitchFamily="18" charset="0"/>
                       </a:endParaRPr>
                     </a:p>
                     <a:p>
-                      <a:endParaRPr lang="en-US" sz="1200" i="0">
+                      <a:endParaRPr lang="en-US" sz="1200" i="0" dirty="0">
                         <a:latin typeface="Times New Roman" pitchFamily="18" charset="0"/>
                         <a:cs typeface="Times New Roman" pitchFamily="18" charset="0"/>
                       </a:endParaRPr>
@@ -40132,15 +40273,7 @@
                   <a:schemeClr val="bg1"/>
                 </a:solidFill>
               </a:rPr>
-              <a:t> </a:t>
-            </a:r>
-            <a:r>
-              <a:rPr lang="en-US" dirty="0" smtClean="0">
-                <a:solidFill>
-                  <a:schemeClr val="bg1"/>
-                </a:solidFill>
-              </a:rPr>
-              <a:t>HOU-</a:t>
+              <a:t> HOU-</a:t>
             </a:r>
             <a:r>
               <a:rPr lang="en-US" dirty="0" err="1" smtClean="0">
@@ -40426,15 +40559,7 @@
                   <a:schemeClr val="bg1"/>
                 </a:solidFill>
               </a:rPr>
-              <a:t>̀ </a:t>
-            </a:r>
-            <a:r>
-              <a:rPr lang="en-US" sz="3200" dirty="0" smtClean="0">
-                <a:solidFill>
-                  <a:schemeClr val="bg1"/>
-                </a:solidFill>
-              </a:rPr>
-              <a:t>NGHỈ HỌC </a:t>
+              <a:t>̀ NGHỈ HỌC </a:t>
             </a:r>
             <a:r>
               <a:rPr lang="en-US" sz="3200" dirty="0" err="1" smtClean="0">
@@ -42165,7 +42290,7 @@
         </p:nvGraphicFramePr>
         <p:xfrm>
           <a:off x="457200" y="1600200"/>
-          <a:ext cx="8382000" cy="6314440"/>
+          <a:ext cx="8382000" cy="6131560"/>
         </p:xfrm>
         <a:graphic>
           <a:graphicData uri="http://schemas.openxmlformats.org/drawingml/2006/table">
@@ -42305,19 +42430,11 @@
                     <a:p>
                       <a:r>
                         <a:rPr lang="en-US" sz="1200" dirty="0" smtClean="0"/>
-                        <a:t>Flight Risk:</a:t>
+                        <a:t>Flight risk:</a:t>
                       </a:r>
                       <a:r>
                         <a:rPr lang="en-US" sz="1200" baseline="0" dirty="0" smtClean="0"/>
-                        <a:t> Identifying Potential </a:t>
-                      </a:r>
-                      <a:r>
-                        <a:rPr lang="vi-VN" sz="1200" baseline="0" dirty="0" smtClean="0"/>
-                        <a:t>NGHỈ HỌC</a:t>
-                      </a:r>
-                      <a:r>
-                        <a:rPr lang="en-US" sz="1200" baseline="0" dirty="0" smtClean="0"/>
-                        <a:t>s</a:t>
+                        <a:t> identifying potential dropouts</a:t>
                       </a:r>
                       <a:endParaRPr lang="en-US" sz="1200" dirty="0"/>
                     </a:p>
@@ -42636,14 +42753,14 @@
                     <a:lstStyle/>
                     <a:p>
                       <a:r>
-                        <a:rPr lang="en-US" sz="1200" smtClean="0"/>
-                        <a:t>Improving Graduation Rates of</a:t>
-                      </a:r>
-                      <a:r>
-                        <a:rPr lang="en-US" sz="1200" baseline="0" smtClean="0"/>
-                        <a:t> Open and Distance Learners via Online Community</a:t>
-                      </a:r>
-                      <a:endParaRPr lang="en-US" sz="1200"/>
+                        <a:rPr lang="en-US" sz="1200" dirty="0" smtClean="0"/>
+                        <a:t>Improving graduation rates of</a:t>
+                      </a:r>
+                      <a:r>
+                        <a:rPr lang="en-US" sz="1200" baseline="0" dirty="0" smtClean="0"/>
+                        <a:t> open and distance learners via online community</a:t>
+                      </a:r>
+                      <a:endParaRPr lang="en-US" sz="1200" dirty="0"/>
                     </a:p>
                   </a:txBody>
                   <a:tcPr/>
@@ -42861,22 +42978,14 @@
                     <a:lstStyle/>
                     <a:p>
                       <a:r>
-                        <a:rPr lang="en-US" sz="1200" smtClean="0"/>
+                        <a:rPr lang="en-US" sz="1200" dirty="0" smtClean="0"/>
                         <a:t>A review of</a:t>
                       </a:r>
                       <a:r>
-                        <a:rPr lang="en-US" sz="1200" baseline="0" smtClean="0"/>
-                        <a:t> Online Course </a:t>
-                      </a:r>
-                      <a:r>
-                        <a:rPr lang="vi-VN" sz="1200" baseline="0" smtClean="0"/>
-                        <a:t>NGHỈ HỌC</a:t>
-                      </a:r>
-                      <a:r>
-                        <a:rPr lang="en-US" sz="1200" baseline="0" smtClean="0"/>
-                        <a:t> research and Suggestions for Future Research</a:t>
-                      </a:r>
-                      <a:endParaRPr lang="en-US" sz="1200"/>
+                        <a:rPr lang="en-US" sz="1200" baseline="0" dirty="0" smtClean="0"/>
+                        <a:t> online course drop out research and suggestions for future research</a:t>
+                      </a:r>
+                      <a:endParaRPr lang="en-US" sz="1200" dirty="0"/>
                     </a:p>
                   </a:txBody>
                   <a:tcPr/>
@@ -43217,18 +43326,18 @@
                     <a:lstStyle/>
                     <a:p>
                       <a:r>
-                        <a:rPr lang="en-US" sz="1200" smtClean="0"/>
-                        <a:t>Running head: </a:t>
-                      </a:r>
-                      <a:r>
-                        <a:rPr lang="vi-VN" sz="1200" smtClean="0"/>
-                        <a:t>NGHỈ HỌC</a:t>
-                      </a:r>
-                      <a:r>
-                        <a:rPr lang="en-US" sz="1200" smtClean="0"/>
-                        <a:t> in e-learning courses</a:t>
-                      </a:r>
-                      <a:endParaRPr lang="en-US" sz="1200"/>
+                        <a:rPr lang="en-US" sz="1200" dirty="0" smtClean="0"/>
+                        <a:t>Running head: dropout</a:t>
+                      </a:r>
+                      <a:r>
+                        <a:rPr lang="en-US" sz="1200" baseline="0" dirty="0" smtClean="0"/>
+                        <a:t> </a:t>
+                      </a:r>
+                      <a:r>
+                        <a:rPr lang="en-US" sz="1200" dirty="0" smtClean="0"/>
+                        <a:t>in e-learning courses</a:t>
+                      </a:r>
+                      <a:endParaRPr lang="en-US" sz="1200" dirty="0"/>
                     </a:p>
                   </a:txBody>
                   <a:tcPr/>
@@ -43301,22 +43410,14 @@
                     <a:lstStyle/>
                     <a:p>
                       <a:r>
-                        <a:rPr lang="en-US" sz="1200" smtClean="0"/>
-                        <a:t>Comparing </a:t>
-                      </a:r>
-                      <a:r>
-                        <a:rPr lang="vi-VN" sz="1200" smtClean="0"/>
-                        <a:t>NGHỈ HỌC</a:t>
-                      </a:r>
-                      <a:r>
-                        <a:rPr lang="en-US" sz="1200" smtClean="0"/>
-                        <a:t>s</a:t>
-                      </a:r>
-                      <a:r>
-                        <a:rPr lang="en-US" sz="1200" baseline="0" smtClean="0"/>
+                        <a:rPr lang="en-US" sz="1200" dirty="0" smtClean="0"/>
+                        <a:t>Comparing dropouts</a:t>
+                      </a:r>
+                      <a:r>
+                        <a:rPr lang="en-US" sz="1200" baseline="0" dirty="0" smtClean="0"/>
                         <a:t> and persistence in e-learning courses</a:t>
                       </a:r>
-                      <a:endParaRPr lang="en-US" sz="1200"/>
+                      <a:endParaRPr lang="en-US" sz="1200" dirty="0"/>
                     </a:p>
                   </a:txBody>
                   <a:tcPr/>
@@ -43389,18 +43490,22 @@
                     <a:lstStyle/>
                     <a:p>
                       <a:r>
-                        <a:rPr lang="vi-VN" sz="1200" smtClean="0"/>
-                        <a:t>NGHỈ HỌC</a:t>
-                      </a:r>
-                      <a:r>
-                        <a:rPr lang="en-US" sz="1200" smtClean="0"/>
-                        <a:t> Prevention using eLearning and Homeschooling No One Left</a:t>
-                      </a:r>
-                      <a:r>
-                        <a:rPr lang="en-US" sz="1200" baseline="0" smtClean="0"/>
-                        <a:t> Behind – Education for All- Well Educated People without Schools</a:t>
-                      </a:r>
-                      <a:endParaRPr lang="en-US" sz="1200"/>
+                        <a:rPr lang="en-US" sz="1200" dirty="0" smtClean="0"/>
+                        <a:t>Dropout prevention using </a:t>
+                      </a:r>
+                      <a:r>
+                        <a:rPr lang="en-US" sz="1200" dirty="0" err="1" smtClean="0"/>
+                        <a:t>elearning</a:t>
+                      </a:r>
+                      <a:r>
+                        <a:rPr lang="en-US" sz="1200" dirty="0" smtClean="0"/>
+                        <a:t> and homeschooling no one left</a:t>
+                      </a:r>
+                      <a:r>
+                        <a:rPr lang="en-US" sz="1200" baseline="0" dirty="0" smtClean="0"/>
+                        <a:t> behind – education for all- well educated people without schools</a:t>
+                      </a:r>
+                      <a:endParaRPr lang="en-US" sz="1200" dirty="0"/>
                     </a:p>
                   </a:txBody>
                   <a:tcPr/>
@@ -43513,22 +43618,22 @@
                     <a:lstStyle/>
                     <a:p>
                       <a:r>
-                        <a:rPr lang="en-US" sz="1200" smtClean="0"/>
+                        <a:rPr lang="en-US" sz="1200" dirty="0" smtClean="0"/>
                         <a:t>Impact of</a:t>
                       </a:r>
                       <a:r>
-                        <a:rPr lang="en-US" sz="1200" baseline="0" smtClean="0"/>
-                        <a:t> </a:t>
-                      </a:r>
-                      <a:r>
-                        <a:rPr lang="en-US" sz="1200" baseline="0" err="1" smtClean="0"/>
+                        <a:rPr lang="en-US" sz="1200" baseline="0" dirty="0" smtClean="0"/>
+                        <a:t> </a:t>
+                      </a:r>
+                      <a:r>
+                        <a:rPr lang="en-US" sz="1200" baseline="0" dirty="0" err="1" smtClean="0"/>
                         <a:t>organisational</a:t>
                       </a:r>
                       <a:r>
-                        <a:rPr lang="en-US" sz="1200" baseline="0" smtClean="0"/>
+                        <a:rPr lang="en-US" sz="1200" baseline="0" dirty="0" smtClean="0"/>
                         <a:t> aspects on drop-out in e-learning and distance education report of experiences</a:t>
                       </a:r>
-                      <a:endParaRPr lang="en-US" sz="1200"/>
+                      <a:endParaRPr lang="en-US" sz="1200" dirty="0"/>
                     </a:p>
                   </a:txBody>
                   <a:tcPr/>

--- a/01. Document/DropOut_Project_Report v_04.12.2011.pptx
+++ b/01. Document/DropOut_Project_Report v_04.12.2011.pptx
@@ -5,10 +5,10 @@
     <p:sldMasterId id="2147483648" r:id="rId1"/>
   </p:sldMasterIdLst>
   <p:notesMasterIdLst>
-    <p:notesMasterId r:id="rId23"/>
+    <p:notesMasterId r:id="rId24"/>
   </p:notesMasterIdLst>
   <p:handoutMasterIdLst>
-    <p:handoutMasterId r:id="rId24"/>
+    <p:handoutMasterId r:id="rId25"/>
   </p:handoutMasterIdLst>
   <p:sldIdLst>
     <p:sldId id="258" r:id="rId2"/>
@@ -27,11 +27,12 @@
     <p:sldId id="286" r:id="rId15"/>
     <p:sldId id="290" r:id="rId16"/>
     <p:sldId id="287" r:id="rId17"/>
-    <p:sldId id="297" r:id="rId18"/>
-    <p:sldId id="299" r:id="rId19"/>
-    <p:sldId id="288" r:id="rId20"/>
-    <p:sldId id="289" r:id="rId21"/>
-    <p:sldId id="271" r:id="rId22"/>
+    <p:sldId id="301" r:id="rId18"/>
+    <p:sldId id="297" r:id="rId19"/>
+    <p:sldId id="299" r:id="rId20"/>
+    <p:sldId id="288" r:id="rId21"/>
+    <p:sldId id="289" r:id="rId22"/>
+    <p:sldId id="271" r:id="rId23"/>
   </p:sldIdLst>
   <p:sldSz cx="9144000" cy="6858000" type="screen4x3"/>
   <p:notesSz cx="7315200" cy="9601200"/>
@@ -253,7 +254,7 @@
                   <c:v>0.23832034024881138</c:v>
                 </c:pt>
                 <c:pt idx="3">
-                  <c:v>0.39262967375366736</c:v>
+                  <c:v>0.39262967375366747</c:v>
                 </c:pt>
               </c:numCache>
             </c:numRef>
@@ -309,13 +310,13 @@
                   <c:v>0.20414887194318332</c:v>
                 </c:pt>
                 <c:pt idx="2">
-                  <c:v>0.36933638443936001</c:v>
+                  <c:v>0.36933638443936007</c:v>
                 </c:pt>
                 <c:pt idx="3">
-                  <c:v>0.31250000000000067</c:v>
+                  <c:v>0.31250000000000072</c:v>
                 </c:pt>
                 <c:pt idx="4">
-                  <c:v>0.31250000000000067</c:v>
+                  <c:v>0.31250000000000072</c:v>
                 </c:pt>
               </c:numCache>
             </c:numRef>
@@ -368,7 +369,7 @@
                   <c:v>0</c:v>
                 </c:pt>
                 <c:pt idx="1">
-                  <c:v>0.13237374467863658</c:v>
+                  <c:v>0.13237374467863655</c:v>
                 </c:pt>
                 <c:pt idx="2">
                   <c:v>0.42974122300911977</c:v>
@@ -387,25 +388,25 @@
           <c:showVal val="1"/>
         </c:dLbls>
         <c:shape val="box"/>
-        <c:axId val="74984064"/>
-        <c:axId val="74998144"/>
+        <c:axId val="93342720"/>
+        <c:axId val="93356800"/>
         <c:axId val="0"/>
       </c:bar3DChart>
       <c:catAx>
-        <c:axId val="74984064"/>
+        <c:axId val="93342720"/>
         <c:scaling>
           <c:orientation val="minMax"/>
         </c:scaling>
         <c:axPos val="b"/>
         <c:tickLblPos val="nextTo"/>
-        <c:crossAx val="74998144"/>
+        <c:crossAx val="93356800"/>
         <c:crosses val="autoZero"/>
         <c:auto val="1"/>
         <c:lblAlgn val="ctr"/>
         <c:lblOffset val="100"/>
       </c:catAx>
       <c:valAx>
-        <c:axId val="74998144"/>
+        <c:axId val="93356800"/>
         <c:scaling>
           <c:orientation val="minMax"/>
         </c:scaling>
@@ -440,7 +441,7 @@
         </c:title>
         <c:numFmt formatCode="0%" sourceLinked="1"/>
         <c:tickLblPos val="nextTo"/>
-        <c:crossAx val="74984064"/>
+        <c:crossAx val="93342720"/>
         <c:crosses val="autoZero"/>
         <c:crossBetween val="between"/>
       </c:valAx>
@@ -11343,7 +11344,7 @@
             <a:fld id="{B15AAD03-AE80-496F-8F45-189D92BA181B}" type="datetimeFigureOut">
               <a:rPr lang="en-US" smtClean="0"/>
               <a:pPr/>
-              <a:t>12/04/2011</a:t>
+              <a:t>12/06/2011</a:t>
             </a:fld>
             <a:endParaRPr lang="en-US"/>
           </a:p>
@@ -11505,7 +11506,7 @@
             <a:fld id="{F37C5903-F0B2-49F1-93CE-20768D7E294D}" type="datetimeFigureOut">
               <a:rPr lang="en-US" smtClean="0"/>
               <a:pPr/>
-              <a:t>12/04/2011</a:t>
+              <a:t>12/06/2011</a:t>
             </a:fld>
             <a:endParaRPr lang="en-US"/>
           </a:p>
@@ -15325,31 +15326,18 @@
           </a:bodyPr>
           <a:lstStyle/>
           <a:p>
-            <a:pPr algn="l">
+            <a:pPr algn="just">
               <a:buFont typeface="Wingdings" pitchFamily="2" charset="2"/>
               <a:buChar char="v"/>
             </a:pPr>
             <a:r>
-              <a:rPr lang="vi-VN" spc="0" dirty="0" smtClean="0">
-                <a:solidFill>
-                  <a:srgbClr val="FF0000"/>
-                </a:solidFill>
-              </a:rPr>
-              <a:t>Cài đặt và mô phỏng kỹ thuật mô hình mạng </a:t>
-            </a:r>
-            <a:r>
-              <a:rPr lang="vi-VN" u="none" spc="0" dirty="0" smtClean="0">
-                <a:solidFill>
-                  <a:srgbClr val="FF0000"/>
-                </a:solidFill>
-              </a:rPr>
-              <a:t>Neuro</a:t>
-            </a:r>
-            <a:endParaRPr lang="en-US" u="none" spc="0" dirty="0" smtClean="0">
-              <a:solidFill>
-                <a:srgbClr val="FF0000"/>
-              </a:solidFill>
-            </a:endParaRPr>
+              <a:rPr lang="vi-VN" dirty="0" smtClean="0">
+                <a:solidFill>
+                  <a:srgbClr val="FF0000"/>
+                </a:solidFill>
+              </a:rPr>
+              <a:t>Xây dựng chương trình demo chạy dữ liệu thu thập được</a:t>
+            </a:r>
           </a:p>
           <a:p>
             <a:pPr algn="just">
@@ -15357,18 +15345,13 @@
               <a:buChar char="v"/>
             </a:pPr>
             <a:r>
-              <a:rPr lang="vi-VN" spc="0" dirty="0" smtClean="0">
-                <a:solidFill>
-                  <a:srgbClr val="FF0000"/>
-                </a:solidFill>
-              </a:rPr>
-              <a:t>Phân tích dữ liệu, loại bỏ các ngoại lai tập dữ liệu mẫu</a:t>
-            </a:r>
-            <a:endParaRPr lang="en-US" spc="0" dirty="0" smtClean="0">
-              <a:solidFill>
-                <a:srgbClr val="FF0000"/>
-              </a:solidFill>
-            </a:endParaRPr>
+              <a:rPr lang="vi-VN" dirty="0" smtClean="0">
+                <a:solidFill>
+                  <a:srgbClr val="FF0000"/>
+                </a:solidFill>
+              </a:rPr>
+              <a:t> Chương trình nhằm kiểm chứng độ chính xác của tập dữ liệu</a:t>
+            </a:r>
           </a:p>
           <a:p>
             <a:pPr algn="just">
@@ -15376,18 +15359,13 @@
               <a:buChar char="v"/>
             </a:pPr>
             <a:r>
-              <a:rPr lang="vi-VN" spc="0" dirty="0" smtClean="0">
-                <a:solidFill>
-                  <a:srgbClr val="FF0000"/>
-                </a:solidFill>
-              </a:rPr>
-              <a:t>Luyện mạng</a:t>
-            </a:r>
-            <a:endParaRPr lang="en-US" spc="0" dirty="0" smtClean="0">
-              <a:solidFill>
-                <a:srgbClr val="FF0000"/>
-              </a:solidFill>
-            </a:endParaRPr>
+              <a:rPr lang="vi-VN" dirty="0" smtClean="0">
+                <a:solidFill>
+                  <a:srgbClr val="FF0000"/>
+                </a:solidFill>
+              </a:rPr>
+              <a:t>Dự báo trạng thái học viên NGHỈ HỌC yes/no theo kỳ</a:t>
+            </a:r>
           </a:p>
           <a:p>
             <a:pPr algn="just">
@@ -15395,37 +15373,13 @@
               <a:buChar char="v"/>
             </a:pPr>
             <a:r>
-              <a:rPr lang="vi-VN" spc="0" dirty="0" smtClean="0">
-                <a:solidFill>
-                  <a:srgbClr val="FF0000"/>
-                </a:solidFill>
-              </a:rPr>
-              <a:t>Kiểm tra độ chính xác của tập dữ liệu mẫu </a:t>
-            </a:r>
-            <a:endParaRPr lang="en-US" spc="0" dirty="0" smtClean="0">
-              <a:solidFill>
-                <a:srgbClr val="FF0000"/>
-              </a:solidFill>
-            </a:endParaRPr>
-          </a:p>
-          <a:p>
-            <a:pPr algn="just">
-              <a:buFont typeface="Wingdings" pitchFamily="2" charset="2"/>
-              <a:buChar char="v"/>
-            </a:pPr>
-            <a:r>
-              <a:rPr lang="vi-VN" spc="0" dirty="0" smtClean="0">
-                <a:solidFill>
-                  <a:srgbClr val="FF0000"/>
-                </a:solidFill>
-              </a:rPr>
-              <a:t>Hỗ trợ truy vấn kết quả từ tập dữ liệu mới </a:t>
-            </a:r>
-            <a:endParaRPr lang="en-US" spc="0" dirty="0" smtClean="0">
-              <a:solidFill>
-                <a:srgbClr val="FF0000"/>
-              </a:solidFill>
-            </a:endParaRPr>
+              <a:rPr lang="vi-VN" dirty="0" smtClean="0">
+                <a:solidFill>
+                  <a:srgbClr val="FF0000"/>
+                </a:solidFill>
+              </a:rPr>
+              <a:t>Dự báo trạng thái học viên bảo lưu theo kỳ</a:t>
+            </a:r>
           </a:p>
         </p:txBody>
       </p:sp>
@@ -15685,1791 +15639,111 @@
         <p:spPr/>
         <p:txBody>
           <a:bodyPr>
-            <a:normAutofit lnSpcReduction="10000"/>
+            <a:normAutofit/>
           </a:bodyPr>
           <a:lstStyle/>
           <a:p>
-            <a:pPr marL="514350" marR="0" indent="-514350" algn="l" defTabSz="914400" rtl="0" eaLnBrk="1" fontAlgn="auto" latinLnBrk="0" hangingPunct="1">
-              <a:lnSpc>
-                <a:spcPct val="100000"/>
-              </a:lnSpc>
-              <a:spcBef>
-                <a:spcPts val="0"/>
-              </a:spcBef>
-              <a:spcAft>
-                <a:spcPts val="0"/>
-              </a:spcAft>
-              <a:buClrTx/>
-              <a:buSzTx/>
-              <a:buFont typeface="+mj-lt"/>
-              <a:buNone/>
-              <a:tabLst/>
-              <a:defRPr/>
+            <a:pPr algn="l">
+              <a:buFont typeface="Wingdings" pitchFamily="2" charset="2"/>
+              <a:buChar char="v"/>
             </a:pPr>
             <a:r>
-              <a:rPr lang="vi-VN" sz="1400" dirty="0" smtClean="0">
-                <a:solidFill>
-                  <a:srgbClr val="000000"/>
-                </a:solidFill>
-              </a:rPr>
-              <a:t>Kết quả chương trình dự báo trạng thái học viên drop-out yes/no theo kỳ</a:t>
-            </a:r>
-          </a:p>
-          <a:p>
-            <a:pPr marL="514350" indent="-514350">
-              <a:buFont typeface="+mj-lt"/>
-              <a:buNone/>
-            </a:pPr>
-            <a:endParaRPr lang="en-US" sz="1400" dirty="0" smtClean="0">
+              <a:rPr lang="vi-VN" spc="0" dirty="0" smtClean="0">
+                <a:solidFill>
+                  <a:srgbClr val="FF0000"/>
+                </a:solidFill>
+              </a:rPr>
+              <a:t>Cài đặt và mô phỏng kỹ thuật mô hình mạng </a:t>
+            </a:r>
+            <a:r>
+              <a:rPr lang="vi-VN" u="none" spc="0" dirty="0" smtClean="0">
+                <a:solidFill>
+                  <a:srgbClr val="FF0000"/>
+                </a:solidFill>
+              </a:rPr>
+              <a:t>Neuro</a:t>
+            </a:r>
+            <a:endParaRPr lang="en-US" u="none" spc="0" dirty="0" smtClean="0">
               <a:solidFill>
                 <a:srgbClr val="FF0000"/>
               </a:solidFill>
-              <a:latin typeface="Times New Roman" pitchFamily="18" charset="0"/>
-              <a:cs typeface="Times New Roman" pitchFamily="18" charset="0"/>
             </a:endParaRPr>
           </a:p>
           <a:p>
-            <a:pPr marL="514350" indent="-514350">
-              <a:buFont typeface="+mj-lt"/>
-              <a:buAutoNum type="arabicPeriod"/>
+            <a:pPr algn="just">
+              <a:buFont typeface="Wingdings" pitchFamily="2" charset="2"/>
+              <a:buChar char="v"/>
             </a:pPr>
             <a:r>
-              <a:rPr lang="en-US" sz="1400" dirty="0" smtClean="0">
-                <a:solidFill>
-                  <a:srgbClr val="FF0000"/>
-                </a:solidFill>
-                <a:latin typeface="Times New Roman" pitchFamily="18" charset="0"/>
-                <a:cs typeface="Times New Roman" pitchFamily="18" charset="0"/>
-              </a:rPr>
-              <a:t>Thu </a:t>
-            </a:r>
-            <a:r>
-              <a:rPr lang="en-US" sz="1400" dirty="0" err="1" smtClean="0">
-                <a:solidFill>
-                  <a:srgbClr val="FF0000"/>
-                </a:solidFill>
-                <a:latin typeface="Times New Roman" pitchFamily="18" charset="0"/>
-                <a:cs typeface="Times New Roman" pitchFamily="18" charset="0"/>
-              </a:rPr>
-              <a:t>thập</a:t>
-            </a:r>
-            <a:r>
-              <a:rPr lang="en-US" sz="1400" dirty="0" smtClean="0">
-                <a:solidFill>
-                  <a:srgbClr val="FF0000"/>
-                </a:solidFill>
-                <a:latin typeface="Times New Roman" pitchFamily="18" charset="0"/>
-                <a:cs typeface="Times New Roman" pitchFamily="18" charset="0"/>
-              </a:rPr>
-              <a:t> </a:t>
-            </a:r>
-            <a:r>
-              <a:rPr lang="en-US" sz="1400" dirty="0" err="1" smtClean="0">
-                <a:solidFill>
-                  <a:srgbClr val="FF0000"/>
-                </a:solidFill>
-                <a:latin typeface="Times New Roman" pitchFamily="18" charset="0"/>
-                <a:cs typeface="Times New Roman" pitchFamily="18" charset="0"/>
-              </a:rPr>
-              <a:t>dư</a:t>
-            </a:r>
-            <a:r>
-              <a:rPr lang="en-US" sz="1400" dirty="0" smtClean="0">
-                <a:solidFill>
-                  <a:srgbClr val="FF0000"/>
-                </a:solidFill>
-                <a:latin typeface="Times New Roman" pitchFamily="18" charset="0"/>
-                <a:cs typeface="Times New Roman" pitchFamily="18" charset="0"/>
-              </a:rPr>
-              <a:t>̃ </a:t>
-            </a:r>
-            <a:r>
-              <a:rPr lang="en-US" sz="1400" dirty="0" err="1" smtClean="0">
-                <a:solidFill>
-                  <a:srgbClr val="FF0000"/>
-                </a:solidFill>
-                <a:latin typeface="Times New Roman" pitchFamily="18" charset="0"/>
-                <a:cs typeface="Times New Roman" pitchFamily="18" charset="0"/>
-              </a:rPr>
-              <a:t>liệu</a:t>
-            </a:r>
-            <a:endParaRPr lang="en-US" sz="1400" dirty="0" smtClean="0">
+              <a:rPr lang="vi-VN" spc="0" dirty="0" smtClean="0">
+                <a:solidFill>
+                  <a:srgbClr val="FF0000"/>
+                </a:solidFill>
+              </a:rPr>
+              <a:t>Phân tích dữ liệu, loại bỏ các ngoại lai tập dữ liệu mẫu</a:t>
+            </a:r>
+            <a:endParaRPr lang="en-US" spc="0" dirty="0" smtClean="0">
               <a:solidFill>
                 <a:srgbClr val="FF0000"/>
               </a:solidFill>
-              <a:latin typeface="Times New Roman" pitchFamily="18" charset="0"/>
-              <a:cs typeface="Times New Roman" pitchFamily="18" charset="0"/>
             </a:endParaRPr>
           </a:p>
           <a:p>
-            <a:pPr lvl="1">
+            <a:pPr algn="just">
               <a:buFont typeface="Wingdings" pitchFamily="2" charset="2"/>
-              <a:buChar char="Ø"/>
+              <a:buChar char="v"/>
             </a:pPr>
             <a:r>
-              <a:rPr lang="en-US" sz="1400" dirty="0" smtClean="0">
-                <a:solidFill>
-                  <a:srgbClr val="FF0000"/>
-                </a:solidFill>
-                <a:latin typeface="Times New Roman" pitchFamily="18" charset="0"/>
-                <a:cs typeface="Times New Roman" pitchFamily="18" charset="0"/>
-              </a:rPr>
-              <a:t>Thu </a:t>
-            </a:r>
-            <a:r>
-              <a:rPr lang="en-US" sz="1400" dirty="0" err="1" smtClean="0">
-                <a:solidFill>
-                  <a:srgbClr val="FF0000"/>
-                </a:solidFill>
-                <a:latin typeface="Times New Roman" pitchFamily="18" charset="0"/>
-                <a:cs typeface="Times New Roman" pitchFamily="18" charset="0"/>
-              </a:rPr>
-              <a:t>thập</a:t>
-            </a:r>
-            <a:r>
-              <a:rPr lang="en-US" sz="1400" dirty="0" smtClean="0">
-                <a:solidFill>
-                  <a:srgbClr val="FF0000"/>
-                </a:solidFill>
-                <a:latin typeface="Times New Roman" pitchFamily="18" charset="0"/>
-                <a:cs typeface="Times New Roman" pitchFamily="18" charset="0"/>
-              </a:rPr>
-              <a:t> </a:t>
-            </a:r>
-            <a:r>
-              <a:rPr lang="en-US" sz="1400" dirty="0" err="1" smtClean="0">
-                <a:solidFill>
-                  <a:srgbClr val="FF0000"/>
-                </a:solidFill>
-                <a:latin typeface="Times New Roman" pitchFamily="18" charset="0"/>
-                <a:cs typeface="Times New Roman" pitchFamily="18" charset="0"/>
-              </a:rPr>
-              <a:t>được</a:t>
-            </a:r>
-            <a:r>
-              <a:rPr lang="en-US" sz="1400" dirty="0" smtClean="0">
-                <a:solidFill>
-                  <a:srgbClr val="FF0000"/>
-                </a:solidFill>
-                <a:latin typeface="Times New Roman" pitchFamily="18" charset="0"/>
-                <a:cs typeface="Times New Roman" pitchFamily="18" charset="0"/>
-              </a:rPr>
-              <a:t> 30 </a:t>
-            </a:r>
-            <a:r>
-              <a:rPr lang="en-US" sz="1400" dirty="0" err="1" smtClean="0">
-                <a:solidFill>
-                  <a:srgbClr val="FF0000"/>
-                </a:solidFill>
-                <a:latin typeface="Times New Roman" pitchFamily="18" charset="0"/>
-                <a:cs typeface="Times New Roman" pitchFamily="18" charset="0"/>
-              </a:rPr>
-              <a:t>cột</a:t>
-            </a:r>
-            <a:r>
-              <a:rPr lang="en-US" sz="1400" dirty="0" smtClean="0">
-                <a:solidFill>
-                  <a:srgbClr val="FF0000"/>
-                </a:solidFill>
-                <a:latin typeface="Times New Roman" pitchFamily="18" charset="0"/>
-                <a:cs typeface="Times New Roman" pitchFamily="18" charset="0"/>
-              </a:rPr>
-              <a:t> </a:t>
-            </a:r>
-            <a:r>
-              <a:rPr lang="en-US" sz="1400" dirty="0" err="1" smtClean="0">
-                <a:solidFill>
-                  <a:srgbClr val="FF0000"/>
-                </a:solidFill>
-                <a:latin typeface="Times New Roman" pitchFamily="18" charset="0"/>
-                <a:cs typeface="Times New Roman" pitchFamily="18" charset="0"/>
-              </a:rPr>
-              <a:t>thuộc</a:t>
-            </a:r>
-            <a:r>
-              <a:rPr lang="en-US" sz="1400" dirty="0" smtClean="0">
-                <a:solidFill>
-                  <a:srgbClr val="FF0000"/>
-                </a:solidFill>
-                <a:latin typeface="Times New Roman" pitchFamily="18" charset="0"/>
-                <a:cs typeface="Times New Roman" pitchFamily="18" charset="0"/>
-              </a:rPr>
-              <a:t> </a:t>
-            </a:r>
-            <a:r>
-              <a:rPr lang="en-US" sz="1400" dirty="0" err="1" smtClean="0">
-                <a:solidFill>
-                  <a:srgbClr val="FF0000"/>
-                </a:solidFill>
-                <a:latin typeface="Times New Roman" pitchFamily="18" charset="0"/>
-                <a:cs typeface="Times New Roman" pitchFamily="18" charset="0"/>
-              </a:rPr>
-              <a:t>tính</a:t>
-            </a:r>
-            <a:r>
-              <a:rPr lang="en-US" sz="1400" dirty="0" smtClean="0">
-                <a:solidFill>
-                  <a:srgbClr val="FF0000"/>
-                </a:solidFill>
-                <a:latin typeface="Times New Roman" pitchFamily="18" charset="0"/>
-                <a:cs typeface="Times New Roman" pitchFamily="18" charset="0"/>
-              </a:rPr>
-              <a:t> </a:t>
-            </a:r>
-            <a:r>
-              <a:rPr lang="en-US" sz="1400" dirty="0" err="1" smtClean="0">
-                <a:solidFill>
-                  <a:srgbClr val="FF0000"/>
-                </a:solidFill>
-                <a:latin typeface="Times New Roman" pitchFamily="18" charset="0"/>
-                <a:cs typeface="Times New Roman" pitchFamily="18" charset="0"/>
-              </a:rPr>
-              <a:t>va</a:t>
-            </a:r>
-            <a:r>
-              <a:rPr lang="en-US" sz="1400" dirty="0" smtClean="0">
-                <a:solidFill>
-                  <a:srgbClr val="FF0000"/>
-                </a:solidFill>
-                <a:latin typeface="Times New Roman" pitchFamily="18" charset="0"/>
-                <a:cs typeface="Times New Roman" pitchFamily="18" charset="0"/>
-              </a:rPr>
-              <a:t>̀ 7476 </a:t>
-            </a:r>
-            <a:r>
-              <a:rPr lang="en-US" sz="1400" dirty="0" err="1" smtClean="0">
-                <a:solidFill>
-                  <a:srgbClr val="FF0000"/>
-                </a:solidFill>
-                <a:latin typeface="Times New Roman" pitchFamily="18" charset="0"/>
-                <a:cs typeface="Times New Roman" pitchFamily="18" charset="0"/>
-              </a:rPr>
-              <a:t>hàng</a:t>
-            </a:r>
-            <a:r>
-              <a:rPr lang="en-US" sz="1400" dirty="0" smtClean="0">
-                <a:solidFill>
-                  <a:srgbClr val="FF0000"/>
-                </a:solidFill>
-                <a:latin typeface="Times New Roman" pitchFamily="18" charset="0"/>
-                <a:cs typeface="Times New Roman" pitchFamily="18" charset="0"/>
-              </a:rPr>
-              <a:t> </a:t>
-            </a:r>
-            <a:r>
-              <a:rPr lang="en-US" sz="1400" dirty="0" err="1" smtClean="0">
-                <a:solidFill>
-                  <a:srgbClr val="FF0000"/>
-                </a:solidFill>
-                <a:latin typeface="Times New Roman" pitchFamily="18" charset="0"/>
-                <a:cs typeface="Times New Roman" pitchFamily="18" charset="0"/>
-              </a:rPr>
-              <a:t>dư</a:t>
-            </a:r>
-            <a:r>
-              <a:rPr lang="en-US" sz="1400" dirty="0" smtClean="0">
-                <a:solidFill>
-                  <a:srgbClr val="FF0000"/>
-                </a:solidFill>
-                <a:latin typeface="Times New Roman" pitchFamily="18" charset="0"/>
-                <a:cs typeface="Times New Roman" pitchFamily="18" charset="0"/>
-              </a:rPr>
-              <a:t>̃ </a:t>
-            </a:r>
-            <a:r>
-              <a:rPr lang="en-US" sz="1400" dirty="0" err="1" smtClean="0">
-                <a:solidFill>
-                  <a:srgbClr val="FF0000"/>
-                </a:solidFill>
-                <a:latin typeface="Times New Roman" pitchFamily="18" charset="0"/>
-                <a:cs typeface="Times New Roman" pitchFamily="18" charset="0"/>
-              </a:rPr>
-              <a:t>liệu</a:t>
-            </a:r>
-            <a:r>
-              <a:rPr lang="en-US" sz="1400" dirty="0" smtClean="0">
-                <a:solidFill>
-                  <a:srgbClr val="FF0000"/>
-                </a:solidFill>
-                <a:latin typeface="Times New Roman" pitchFamily="18" charset="0"/>
-                <a:cs typeface="Times New Roman" pitchFamily="18" charset="0"/>
-              </a:rPr>
-              <a:t> </a:t>
-            </a:r>
-            <a:r>
-              <a:rPr lang="en-US" sz="1400" dirty="0" err="1" smtClean="0">
-                <a:solidFill>
-                  <a:srgbClr val="FF0000"/>
-                </a:solidFill>
-                <a:latin typeface="Times New Roman" pitchFamily="18" charset="0"/>
-                <a:cs typeface="Times New Roman" pitchFamily="18" charset="0"/>
-              </a:rPr>
-              <a:t>vê</a:t>
-            </a:r>
-            <a:r>
-              <a:rPr lang="en-US" sz="1400" dirty="0" smtClean="0">
-                <a:solidFill>
-                  <a:srgbClr val="FF0000"/>
-                </a:solidFill>
-                <a:latin typeface="Times New Roman" pitchFamily="18" charset="0"/>
-                <a:cs typeface="Times New Roman" pitchFamily="18" charset="0"/>
-              </a:rPr>
-              <a:t>̀ </a:t>
-            </a:r>
-            <a:r>
-              <a:rPr lang="en-US" sz="1400" dirty="0" err="1" smtClean="0">
-                <a:solidFill>
-                  <a:srgbClr val="FF0000"/>
-                </a:solidFill>
-                <a:latin typeface="Times New Roman" pitchFamily="18" charset="0"/>
-                <a:cs typeface="Times New Roman" pitchFamily="18" charset="0"/>
-              </a:rPr>
-              <a:t>hô</a:t>
-            </a:r>
-            <a:r>
-              <a:rPr lang="en-US" sz="1400" dirty="0" smtClean="0">
-                <a:solidFill>
-                  <a:srgbClr val="FF0000"/>
-                </a:solidFill>
-                <a:latin typeface="Times New Roman" pitchFamily="18" charset="0"/>
-                <a:cs typeface="Times New Roman" pitchFamily="18" charset="0"/>
-              </a:rPr>
-              <a:t>̀ </a:t>
-            </a:r>
-            <a:r>
-              <a:rPr lang="en-US" sz="1400" dirty="0" err="1" smtClean="0">
-                <a:solidFill>
-                  <a:srgbClr val="FF0000"/>
-                </a:solidFill>
-                <a:latin typeface="Times New Roman" pitchFamily="18" charset="0"/>
-                <a:cs typeface="Times New Roman" pitchFamily="18" charset="0"/>
-              </a:rPr>
-              <a:t>sơ</a:t>
-            </a:r>
-            <a:r>
-              <a:rPr lang="en-US" sz="1400" dirty="0" smtClean="0">
-                <a:solidFill>
-                  <a:srgbClr val="FF0000"/>
-                </a:solidFill>
-                <a:latin typeface="Times New Roman" pitchFamily="18" charset="0"/>
-                <a:cs typeface="Times New Roman" pitchFamily="18" charset="0"/>
-              </a:rPr>
-              <a:t> </a:t>
-            </a:r>
-            <a:r>
-              <a:rPr lang="en-US" sz="1400" dirty="0" err="1" smtClean="0">
-                <a:solidFill>
-                  <a:srgbClr val="FF0000"/>
-                </a:solidFill>
-                <a:latin typeface="Times New Roman" pitchFamily="18" charset="0"/>
-                <a:cs typeface="Times New Roman" pitchFamily="18" charset="0"/>
-              </a:rPr>
-              <a:t>học</a:t>
-            </a:r>
-            <a:r>
-              <a:rPr lang="en-US" sz="1400" dirty="0" smtClean="0">
-                <a:solidFill>
-                  <a:srgbClr val="FF0000"/>
-                </a:solidFill>
-                <a:latin typeface="Times New Roman" pitchFamily="18" charset="0"/>
-                <a:cs typeface="Times New Roman" pitchFamily="18" charset="0"/>
-              </a:rPr>
-              <a:t> </a:t>
-            </a:r>
-            <a:r>
-              <a:rPr lang="en-US" sz="1400" dirty="0" err="1" smtClean="0">
-                <a:solidFill>
-                  <a:srgbClr val="FF0000"/>
-                </a:solidFill>
-                <a:latin typeface="Times New Roman" pitchFamily="18" charset="0"/>
-                <a:cs typeface="Times New Roman" pitchFamily="18" charset="0"/>
-              </a:rPr>
-              <a:t>viên</a:t>
-            </a:r>
-            <a:r>
-              <a:rPr lang="en-US" sz="1400" dirty="0" smtClean="0">
-                <a:solidFill>
-                  <a:srgbClr val="FF0000"/>
-                </a:solidFill>
-                <a:latin typeface="Times New Roman" pitchFamily="18" charset="0"/>
-                <a:cs typeface="Times New Roman" pitchFamily="18" charset="0"/>
-              </a:rPr>
-              <a:t>.</a:t>
-            </a:r>
-          </a:p>
-          <a:p>
-            <a:pPr lvl="1">
-              <a:buFont typeface="Wingdings" pitchFamily="2" charset="2"/>
-              <a:buChar char="Ø"/>
-            </a:pPr>
-            <a:r>
-              <a:rPr lang="en-US" sz="1400" dirty="0" smtClean="0">
-                <a:solidFill>
-                  <a:srgbClr val="FF0000"/>
-                </a:solidFill>
-                <a:latin typeface="Times New Roman" pitchFamily="18" charset="0"/>
-                <a:cs typeface="Times New Roman" pitchFamily="18" charset="0"/>
-              </a:rPr>
-              <a:t>600000 </a:t>
-            </a:r>
-            <a:r>
-              <a:rPr lang="en-US" sz="1400" dirty="0" err="1" smtClean="0">
-                <a:solidFill>
-                  <a:srgbClr val="FF0000"/>
-                </a:solidFill>
-                <a:latin typeface="Times New Roman" pitchFamily="18" charset="0"/>
-                <a:cs typeface="Times New Roman" pitchFamily="18" charset="0"/>
-              </a:rPr>
-              <a:t>bản</a:t>
-            </a:r>
-            <a:r>
-              <a:rPr lang="en-US" sz="1400" dirty="0" smtClean="0">
-                <a:solidFill>
-                  <a:srgbClr val="FF0000"/>
-                </a:solidFill>
-                <a:latin typeface="Times New Roman" pitchFamily="18" charset="0"/>
-                <a:cs typeface="Times New Roman" pitchFamily="18" charset="0"/>
-              </a:rPr>
-              <a:t> </a:t>
-            </a:r>
-            <a:r>
-              <a:rPr lang="en-US" sz="1400" dirty="0" err="1" smtClean="0">
-                <a:solidFill>
-                  <a:srgbClr val="FF0000"/>
-                </a:solidFill>
-                <a:latin typeface="Times New Roman" pitchFamily="18" charset="0"/>
-                <a:cs typeface="Times New Roman" pitchFamily="18" charset="0"/>
-              </a:rPr>
-              <a:t>ghi</a:t>
-            </a:r>
-            <a:r>
-              <a:rPr lang="en-US" sz="1400" dirty="0" smtClean="0">
-                <a:solidFill>
-                  <a:srgbClr val="FF0000"/>
-                </a:solidFill>
-                <a:latin typeface="Times New Roman" pitchFamily="18" charset="0"/>
-                <a:cs typeface="Times New Roman" pitchFamily="18" charset="0"/>
-              </a:rPr>
-              <a:t> </a:t>
-            </a:r>
-            <a:r>
-              <a:rPr lang="en-US" sz="1400" dirty="0" err="1" smtClean="0">
-                <a:solidFill>
-                  <a:srgbClr val="FF0000"/>
-                </a:solidFill>
-                <a:latin typeface="Times New Roman" pitchFamily="18" charset="0"/>
-                <a:cs typeface="Times New Roman" pitchFamily="18" charset="0"/>
-              </a:rPr>
-              <a:t>dư</a:t>
-            </a:r>
-            <a:r>
-              <a:rPr lang="en-US" sz="1400" dirty="0" smtClean="0">
-                <a:solidFill>
-                  <a:srgbClr val="FF0000"/>
-                </a:solidFill>
-                <a:latin typeface="Times New Roman" pitchFamily="18" charset="0"/>
-                <a:cs typeface="Times New Roman" pitchFamily="18" charset="0"/>
-              </a:rPr>
-              <a:t>̃ </a:t>
-            </a:r>
-            <a:r>
-              <a:rPr lang="en-US" sz="1400" dirty="0" err="1" smtClean="0">
-                <a:solidFill>
-                  <a:srgbClr val="FF0000"/>
-                </a:solidFill>
-                <a:latin typeface="Times New Roman" pitchFamily="18" charset="0"/>
-                <a:cs typeface="Times New Roman" pitchFamily="18" charset="0"/>
-              </a:rPr>
-              <a:t>liệu</a:t>
-            </a:r>
-            <a:r>
-              <a:rPr lang="en-US" sz="1400" dirty="0" smtClean="0">
-                <a:solidFill>
-                  <a:srgbClr val="FF0000"/>
-                </a:solidFill>
-                <a:latin typeface="Times New Roman" pitchFamily="18" charset="0"/>
-                <a:cs typeface="Times New Roman" pitchFamily="18" charset="0"/>
-              </a:rPr>
-              <a:t> </a:t>
-            </a:r>
-            <a:r>
-              <a:rPr lang="en-US" sz="1400" dirty="0" err="1" smtClean="0">
-                <a:solidFill>
-                  <a:srgbClr val="FF0000"/>
-                </a:solidFill>
-                <a:latin typeface="Times New Roman" pitchFamily="18" charset="0"/>
-                <a:cs typeface="Times New Roman" pitchFamily="18" charset="0"/>
-              </a:rPr>
-              <a:t>tình</a:t>
-            </a:r>
-            <a:r>
-              <a:rPr lang="en-US" sz="1400" dirty="0" smtClean="0">
-                <a:solidFill>
-                  <a:srgbClr val="FF0000"/>
-                </a:solidFill>
-                <a:latin typeface="Times New Roman" pitchFamily="18" charset="0"/>
-                <a:cs typeface="Times New Roman" pitchFamily="18" charset="0"/>
-              </a:rPr>
-              <a:t> </a:t>
-            </a:r>
-            <a:r>
-              <a:rPr lang="en-US" sz="1400" dirty="0" err="1" smtClean="0">
-                <a:solidFill>
-                  <a:srgbClr val="FF0000"/>
-                </a:solidFill>
-                <a:latin typeface="Times New Roman" pitchFamily="18" charset="0"/>
-                <a:cs typeface="Times New Roman" pitchFamily="18" charset="0"/>
-              </a:rPr>
-              <a:t>hình</a:t>
-            </a:r>
-            <a:r>
-              <a:rPr lang="en-US" sz="1400" dirty="0" smtClean="0">
-                <a:solidFill>
-                  <a:srgbClr val="FF0000"/>
-                </a:solidFill>
-                <a:latin typeface="Times New Roman" pitchFamily="18" charset="0"/>
-                <a:cs typeface="Times New Roman" pitchFamily="18" charset="0"/>
-              </a:rPr>
-              <a:t> </a:t>
-            </a:r>
-            <a:r>
-              <a:rPr lang="en-US" sz="1400" dirty="0" err="1" smtClean="0">
-                <a:solidFill>
-                  <a:srgbClr val="FF0000"/>
-                </a:solidFill>
-                <a:latin typeface="Times New Roman" pitchFamily="18" charset="0"/>
-                <a:cs typeface="Times New Roman" pitchFamily="18" charset="0"/>
-              </a:rPr>
-              <a:t>đăng</a:t>
-            </a:r>
-            <a:r>
-              <a:rPr lang="en-US" sz="1400" dirty="0" smtClean="0">
-                <a:solidFill>
-                  <a:srgbClr val="FF0000"/>
-                </a:solidFill>
-                <a:latin typeface="Times New Roman" pitchFamily="18" charset="0"/>
-                <a:cs typeface="Times New Roman" pitchFamily="18" charset="0"/>
-              </a:rPr>
-              <a:t> </a:t>
-            </a:r>
-            <a:r>
-              <a:rPr lang="en-US" sz="1400" dirty="0" err="1" smtClean="0">
-                <a:solidFill>
-                  <a:srgbClr val="FF0000"/>
-                </a:solidFill>
-                <a:latin typeface="Times New Roman" pitchFamily="18" charset="0"/>
-                <a:cs typeface="Times New Roman" pitchFamily="18" charset="0"/>
-              </a:rPr>
-              <a:t>nhập</a:t>
-            </a:r>
-            <a:r>
-              <a:rPr lang="en-US" sz="1400" dirty="0" smtClean="0">
-                <a:solidFill>
-                  <a:srgbClr val="FF0000"/>
-                </a:solidFill>
-                <a:latin typeface="Times New Roman" pitchFamily="18" charset="0"/>
-                <a:cs typeface="Times New Roman" pitchFamily="18" charset="0"/>
-              </a:rPr>
-              <a:t> </a:t>
-            </a:r>
-            <a:r>
-              <a:rPr lang="en-US" sz="1400" dirty="0" err="1" smtClean="0">
-                <a:solidFill>
-                  <a:srgbClr val="FF0000"/>
-                </a:solidFill>
-                <a:latin typeface="Times New Roman" pitchFamily="18" charset="0"/>
-                <a:cs typeface="Times New Roman" pitchFamily="18" charset="0"/>
-              </a:rPr>
-              <a:t>diễn</a:t>
-            </a:r>
-            <a:r>
-              <a:rPr lang="en-US" sz="1400" dirty="0" smtClean="0">
-                <a:solidFill>
-                  <a:srgbClr val="FF0000"/>
-                </a:solidFill>
-                <a:latin typeface="Times New Roman" pitchFamily="18" charset="0"/>
-                <a:cs typeface="Times New Roman" pitchFamily="18" charset="0"/>
-              </a:rPr>
-              <a:t> </a:t>
-            </a:r>
-            <a:r>
-              <a:rPr lang="en-US" sz="1400" dirty="0" err="1" smtClean="0">
-                <a:solidFill>
-                  <a:srgbClr val="FF0000"/>
-                </a:solidFill>
-                <a:latin typeface="Times New Roman" pitchFamily="18" charset="0"/>
-                <a:cs typeface="Times New Roman" pitchFamily="18" charset="0"/>
-              </a:rPr>
-              <a:t>đàn</a:t>
-            </a:r>
-            <a:endParaRPr lang="en-US" sz="1400" dirty="0" smtClean="0">
+              <a:rPr lang="vi-VN" spc="0" dirty="0" smtClean="0">
+                <a:solidFill>
+                  <a:srgbClr val="FF0000"/>
+                </a:solidFill>
+              </a:rPr>
+              <a:t>Luyện mạng</a:t>
+            </a:r>
+            <a:endParaRPr lang="en-US" spc="0" dirty="0" smtClean="0">
               <a:solidFill>
                 <a:srgbClr val="FF0000"/>
               </a:solidFill>
-              <a:latin typeface="Times New Roman" pitchFamily="18" charset="0"/>
-              <a:cs typeface="Times New Roman" pitchFamily="18" charset="0"/>
             </a:endParaRPr>
           </a:p>
           <a:p>
-            <a:pPr lvl="1">
+            <a:pPr algn="just">
               <a:buFont typeface="Wingdings" pitchFamily="2" charset="2"/>
-              <a:buChar char="Ø"/>
+              <a:buChar char="v"/>
             </a:pPr>
             <a:r>
-              <a:rPr lang="en-US" sz="1400" dirty="0" smtClean="0">
-                <a:solidFill>
-                  <a:srgbClr val="FF0000"/>
-                </a:solidFill>
-                <a:latin typeface="Times New Roman" pitchFamily="18" charset="0"/>
-                <a:cs typeface="Times New Roman" pitchFamily="18" charset="0"/>
-              </a:rPr>
-              <a:t> 13 sheet </a:t>
-            </a:r>
-            <a:r>
-              <a:rPr lang="en-US" sz="1400" dirty="0" err="1" smtClean="0">
-                <a:solidFill>
-                  <a:srgbClr val="FF0000"/>
-                </a:solidFill>
-                <a:latin typeface="Times New Roman" pitchFamily="18" charset="0"/>
-                <a:cs typeface="Times New Roman" pitchFamily="18" charset="0"/>
-              </a:rPr>
-              <a:t>bảng</a:t>
-            </a:r>
-            <a:r>
-              <a:rPr lang="en-US" sz="1400" dirty="0" smtClean="0">
-                <a:solidFill>
-                  <a:srgbClr val="FF0000"/>
-                </a:solidFill>
-                <a:latin typeface="Times New Roman" pitchFamily="18" charset="0"/>
-                <a:cs typeface="Times New Roman" pitchFamily="18" charset="0"/>
-              </a:rPr>
-              <a:t> </a:t>
-            </a:r>
-            <a:r>
-              <a:rPr lang="en-US" sz="1400" dirty="0" err="1" smtClean="0">
-                <a:solidFill>
-                  <a:srgbClr val="FF0000"/>
-                </a:solidFill>
-                <a:latin typeface="Times New Roman" pitchFamily="18" charset="0"/>
-                <a:cs typeface="Times New Roman" pitchFamily="18" charset="0"/>
-              </a:rPr>
-              <a:t>điểm</a:t>
-            </a:r>
-            <a:r>
-              <a:rPr lang="en-US" sz="1400" dirty="0" smtClean="0">
-                <a:solidFill>
-                  <a:srgbClr val="FF0000"/>
-                </a:solidFill>
-                <a:latin typeface="Times New Roman" pitchFamily="18" charset="0"/>
-                <a:cs typeface="Times New Roman" pitchFamily="18" charset="0"/>
-              </a:rPr>
-              <a:t> </a:t>
-            </a:r>
-            <a:r>
-              <a:rPr lang="en-US" sz="1400" dirty="0" err="1" smtClean="0">
-                <a:solidFill>
-                  <a:srgbClr val="FF0000"/>
-                </a:solidFill>
-                <a:latin typeface="Times New Roman" pitchFamily="18" charset="0"/>
-                <a:cs typeface="Times New Roman" pitchFamily="18" charset="0"/>
-              </a:rPr>
-              <a:t>của</a:t>
-            </a:r>
-            <a:r>
-              <a:rPr lang="en-US" sz="1400" dirty="0" smtClean="0">
-                <a:solidFill>
-                  <a:srgbClr val="FF0000"/>
-                </a:solidFill>
-                <a:latin typeface="Times New Roman" pitchFamily="18" charset="0"/>
-                <a:cs typeface="Times New Roman" pitchFamily="18" charset="0"/>
-              </a:rPr>
-              <a:t> </a:t>
-            </a:r>
-            <a:r>
-              <a:rPr lang="en-US" sz="1400" dirty="0" err="1" smtClean="0">
-                <a:solidFill>
-                  <a:srgbClr val="FF0000"/>
-                </a:solidFill>
-                <a:latin typeface="Times New Roman" pitchFamily="18" charset="0"/>
-                <a:cs typeface="Times New Roman" pitchFamily="18" charset="0"/>
-              </a:rPr>
-              <a:t>học</a:t>
-            </a:r>
-            <a:r>
-              <a:rPr lang="en-US" sz="1400" dirty="0" smtClean="0">
-                <a:solidFill>
-                  <a:srgbClr val="FF0000"/>
-                </a:solidFill>
-                <a:latin typeface="Times New Roman" pitchFamily="18" charset="0"/>
-                <a:cs typeface="Times New Roman" pitchFamily="18" charset="0"/>
-              </a:rPr>
-              <a:t> </a:t>
-            </a:r>
-            <a:r>
-              <a:rPr lang="en-US" sz="1400" dirty="0" err="1" smtClean="0">
-                <a:solidFill>
-                  <a:srgbClr val="FF0000"/>
-                </a:solidFill>
-                <a:latin typeface="Times New Roman" pitchFamily="18" charset="0"/>
-                <a:cs typeface="Times New Roman" pitchFamily="18" charset="0"/>
-              </a:rPr>
-              <a:t>viên</a:t>
-            </a:r>
-            <a:endParaRPr lang="en-US" sz="1400" dirty="0" smtClean="0">
+              <a:rPr lang="vi-VN" spc="0" dirty="0" smtClean="0">
+                <a:solidFill>
+                  <a:srgbClr val="FF0000"/>
+                </a:solidFill>
+              </a:rPr>
+              <a:t>Kiểm tra độ chính xác của tập dữ liệu mẫu </a:t>
+            </a:r>
+            <a:endParaRPr lang="en-US" spc="0" dirty="0" smtClean="0">
               <a:solidFill>
                 <a:srgbClr val="FF0000"/>
               </a:solidFill>
-              <a:latin typeface="Times New Roman" pitchFamily="18" charset="0"/>
-              <a:cs typeface="Times New Roman" pitchFamily="18" charset="0"/>
             </a:endParaRPr>
           </a:p>
           <a:p>
-            <a:pPr lvl="1">
-              <a:buNone/>
+            <a:pPr algn="just">
+              <a:buFont typeface="Wingdings" pitchFamily="2" charset="2"/>
+              <a:buChar char="v"/>
             </a:pPr>
-            <a:endParaRPr lang="en-US" sz="1400" dirty="0" smtClean="0">
+            <a:r>
+              <a:rPr lang="vi-VN" spc="0" dirty="0" smtClean="0">
+                <a:solidFill>
+                  <a:srgbClr val="FF0000"/>
+                </a:solidFill>
+              </a:rPr>
+              <a:t>Hỗ trợ truy vấn kết quả từ tập dữ liệu mới </a:t>
+            </a:r>
+            <a:endParaRPr lang="en-US" spc="0" dirty="0" smtClean="0">
               <a:solidFill>
                 <a:srgbClr val="FF0000"/>
               </a:solidFill>
-              <a:latin typeface="Times New Roman" pitchFamily="18" charset="0"/>
-              <a:cs typeface="Times New Roman" pitchFamily="18" charset="0"/>
             </a:endParaRPr>
-          </a:p>
-          <a:p>
-            <a:pPr>
-              <a:buAutoNum type="arabicPeriod" startAt="2"/>
-            </a:pPr>
-            <a:r>
-              <a:rPr lang="en-US" sz="1400" dirty="0" err="1" smtClean="0">
-                <a:solidFill>
-                  <a:srgbClr val="FF0000"/>
-                </a:solidFill>
-                <a:latin typeface="Times New Roman" pitchFamily="18" charset="0"/>
-                <a:cs typeface="Times New Roman" pitchFamily="18" charset="0"/>
-              </a:rPr>
-              <a:t>Tiền</a:t>
-            </a:r>
-            <a:r>
-              <a:rPr lang="en-US" sz="1400" dirty="0" smtClean="0">
-                <a:solidFill>
-                  <a:srgbClr val="FF0000"/>
-                </a:solidFill>
-                <a:latin typeface="Times New Roman" pitchFamily="18" charset="0"/>
-                <a:cs typeface="Times New Roman" pitchFamily="18" charset="0"/>
-              </a:rPr>
-              <a:t> </a:t>
-            </a:r>
-            <a:r>
-              <a:rPr lang="en-US" sz="1400" dirty="0" err="1" smtClean="0">
-                <a:solidFill>
-                  <a:srgbClr val="FF0000"/>
-                </a:solidFill>
-                <a:latin typeface="Times New Roman" pitchFamily="18" charset="0"/>
-                <a:cs typeface="Times New Roman" pitchFamily="18" charset="0"/>
-              </a:rPr>
-              <a:t>xư</a:t>
-            </a:r>
-            <a:r>
-              <a:rPr lang="en-US" sz="1400" dirty="0" smtClean="0">
-                <a:solidFill>
-                  <a:srgbClr val="FF0000"/>
-                </a:solidFill>
-                <a:latin typeface="Times New Roman" pitchFamily="18" charset="0"/>
-                <a:cs typeface="Times New Roman" pitchFamily="18" charset="0"/>
-              </a:rPr>
-              <a:t>̉ </a:t>
-            </a:r>
-            <a:r>
-              <a:rPr lang="en-US" sz="1400" dirty="0" err="1" smtClean="0">
-                <a:solidFill>
-                  <a:srgbClr val="FF0000"/>
-                </a:solidFill>
-                <a:latin typeface="Times New Roman" pitchFamily="18" charset="0"/>
-                <a:cs typeface="Times New Roman" pitchFamily="18" charset="0"/>
-              </a:rPr>
-              <a:t>ly</a:t>
-            </a:r>
-            <a:r>
-              <a:rPr lang="en-US" sz="1400" dirty="0" smtClean="0">
-                <a:solidFill>
-                  <a:srgbClr val="FF0000"/>
-                </a:solidFill>
-                <a:latin typeface="Times New Roman" pitchFamily="18" charset="0"/>
-                <a:cs typeface="Times New Roman" pitchFamily="18" charset="0"/>
-              </a:rPr>
-              <a:t>́ </a:t>
-            </a:r>
-            <a:r>
-              <a:rPr lang="en-US" sz="1400" dirty="0" err="1" smtClean="0">
-                <a:solidFill>
-                  <a:srgbClr val="FF0000"/>
-                </a:solidFill>
-                <a:latin typeface="Times New Roman" pitchFamily="18" charset="0"/>
-                <a:cs typeface="Times New Roman" pitchFamily="18" charset="0"/>
-              </a:rPr>
-              <a:t>dư</a:t>
-            </a:r>
-            <a:r>
-              <a:rPr lang="en-US" sz="1400" dirty="0" smtClean="0">
-                <a:solidFill>
-                  <a:srgbClr val="FF0000"/>
-                </a:solidFill>
-                <a:latin typeface="Times New Roman" pitchFamily="18" charset="0"/>
-                <a:cs typeface="Times New Roman" pitchFamily="18" charset="0"/>
-              </a:rPr>
-              <a:t>̃ </a:t>
-            </a:r>
-            <a:r>
-              <a:rPr lang="en-US" sz="1400" dirty="0" err="1" smtClean="0">
-                <a:solidFill>
-                  <a:srgbClr val="FF0000"/>
-                </a:solidFill>
-                <a:latin typeface="Times New Roman" pitchFamily="18" charset="0"/>
-                <a:cs typeface="Times New Roman" pitchFamily="18" charset="0"/>
-              </a:rPr>
-              <a:t>liệu</a:t>
-            </a:r>
-            <a:r>
-              <a:rPr lang="en-US" sz="1400" dirty="0" smtClean="0">
-                <a:solidFill>
-                  <a:srgbClr val="FF0000"/>
-                </a:solidFill>
-                <a:latin typeface="Times New Roman" pitchFamily="18" charset="0"/>
-                <a:cs typeface="Times New Roman" pitchFamily="18" charset="0"/>
-              </a:rPr>
-              <a:t> </a:t>
-            </a:r>
-            <a:r>
-              <a:rPr lang="en-US" sz="1400" dirty="0" err="1" smtClean="0">
-                <a:solidFill>
-                  <a:srgbClr val="FF0000"/>
-                </a:solidFill>
-                <a:latin typeface="Times New Roman" pitchFamily="18" charset="0"/>
-                <a:cs typeface="Times New Roman" pitchFamily="18" charset="0"/>
-              </a:rPr>
-              <a:t>va</a:t>
-            </a:r>
-            <a:r>
-              <a:rPr lang="en-US" sz="1400" dirty="0" smtClean="0">
-                <a:solidFill>
-                  <a:srgbClr val="FF0000"/>
-                </a:solidFill>
-                <a:latin typeface="Times New Roman" pitchFamily="18" charset="0"/>
-                <a:cs typeface="Times New Roman" pitchFamily="18" charset="0"/>
-              </a:rPr>
-              <a:t>̀ </a:t>
-            </a:r>
-            <a:r>
-              <a:rPr lang="en-US" sz="1400" dirty="0" err="1" smtClean="0">
-                <a:solidFill>
-                  <a:srgbClr val="FF0000"/>
-                </a:solidFill>
-                <a:latin typeface="Times New Roman" pitchFamily="18" charset="0"/>
-                <a:cs typeface="Times New Roman" pitchFamily="18" charset="0"/>
-              </a:rPr>
-              <a:t>phân</a:t>
-            </a:r>
-            <a:r>
-              <a:rPr lang="en-US" sz="1400" dirty="0" smtClean="0">
-                <a:solidFill>
-                  <a:srgbClr val="FF0000"/>
-                </a:solidFill>
-                <a:latin typeface="Times New Roman" pitchFamily="18" charset="0"/>
-                <a:cs typeface="Times New Roman" pitchFamily="18" charset="0"/>
-              </a:rPr>
-              <a:t> </a:t>
-            </a:r>
-            <a:r>
-              <a:rPr lang="en-US" sz="1400" dirty="0" err="1" smtClean="0">
-                <a:solidFill>
-                  <a:srgbClr val="FF0000"/>
-                </a:solidFill>
-                <a:latin typeface="Times New Roman" pitchFamily="18" charset="0"/>
-                <a:cs typeface="Times New Roman" pitchFamily="18" charset="0"/>
-              </a:rPr>
-              <a:t>tích</a:t>
-            </a:r>
-            <a:r>
-              <a:rPr lang="en-US" sz="1400" dirty="0" smtClean="0">
-                <a:solidFill>
-                  <a:srgbClr val="FF0000"/>
-                </a:solidFill>
-                <a:latin typeface="Times New Roman" pitchFamily="18" charset="0"/>
-                <a:cs typeface="Times New Roman" pitchFamily="18" charset="0"/>
-              </a:rPr>
-              <a:t> </a:t>
-            </a:r>
-            <a:r>
-              <a:rPr lang="en-US" sz="1400" dirty="0" err="1" smtClean="0">
-                <a:solidFill>
-                  <a:srgbClr val="FF0000"/>
-                </a:solidFill>
-                <a:latin typeface="Times New Roman" pitchFamily="18" charset="0"/>
-                <a:cs typeface="Times New Roman" pitchFamily="18" charset="0"/>
-              </a:rPr>
-              <a:t>tương</a:t>
-            </a:r>
-            <a:r>
-              <a:rPr lang="en-US" sz="1400" dirty="0" smtClean="0">
-                <a:solidFill>
-                  <a:srgbClr val="FF0000"/>
-                </a:solidFill>
-                <a:latin typeface="Times New Roman" pitchFamily="18" charset="0"/>
-                <a:cs typeface="Times New Roman" pitchFamily="18" charset="0"/>
-              </a:rPr>
-              <a:t> </a:t>
-            </a:r>
-            <a:r>
-              <a:rPr lang="en-US" sz="1400" dirty="0" err="1" smtClean="0">
-                <a:solidFill>
-                  <a:srgbClr val="FF0000"/>
-                </a:solidFill>
-                <a:latin typeface="Times New Roman" pitchFamily="18" charset="0"/>
-                <a:cs typeface="Times New Roman" pitchFamily="18" charset="0"/>
-              </a:rPr>
-              <a:t>quan</a:t>
-            </a:r>
-            <a:r>
-              <a:rPr lang="en-US" sz="1400" dirty="0" smtClean="0">
-                <a:solidFill>
-                  <a:srgbClr val="FF0000"/>
-                </a:solidFill>
-                <a:latin typeface="Times New Roman" pitchFamily="18" charset="0"/>
-                <a:cs typeface="Times New Roman" pitchFamily="18" charset="0"/>
-              </a:rPr>
-              <a:t> </a:t>
-            </a:r>
-            <a:r>
-              <a:rPr lang="en-US" sz="1400" dirty="0" err="1" smtClean="0">
-                <a:solidFill>
-                  <a:srgbClr val="FF0000"/>
-                </a:solidFill>
-                <a:latin typeface="Times New Roman" pitchFamily="18" charset="0"/>
-                <a:cs typeface="Times New Roman" pitchFamily="18" charset="0"/>
-              </a:rPr>
-              <a:t>cho</a:t>
-            </a:r>
-            <a:r>
-              <a:rPr lang="en-US" sz="1400" dirty="0" smtClean="0">
-                <a:solidFill>
-                  <a:srgbClr val="FF0000"/>
-                </a:solidFill>
-                <a:latin typeface="Times New Roman" pitchFamily="18" charset="0"/>
-                <a:cs typeface="Times New Roman" pitchFamily="18" charset="0"/>
-              </a:rPr>
-              <a:t> </a:t>
-            </a:r>
-            <a:r>
-              <a:rPr lang="en-US" sz="1400" dirty="0" err="1" smtClean="0">
-                <a:solidFill>
-                  <a:srgbClr val="FF0000"/>
-                </a:solidFill>
-                <a:latin typeface="Times New Roman" pitchFamily="18" charset="0"/>
-                <a:cs typeface="Times New Roman" pitchFamily="18" charset="0"/>
-              </a:rPr>
-              <a:t>các</a:t>
-            </a:r>
-            <a:r>
-              <a:rPr lang="en-US" sz="1400" dirty="0" smtClean="0">
-                <a:solidFill>
-                  <a:srgbClr val="FF0000"/>
-                </a:solidFill>
-                <a:latin typeface="Times New Roman" pitchFamily="18" charset="0"/>
-                <a:cs typeface="Times New Roman" pitchFamily="18" charset="0"/>
-              </a:rPr>
-              <a:t> </a:t>
-            </a:r>
-            <a:r>
-              <a:rPr lang="en-US" sz="1400" dirty="0" err="1" smtClean="0">
-                <a:solidFill>
-                  <a:srgbClr val="FF0000"/>
-                </a:solidFill>
-                <a:latin typeface="Times New Roman" pitchFamily="18" charset="0"/>
-                <a:cs typeface="Times New Roman" pitchFamily="18" charset="0"/>
-              </a:rPr>
-              <a:t>mô</a:t>
-            </a:r>
-            <a:r>
-              <a:rPr lang="en-US" sz="1400" dirty="0" smtClean="0">
-                <a:solidFill>
-                  <a:srgbClr val="FF0000"/>
-                </a:solidFill>
-                <a:latin typeface="Times New Roman" pitchFamily="18" charset="0"/>
-                <a:cs typeface="Times New Roman" pitchFamily="18" charset="0"/>
-              </a:rPr>
-              <a:t> </a:t>
-            </a:r>
-            <a:r>
-              <a:rPr lang="en-US" sz="1400" dirty="0" err="1" smtClean="0">
-                <a:solidFill>
-                  <a:srgbClr val="FF0000"/>
-                </a:solidFill>
-                <a:latin typeface="Times New Roman" pitchFamily="18" charset="0"/>
-                <a:cs typeface="Times New Roman" pitchFamily="18" charset="0"/>
-              </a:rPr>
-              <a:t>hình</a:t>
-            </a:r>
-            <a:r>
-              <a:rPr lang="en-US" sz="1400" dirty="0" smtClean="0">
-                <a:solidFill>
-                  <a:srgbClr val="FF0000"/>
-                </a:solidFill>
-                <a:latin typeface="Times New Roman" pitchFamily="18" charset="0"/>
-                <a:cs typeface="Times New Roman" pitchFamily="18" charset="0"/>
-              </a:rPr>
-              <a:t> </a:t>
-            </a:r>
-            <a:r>
-              <a:rPr lang="en-US" sz="1400" dirty="0" err="1" smtClean="0">
-                <a:solidFill>
-                  <a:srgbClr val="FF0000"/>
-                </a:solidFill>
-                <a:latin typeface="Times New Roman" pitchFamily="18" charset="0"/>
-                <a:cs typeface="Times New Roman" pitchFamily="18" charset="0"/>
-              </a:rPr>
-              <a:t>dư</a:t>
-            </a:r>
-            <a:r>
-              <a:rPr lang="en-US" sz="1400" dirty="0" smtClean="0">
-                <a:solidFill>
-                  <a:srgbClr val="FF0000"/>
-                </a:solidFill>
-                <a:latin typeface="Times New Roman" pitchFamily="18" charset="0"/>
-                <a:cs typeface="Times New Roman" pitchFamily="18" charset="0"/>
-              </a:rPr>
-              <a:t>̣ </a:t>
-            </a:r>
-            <a:r>
-              <a:rPr lang="en-US" sz="1400" dirty="0" err="1" smtClean="0">
-                <a:solidFill>
-                  <a:srgbClr val="FF0000"/>
-                </a:solidFill>
-                <a:latin typeface="Times New Roman" pitchFamily="18" charset="0"/>
-                <a:cs typeface="Times New Roman" pitchFamily="18" charset="0"/>
-              </a:rPr>
-              <a:t>báo</a:t>
-            </a:r>
-            <a:endParaRPr lang="en-US" sz="1400" dirty="0" smtClean="0">
-              <a:solidFill>
-                <a:srgbClr val="FF0000"/>
-              </a:solidFill>
-              <a:latin typeface="Times New Roman" pitchFamily="18" charset="0"/>
-              <a:cs typeface="Times New Roman" pitchFamily="18" charset="0"/>
-            </a:endParaRPr>
-          </a:p>
-          <a:p>
-            <a:pPr>
-              <a:buNone/>
-            </a:pPr>
-            <a:endParaRPr lang="en-US" sz="1400" dirty="0" smtClean="0">
-              <a:solidFill>
-                <a:srgbClr val="FF0000"/>
-              </a:solidFill>
-              <a:latin typeface="Times New Roman" pitchFamily="18" charset="0"/>
-              <a:cs typeface="Times New Roman" pitchFamily="18" charset="0"/>
-            </a:endParaRPr>
-          </a:p>
-          <a:p>
-            <a:pPr>
-              <a:buFont typeface="+mj-lt"/>
-              <a:buAutoNum type="arabicPeriod" startAt="3"/>
-            </a:pPr>
-            <a:r>
-              <a:rPr lang="en-US" sz="1400" dirty="0" err="1" smtClean="0">
-                <a:solidFill>
-                  <a:srgbClr val="FF0000"/>
-                </a:solidFill>
-                <a:latin typeface="Times New Roman" pitchFamily="18" charset="0"/>
-                <a:cs typeface="Times New Roman" pitchFamily="18" charset="0"/>
-              </a:rPr>
-              <a:t>Xây</a:t>
-            </a:r>
-            <a:r>
-              <a:rPr lang="en-US" sz="1400" dirty="0" smtClean="0">
-                <a:solidFill>
-                  <a:srgbClr val="FF0000"/>
-                </a:solidFill>
-                <a:latin typeface="Times New Roman" pitchFamily="18" charset="0"/>
-                <a:cs typeface="Times New Roman" pitchFamily="18" charset="0"/>
-              </a:rPr>
-              <a:t> </a:t>
-            </a:r>
-            <a:r>
-              <a:rPr lang="en-US" sz="1400" dirty="0" err="1" smtClean="0">
-                <a:solidFill>
-                  <a:srgbClr val="FF0000"/>
-                </a:solidFill>
-                <a:latin typeface="Times New Roman" pitchFamily="18" charset="0"/>
-                <a:cs typeface="Times New Roman" pitchFamily="18" charset="0"/>
-              </a:rPr>
-              <a:t>dựng</a:t>
-            </a:r>
-            <a:r>
-              <a:rPr lang="en-US" sz="1400" dirty="0" smtClean="0">
-                <a:solidFill>
-                  <a:srgbClr val="FF0000"/>
-                </a:solidFill>
-                <a:latin typeface="Times New Roman" pitchFamily="18" charset="0"/>
-                <a:cs typeface="Times New Roman" pitchFamily="18" charset="0"/>
-              </a:rPr>
-              <a:t> </a:t>
-            </a:r>
-            <a:r>
-              <a:rPr lang="en-US" sz="1400" dirty="0" err="1" smtClean="0">
-                <a:solidFill>
-                  <a:srgbClr val="FF0000"/>
-                </a:solidFill>
-                <a:latin typeface="Times New Roman" pitchFamily="18" charset="0"/>
-                <a:cs typeface="Times New Roman" pitchFamily="18" charset="0"/>
-              </a:rPr>
-              <a:t>được</a:t>
-            </a:r>
-            <a:r>
-              <a:rPr lang="en-US" sz="1400" dirty="0" smtClean="0">
-                <a:solidFill>
-                  <a:srgbClr val="FF0000"/>
-                </a:solidFill>
-                <a:latin typeface="Times New Roman" pitchFamily="18" charset="0"/>
-                <a:cs typeface="Times New Roman" pitchFamily="18" charset="0"/>
-              </a:rPr>
-              <a:t> </a:t>
-            </a:r>
-            <a:r>
-              <a:rPr lang="en-US" sz="1400" dirty="0" err="1" smtClean="0">
-                <a:solidFill>
-                  <a:srgbClr val="FF0000"/>
-                </a:solidFill>
-                <a:latin typeface="Times New Roman" pitchFamily="18" charset="0"/>
-                <a:cs typeface="Times New Roman" pitchFamily="18" charset="0"/>
-              </a:rPr>
-              <a:t>một</a:t>
-            </a:r>
-            <a:r>
-              <a:rPr lang="en-US" sz="1400" dirty="0" smtClean="0">
-                <a:solidFill>
-                  <a:srgbClr val="FF0000"/>
-                </a:solidFill>
-                <a:latin typeface="Times New Roman" pitchFamily="18" charset="0"/>
-                <a:cs typeface="Times New Roman" pitchFamily="18" charset="0"/>
-              </a:rPr>
-              <a:t> </a:t>
-            </a:r>
-            <a:r>
-              <a:rPr lang="en-US" sz="1400" dirty="0" err="1" smtClean="0">
-                <a:solidFill>
-                  <a:srgbClr val="FF0000"/>
-                </a:solidFill>
-                <a:latin typeface="Times New Roman" pitchFamily="18" charset="0"/>
-                <a:cs typeface="Times New Roman" pitchFamily="18" charset="0"/>
-              </a:rPr>
-              <a:t>phần</a:t>
-            </a:r>
-            <a:r>
-              <a:rPr lang="en-US" sz="1400" dirty="0" smtClean="0">
-                <a:solidFill>
-                  <a:srgbClr val="FF0000"/>
-                </a:solidFill>
-                <a:latin typeface="Times New Roman" pitchFamily="18" charset="0"/>
-                <a:cs typeface="Times New Roman" pitchFamily="18" charset="0"/>
-              </a:rPr>
-              <a:t> </a:t>
-            </a:r>
-            <a:r>
-              <a:rPr lang="en-US" sz="1400" dirty="0" err="1" smtClean="0">
-                <a:solidFill>
-                  <a:srgbClr val="FF0000"/>
-                </a:solidFill>
-                <a:latin typeface="Times New Roman" pitchFamily="18" charset="0"/>
-                <a:cs typeface="Times New Roman" pitchFamily="18" charset="0"/>
-              </a:rPr>
-              <a:t>mềm</a:t>
-            </a:r>
-            <a:r>
-              <a:rPr lang="en-US" sz="1400" dirty="0" smtClean="0">
-                <a:solidFill>
-                  <a:srgbClr val="FF0000"/>
-                </a:solidFill>
-                <a:latin typeface="Times New Roman" pitchFamily="18" charset="0"/>
-                <a:cs typeface="Times New Roman" pitchFamily="18" charset="0"/>
-              </a:rPr>
-              <a:t> </a:t>
-            </a:r>
-            <a:r>
-              <a:rPr lang="en-US" sz="1400" dirty="0" err="1" smtClean="0">
-                <a:solidFill>
-                  <a:srgbClr val="FF0000"/>
-                </a:solidFill>
-                <a:latin typeface="Times New Roman" pitchFamily="18" charset="0"/>
-                <a:cs typeface="Times New Roman" pitchFamily="18" charset="0"/>
-              </a:rPr>
-              <a:t>dư</a:t>
-            </a:r>
-            <a:r>
-              <a:rPr lang="en-US" sz="1400" dirty="0" smtClean="0">
-                <a:solidFill>
-                  <a:srgbClr val="FF0000"/>
-                </a:solidFill>
-                <a:latin typeface="Times New Roman" pitchFamily="18" charset="0"/>
-                <a:cs typeface="Times New Roman" pitchFamily="18" charset="0"/>
-              </a:rPr>
-              <a:t>̣ </a:t>
-            </a:r>
-            <a:r>
-              <a:rPr lang="en-US" sz="1400" dirty="0" err="1" smtClean="0">
-                <a:solidFill>
-                  <a:srgbClr val="FF0000"/>
-                </a:solidFill>
-                <a:latin typeface="Times New Roman" pitchFamily="18" charset="0"/>
-                <a:cs typeface="Times New Roman" pitchFamily="18" charset="0"/>
-              </a:rPr>
-              <a:t>báo</a:t>
-            </a:r>
-            <a:endParaRPr lang="en-US" sz="1400" dirty="0" smtClean="0">
-              <a:solidFill>
-                <a:srgbClr val="FF0000"/>
-              </a:solidFill>
-              <a:latin typeface="Times New Roman" pitchFamily="18" charset="0"/>
-              <a:cs typeface="Times New Roman" pitchFamily="18" charset="0"/>
-            </a:endParaRPr>
-          </a:p>
-          <a:p>
-            <a:pPr>
-              <a:buAutoNum type="arabicPeriod" startAt="3"/>
-            </a:pPr>
-            <a:endParaRPr lang="en-US" sz="1400" dirty="0" smtClean="0">
-              <a:solidFill>
-                <a:srgbClr val="FF0000"/>
-              </a:solidFill>
-              <a:latin typeface="Times New Roman" pitchFamily="18" charset="0"/>
-              <a:cs typeface="Times New Roman" pitchFamily="18" charset="0"/>
-            </a:endParaRPr>
-          </a:p>
-          <a:p>
-            <a:pPr>
-              <a:buAutoNum type="arabicPeriod" startAt="3"/>
-            </a:pPr>
-            <a:r>
-              <a:rPr lang="en-US" sz="1400" dirty="0" err="1" smtClean="0">
-                <a:solidFill>
-                  <a:srgbClr val="FF0000"/>
-                </a:solidFill>
-                <a:latin typeface="Times New Roman" pitchFamily="18" charset="0"/>
-                <a:cs typeface="Times New Roman" pitchFamily="18" charset="0"/>
-              </a:rPr>
-              <a:t>Một</a:t>
-            </a:r>
-            <a:r>
-              <a:rPr lang="en-US" sz="1400" dirty="0" smtClean="0">
-                <a:solidFill>
-                  <a:srgbClr val="FF0000"/>
-                </a:solidFill>
-                <a:latin typeface="Times New Roman" pitchFamily="18" charset="0"/>
-                <a:cs typeface="Times New Roman" pitchFamily="18" charset="0"/>
-              </a:rPr>
-              <a:t> </a:t>
-            </a:r>
-            <a:r>
-              <a:rPr lang="en-US" sz="1400" dirty="0" err="1" smtClean="0">
-                <a:solidFill>
-                  <a:srgbClr val="FF0000"/>
-                </a:solidFill>
-                <a:latin typeface="Times New Roman" pitchFamily="18" charset="0"/>
-                <a:cs typeface="Times New Roman" pitchFamily="18" charset="0"/>
-              </a:rPr>
-              <a:t>sô</a:t>
-            </a:r>
-            <a:r>
-              <a:rPr lang="en-US" sz="1400" dirty="0" smtClean="0">
-                <a:solidFill>
-                  <a:srgbClr val="FF0000"/>
-                </a:solidFill>
-                <a:latin typeface="Times New Roman" pitchFamily="18" charset="0"/>
-                <a:cs typeface="Times New Roman" pitchFamily="18" charset="0"/>
-              </a:rPr>
-              <a:t>́ </a:t>
-            </a:r>
-            <a:r>
-              <a:rPr lang="en-US" sz="1400" dirty="0" err="1" smtClean="0">
-                <a:solidFill>
-                  <a:srgbClr val="FF0000"/>
-                </a:solidFill>
-                <a:latin typeface="Times New Roman" pitchFamily="18" charset="0"/>
-                <a:cs typeface="Times New Roman" pitchFamily="18" charset="0"/>
-              </a:rPr>
-              <a:t>kết</a:t>
-            </a:r>
-            <a:r>
-              <a:rPr lang="en-US" sz="1400" dirty="0" smtClean="0">
-                <a:solidFill>
-                  <a:srgbClr val="FF0000"/>
-                </a:solidFill>
-                <a:latin typeface="Times New Roman" pitchFamily="18" charset="0"/>
-                <a:cs typeface="Times New Roman" pitchFamily="18" charset="0"/>
-              </a:rPr>
-              <a:t> quả </a:t>
-            </a:r>
-            <a:r>
-              <a:rPr lang="en-US" sz="1400" dirty="0" err="1" smtClean="0">
-                <a:solidFill>
-                  <a:srgbClr val="FF0000"/>
-                </a:solidFill>
-                <a:latin typeface="Times New Roman" pitchFamily="18" charset="0"/>
-                <a:cs typeface="Times New Roman" pitchFamily="18" charset="0"/>
-              </a:rPr>
-              <a:t>dư</a:t>
-            </a:r>
-            <a:r>
-              <a:rPr lang="en-US" sz="1400" dirty="0" smtClean="0">
-                <a:solidFill>
-                  <a:srgbClr val="FF0000"/>
-                </a:solidFill>
-                <a:latin typeface="Times New Roman" pitchFamily="18" charset="0"/>
-                <a:cs typeface="Times New Roman" pitchFamily="18" charset="0"/>
-              </a:rPr>
-              <a:t>̣ </a:t>
-            </a:r>
-            <a:r>
-              <a:rPr lang="en-US" sz="1400" dirty="0" err="1" smtClean="0">
-                <a:solidFill>
-                  <a:srgbClr val="FF0000"/>
-                </a:solidFill>
-                <a:latin typeface="Times New Roman" pitchFamily="18" charset="0"/>
-                <a:cs typeface="Times New Roman" pitchFamily="18" charset="0"/>
-              </a:rPr>
-              <a:t>báo</a:t>
-            </a:r>
-            <a:r>
-              <a:rPr lang="en-US" sz="1400" dirty="0" smtClean="0">
-                <a:solidFill>
-                  <a:srgbClr val="FF0000"/>
-                </a:solidFill>
-                <a:latin typeface="Times New Roman" pitchFamily="18" charset="0"/>
-                <a:cs typeface="Times New Roman" pitchFamily="18" charset="0"/>
-              </a:rPr>
-              <a:t>:</a:t>
-            </a:r>
-          </a:p>
-          <a:p>
-            <a:pPr fontAlgn="t">
-              <a:buNone/>
-            </a:pPr>
-            <a:endParaRPr lang="en-US" sz="1400" b="1" dirty="0" smtClean="0">
-              <a:solidFill>
-                <a:srgbClr val="FF0000"/>
-              </a:solidFill>
-              <a:latin typeface="Times New Roman" pitchFamily="18" charset="0"/>
-              <a:cs typeface="Times New Roman" pitchFamily="18" charset="0"/>
-            </a:endParaRPr>
-          </a:p>
-          <a:p>
-            <a:pPr lvl="1" fontAlgn="t">
-              <a:buNone/>
-            </a:pPr>
-            <a:r>
-              <a:rPr lang="en-US" sz="1400" b="1" dirty="0" err="1" smtClean="0">
-                <a:solidFill>
-                  <a:srgbClr val="FF0000"/>
-                </a:solidFill>
-                <a:latin typeface="Times New Roman" pitchFamily="18" charset="0"/>
-                <a:cs typeface="Times New Roman" pitchFamily="18" charset="0"/>
-              </a:rPr>
-              <a:t>Dư</a:t>
-            </a:r>
-            <a:r>
-              <a:rPr lang="en-US" sz="1400" b="1" dirty="0" smtClean="0">
-                <a:solidFill>
-                  <a:srgbClr val="FF0000"/>
-                </a:solidFill>
-                <a:latin typeface="Times New Roman" pitchFamily="18" charset="0"/>
-                <a:cs typeface="Times New Roman" pitchFamily="18" charset="0"/>
-              </a:rPr>
-              <a:t>̣ </a:t>
-            </a:r>
-            <a:r>
-              <a:rPr lang="en-US" sz="1400" b="1" dirty="0" err="1" smtClean="0">
-                <a:solidFill>
-                  <a:srgbClr val="FF0000"/>
-                </a:solidFill>
-                <a:latin typeface="Times New Roman" pitchFamily="18" charset="0"/>
-                <a:cs typeface="Times New Roman" pitchFamily="18" charset="0"/>
-              </a:rPr>
-              <a:t>Báo</a:t>
-            </a:r>
-            <a:r>
-              <a:rPr lang="en-US" sz="1400" b="1" dirty="0" smtClean="0">
-                <a:solidFill>
-                  <a:srgbClr val="FF0000"/>
-                </a:solidFill>
-                <a:latin typeface="Times New Roman" pitchFamily="18" charset="0"/>
-                <a:cs typeface="Times New Roman" pitchFamily="18" charset="0"/>
-              </a:rPr>
-              <a:t> </a:t>
-            </a:r>
-            <a:r>
-              <a:rPr lang="en-US" sz="1400" b="1" dirty="0" err="1" smtClean="0">
-                <a:solidFill>
-                  <a:srgbClr val="FF0000"/>
-                </a:solidFill>
-                <a:latin typeface="Times New Roman" pitchFamily="18" charset="0"/>
-                <a:cs typeface="Times New Roman" pitchFamily="18" charset="0"/>
-              </a:rPr>
-              <a:t>Chính</a:t>
-            </a:r>
-            <a:r>
-              <a:rPr lang="en-US" sz="1400" b="1" dirty="0" smtClean="0">
-                <a:solidFill>
-                  <a:srgbClr val="FF0000"/>
-                </a:solidFill>
-                <a:latin typeface="Times New Roman" pitchFamily="18" charset="0"/>
-                <a:cs typeface="Times New Roman" pitchFamily="18" charset="0"/>
-              </a:rPr>
-              <a:t> </a:t>
-            </a:r>
-            <a:r>
-              <a:rPr lang="en-US" sz="1400" b="1" dirty="0" err="1" smtClean="0">
-                <a:solidFill>
-                  <a:srgbClr val="FF0000"/>
-                </a:solidFill>
-                <a:latin typeface="Times New Roman" pitchFamily="18" charset="0"/>
-                <a:cs typeface="Times New Roman" pitchFamily="18" charset="0"/>
-              </a:rPr>
-              <a:t>Xác</a:t>
-            </a:r>
-            <a:r>
-              <a:rPr lang="en-US" sz="1400" b="1" dirty="0" smtClean="0">
-                <a:solidFill>
-                  <a:srgbClr val="FF0000"/>
-                </a:solidFill>
-                <a:latin typeface="Times New Roman" pitchFamily="18" charset="0"/>
-                <a:cs typeface="Times New Roman" pitchFamily="18" charset="0"/>
-              </a:rPr>
-              <a:t> (%)</a:t>
-            </a:r>
-          </a:p>
-          <a:p>
-            <a:pPr lvl="1" fontAlgn="t"/>
-            <a:r>
-              <a:rPr lang="en-US" sz="1400" dirty="0" smtClean="0">
-                <a:solidFill>
-                  <a:srgbClr val="FF0000"/>
-                </a:solidFill>
-                <a:latin typeface="Times New Roman" pitchFamily="18" charset="0"/>
-                <a:cs typeface="Times New Roman" pitchFamily="18" charset="0"/>
-              </a:rPr>
-              <a:t> </a:t>
-            </a:r>
-            <a:r>
-              <a:rPr lang="vi-VN" sz="1400" dirty="0" smtClean="0">
-                <a:solidFill>
-                  <a:srgbClr val="FF0000"/>
-                </a:solidFill>
-                <a:latin typeface="Times New Roman" pitchFamily="18" charset="0"/>
-                <a:cs typeface="Times New Roman" pitchFamily="18" charset="0"/>
-              </a:rPr>
-              <a:t>NGHỈ HỌC</a:t>
-            </a:r>
-            <a:r>
-              <a:rPr lang="en-US" sz="1400" dirty="0" smtClean="0">
-                <a:solidFill>
-                  <a:srgbClr val="FF0000"/>
-                </a:solidFill>
-                <a:latin typeface="Times New Roman" pitchFamily="18" charset="0"/>
-                <a:cs typeface="Times New Roman" pitchFamily="18" charset="0"/>
-              </a:rPr>
-              <a:t> Yes/No : ?</a:t>
-            </a:r>
-          </a:p>
-          <a:p>
-            <a:pPr lvl="1" fontAlgn="t"/>
-            <a:r>
-              <a:rPr lang="en-US" sz="1400" dirty="0" smtClean="0">
-                <a:solidFill>
-                  <a:srgbClr val="FF0000"/>
-                </a:solidFill>
-                <a:latin typeface="Times New Roman" pitchFamily="18" charset="0"/>
-                <a:cs typeface="Times New Roman" pitchFamily="18" charset="0"/>
-              </a:rPr>
-              <a:t> </a:t>
-            </a:r>
-            <a:r>
-              <a:rPr lang="en-US" sz="1400" dirty="0" err="1" smtClean="0">
-                <a:solidFill>
-                  <a:srgbClr val="FF0000"/>
-                </a:solidFill>
-                <a:latin typeface="Times New Roman" pitchFamily="18" charset="0"/>
-                <a:cs typeface="Times New Roman" pitchFamily="18" charset="0"/>
-              </a:rPr>
-              <a:t>Ky</a:t>
-            </a:r>
-            <a:r>
-              <a:rPr lang="en-US" sz="1400" dirty="0" smtClean="0">
-                <a:solidFill>
-                  <a:srgbClr val="FF0000"/>
-                </a:solidFill>
-                <a:latin typeface="Times New Roman" pitchFamily="18" charset="0"/>
-                <a:cs typeface="Times New Roman" pitchFamily="18" charset="0"/>
-              </a:rPr>
-              <a:t>̀ 2 </a:t>
-            </a:r>
-            <a:r>
-              <a:rPr lang="vi-VN" sz="1400" dirty="0" smtClean="0">
-                <a:solidFill>
-                  <a:srgbClr val="FF0000"/>
-                </a:solidFill>
-                <a:latin typeface="Times New Roman" pitchFamily="18" charset="0"/>
-                <a:cs typeface="Times New Roman" pitchFamily="18" charset="0"/>
-              </a:rPr>
-              <a:t>NGHỈ HỌC</a:t>
-            </a:r>
-            <a:r>
-              <a:rPr lang="en-US" sz="1400" dirty="0" smtClean="0">
-                <a:solidFill>
-                  <a:srgbClr val="FF0000"/>
-                </a:solidFill>
-                <a:latin typeface="Times New Roman" pitchFamily="18" charset="0"/>
-                <a:cs typeface="Times New Roman" pitchFamily="18" charset="0"/>
-              </a:rPr>
-              <a:t> Y/N : 77 %</a:t>
-            </a:r>
-          </a:p>
-          <a:p>
-            <a:pPr lvl="1" fontAlgn="t"/>
-            <a:r>
-              <a:rPr lang="en-US" sz="1400" dirty="0" smtClean="0">
-                <a:solidFill>
-                  <a:srgbClr val="FF0000"/>
-                </a:solidFill>
-                <a:latin typeface="Times New Roman" pitchFamily="18" charset="0"/>
-                <a:cs typeface="Times New Roman" pitchFamily="18" charset="0"/>
-              </a:rPr>
-              <a:t> </a:t>
-            </a:r>
-            <a:r>
-              <a:rPr lang="en-US" sz="1400" dirty="0" err="1" smtClean="0">
-                <a:solidFill>
-                  <a:srgbClr val="FF0000"/>
-                </a:solidFill>
-                <a:latin typeface="Times New Roman" pitchFamily="18" charset="0"/>
-                <a:cs typeface="Times New Roman" pitchFamily="18" charset="0"/>
-              </a:rPr>
-              <a:t>Ky</a:t>
-            </a:r>
-            <a:r>
-              <a:rPr lang="en-US" sz="1400" dirty="0" smtClean="0">
-                <a:solidFill>
-                  <a:srgbClr val="FF0000"/>
-                </a:solidFill>
-                <a:latin typeface="Times New Roman" pitchFamily="18" charset="0"/>
-                <a:cs typeface="Times New Roman" pitchFamily="18" charset="0"/>
-              </a:rPr>
-              <a:t>̀ 3 </a:t>
-            </a:r>
-            <a:r>
-              <a:rPr lang="vi-VN" sz="1400" dirty="0" smtClean="0">
-                <a:solidFill>
-                  <a:srgbClr val="FF0000"/>
-                </a:solidFill>
-                <a:latin typeface="Times New Roman" pitchFamily="18" charset="0"/>
-                <a:cs typeface="Times New Roman" pitchFamily="18" charset="0"/>
-              </a:rPr>
-              <a:t>NGHỈ HỌC</a:t>
-            </a:r>
-            <a:r>
-              <a:rPr lang="en-US" sz="1400" dirty="0" smtClean="0">
-                <a:solidFill>
-                  <a:srgbClr val="FF0000"/>
-                </a:solidFill>
-                <a:latin typeface="Times New Roman" pitchFamily="18" charset="0"/>
-                <a:cs typeface="Times New Roman" pitchFamily="18" charset="0"/>
-              </a:rPr>
-              <a:t> Y/N : 72 %</a:t>
-            </a:r>
-          </a:p>
-          <a:p>
-            <a:pPr lvl="1" fontAlgn="t"/>
-            <a:r>
-              <a:rPr lang="en-US" sz="1400" dirty="0" smtClean="0">
-                <a:solidFill>
-                  <a:srgbClr val="FF0000"/>
-                </a:solidFill>
-                <a:latin typeface="Times New Roman" pitchFamily="18" charset="0"/>
-                <a:cs typeface="Times New Roman" pitchFamily="18" charset="0"/>
-              </a:rPr>
-              <a:t> </a:t>
-            </a:r>
-            <a:r>
-              <a:rPr lang="en-US" sz="1400" dirty="0" err="1" smtClean="0">
-                <a:solidFill>
-                  <a:srgbClr val="FF0000"/>
-                </a:solidFill>
-                <a:latin typeface="Times New Roman" pitchFamily="18" charset="0"/>
-                <a:cs typeface="Times New Roman" pitchFamily="18" charset="0"/>
-              </a:rPr>
-              <a:t>Ky</a:t>
-            </a:r>
-            <a:r>
-              <a:rPr lang="en-US" sz="1400" dirty="0" smtClean="0">
-                <a:solidFill>
-                  <a:srgbClr val="FF0000"/>
-                </a:solidFill>
-                <a:latin typeface="Times New Roman" pitchFamily="18" charset="0"/>
-                <a:cs typeface="Times New Roman" pitchFamily="18" charset="0"/>
-              </a:rPr>
-              <a:t>̀ 4 </a:t>
-            </a:r>
-            <a:r>
-              <a:rPr lang="vi-VN" sz="1400" dirty="0" smtClean="0">
-                <a:solidFill>
-                  <a:srgbClr val="FF0000"/>
-                </a:solidFill>
-                <a:latin typeface="Times New Roman" pitchFamily="18" charset="0"/>
-                <a:cs typeface="Times New Roman" pitchFamily="18" charset="0"/>
-              </a:rPr>
-              <a:t>NGHỈ HỌC</a:t>
-            </a:r>
-            <a:r>
-              <a:rPr lang="en-US" sz="1400" dirty="0" smtClean="0">
-                <a:solidFill>
-                  <a:srgbClr val="FF0000"/>
-                </a:solidFill>
-                <a:latin typeface="Times New Roman" pitchFamily="18" charset="0"/>
-                <a:cs typeface="Times New Roman" pitchFamily="18" charset="0"/>
-              </a:rPr>
-              <a:t> Y/N : 85.8 %</a:t>
-            </a:r>
-          </a:p>
-          <a:p>
-            <a:pPr lvl="1" fontAlgn="t"/>
-            <a:r>
-              <a:rPr lang="en-US" sz="1400" dirty="0" smtClean="0">
-                <a:solidFill>
-                  <a:srgbClr val="FF0000"/>
-                </a:solidFill>
-                <a:latin typeface="Times New Roman" pitchFamily="18" charset="0"/>
-                <a:cs typeface="Times New Roman" pitchFamily="18" charset="0"/>
-              </a:rPr>
-              <a:t> </a:t>
-            </a:r>
-            <a:r>
-              <a:rPr lang="en-US" sz="1400" dirty="0" err="1" smtClean="0">
-                <a:solidFill>
-                  <a:srgbClr val="FF0000"/>
-                </a:solidFill>
-                <a:latin typeface="Times New Roman" pitchFamily="18" charset="0"/>
-                <a:cs typeface="Times New Roman" pitchFamily="18" charset="0"/>
-              </a:rPr>
-              <a:t>Mô</a:t>
-            </a:r>
-            <a:r>
-              <a:rPr lang="en-US" sz="1400" dirty="0" smtClean="0">
-                <a:solidFill>
-                  <a:srgbClr val="FF0000"/>
-                </a:solidFill>
-                <a:latin typeface="Times New Roman" pitchFamily="18" charset="0"/>
-                <a:cs typeface="Times New Roman" pitchFamily="18" charset="0"/>
-              </a:rPr>
-              <a:t> </a:t>
-            </a:r>
-            <a:r>
-              <a:rPr lang="en-US" sz="1400" dirty="0" err="1" smtClean="0">
-                <a:solidFill>
-                  <a:srgbClr val="FF0000"/>
-                </a:solidFill>
-                <a:latin typeface="Times New Roman" pitchFamily="18" charset="0"/>
-                <a:cs typeface="Times New Roman" pitchFamily="18" charset="0"/>
-              </a:rPr>
-              <a:t>hình</a:t>
-            </a:r>
-            <a:r>
-              <a:rPr lang="en-US" sz="1400" dirty="0" smtClean="0">
-                <a:solidFill>
-                  <a:srgbClr val="FF0000"/>
-                </a:solidFill>
-                <a:latin typeface="Times New Roman" pitchFamily="18" charset="0"/>
-                <a:cs typeface="Times New Roman" pitchFamily="18" charset="0"/>
-              </a:rPr>
-              <a:t> </a:t>
-            </a:r>
-            <a:r>
-              <a:rPr lang="vi-VN" sz="1400" dirty="0" smtClean="0">
-                <a:solidFill>
-                  <a:srgbClr val="FF0000"/>
-                </a:solidFill>
-                <a:latin typeface="Times New Roman" pitchFamily="18" charset="0"/>
-                <a:cs typeface="Times New Roman" pitchFamily="18" charset="0"/>
-              </a:rPr>
-              <a:t>NGHỈ HỌC</a:t>
-            </a:r>
-            <a:r>
-              <a:rPr lang="en-US" sz="1400" dirty="0" smtClean="0">
-                <a:solidFill>
-                  <a:srgbClr val="FF0000"/>
-                </a:solidFill>
-                <a:latin typeface="Times New Roman" pitchFamily="18" charset="0"/>
-                <a:cs typeface="Times New Roman" pitchFamily="18" charset="0"/>
-              </a:rPr>
-              <a:t> </a:t>
-            </a:r>
-            <a:r>
-              <a:rPr lang="en-US" sz="1400" dirty="0" err="1" smtClean="0">
-                <a:solidFill>
-                  <a:srgbClr val="FF0000"/>
-                </a:solidFill>
-                <a:latin typeface="Times New Roman" pitchFamily="18" charset="0"/>
-                <a:cs typeface="Times New Roman" pitchFamily="18" charset="0"/>
-              </a:rPr>
-              <a:t>cho</a:t>
-            </a:r>
-            <a:r>
-              <a:rPr lang="en-US" sz="1400" dirty="0" smtClean="0">
-                <a:solidFill>
-                  <a:srgbClr val="FF0000"/>
-                </a:solidFill>
-                <a:latin typeface="Times New Roman" pitchFamily="18" charset="0"/>
-                <a:cs typeface="Times New Roman" pitchFamily="18" charset="0"/>
-              </a:rPr>
-              <a:t> </a:t>
-            </a:r>
-            <a:r>
-              <a:rPr lang="en-US" sz="1400" dirty="0" err="1" smtClean="0">
-                <a:solidFill>
-                  <a:srgbClr val="FF0000"/>
-                </a:solidFill>
-                <a:latin typeface="Times New Roman" pitchFamily="18" charset="0"/>
-                <a:cs typeface="Times New Roman" pitchFamily="18" charset="0"/>
-              </a:rPr>
-              <a:t>Dạy</a:t>
-            </a:r>
-            <a:r>
-              <a:rPr lang="en-US" sz="1400" dirty="0" smtClean="0">
-                <a:solidFill>
-                  <a:srgbClr val="FF0000"/>
-                </a:solidFill>
-                <a:latin typeface="Times New Roman" pitchFamily="18" charset="0"/>
-                <a:cs typeface="Times New Roman" pitchFamily="18" charset="0"/>
-              </a:rPr>
-              <a:t> </a:t>
-            </a:r>
-            <a:r>
-              <a:rPr lang="en-US" sz="1400" dirty="0" err="1" smtClean="0">
-                <a:solidFill>
-                  <a:srgbClr val="FF0000"/>
-                </a:solidFill>
-                <a:latin typeface="Times New Roman" pitchFamily="18" charset="0"/>
-                <a:cs typeface="Times New Roman" pitchFamily="18" charset="0"/>
-              </a:rPr>
-              <a:t>Học</a:t>
-            </a:r>
-            <a:r>
-              <a:rPr lang="en-US" sz="1400" dirty="0" smtClean="0">
-                <a:solidFill>
-                  <a:srgbClr val="FF0000"/>
-                </a:solidFill>
-                <a:latin typeface="Times New Roman" pitchFamily="18" charset="0"/>
-                <a:cs typeface="Times New Roman" pitchFamily="18" charset="0"/>
-              </a:rPr>
-              <a:t>: 27% (?)</a:t>
-            </a:r>
           </a:p>
         </p:txBody>
       </p:sp>
@@ -17574,6 +15848,1868 @@
               <a:rPr lang="en-US" smtClean="0"/>
               <a:pPr/>
               <a:t>2</a:t>
+            </a:fld>
+            <a:endParaRPr lang="en-US"/>
+          </a:p>
+        </p:txBody>
+      </p:sp>
+    </p:spTree>
+  </p:cSld>
+  <p:clrMapOvr>
+    <a:masterClrMapping/>
+  </p:clrMapOvr>
+</p:notes>
+</file>
+
+<file path=ppt/notesSlides/notesSlide20.xml><?xml version="1.0" encoding="utf-8"?>
+<p:notes xmlns:a="http://schemas.openxmlformats.org/drawingml/2006/main" xmlns:r="http://schemas.openxmlformats.org/officeDocument/2006/relationships" xmlns:p="http://schemas.openxmlformats.org/presentationml/2006/main">
+  <p:cSld>
+    <p:spTree>
+      <p:nvGrpSpPr>
+        <p:cNvPr id="1" name=""/>
+        <p:cNvGrpSpPr/>
+        <p:nvPr/>
+      </p:nvGrpSpPr>
+      <p:grpSpPr>
+        <a:xfrm>
+          <a:off x="0" y="0"/>
+          <a:ext cx="0" cy="0"/>
+          <a:chOff x="0" y="0"/>
+          <a:chExt cx="0" cy="0"/>
+        </a:xfrm>
+      </p:grpSpPr>
+      <p:sp>
+        <p:nvSpPr>
+          <p:cNvPr id="2" name="Slide Image Placeholder 1"/>
+          <p:cNvSpPr>
+            <a:spLocks noGrp="1" noRot="1" noChangeAspect="1"/>
+          </p:cNvSpPr>
+          <p:nvPr>
+            <p:ph type="sldImg"/>
+          </p:nvPr>
+        </p:nvSpPr>
+        <p:spPr/>
+      </p:sp>
+      <p:sp>
+        <p:nvSpPr>
+          <p:cNvPr id="3" name="Notes Placeholder 2"/>
+          <p:cNvSpPr>
+            <a:spLocks noGrp="1"/>
+          </p:cNvSpPr>
+          <p:nvPr>
+            <p:ph type="body" idx="1"/>
+          </p:nvPr>
+        </p:nvSpPr>
+        <p:spPr/>
+        <p:txBody>
+          <a:bodyPr>
+            <a:normAutofit lnSpcReduction="10000"/>
+          </a:bodyPr>
+          <a:lstStyle/>
+          <a:p>
+            <a:pPr marL="514350" marR="0" indent="-514350" algn="l" defTabSz="914400" rtl="0" eaLnBrk="1" fontAlgn="auto" latinLnBrk="0" hangingPunct="1">
+              <a:lnSpc>
+                <a:spcPct val="100000"/>
+              </a:lnSpc>
+              <a:spcBef>
+                <a:spcPts val="0"/>
+              </a:spcBef>
+              <a:spcAft>
+                <a:spcPts val="0"/>
+              </a:spcAft>
+              <a:buClrTx/>
+              <a:buSzTx/>
+              <a:buFont typeface="+mj-lt"/>
+              <a:buNone/>
+              <a:tabLst/>
+              <a:defRPr/>
+            </a:pPr>
+            <a:r>
+              <a:rPr lang="vi-VN" sz="1400" dirty="0" smtClean="0">
+                <a:solidFill>
+                  <a:srgbClr val="000000"/>
+                </a:solidFill>
+              </a:rPr>
+              <a:t>Kết quả chương trình dự báo trạng thái học viên drop-out yes/no theo kỳ</a:t>
+            </a:r>
+          </a:p>
+          <a:p>
+            <a:pPr marL="514350" indent="-514350">
+              <a:buFont typeface="+mj-lt"/>
+              <a:buNone/>
+            </a:pPr>
+            <a:endParaRPr lang="en-US" sz="1400" dirty="0" smtClean="0">
+              <a:solidFill>
+                <a:srgbClr val="FF0000"/>
+              </a:solidFill>
+              <a:latin typeface="Times New Roman" pitchFamily="18" charset="0"/>
+              <a:cs typeface="Times New Roman" pitchFamily="18" charset="0"/>
+            </a:endParaRPr>
+          </a:p>
+          <a:p>
+            <a:pPr marL="514350" indent="-514350">
+              <a:buFont typeface="+mj-lt"/>
+              <a:buAutoNum type="arabicPeriod"/>
+            </a:pPr>
+            <a:r>
+              <a:rPr lang="en-US" sz="1400" dirty="0" smtClean="0">
+                <a:solidFill>
+                  <a:srgbClr val="FF0000"/>
+                </a:solidFill>
+                <a:latin typeface="Times New Roman" pitchFamily="18" charset="0"/>
+                <a:cs typeface="Times New Roman" pitchFamily="18" charset="0"/>
+              </a:rPr>
+              <a:t>Thu </a:t>
+            </a:r>
+            <a:r>
+              <a:rPr lang="en-US" sz="1400" dirty="0" err="1" smtClean="0">
+                <a:solidFill>
+                  <a:srgbClr val="FF0000"/>
+                </a:solidFill>
+                <a:latin typeface="Times New Roman" pitchFamily="18" charset="0"/>
+                <a:cs typeface="Times New Roman" pitchFamily="18" charset="0"/>
+              </a:rPr>
+              <a:t>thập</a:t>
+            </a:r>
+            <a:r>
+              <a:rPr lang="en-US" sz="1400" dirty="0" smtClean="0">
+                <a:solidFill>
+                  <a:srgbClr val="FF0000"/>
+                </a:solidFill>
+                <a:latin typeface="Times New Roman" pitchFamily="18" charset="0"/>
+                <a:cs typeface="Times New Roman" pitchFamily="18" charset="0"/>
+              </a:rPr>
+              <a:t> </a:t>
+            </a:r>
+            <a:r>
+              <a:rPr lang="en-US" sz="1400" dirty="0" err="1" smtClean="0">
+                <a:solidFill>
+                  <a:srgbClr val="FF0000"/>
+                </a:solidFill>
+                <a:latin typeface="Times New Roman" pitchFamily="18" charset="0"/>
+                <a:cs typeface="Times New Roman" pitchFamily="18" charset="0"/>
+              </a:rPr>
+              <a:t>dư</a:t>
+            </a:r>
+            <a:r>
+              <a:rPr lang="en-US" sz="1400" dirty="0" smtClean="0">
+                <a:solidFill>
+                  <a:srgbClr val="FF0000"/>
+                </a:solidFill>
+                <a:latin typeface="Times New Roman" pitchFamily="18" charset="0"/>
+                <a:cs typeface="Times New Roman" pitchFamily="18" charset="0"/>
+              </a:rPr>
+              <a:t>̃ </a:t>
+            </a:r>
+            <a:r>
+              <a:rPr lang="en-US" sz="1400" dirty="0" err="1" smtClean="0">
+                <a:solidFill>
+                  <a:srgbClr val="FF0000"/>
+                </a:solidFill>
+                <a:latin typeface="Times New Roman" pitchFamily="18" charset="0"/>
+                <a:cs typeface="Times New Roman" pitchFamily="18" charset="0"/>
+              </a:rPr>
+              <a:t>liệu</a:t>
+            </a:r>
+            <a:endParaRPr lang="en-US" sz="1400" dirty="0" smtClean="0">
+              <a:solidFill>
+                <a:srgbClr val="FF0000"/>
+              </a:solidFill>
+              <a:latin typeface="Times New Roman" pitchFamily="18" charset="0"/>
+              <a:cs typeface="Times New Roman" pitchFamily="18" charset="0"/>
+            </a:endParaRPr>
+          </a:p>
+          <a:p>
+            <a:pPr lvl="1">
+              <a:buFont typeface="Wingdings" pitchFamily="2" charset="2"/>
+              <a:buChar char="Ø"/>
+            </a:pPr>
+            <a:r>
+              <a:rPr lang="en-US" sz="1400" dirty="0" smtClean="0">
+                <a:solidFill>
+                  <a:srgbClr val="FF0000"/>
+                </a:solidFill>
+                <a:latin typeface="Times New Roman" pitchFamily="18" charset="0"/>
+                <a:cs typeface="Times New Roman" pitchFamily="18" charset="0"/>
+              </a:rPr>
+              <a:t>Thu </a:t>
+            </a:r>
+            <a:r>
+              <a:rPr lang="en-US" sz="1400" dirty="0" err="1" smtClean="0">
+                <a:solidFill>
+                  <a:srgbClr val="FF0000"/>
+                </a:solidFill>
+                <a:latin typeface="Times New Roman" pitchFamily="18" charset="0"/>
+                <a:cs typeface="Times New Roman" pitchFamily="18" charset="0"/>
+              </a:rPr>
+              <a:t>thập</a:t>
+            </a:r>
+            <a:r>
+              <a:rPr lang="en-US" sz="1400" dirty="0" smtClean="0">
+                <a:solidFill>
+                  <a:srgbClr val="FF0000"/>
+                </a:solidFill>
+                <a:latin typeface="Times New Roman" pitchFamily="18" charset="0"/>
+                <a:cs typeface="Times New Roman" pitchFamily="18" charset="0"/>
+              </a:rPr>
+              <a:t> </a:t>
+            </a:r>
+            <a:r>
+              <a:rPr lang="en-US" sz="1400" dirty="0" err="1" smtClean="0">
+                <a:solidFill>
+                  <a:srgbClr val="FF0000"/>
+                </a:solidFill>
+                <a:latin typeface="Times New Roman" pitchFamily="18" charset="0"/>
+                <a:cs typeface="Times New Roman" pitchFamily="18" charset="0"/>
+              </a:rPr>
+              <a:t>được</a:t>
+            </a:r>
+            <a:r>
+              <a:rPr lang="en-US" sz="1400" dirty="0" smtClean="0">
+                <a:solidFill>
+                  <a:srgbClr val="FF0000"/>
+                </a:solidFill>
+                <a:latin typeface="Times New Roman" pitchFamily="18" charset="0"/>
+                <a:cs typeface="Times New Roman" pitchFamily="18" charset="0"/>
+              </a:rPr>
+              <a:t> 30 </a:t>
+            </a:r>
+            <a:r>
+              <a:rPr lang="en-US" sz="1400" dirty="0" err="1" smtClean="0">
+                <a:solidFill>
+                  <a:srgbClr val="FF0000"/>
+                </a:solidFill>
+                <a:latin typeface="Times New Roman" pitchFamily="18" charset="0"/>
+                <a:cs typeface="Times New Roman" pitchFamily="18" charset="0"/>
+              </a:rPr>
+              <a:t>cột</a:t>
+            </a:r>
+            <a:r>
+              <a:rPr lang="en-US" sz="1400" dirty="0" smtClean="0">
+                <a:solidFill>
+                  <a:srgbClr val="FF0000"/>
+                </a:solidFill>
+                <a:latin typeface="Times New Roman" pitchFamily="18" charset="0"/>
+                <a:cs typeface="Times New Roman" pitchFamily="18" charset="0"/>
+              </a:rPr>
+              <a:t> </a:t>
+            </a:r>
+            <a:r>
+              <a:rPr lang="en-US" sz="1400" dirty="0" err="1" smtClean="0">
+                <a:solidFill>
+                  <a:srgbClr val="FF0000"/>
+                </a:solidFill>
+                <a:latin typeface="Times New Roman" pitchFamily="18" charset="0"/>
+                <a:cs typeface="Times New Roman" pitchFamily="18" charset="0"/>
+              </a:rPr>
+              <a:t>thuộc</a:t>
+            </a:r>
+            <a:r>
+              <a:rPr lang="en-US" sz="1400" dirty="0" smtClean="0">
+                <a:solidFill>
+                  <a:srgbClr val="FF0000"/>
+                </a:solidFill>
+                <a:latin typeface="Times New Roman" pitchFamily="18" charset="0"/>
+                <a:cs typeface="Times New Roman" pitchFamily="18" charset="0"/>
+              </a:rPr>
+              <a:t> </a:t>
+            </a:r>
+            <a:r>
+              <a:rPr lang="en-US" sz="1400" dirty="0" err="1" smtClean="0">
+                <a:solidFill>
+                  <a:srgbClr val="FF0000"/>
+                </a:solidFill>
+                <a:latin typeface="Times New Roman" pitchFamily="18" charset="0"/>
+                <a:cs typeface="Times New Roman" pitchFamily="18" charset="0"/>
+              </a:rPr>
+              <a:t>tính</a:t>
+            </a:r>
+            <a:r>
+              <a:rPr lang="en-US" sz="1400" dirty="0" smtClean="0">
+                <a:solidFill>
+                  <a:srgbClr val="FF0000"/>
+                </a:solidFill>
+                <a:latin typeface="Times New Roman" pitchFamily="18" charset="0"/>
+                <a:cs typeface="Times New Roman" pitchFamily="18" charset="0"/>
+              </a:rPr>
+              <a:t> </a:t>
+            </a:r>
+            <a:r>
+              <a:rPr lang="en-US" sz="1400" dirty="0" err="1" smtClean="0">
+                <a:solidFill>
+                  <a:srgbClr val="FF0000"/>
+                </a:solidFill>
+                <a:latin typeface="Times New Roman" pitchFamily="18" charset="0"/>
+                <a:cs typeface="Times New Roman" pitchFamily="18" charset="0"/>
+              </a:rPr>
+              <a:t>va</a:t>
+            </a:r>
+            <a:r>
+              <a:rPr lang="en-US" sz="1400" dirty="0" smtClean="0">
+                <a:solidFill>
+                  <a:srgbClr val="FF0000"/>
+                </a:solidFill>
+                <a:latin typeface="Times New Roman" pitchFamily="18" charset="0"/>
+                <a:cs typeface="Times New Roman" pitchFamily="18" charset="0"/>
+              </a:rPr>
+              <a:t>̀ 7476 </a:t>
+            </a:r>
+            <a:r>
+              <a:rPr lang="en-US" sz="1400" dirty="0" err="1" smtClean="0">
+                <a:solidFill>
+                  <a:srgbClr val="FF0000"/>
+                </a:solidFill>
+                <a:latin typeface="Times New Roman" pitchFamily="18" charset="0"/>
+                <a:cs typeface="Times New Roman" pitchFamily="18" charset="0"/>
+              </a:rPr>
+              <a:t>hàng</a:t>
+            </a:r>
+            <a:r>
+              <a:rPr lang="en-US" sz="1400" dirty="0" smtClean="0">
+                <a:solidFill>
+                  <a:srgbClr val="FF0000"/>
+                </a:solidFill>
+                <a:latin typeface="Times New Roman" pitchFamily="18" charset="0"/>
+                <a:cs typeface="Times New Roman" pitchFamily="18" charset="0"/>
+              </a:rPr>
+              <a:t> </a:t>
+            </a:r>
+            <a:r>
+              <a:rPr lang="en-US" sz="1400" dirty="0" err="1" smtClean="0">
+                <a:solidFill>
+                  <a:srgbClr val="FF0000"/>
+                </a:solidFill>
+                <a:latin typeface="Times New Roman" pitchFamily="18" charset="0"/>
+                <a:cs typeface="Times New Roman" pitchFamily="18" charset="0"/>
+              </a:rPr>
+              <a:t>dư</a:t>
+            </a:r>
+            <a:r>
+              <a:rPr lang="en-US" sz="1400" dirty="0" smtClean="0">
+                <a:solidFill>
+                  <a:srgbClr val="FF0000"/>
+                </a:solidFill>
+                <a:latin typeface="Times New Roman" pitchFamily="18" charset="0"/>
+                <a:cs typeface="Times New Roman" pitchFamily="18" charset="0"/>
+              </a:rPr>
+              <a:t>̃ </a:t>
+            </a:r>
+            <a:r>
+              <a:rPr lang="en-US" sz="1400" dirty="0" err="1" smtClean="0">
+                <a:solidFill>
+                  <a:srgbClr val="FF0000"/>
+                </a:solidFill>
+                <a:latin typeface="Times New Roman" pitchFamily="18" charset="0"/>
+                <a:cs typeface="Times New Roman" pitchFamily="18" charset="0"/>
+              </a:rPr>
+              <a:t>liệu</a:t>
+            </a:r>
+            <a:r>
+              <a:rPr lang="en-US" sz="1400" dirty="0" smtClean="0">
+                <a:solidFill>
+                  <a:srgbClr val="FF0000"/>
+                </a:solidFill>
+                <a:latin typeface="Times New Roman" pitchFamily="18" charset="0"/>
+                <a:cs typeface="Times New Roman" pitchFamily="18" charset="0"/>
+              </a:rPr>
+              <a:t> </a:t>
+            </a:r>
+            <a:r>
+              <a:rPr lang="en-US" sz="1400" dirty="0" err="1" smtClean="0">
+                <a:solidFill>
+                  <a:srgbClr val="FF0000"/>
+                </a:solidFill>
+                <a:latin typeface="Times New Roman" pitchFamily="18" charset="0"/>
+                <a:cs typeface="Times New Roman" pitchFamily="18" charset="0"/>
+              </a:rPr>
+              <a:t>vê</a:t>
+            </a:r>
+            <a:r>
+              <a:rPr lang="en-US" sz="1400" dirty="0" smtClean="0">
+                <a:solidFill>
+                  <a:srgbClr val="FF0000"/>
+                </a:solidFill>
+                <a:latin typeface="Times New Roman" pitchFamily="18" charset="0"/>
+                <a:cs typeface="Times New Roman" pitchFamily="18" charset="0"/>
+              </a:rPr>
+              <a:t>̀ </a:t>
+            </a:r>
+            <a:r>
+              <a:rPr lang="en-US" sz="1400" dirty="0" err="1" smtClean="0">
+                <a:solidFill>
+                  <a:srgbClr val="FF0000"/>
+                </a:solidFill>
+                <a:latin typeface="Times New Roman" pitchFamily="18" charset="0"/>
+                <a:cs typeface="Times New Roman" pitchFamily="18" charset="0"/>
+              </a:rPr>
+              <a:t>hô</a:t>
+            </a:r>
+            <a:r>
+              <a:rPr lang="en-US" sz="1400" dirty="0" smtClean="0">
+                <a:solidFill>
+                  <a:srgbClr val="FF0000"/>
+                </a:solidFill>
+                <a:latin typeface="Times New Roman" pitchFamily="18" charset="0"/>
+                <a:cs typeface="Times New Roman" pitchFamily="18" charset="0"/>
+              </a:rPr>
+              <a:t>̀ </a:t>
+            </a:r>
+            <a:r>
+              <a:rPr lang="en-US" sz="1400" dirty="0" err="1" smtClean="0">
+                <a:solidFill>
+                  <a:srgbClr val="FF0000"/>
+                </a:solidFill>
+                <a:latin typeface="Times New Roman" pitchFamily="18" charset="0"/>
+                <a:cs typeface="Times New Roman" pitchFamily="18" charset="0"/>
+              </a:rPr>
+              <a:t>sơ</a:t>
+            </a:r>
+            <a:r>
+              <a:rPr lang="en-US" sz="1400" dirty="0" smtClean="0">
+                <a:solidFill>
+                  <a:srgbClr val="FF0000"/>
+                </a:solidFill>
+                <a:latin typeface="Times New Roman" pitchFamily="18" charset="0"/>
+                <a:cs typeface="Times New Roman" pitchFamily="18" charset="0"/>
+              </a:rPr>
+              <a:t> </a:t>
+            </a:r>
+            <a:r>
+              <a:rPr lang="en-US" sz="1400" dirty="0" err="1" smtClean="0">
+                <a:solidFill>
+                  <a:srgbClr val="FF0000"/>
+                </a:solidFill>
+                <a:latin typeface="Times New Roman" pitchFamily="18" charset="0"/>
+                <a:cs typeface="Times New Roman" pitchFamily="18" charset="0"/>
+              </a:rPr>
+              <a:t>học</a:t>
+            </a:r>
+            <a:r>
+              <a:rPr lang="en-US" sz="1400" dirty="0" smtClean="0">
+                <a:solidFill>
+                  <a:srgbClr val="FF0000"/>
+                </a:solidFill>
+                <a:latin typeface="Times New Roman" pitchFamily="18" charset="0"/>
+                <a:cs typeface="Times New Roman" pitchFamily="18" charset="0"/>
+              </a:rPr>
+              <a:t> </a:t>
+            </a:r>
+            <a:r>
+              <a:rPr lang="en-US" sz="1400" dirty="0" err="1" smtClean="0">
+                <a:solidFill>
+                  <a:srgbClr val="FF0000"/>
+                </a:solidFill>
+                <a:latin typeface="Times New Roman" pitchFamily="18" charset="0"/>
+                <a:cs typeface="Times New Roman" pitchFamily="18" charset="0"/>
+              </a:rPr>
+              <a:t>viên</a:t>
+            </a:r>
+            <a:r>
+              <a:rPr lang="en-US" sz="1400" dirty="0" smtClean="0">
+                <a:solidFill>
+                  <a:srgbClr val="FF0000"/>
+                </a:solidFill>
+                <a:latin typeface="Times New Roman" pitchFamily="18" charset="0"/>
+                <a:cs typeface="Times New Roman" pitchFamily="18" charset="0"/>
+              </a:rPr>
+              <a:t>.</a:t>
+            </a:r>
+          </a:p>
+          <a:p>
+            <a:pPr lvl="1">
+              <a:buFont typeface="Wingdings" pitchFamily="2" charset="2"/>
+              <a:buChar char="Ø"/>
+            </a:pPr>
+            <a:r>
+              <a:rPr lang="en-US" sz="1400" dirty="0" smtClean="0">
+                <a:solidFill>
+                  <a:srgbClr val="FF0000"/>
+                </a:solidFill>
+                <a:latin typeface="Times New Roman" pitchFamily="18" charset="0"/>
+                <a:cs typeface="Times New Roman" pitchFamily="18" charset="0"/>
+              </a:rPr>
+              <a:t>600000 </a:t>
+            </a:r>
+            <a:r>
+              <a:rPr lang="en-US" sz="1400" dirty="0" err="1" smtClean="0">
+                <a:solidFill>
+                  <a:srgbClr val="FF0000"/>
+                </a:solidFill>
+                <a:latin typeface="Times New Roman" pitchFamily="18" charset="0"/>
+                <a:cs typeface="Times New Roman" pitchFamily="18" charset="0"/>
+              </a:rPr>
+              <a:t>bản</a:t>
+            </a:r>
+            <a:r>
+              <a:rPr lang="en-US" sz="1400" dirty="0" smtClean="0">
+                <a:solidFill>
+                  <a:srgbClr val="FF0000"/>
+                </a:solidFill>
+                <a:latin typeface="Times New Roman" pitchFamily="18" charset="0"/>
+                <a:cs typeface="Times New Roman" pitchFamily="18" charset="0"/>
+              </a:rPr>
+              <a:t> </a:t>
+            </a:r>
+            <a:r>
+              <a:rPr lang="en-US" sz="1400" dirty="0" err="1" smtClean="0">
+                <a:solidFill>
+                  <a:srgbClr val="FF0000"/>
+                </a:solidFill>
+                <a:latin typeface="Times New Roman" pitchFamily="18" charset="0"/>
+                <a:cs typeface="Times New Roman" pitchFamily="18" charset="0"/>
+              </a:rPr>
+              <a:t>ghi</a:t>
+            </a:r>
+            <a:r>
+              <a:rPr lang="en-US" sz="1400" dirty="0" smtClean="0">
+                <a:solidFill>
+                  <a:srgbClr val="FF0000"/>
+                </a:solidFill>
+                <a:latin typeface="Times New Roman" pitchFamily="18" charset="0"/>
+                <a:cs typeface="Times New Roman" pitchFamily="18" charset="0"/>
+              </a:rPr>
+              <a:t> </a:t>
+            </a:r>
+            <a:r>
+              <a:rPr lang="en-US" sz="1400" dirty="0" err="1" smtClean="0">
+                <a:solidFill>
+                  <a:srgbClr val="FF0000"/>
+                </a:solidFill>
+                <a:latin typeface="Times New Roman" pitchFamily="18" charset="0"/>
+                <a:cs typeface="Times New Roman" pitchFamily="18" charset="0"/>
+              </a:rPr>
+              <a:t>dư</a:t>
+            </a:r>
+            <a:r>
+              <a:rPr lang="en-US" sz="1400" dirty="0" smtClean="0">
+                <a:solidFill>
+                  <a:srgbClr val="FF0000"/>
+                </a:solidFill>
+                <a:latin typeface="Times New Roman" pitchFamily="18" charset="0"/>
+                <a:cs typeface="Times New Roman" pitchFamily="18" charset="0"/>
+              </a:rPr>
+              <a:t>̃ </a:t>
+            </a:r>
+            <a:r>
+              <a:rPr lang="en-US" sz="1400" dirty="0" err="1" smtClean="0">
+                <a:solidFill>
+                  <a:srgbClr val="FF0000"/>
+                </a:solidFill>
+                <a:latin typeface="Times New Roman" pitchFamily="18" charset="0"/>
+                <a:cs typeface="Times New Roman" pitchFamily="18" charset="0"/>
+              </a:rPr>
+              <a:t>liệu</a:t>
+            </a:r>
+            <a:r>
+              <a:rPr lang="en-US" sz="1400" dirty="0" smtClean="0">
+                <a:solidFill>
+                  <a:srgbClr val="FF0000"/>
+                </a:solidFill>
+                <a:latin typeface="Times New Roman" pitchFamily="18" charset="0"/>
+                <a:cs typeface="Times New Roman" pitchFamily="18" charset="0"/>
+              </a:rPr>
+              <a:t> </a:t>
+            </a:r>
+            <a:r>
+              <a:rPr lang="en-US" sz="1400" dirty="0" err="1" smtClean="0">
+                <a:solidFill>
+                  <a:srgbClr val="FF0000"/>
+                </a:solidFill>
+                <a:latin typeface="Times New Roman" pitchFamily="18" charset="0"/>
+                <a:cs typeface="Times New Roman" pitchFamily="18" charset="0"/>
+              </a:rPr>
+              <a:t>tình</a:t>
+            </a:r>
+            <a:r>
+              <a:rPr lang="en-US" sz="1400" dirty="0" smtClean="0">
+                <a:solidFill>
+                  <a:srgbClr val="FF0000"/>
+                </a:solidFill>
+                <a:latin typeface="Times New Roman" pitchFamily="18" charset="0"/>
+                <a:cs typeface="Times New Roman" pitchFamily="18" charset="0"/>
+              </a:rPr>
+              <a:t> </a:t>
+            </a:r>
+            <a:r>
+              <a:rPr lang="en-US" sz="1400" dirty="0" err="1" smtClean="0">
+                <a:solidFill>
+                  <a:srgbClr val="FF0000"/>
+                </a:solidFill>
+                <a:latin typeface="Times New Roman" pitchFamily="18" charset="0"/>
+                <a:cs typeface="Times New Roman" pitchFamily="18" charset="0"/>
+              </a:rPr>
+              <a:t>hình</a:t>
+            </a:r>
+            <a:r>
+              <a:rPr lang="en-US" sz="1400" dirty="0" smtClean="0">
+                <a:solidFill>
+                  <a:srgbClr val="FF0000"/>
+                </a:solidFill>
+                <a:latin typeface="Times New Roman" pitchFamily="18" charset="0"/>
+                <a:cs typeface="Times New Roman" pitchFamily="18" charset="0"/>
+              </a:rPr>
+              <a:t> </a:t>
+            </a:r>
+            <a:r>
+              <a:rPr lang="en-US" sz="1400" dirty="0" err="1" smtClean="0">
+                <a:solidFill>
+                  <a:srgbClr val="FF0000"/>
+                </a:solidFill>
+                <a:latin typeface="Times New Roman" pitchFamily="18" charset="0"/>
+                <a:cs typeface="Times New Roman" pitchFamily="18" charset="0"/>
+              </a:rPr>
+              <a:t>đăng</a:t>
+            </a:r>
+            <a:r>
+              <a:rPr lang="en-US" sz="1400" dirty="0" smtClean="0">
+                <a:solidFill>
+                  <a:srgbClr val="FF0000"/>
+                </a:solidFill>
+                <a:latin typeface="Times New Roman" pitchFamily="18" charset="0"/>
+                <a:cs typeface="Times New Roman" pitchFamily="18" charset="0"/>
+              </a:rPr>
+              <a:t> </a:t>
+            </a:r>
+            <a:r>
+              <a:rPr lang="en-US" sz="1400" dirty="0" err="1" smtClean="0">
+                <a:solidFill>
+                  <a:srgbClr val="FF0000"/>
+                </a:solidFill>
+                <a:latin typeface="Times New Roman" pitchFamily="18" charset="0"/>
+                <a:cs typeface="Times New Roman" pitchFamily="18" charset="0"/>
+              </a:rPr>
+              <a:t>nhập</a:t>
+            </a:r>
+            <a:r>
+              <a:rPr lang="en-US" sz="1400" dirty="0" smtClean="0">
+                <a:solidFill>
+                  <a:srgbClr val="FF0000"/>
+                </a:solidFill>
+                <a:latin typeface="Times New Roman" pitchFamily="18" charset="0"/>
+                <a:cs typeface="Times New Roman" pitchFamily="18" charset="0"/>
+              </a:rPr>
+              <a:t> </a:t>
+            </a:r>
+            <a:r>
+              <a:rPr lang="en-US" sz="1400" dirty="0" err="1" smtClean="0">
+                <a:solidFill>
+                  <a:srgbClr val="FF0000"/>
+                </a:solidFill>
+                <a:latin typeface="Times New Roman" pitchFamily="18" charset="0"/>
+                <a:cs typeface="Times New Roman" pitchFamily="18" charset="0"/>
+              </a:rPr>
+              <a:t>diễn</a:t>
+            </a:r>
+            <a:r>
+              <a:rPr lang="en-US" sz="1400" dirty="0" smtClean="0">
+                <a:solidFill>
+                  <a:srgbClr val="FF0000"/>
+                </a:solidFill>
+                <a:latin typeface="Times New Roman" pitchFamily="18" charset="0"/>
+                <a:cs typeface="Times New Roman" pitchFamily="18" charset="0"/>
+              </a:rPr>
+              <a:t> </a:t>
+            </a:r>
+            <a:r>
+              <a:rPr lang="en-US" sz="1400" dirty="0" err="1" smtClean="0">
+                <a:solidFill>
+                  <a:srgbClr val="FF0000"/>
+                </a:solidFill>
+                <a:latin typeface="Times New Roman" pitchFamily="18" charset="0"/>
+                <a:cs typeface="Times New Roman" pitchFamily="18" charset="0"/>
+              </a:rPr>
+              <a:t>đàn</a:t>
+            </a:r>
+            <a:endParaRPr lang="en-US" sz="1400" dirty="0" smtClean="0">
+              <a:solidFill>
+                <a:srgbClr val="FF0000"/>
+              </a:solidFill>
+              <a:latin typeface="Times New Roman" pitchFamily="18" charset="0"/>
+              <a:cs typeface="Times New Roman" pitchFamily="18" charset="0"/>
+            </a:endParaRPr>
+          </a:p>
+          <a:p>
+            <a:pPr lvl="1">
+              <a:buFont typeface="Wingdings" pitchFamily="2" charset="2"/>
+              <a:buChar char="Ø"/>
+            </a:pPr>
+            <a:r>
+              <a:rPr lang="en-US" sz="1400" dirty="0" smtClean="0">
+                <a:solidFill>
+                  <a:srgbClr val="FF0000"/>
+                </a:solidFill>
+                <a:latin typeface="Times New Roman" pitchFamily="18" charset="0"/>
+                <a:cs typeface="Times New Roman" pitchFamily="18" charset="0"/>
+              </a:rPr>
+              <a:t> 13 sheet </a:t>
+            </a:r>
+            <a:r>
+              <a:rPr lang="en-US" sz="1400" dirty="0" err="1" smtClean="0">
+                <a:solidFill>
+                  <a:srgbClr val="FF0000"/>
+                </a:solidFill>
+                <a:latin typeface="Times New Roman" pitchFamily="18" charset="0"/>
+                <a:cs typeface="Times New Roman" pitchFamily="18" charset="0"/>
+              </a:rPr>
+              <a:t>bảng</a:t>
+            </a:r>
+            <a:r>
+              <a:rPr lang="en-US" sz="1400" dirty="0" smtClean="0">
+                <a:solidFill>
+                  <a:srgbClr val="FF0000"/>
+                </a:solidFill>
+                <a:latin typeface="Times New Roman" pitchFamily="18" charset="0"/>
+                <a:cs typeface="Times New Roman" pitchFamily="18" charset="0"/>
+              </a:rPr>
+              <a:t> </a:t>
+            </a:r>
+            <a:r>
+              <a:rPr lang="en-US" sz="1400" dirty="0" err="1" smtClean="0">
+                <a:solidFill>
+                  <a:srgbClr val="FF0000"/>
+                </a:solidFill>
+                <a:latin typeface="Times New Roman" pitchFamily="18" charset="0"/>
+                <a:cs typeface="Times New Roman" pitchFamily="18" charset="0"/>
+              </a:rPr>
+              <a:t>điểm</a:t>
+            </a:r>
+            <a:r>
+              <a:rPr lang="en-US" sz="1400" dirty="0" smtClean="0">
+                <a:solidFill>
+                  <a:srgbClr val="FF0000"/>
+                </a:solidFill>
+                <a:latin typeface="Times New Roman" pitchFamily="18" charset="0"/>
+                <a:cs typeface="Times New Roman" pitchFamily="18" charset="0"/>
+              </a:rPr>
+              <a:t> </a:t>
+            </a:r>
+            <a:r>
+              <a:rPr lang="en-US" sz="1400" dirty="0" err="1" smtClean="0">
+                <a:solidFill>
+                  <a:srgbClr val="FF0000"/>
+                </a:solidFill>
+                <a:latin typeface="Times New Roman" pitchFamily="18" charset="0"/>
+                <a:cs typeface="Times New Roman" pitchFamily="18" charset="0"/>
+              </a:rPr>
+              <a:t>của</a:t>
+            </a:r>
+            <a:r>
+              <a:rPr lang="en-US" sz="1400" dirty="0" smtClean="0">
+                <a:solidFill>
+                  <a:srgbClr val="FF0000"/>
+                </a:solidFill>
+                <a:latin typeface="Times New Roman" pitchFamily="18" charset="0"/>
+                <a:cs typeface="Times New Roman" pitchFamily="18" charset="0"/>
+              </a:rPr>
+              <a:t> </a:t>
+            </a:r>
+            <a:r>
+              <a:rPr lang="en-US" sz="1400" dirty="0" err="1" smtClean="0">
+                <a:solidFill>
+                  <a:srgbClr val="FF0000"/>
+                </a:solidFill>
+                <a:latin typeface="Times New Roman" pitchFamily="18" charset="0"/>
+                <a:cs typeface="Times New Roman" pitchFamily="18" charset="0"/>
+              </a:rPr>
+              <a:t>học</a:t>
+            </a:r>
+            <a:r>
+              <a:rPr lang="en-US" sz="1400" dirty="0" smtClean="0">
+                <a:solidFill>
+                  <a:srgbClr val="FF0000"/>
+                </a:solidFill>
+                <a:latin typeface="Times New Roman" pitchFamily="18" charset="0"/>
+                <a:cs typeface="Times New Roman" pitchFamily="18" charset="0"/>
+              </a:rPr>
+              <a:t> </a:t>
+            </a:r>
+            <a:r>
+              <a:rPr lang="en-US" sz="1400" dirty="0" err="1" smtClean="0">
+                <a:solidFill>
+                  <a:srgbClr val="FF0000"/>
+                </a:solidFill>
+                <a:latin typeface="Times New Roman" pitchFamily="18" charset="0"/>
+                <a:cs typeface="Times New Roman" pitchFamily="18" charset="0"/>
+              </a:rPr>
+              <a:t>viên</a:t>
+            </a:r>
+            <a:endParaRPr lang="en-US" sz="1400" dirty="0" smtClean="0">
+              <a:solidFill>
+                <a:srgbClr val="FF0000"/>
+              </a:solidFill>
+              <a:latin typeface="Times New Roman" pitchFamily="18" charset="0"/>
+              <a:cs typeface="Times New Roman" pitchFamily="18" charset="0"/>
+            </a:endParaRPr>
+          </a:p>
+          <a:p>
+            <a:pPr lvl="1">
+              <a:buNone/>
+            </a:pPr>
+            <a:endParaRPr lang="en-US" sz="1400" dirty="0" smtClean="0">
+              <a:solidFill>
+                <a:srgbClr val="FF0000"/>
+              </a:solidFill>
+              <a:latin typeface="Times New Roman" pitchFamily="18" charset="0"/>
+              <a:cs typeface="Times New Roman" pitchFamily="18" charset="0"/>
+            </a:endParaRPr>
+          </a:p>
+          <a:p>
+            <a:pPr>
+              <a:buAutoNum type="arabicPeriod" startAt="2"/>
+            </a:pPr>
+            <a:r>
+              <a:rPr lang="en-US" sz="1400" dirty="0" err="1" smtClean="0">
+                <a:solidFill>
+                  <a:srgbClr val="FF0000"/>
+                </a:solidFill>
+                <a:latin typeface="Times New Roman" pitchFamily="18" charset="0"/>
+                <a:cs typeface="Times New Roman" pitchFamily="18" charset="0"/>
+              </a:rPr>
+              <a:t>Tiền</a:t>
+            </a:r>
+            <a:r>
+              <a:rPr lang="en-US" sz="1400" dirty="0" smtClean="0">
+                <a:solidFill>
+                  <a:srgbClr val="FF0000"/>
+                </a:solidFill>
+                <a:latin typeface="Times New Roman" pitchFamily="18" charset="0"/>
+                <a:cs typeface="Times New Roman" pitchFamily="18" charset="0"/>
+              </a:rPr>
+              <a:t> </a:t>
+            </a:r>
+            <a:r>
+              <a:rPr lang="en-US" sz="1400" dirty="0" err="1" smtClean="0">
+                <a:solidFill>
+                  <a:srgbClr val="FF0000"/>
+                </a:solidFill>
+                <a:latin typeface="Times New Roman" pitchFamily="18" charset="0"/>
+                <a:cs typeface="Times New Roman" pitchFamily="18" charset="0"/>
+              </a:rPr>
+              <a:t>xư</a:t>
+            </a:r>
+            <a:r>
+              <a:rPr lang="en-US" sz="1400" dirty="0" smtClean="0">
+                <a:solidFill>
+                  <a:srgbClr val="FF0000"/>
+                </a:solidFill>
+                <a:latin typeface="Times New Roman" pitchFamily="18" charset="0"/>
+                <a:cs typeface="Times New Roman" pitchFamily="18" charset="0"/>
+              </a:rPr>
+              <a:t>̉ </a:t>
+            </a:r>
+            <a:r>
+              <a:rPr lang="en-US" sz="1400" dirty="0" err="1" smtClean="0">
+                <a:solidFill>
+                  <a:srgbClr val="FF0000"/>
+                </a:solidFill>
+                <a:latin typeface="Times New Roman" pitchFamily="18" charset="0"/>
+                <a:cs typeface="Times New Roman" pitchFamily="18" charset="0"/>
+              </a:rPr>
+              <a:t>ly</a:t>
+            </a:r>
+            <a:r>
+              <a:rPr lang="en-US" sz="1400" dirty="0" smtClean="0">
+                <a:solidFill>
+                  <a:srgbClr val="FF0000"/>
+                </a:solidFill>
+                <a:latin typeface="Times New Roman" pitchFamily="18" charset="0"/>
+                <a:cs typeface="Times New Roman" pitchFamily="18" charset="0"/>
+              </a:rPr>
+              <a:t>́ </a:t>
+            </a:r>
+            <a:r>
+              <a:rPr lang="en-US" sz="1400" dirty="0" err="1" smtClean="0">
+                <a:solidFill>
+                  <a:srgbClr val="FF0000"/>
+                </a:solidFill>
+                <a:latin typeface="Times New Roman" pitchFamily="18" charset="0"/>
+                <a:cs typeface="Times New Roman" pitchFamily="18" charset="0"/>
+              </a:rPr>
+              <a:t>dư</a:t>
+            </a:r>
+            <a:r>
+              <a:rPr lang="en-US" sz="1400" dirty="0" smtClean="0">
+                <a:solidFill>
+                  <a:srgbClr val="FF0000"/>
+                </a:solidFill>
+                <a:latin typeface="Times New Roman" pitchFamily="18" charset="0"/>
+                <a:cs typeface="Times New Roman" pitchFamily="18" charset="0"/>
+              </a:rPr>
+              <a:t>̃ </a:t>
+            </a:r>
+            <a:r>
+              <a:rPr lang="en-US" sz="1400" dirty="0" err="1" smtClean="0">
+                <a:solidFill>
+                  <a:srgbClr val="FF0000"/>
+                </a:solidFill>
+                <a:latin typeface="Times New Roman" pitchFamily="18" charset="0"/>
+                <a:cs typeface="Times New Roman" pitchFamily="18" charset="0"/>
+              </a:rPr>
+              <a:t>liệu</a:t>
+            </a:r>
+            <a:r>
+              <a:rPr lang="en-US" sz="1400" dirty="0" smtClean="0">
+                <a:solidFill>
+                  <a:srgbClr val="FF0000"/>
+                </a:solidFill>
+                <a:latin typeface="Times New Roman" pitchFamily="18" charset="0"/>
+                <a:cs typeface="Times New Roman" pitchFamily="18" charset="0"/>
+              </a:rPr>
+              <a:t> </a:t>
+            </a:r>
+            <a:r>
+              <a:rPr lang="en-US" sz="1400" dirty="0" err="1" smtClean="0">
+                <a:solidFill>
+                  <a:srgbClr val="FF0000"/>
+                </a:solidFill>
+                <a:latin typeface="Times New Roman" pitchFamily="18" charset="0"/>
+                <a:cs typeface="Times New Roman" pitchFamily="18" charset="0"/>
+              </a:rPr>
+              <a:t>va</a:t>
+            </a:r>
+            <a:r>
+              <a:rPr lang="en-US" sz="1400" dirty="0" smtClean="0">
+                <a:solidFill>
+                  <a:srgbClr val="FF0000"/>
+                </a:solidFill>
+                <a:latin typeface="Times New Roman" pitchFamily="18" charset="0"/>
+                <a:cs typeface="Times New Roman" pitchFamily="18" charset="0"/>
+              </a:rPr>
+              <a:t>̀ </a:t>
+            </a:r>
+            <a:r>
+              <a:rPr lang="en-US" sz="1400" dirty="0" err="1" smtClean="0">
+                <a:solidFill>
+                  <a:srgbClr val="FF0000"/>
+                </a:solidFill>
+                <a:latin typeface="Times New Roman" pitchFamily="18" charset="0"/>
+                <a:cs typeface="Times New Roman" pitchFamily="18" charset="0"/>
+              </a:rPr>
+              <a:t>phân</a:t>
+            </a:r>
+            <a:r>
+              <a:rPr lang="en-US" sz="1400" dirty="0" smtClean="0">
+                <a:solidFill>
+                  <a:srgbClr val="FF0000"/>
+                </a:solidFill>
+                <a:latin typeface="Times New Roman" pitchFamily="18" charset="0"/>
+                <a:cs typeface="Times New Roman" pitchFamily="18" charset="0"/>
+              </a:rPr>
+              <a:t> </a:t>
+            </a:r>
+            <a:r>
+              <a:rPr lang="en-US" sz="1400" dirty="0" err="1" smtClean="0">
+                <a:solidFill>
+                  <a:srgbClr val="FF0000"/>
+                </a:solidFill>
+                <a:latin typeface="Times New Roman" pitchFamily="18" charset="0"/>
+                <a:cs typeface="Times New Roman" pitchFamily="18" charset="0"/>
+              </a:rPr>
+              <a:t>tích</a:t>
+            </a:r>
+            <a:r>
+              <a:rPr lang="en-US" sz="1400" dirty="0" smtClean="0">
+                <a:solidFill>
+                  <a:srgbClr val="FF0000"/>
+                </a:solidFill>
+                <a:latin typeface="Times New Roman" pitchFamily="18" charset="0"/>
+                <a:cs typeface="Times New Roman" pitchFamily="18" charset="0"/>
+              </a:rPr>
+              <a:t> </a:t>
+            </a:r>
+            <a:r>
+              <a:rPr lang="en-US" sz="1400" dirty="0" err="1" smtClean="0">
+                <a:solidFill>
+                  <a:srgbClr val="FF0000"/>
+                </a:solidFill>
+                <a:latin typeface="Times New Roman" pitchFamily="18" charset="0"/>
+                <a:cs typeface="Times New Roman" pitchFamily="18" charset="0"/>
+              </a:rPr>
+              <a:t>tương</a:t>
+            </a:r>
+            <a:r>
+              <a:rPr lang="en-US" sz="1400" dirty="0" smtClean="0">
+                <a:solidFill>
+                  <a:srgbClr val="FF0000"/>
+                </a:solidFill>
+                <a:latin typeface="Times New Roman" pitchFamily="18" charset="0"/>
+                <a:cs typeface="Times New Roman" pitchFamily="18" charset="0"/>
+              </a:rPr>
+              <a:t> </a:t>
+            </a:r>
+            <a:r>
+              <a:rPr lang="en-US" sz="1400" dirty="0" err="1" smtClean="0">
+                <a:solidFill>
+                  <a:srgbClr val="FF0000"/>
+                </a:solidFill>
+                <a:latin typeface="Times New Roman" pitchFamily="18" charset="0"/>
+                <a:cs typeface="Times New Roman" pitchFamily="18" charset="0"/>
+              </a:rPr>
+              <a:t>quan</a:t>
+            </a:r>
+            <a:r>
+              <a:rPr lang="en-US" sz="1400" dirty="0" smtClean="0">
+                <a:solidFill>
+                  <a:srgbClr val="FF0000"/>
+                </a:solidFill>
+                <a:latin typeface="Times New Roman" pitchFamily="18" charset="0"/>
+                <a:cs typeface="Times New Roman" pitchFamily="18" charset="0"/>
+              </a:rPr>
+              <a:t> </a:t>
+            </a:r>
+            <a:r>
+              <a:rPr lang="en-US" sz="1400" dirty="0" err="1" smtClean="0">
+                <a:solidFill>
+                  <a:srgbClr val="FF0000"/>
+                </a:solidFill>
+                <a:latin typeface="Times New Roman" pitchFamily="18" charset="0"/>
+                <a:cs typeface="Times New Roman" pitchFamily="18" charset="0"/>
+              </a:rPr>
+              <a:t>cho</a:t>
+            </a:r>
+            <a:r>
+              <a:rPr lang="en-US" sz="1400" dirty="0" smtClean="0">
+                <a:solidFill>
+                  <a:srgbClr val="FF0000"/>
+                </a:solidFill>
+                <a:latin typeface="Times New Roman" pitchFamily="18" charset="0"/>
+                <a:cs typeface="Times New Roman" pitchFamily="18" charset="0"/>
+              </a:rPr>
+              <a:t> </a:t>
+            </a:r>
+            <a:r>
+              <a:rPr lang="en-US" sz="1400" dirty="0" err="1" smtClean="0">
+                <a:solidFill>
+                  <a:srgbClr val="FF0000"/>
+                </a:solidFill>
+                <a:latin typeface="Times New Roman" pitchFamily="18" charset="0"/>
+                <a:cs typeface="Times New Roman" pitchFamily="18" charset="0"/>
+              </a:rPr>
+              <a:t>các</a:t>
+            </a:r>
+            <a:r>
+              <a:rPr lang="en-US" sz="1400" dirty="0" smtClean="0">
+                <a:solidFill>
+                  <a:srgbClr val="FF0000"/>
+                </a:solidFill>
+                <a:latin typeface="Times New Roman" pitchFamily="18" charset="0"/>
+                <a:cs typeface="Times New Roman" pitchFamily="18" charset="0"/>
+              </a:rPr>
+              <a:t> </a:t>
+            </a:r>
+            <a:r>
+              <a:rPr lang="en-US" sz="1400" dirty="0" err="1" smtClean="0">
+                <a:solidFill>
+                  <a:srgbClr val="FF0000"/>
+                </a:solidFill>
+                <a:latin typeface="Times New Roman" pitchFamily="18" charset="0"/>
+                <a:cs typeface="Times New Roman" pitchFamily="18" charset="0"/>
+              </a:rPr>
+              <a:t>mô</a:t>
+            </a:r>
+            <a:r>
+              <a:rPr lang="en-US" sz="1400" dirty="0" smtClean="0">
+                <a:solidFill>
+                  <a:srgbClr val="FF0000"/>
+                </a:solidFill>
+                <a:latin typeface="Times New Roman" pitchFamily="18" charset="0"/>
+                <a:cs typeface="Times New Roman" pitchFamily="18" charset="0"/>
+              </a:rPr>
+              <a:t> </a:t>
+            </a:r>
+            <a:r>
+              <a:rPr lang="en-US" sz="1400" dirty="0" err="1" smtClean="0">
+                <a:solidFill>
+                  <a:srgbClr val="FF0000"/>
+                </a:solidFill>
+                <a:latin typeface="Times New Roman" pitchFamily="18" charset="0"/>
+                <a:cs typeface="Times New Roman" pitchFamily="18" charset="0"/>
+              </a:rPr>
+              <a:t>hình</a:t>
+            </a:r>
+            <a:r>
+              <a:rPr lang="en-US" sz="1400" dirty="0" smtClean="0">
+                <a:solidFill>
+                  <a:srgbClr val="FF0000"/>
+                </a:solidFill>
+                <a:latin typeface="Times New Roman" pitchFamily="18" charset="0"/>
+                <a:cs typeface="Times New Roman" pitchFamily="18" charset="0"/>
+              </a:rPr>
+              <a:t> </a:t>
+            </a:r>
+            <a:r>
+              <a:rPr lang="en-US" sz="1400" dirty="0" err="1" smtClean="0">
+                <a:solidFill>
+                  <a:srgbClr val="FF0000"/>
+                </a:solidFill>
+                <a:latin typeface="Times New Roman" pitchFamily="18" charset="0"/>
+                <a:cs typeface="Times New Roman" pitchFamily="18" charset="0"/>
+              </a:rPr>
+              <a:t>dư</a:t>
+            </a:r>
+            <a:r>
+              <a:rPr lang="en-US" sz="1400" dirty="0" smtClean="0">
+                <a:solidFill>
+                  <a:srgbClr val="FF0000"/>
+                </a:solidFill>
+                <a:latin typeface="Times New Roman" pitchFamily="18" charset="0"/>
+                <a:cs typeface="Times New Roman" pitchFamily="18" charset="0"/>
+              </a:rPr>
+              <a:t>̣ </a:t>
+            </a:r>
+            <a:r>
+              <a:rPr lang="en-US" sz="1400" dirty="0" err="1" smtClean="0">
+                <a:solidFill>
+                  <a:srgbClr val="FF0000"/>
+                </a:solidFill>
+                <a:latin typeface="Times New Roman" pitchFamily="18" charset="0"/>
+                <a:cs typeface="Times New Roman" pitchFamily="18" charset="0"/>
+              </a:rPr>
+              <a:t>báo</a:t>
+            </a:r>
+            <a:endParaRPr lang="en-US" sz="1400" dirty="0" smtClean="0">
+              <a:solidFill>
+                <a:srgbClr val="FF0000"/>
+              </a:solidFill>
+              <a:latin typeface="Times New Roman" pitchFamily="18" charset="0"/>
+              <a:cs typeface="Times New Roman" pitchFamily="18" charset="0"/>
+            </a:endParaRPr>
+          </a:p>
+          <a:p>
+            <a:pPr>
+              <a:buNone/>
+            </a:pPr>
+            <a:endParaRPr lang="en-US" sz="1400" dirty="0" smtClean="0">
+              <a:solidFill>
+                <a:srgbClr val="FF0000"/>
+              </a:solidFill>
+              <a:latin typeface="Times New Roman" pitchFamily="18" charset="0"/>
+              <a:cs typeface="Times New Roman" pitchFamily="18" charset="0"/>
+            </a:endParaRPr>
+          </a:p>
+          <a:p>
+            <a:pPr>
+              <a:buFont typeface="+mj-lt"/>
+              <a:buAutoNum type="arabicPeriod" startAt="3"/>
+            </a:pPr>
+            <a:r>
+              <a:rPr lang="en-US" sz="1400" dirty="0" err="1" smtClean="0">
+                <a:solidFill>
+                  <a:srgbClr val="FF0000"/>
+                </a:solidFill>
+                <a:latin typeface="Times New Roman" pitchFamily="18" charset="0"/>
+                <a:cs typeface="Times New Roman" pitchFamily="18" charset="0"/>
+              </a:rPr>
+              <a:t>Xây</a:t>
+            </a:r>
+            <a:r>
+              <a:rPr lang="en-US" sz="1400" dirty="0" smtClean="0">
+                <a:solidFill>
+                  <a:srgbClr val="FF0000"/>
+                </a:solidFill>
+                <a:latin typeface="Times New Roman" pitchFamily="18" charset="0"/>
+                <a:cs typeface="Times New Roman" pitchFamily="18" charset="0"/>
+              </a:rPr>
+              <a:t> </a:t>
+            </a:r>
+            <a:r>
+              <a:rPr lang="en-US" sz="1400" dirty="0" err="1" smtClean="0">
+                <a:solidFill>
+                  <a:srgbClr val="FF0000"/>
+                </a:solidFill>
+                <a:latin typeface="Times New Roman" pitchFamily="18" charset="0"/>
+                <a:cs typeface="Times New Roman" pitchFamily="18" charset="0"/>
+              </a:rPr>
+              <a:t>dựng</a:t>
+            </a:r>
+            <a:r>
+              <a:rPr lang="en-US" sz="1400" dirty="0" smtClean="0">
+                <a:solidFill>
+                  <a:srgbClr val="FF0000"/>
+                </a:solidFill>
+                <a:latin typeface="Times New Roman" pitchFamily="18" charset="0"/>
+                <a:cs typeface="Times New Roman" pitchFamily="18" charset="0"/>
+              </a:rPr>
+              <a:t> </a:t>
+            </a:r>
+            <a:r>
+              <a:rPr lang="en-US" sz="1400" dirty="0" err="1" smtClean="0">
+                <a:solidFill>
+                  <a:srgbClr val="FF0000"/>
+                </a:solidFill>
+                <a:latin typeface="Times New Roman" pitchFamily="18" charset="0"/>
+                <a:cs typeface="Times New Roman" pitchFamily="18" charset="0"/>
+              </a:rPr>
+              <a:t>được</a:t>
+            </a:r>
+            <a:r>
+              <a:rPr lang="en-US" sz="1400" dirty="0" smtClean="0">
+                <a:solidFill>
+                  <a:srgbClr val="FF0000"/>
+                </a:solidFill>
+                <a:latin typeface="Times New Roman" pitchFamily="18" charset="0"/>
+                <a:cs typeface="Times New Roman" pitchFamily="18" charset="0"/>
+              </a:rPr>
+              <a:t> </a:t>
+            </a:r>
+            <a:r>
+              <a:rPr lang="en-US" sz="1400" dirty="0" err="1" smtClean="0">
+                <a:solidFill>
+                  <a:srgbClr val="FF0000"/>
+                </a:solidFill>
+                <a:latin typeface="Times New Roman" pitchFamily="18" charset="0"/>
+                <a:cs typeface="Times New Roman" pitchFamily="18" charset="0"/>
+              </a:rPr>
+              <a:t>một</a:t>
+            </a:r>
+            <a:r>
+              <a:rPr lang="en-US" sz="1400" dirty="0" smtClean="0">
+                <a:solidFill>
+                  <a:srgbClr val="FF0000"/>
+                </a:solidFill>
+                <a:latin typeface="Times New Roman" pitchFamily="18" charset="0"/>
+                <a:cs typeface="Times New Roman" pitchFamily="18" charset="0"/>
+              </a:rPr>
+              <a:t> </a:t>
+            </a:r>
+            <a:r>
+              <a:rPr lang="en-US" sz="1400" dirty="0" err="1" smtClean="0">
+                <a:solidFill>
+                  <a:srgbClr val="FF0000"/>
+                </a:solidFill>
+                <a:latin typeface="Times New Roman" pitchFamily="18" charset="0"/>
+                <a:cs typeface="Times New Roman" pitchFamily="18" charset="0"/>
+              </a:rPr>
+              <a:t>phần</a:t>
+            </a:r>
+            <a:r>
+              <a:rPr lang="en-US" sz="1400" dirty="0" smtClean="0">
+                <a:solidFill>
+                  <a:srgbClr val="FF0000"/>
+                </a:solidFill>
+                <a:latin typeface="Times New Roman" pitchFamily="18" charset="0"/>
+                <a:cs typeface="Times New Roman" pitchFamily="18" charset="0"/>
+              </a:rPr>
+              <a:t> </a:t>
+            </a:r>
+            <a:r>
+              <a:rPr lang="en-US" sz="1400" dirty="0" err="1" smtClean="0">
+                <a:solidFill>
+                  <a:srgbClr val="FF0000"/>
+                </a:solidFill>
+                <a:latin typeface="Times New Roman" pitchFamily="18" charset="0"/>
+                <a:cs typeface="Times New Roman" pitchFamily="18" charset="0"/>
+              </a:rPr>
+              <a:t>mềm</a:t>
+            </a:r>
+            <a:r>
+              <a:rPr lang="en-US" sz="1400" dirty="0" smtClean="0">
+                <a:solidFill>
+                  <a:srgbClr val="FF0000"/>
+                </a:solidFill>
+                <a:latin typeface="Times New Roman" pitchFamily="18" charset="0"/>
+                <a:cs typeface="Times New Roman" pitchFamily="18" charset="0"/>
+              </a:rPr>
+              <a:t> </a:t>
+            </a:r>
+            <a:r>
+              <a:rPr lang="en-US" sz="1400" dirty="0" err="1" smtClean="0">
+                <a:solidFill>
+                  <a:srgbClr val="FF0000"/>
+                </a:solidFill>
+                <a:latin typeface="Times New Roman" pitchFamily="18" charset="0"/>
+                <a:cs typeface="Times New Roman" pitchFamily="18" charset="0"/>
+              </a:rPr>
+              <a:t>dư</a:t>
+            </a:r>
+            <a:r>
+              <a:rPr lang="en-US" sz="1400" dirty="0" smtClean="0">
+                <a:solidFill>
+                  <a:srgbClr val="FF0000"/>
+                </a:solidFill>
+                <a:latin typeface="Times New Roman" pitchFamily="18" charset="0"/>
+                <a:cs typeface="Times New Roman" pitchFamily="18" charset="0"/>
+              </a:rPr>
+              <a:t>̣ </a:t>
+            </a:r>
+            <a:r>
+              <a:rPr lang="en-US" sz="1400" dirty="0" err="1" smtClean="0">
+                <a:solidFill>
+                  <a:srgbClr val="FF0000"/>
+                </a:solidFill>
+                <a:latin typeface="Times New Roman" pitchFamily="18" charset="0"/>
+                <a:cs typeface="Times New Roman" pitchFamily="18" charset="0"/>
+              </a:rPr>
+              <a:t>báo</a:t>
+            </a:r>
+            <a:endParaRPr lang="en-US" sz="1400" dirty="0" smtClean="0">
+              <a:solidFill>
+                <a:srgbClr val="FF0000"/>
+              </a:solidFill>
+              <a:latin typeface="Times New Roman" pitchFamily="18" charset="0"/>
+              <a:cs typeface="Times New Roman" pitchFamily="18" charset="0"/>
+            </a:endParaRPr>
+          </a:p>
+          <a:p>
+            <a:pPr>
+              <a:buAutoNum type="arabicPeriod" startAt="3"/>
+            </a:pPr>
+            <a:endParaRPr lang="en-US" sz="1400" dirty="0" smtClean="0">
+              <a:solidFill>
+                <a:srgbClr val="FF0000"/>
+              </a:solidFill>
+              <a:latin typeface="Times New Roman" pitchFamily="18" charset="0"/>
+              <a:cs typeface="Times New Roman" pitchFamily="18" charset="0"/>
+            </a:endParaRPr>
+          </a:p>
+          <a:p>
+            <a:pPr>
+              <a:buAutoNum type="arabicPeriod" startAt="3"/>
+            </a:pPr>
+            <a:r>
+              <a:rPr lang="en-US" sz="1400" dirty="0" err="1" smtClean="0">
+                <a:solidFill>
+                  <a:srgbClr val="FF0000"/>
+                </a:solidFill>
+                <a:latin typeface="Times New Roman" pitchFamily="18" charset="0"/>
+                <a:cs typeface="Times New Roman" pitchFamily="18" charset="0"/>
+              </a:rPr>
+              <a:t>Một</a:t>
+            </a:r>
+            <a:r>
+              <a:rPr lang="en-US" sz="1400" dirty="0" smtClean="0">
+                <a:solidFill>
+                  <a:srgbClr val="FF0000"/>
+                </a:solidFill>
+                <a:latin typeface="Times New Roman" pitchFamily="18" charset="0"/>
+                <a:cs typeface="Times New Roman" pitchFamily="18" charset="0"/>
+              </a:rPr>
+              <a:t> </a:t>
+            </a:r>
+            <a:r>
+              <a:rPr lang="en-US" sz="1400" dirty="0" err="1" smtClean="0">
+                <a:solidFill>
+                  <a:srgbClr val="FF0000"/>
+                </a:solidFill>
+                <a:latin typeface="Times New Roman" pitchFamily="18" charset="0"/>
+                <a:cs typeface="Times New Roman" pitchFamily="18" charset="0"/>
+              </a:rPr>
+              <a:t>sô</a:t>
+            </a:r>
+            <a:r>
+              <a:rPr lang="en-US" sz="1400" dirty="0" smtClean="0">
+                <a:solidFill>
+                  <a:srgbClr val="FF0000"/>
+                </a:solidFill>
+                <a:latin typeface="Times New Roman" pitchFamily="18" charset="0"/>
+                <a:cs typeface="Times New Roman" pitchFamily="18" charset="0"/>
+              </a:rPr>
+              <a:t>́ </a:t>
+            </a:r>
+            <a:r>
+              <a:rPr lang="en-US" sz="1400" dirty="0" err="1" smtClean="0">
+                <a:solidFill>
+                  <a:srgbClr val="FF0000"/>
+                </a:solidFill>
+                <a:latin typeface="Times New Roman" pitchFamily="18" charset="0"/>
+                <a:cs typeface="Times New Roman" pitchFamily="18" charset="0"/>
+              </a:rPr>
+              <a:t>kết</a:t>
+            </a:r>
+            <a:r>
+              <a:rPr lang="en-US" sz="1400" dirty="0" smtClean="0">
+                <a:solidFill>
+                  <a:srgbClr val="FF0000"/>
+                </a:solidFill>
+                <a:latin typeface="Times New Roman" pitchFamily="18" charset="0"/>
+                <a:cs typeface="Times New Roman" pitchFamily="18" charset="0"/>
+              </a:rPr>
+              <a:t> quả </a:t>
+            </a:r>
+            <a:r>
+              <a:rPr lang="en-US" sz="1400" dirty="0" err="1" smtClean="0">
+                <a:solidFill>
+                  <a:srgbClr val="FF0000"/>
+                </a:solidFill>
+                <a:latin typeface="Times New Roman" pitchFamily="18" charset="0"/>
+                <a:cs typeface="Times New Roman" pitchFamily="18" charset="0"/>
+              </a:rPr>
+              <a:t>dư</a:t>
+            </a:r>
+            <a:r>
+              <a:rPr lang="en-US" sz="1400" dirty="0" smtClean="0">
+                <a:solidFill>
+                  <a:srgbClr val="FF0000"/>
+                </a:solidFill>
+                <a:latin typeface="Times New Roman" pitchFamily="18" charset="0"/>
+                <a:cs typeface="Times New Roman" pitchFamily="18" charset="0"/>
+              </a:rPr>
+              <a:t>̣ </a:t>
+            </a:r>
+            <a:r>
+              <a:rPr lang="en-US" sz="1400" dirty="0" err="1" smtClean="0">
+                <a:solidFill>
+                  <a:srgbClr val="FF0000"/>
+                </a:solidFill>
+                <a:latin typeface="Times New Roman" pitchFamily="18" charset="0"/>
+                <a:cs typeface="Times New Roman" pitchFamily="18" charset="0"/>
+              </a:rPr>
+              <a:t>báo</a:t>
+            </a:r>
+            <a:r>
+              <a:rPr lang="en-US" sz="1400" dirty="0" smtClean="0">
+                <a:solidFill>
+                  <a:srgbClr val="FF0000"/>
+                </a:solidFill>
+                <a:latin typeface="Times New Roman" pitchFamily="18" charset="0"/>
+                <a:cs typeface="Times New Roman" pitchFamily="18" charset="0"/>
+              </a:rPr>
+              <a:t>:</a:t>
+            </a:r>
+          </a:p>
+          <a:p>
+            <a:pPr fontAlgn="t">
+              <a:buNone/>
+            </a:pPr>
+            <a:endParaRPr lang="en-US" sz="1400" b="1" dirty="0" smtClean="0">
+              <a:solidFill>
+                <a:srgbClr val="FF0000"/>
+              </a:solidFill>
+              <a:latin typeface="Times New Roman" pitchFamily="18" charset="0"/>
+              <a:cs typeface="Times New Roman" pitchFamily="18" charset="0"/>
+            </a:endParaRPr>
+          </a:p>
+          <a:p>
+            <a:pPr lvl="1" fontAlgn="t">
+              <a:buNone/>
+            </a:pPr>
+            <a:r>
+              <a:rPr lang="en-US" sz="1400" b="1" dirty="0" err="1" smtClean="0">
+                <a:solidFill>
+                  <a:srgbClr val="FF0000"/>
+                </a:solidFill>
+                <a:latin typeface="Times New Roman" pitchFamily="18" charset="0"/>
+                <a:cs typeface="Times New Roman" pitchFamily="18" charset="0"/>
+              </a:rPr>
+              <a:t>Dư</a:t>
+            </a:r>
+            <a:r>
+              <a:rPr lang="en-US" sz="1400" b="1" dirty="0" smtClean="0">
+                <a:solidFill>
+                  <a:srgbClr val="FF0000"/>
+                </a:solidFill>
+                <a:latin typeface="Times New Roman" pitchFamily="18" charset="0"/>
+                <a:cs typeface="Times New Roman" pitchFamily="18" charset="0"/>
+              </a:rPr>
+              <a:t>̣ </a:t>
+            </a:r>
+            <a:r>
+              <a:rPr lang="en-US" sz="1400" b="1" dirty="0" err="1" smtClean="0">
+                <a:solidFill>
+                  <a:srgbClr val="FF0000"/>
+                </a:solidFill>
+                <a:latin typeface="Times New Roman" pitchFamily="18" charset="0"/>
+                <a:cs typeface="Times New Roman" pitchFamily="18" charset="0"/>
+              </a:rPr>
+              <a:t>Báo</a:t>
+            </a:r>
+            <a:r>
+              <a:rPr lang="en-US" sz="1400" b="1" dirty="0" smtClean="0">
+                <a:solidFill>
+                  <a:srgbClr val="FF0000"/>
+                </a:solidFill>
+                <a:latin typeface="Times New Roman" pitchFamily="18" charset="0"/>
+                <a:cs typeface="Times New Roman" pitchFamily="18" charset="0"/>
+              </a:rPr>
+              <a:t> </a:t>
+            </a:r>
+            <a:r>
+              <a:rPr lang="en-US" sz="1400" b="1" dirty="0" err="1" smtClean="0">
+                <a:solidFill>
+                  <a:srgbClr val="FF0000"/>
+                </a:solidFill>
+                <a:latin typeface="Times New Roman" pitchFamily="18" charset="0"/>
+                <a:cs typeface="Times New Roman" pitchFamily="18" charset="0"/>
+              </a:rPr>
+              <a:t>Chính</a:t>
+            </a:r>
+            <a:r>
+              <a:rPr lang="en-US" sz="1400" b="1" dirty="0" smtClean="0">
+                <a:solidFill>
+                  <a:srgbClr val="FF0000"/>
+                </a:solidFill>
+                <a:latin typeface="Times New Roman" pitchFamily="18" charset="0"/>
+                <a:cs typeface="Times New Roman" pitchFamily="18" charset="0"/>
+              </a:rPr>
+              <a:t> </a:t>
+            </a:r>
+            <a:r>
+              <a:rPr lang="en-US" sz="1400" b="1" dirty="0" err="1" smtClean="0">
+                <a:solidFill>
+                  <a:srgbClr val="FF0000"/>
+                </a:solidFill>
+                <a:latin typeface="Times New Roman" pitchFamily="18" charset="0"/>
+                <a:cs typeface="Times New Roman" pitchFamily="18" charset="0"/>
+              </a:rPr>
+              <a:t>Xác</a:t>
+            </a:r>
+            <a:r>
+              <a:rPr lang="en-US" sz="1400" b="1" dirty="0" smtClean="0">
+                <a:solidFill>
+                  <a:srgbClr val="FF0000"/>
+                </a:solidFill>
+                <a:latin typeface="Times New Roman" pitchFamily="18" charset="0"/>
+                <a:cs typeface="Times New Roman" pitchFamily="18" charset="0"/>
+              </a:rPr>
+              <a:t> (%)</a:t>
+            </a:r>
+          </a:p>
+          <a:p>
+            <a:pPr lvl="1" fontAlgn="t"/>
+            <a:r>
+              <a:rPr lang="en-US" sz="1400" dirty="0" smtClean="0">
+                <a:solidFill>
+                  <a:srgbClr val="FF0000"/>
+                </a:solidFill>
+                <a:latin typeface="Times New Roman" pitchFamily="18" charset="0"/>
+                <a:cs typeface="Times New Roman" pitchFamily="18" charset="0"/>
+              </a:rPr>
+              <a:t> </a:t>
+            </a:r>
+            <a:r>
+              <a:rPr lang="vi-VN" sz="1400" dirty="0" smtClean="0">
+                <a:solidFill>
+                  <a:srgbClr val="FF0000"/>
+                </a:solidFill>
+                <a:latin typeface="Times New Roman" pitchFamily="18" charset="0"/>
+                <a:cs typeface="Times New Roman" pitchFamily="18" charset="0"/>
+              </a:rPr>
+              <a:t>NGHỈ HỌC</a:t>
+            </a:r>
+            <a:r>
+              <a:rPr lang="en-US" sz="1400" dirty="0" smtClean="0">
+                <a:solidFill>
+                  <a:srgbClr val="FF0000"/>
+                </a:solidFill>
+                <a:latin typeface="Times New Roman" pitchFamily="18" charset="0"/>
+                <a:cs typeface="Times New Roman" pitchFamily="18" charset="0"/>
+              </a:rPr>
+              <a:t> Yes/No : ?</a:t>
+            </a:r>
+          </a:p>
+          <a:p>
+            <a:pPr lvl="1" fontAlgn="t"/>
+            <a:r>
+              <a:rPr lang="en-US" sz="1400" dirty="0" smtClean="0">
+                <a:solidFill>
+                  <a:srgbClr val="FF0000"/>
+                </a:solidFill>
+                <a:latin typeface="Times New Roman" pitchFamily="18" charset="0"/>
+                <a:cs typeface="Times New Roman" pitchFamily="18" charset="0"/>
+              </a:rPr>
+              <a:t> </a:t>
+            </a:r>
+            <a:r>
+              <a:rPr lang="en-US" sz="1400" dirty="0" err="1" smtClean="0">
+                <a:solidFill>
+                  <a:srgbClr val="FF0000"/>
+                </a:solidFill>
+                <a:latin typeface="Times New Roman" pitchFamily="18" charset="0"/>
+                <a:cs typeface="Times New Roman" pitchFamily="18" charset="0"/>
+              </a:rPr>
+              <a:t>Ky</a:t>
+            </a:r>
+            <a:r>
+              <a:rPr lang="en-US" sz="1400" dirty="0" smtClean="0">
+                <a:solidFill>
+                  <a:srgbClr val="FF0000"/>
+                </a:solidFill>
+                <a:latin typeface="Times New Roman" pitchFamily="18" charset="0"/>
+                <a:cs typeface="Times New Roman" pitchFamily="18" charset="0"/>
+              </a:rPr>
+              <a:t>̀ 2 </a:t>
+            </a:r>
+            <a:r>
+              <a:rPr lang="vi-VN" sz="1400" dirty="0" smtClean="0">
+                <a:solidFill>
+                  <a:srgbClr val="FF0000"/>
+                </a:solidFill>
+                <a:latin typeface="Times New Roman" pitchFamily="18" charset="0"/>
+                <a:cs typeface="Times New Roman" pitchFamily="18" charset="0"/>
+              </a:rPr>
+              <a:t>NGHỈ HỌC</a:t>
+            </a:r>
+            <a:r>
+              <a:rPr lang="en-US" sz="1400" dirty="0" smtClean="0">
+                <a:solidFill>
+                  <a:srgbClr val="FF0000"/>
+                </a:solidFill>
+                <a:latin typeface="Times New Roman" pitchFamily="18" charset="0"/>
+                <a:cs typeface="Times New Roman" pitchFamily="18" charset="0"/>
+              </a:rPr>
+              <a:t> Y/N : 77 %</a:t>
+            </a:r>
+          </a:p>
+          <a:p>
+            <a:pPr lvl="1" fontAlgn="t"/>
+            <a:r>
+              <a:rPr lang="en-US" sz="1400" dirty="0" smtClean="0">
+                <a:solidFill>
+                  <a:srgbClr val="FF0000"/>
+                </a:solidFill>
+                <a:latin typeface="Times New Roman" pitchFamily="18" charset="0"/>
+                <a:cs typeface="Times New Roman" pitchFamily="18" charset="0"/>
+              </a:rPr>
+              <a:t> </a:t>
+            </a:r>
+            <a:r>
+              <a:rPr lang="en-US" sz="1400" dirty="0" err="1" smtClean="0">
+                <a:solidFill>
+                  <a:srgbClr val="FF0000"/>
+                </a:solidFill>
+                <a:latin typeface="Times New Roman" pitchFamily="18" charset="0"/>
+                <a:cs typeface="Times New Roman" pitchFamily="18" charset="0"/>
+              </a:rPr>
+              <a:t>Ky</a:t>
+            </a:r>
+            <a:r>
+              <a:rPr lang="en-US" sz="1400" dirty="0" smtClean="0">
+                <a:solidFill>
+                  <a:srgbClr val="FF0000"/>
+                </a:solidFill>
+                <a:latin typeface="Times New Roman" pitchFamily="18" charset="0"/>
+                <a:cs typeface="Times New Roman" pitchFamily="18" charset="0"/>
+              </a:rPr>
+              <a:t>̀ 3 </a:t>
+            </a:r>
+            <a:r>
+              <a:rPr lang="vi-VN" sz="1400" dirty="0" smtClean="0">
+                <a:solidFill>
+                  <a:srgbClr val="FF0000"/>
+                </a:solidFill>
+                <a:latin typeface="Times New Roman" pitchFamily="18" charset="0"/>
+                <a:cs typeface="Times New Roman" pitchFamily="18" charset="0"/>
+              </a:rPr>
+              <a:t>NGHỈ HỌC</a:t>
+            </a:r>
+            <a:r>
+              <a:rPr lang="en-US" sz="1400" dirty="0" smtClean="0">
+                <a:solidFill>
+                  <a:srgbClr val="FF0000"/>
+                </a:solidFill>
+                <a:latin typeface="Times New Roman" pitchFamily="18" charset="0"/>
+                <a:cs typeface="Times New Roman" pitchFamily="18" charset="0"/>
+              </a:rPr>
+              <a:t> Y/N : 72 %</a:t>
+            </a:r>
+          </a:p>
+          <a:p>
+            <a:pPr lvl="1" fontAlgn="t"/>
+            <a:r>
+              <a:rPr lang="en-US" sz="1400" dirty="0" smtClean="0">
+                <a:solidFill>
+                  <a:srgbClr val="FF0000"/>
+                </a:solidFill>
+                <a:latin typeface="Times New Roman" pitchFamily="18" charset="0"/>
+                <a:cs typeface="Times New Roman" pitchFamily="18" charset="0"/>
+              </a:rPr>
+              <a:t> </a:t>
+            </a:r>
+            <a:r>
+              <a:rPr lang="en-US" sz="1400" dirty="0" err="1" smtClean="0">
+                <a:solidFill>
+                  <a:srgbClr val="FF0000"/>
+                </a:solidFill>
+                <a:latin typeface="Times New Roman" pitchFamily="18" charset="0"/>
+                <a:cs typeface="Times New Roman" pitchFamily="18" charset="0"/>
+              </a:rPr>
+              <a:t>Ky</a:t>
+            </a:r>
+            <a:r>
+              <a:rPr lang="en-US" sz="1400" dirty="0" smtClean="0">
+                <a:solidFill>
+                  <a:srgbClr val="FF0000"/>
+                </a:solidFill>
+                <a:latin typeface="Times New Roman" pitchFamily="18" charset="0"/>
+                <a:cs typeface="Times New Roman" pitchFamily="18" charset="0"/>
+              </a:rPr>
+              <a:t>̀ 4 </a:t>
+            </a:r>
+            <a:r>
+              <a:rPr lang="vi-VN" sz="1400" dirty="0" smtClean="0">
+                <a:solidFill>
+                  <a:srgbClr val="FF0000"/>
+                </a:solidFill>
+                <a:latin typeface="Times New Roman" pitchFamily="18" charset="0"/>
+                <a:cs typeface="Times New Roman" pitchFamily="18" charset="0"/>
+              </a:rPr>
+              <a:t>NGHỈ HỌC</a:t>
+            </a:r>
+            <a:r>
+              <a:rPr lang="en-US" sz="1400" dirty="0" smtClean="0">
+                <a:solidFill>
+                  <a:srgbClr val="FF0000"/>
+                </a:solidFill>
+                <a:latin typeface="Times New Roman" pitchFamily="18" charset="0"/>
+                <a:cs typeface="Times New Roman" pitchFamily="18" charset="0"/>
+              </a:rPr>
+              <a:t> Y/N : 85.8 %</a:t>
+            </a:r>
+          </a:p>
+          <a:p>
+            <a:pPr lvl="1" fontAlgn="t"/>
+            <a:r>
+              <a:rPr lang="en-US" sz="1400" dirty="0" smtClean="0">
+                <a:solidFill>
+                  <a:srgbClr val="FF0000"/>
+                </a:solidFill>
+                <a:latin typeface="Times New Roman" pitchFamily="18" charset="0"/>
+                <a:cs typeface="Times New Roman" pitchFamily="18" charset="0"/>
+              </a:rPr>
+              <a:t> </a:t>
+            </a:r>
+            <a:r>
+              <a:rPr lang="en-US" sz="1400" dirty="0" err="1" smtClean="0">
+                <a:solidFill>
+                  <a:srgbClr val="FF0000"/>
+                </a:solidFill>
+                <a:latin typeface="Times New Roman" pitchFamily="18" charset="0"/>
+                <a:cs typeface="Times New Roman" pitchFamily="18" charset="0"/>
+              </a:rPr>
+              <a:t>Mô</a:t>
+            </a:r>
+            <a:r>
+              <a:rPr lang="en-US" sz="1400" dirty="0" smtClean="0">
+                <a:solidFill>
+                  <a:srgbClr val="FF0000"/>
+                </a:solidFill>
+                <a:latin typeface="Times New Roman" pitchFamily="18" charset="0"/>
+                <a:cs typeface="Times New Roman" pitchFamily="18" charset="0"/>
+              </a:rPr>
+              <a:t> </a:t>
+            </a:r>
+            <a:r>
+              <a:rPr lang="en-US" sz="1400" dirty="0" err="1" smtClean="0">
+                <a:solidFill>
+                  <a:srgbClr val="FF0000"/>
+                </a:solidFill>
+                <a:latin typeface="Times New Roman" pitchFamily="18" charset="0"/>
+                <a:cs typeface="Times New Roman" pitchFamily="18" charset="0"/>
+              </a:rPr>
+              <a:t>hình</a:t>
+            </a:r>
+            <a:r>
+              <a:rPr lang="en-US" sz="1400" dirty="0" smtClean="0">
+                <a:solidFill>
+                  <a:srgbClr val="FF0000"/>
+                </a:solidFill>
+                <a:latin typeface="Times New Roman" pitchFamily="18" charset="0"/>
+                <a:cs typeface="Times New Roman" pitchFamily="18" charset="0"/>
+              </a:rPr>
+              <a:t> </a:t>
+            </a:r>
+            <a:r>
+              <a:rPr lang="vi-VN" sz="1400" dirty="0" smtClean="0">
+                <a:solidFill>
+                  <a:srgbClr val="FF0000"/>
+                </a:solidFill>
+                <a:latin typeface="Times New Roman" pitchFamily="18" charset="0"/>
+                <a:cs typeface="Times New Roman" pitchFamily="18" charset="0"/>
+              </a:rPr>
+              <a:t>NGHỈ HỌC</a:t>
+            </a:r>
+            <a:r>
+              <a:rPr lang="en-US" sz="1400" dirty="0" smtClean="0">
+                <a:solidFill>
+                  <a:srgbClr val="FF0000"/>
+                </a:solidFill>
+                <a:latin typeface="Times New Roman" pitchFamily="18" charset="0"/>
+                <a:cs typeface="Times New Roman" pitchFamily="18" charset="0"/>
+              </a:rPr>
+              <a:t> </a:t>
+            </a:r>
+            <a:r>
+              <a:rPr lang="en-US" sz="1400" dirty="0" err="1" smtClean="0">
+                <a:solidFill>
+                  <a:srgbClr val="FF0000"/>
+                </a:solidFill>
+                <a:latin typeface="Times New Roman" pitchFamily="18" charset="0"/>
+                <a:cs typeface="Times New Roman" pitchFamily="18" charset="0"/>
+              </a:rPr>
+              <a:t>cho</a:t>
+            </a:r>
+            <a:r>
+              <a:rPr lang="en-US" sz="1400" dirty="0" smtClean="0">
+                <a:solidFill>
+                  <a:srgbClr val="FF0000"/>
+                </a:solidFill>
+                <a:latin typeface="Times New Roman" pitchFamily="18" charset="0"/>
+                <a:cs typeface="Times New Roman" pitchFamily="18" charset="0"/>
+              </a:rPr>
+              <a:t> </a:t>
+            </a:r>
+            <a:r>
+              <a:rPr lang="en-US" sz="1400" dirty="0" err="1" smtClean="0">
+                <a:solidFill>
+                  <a:srgbClr val="FF0000"/>
+                </a:solidFill>
+                <a:latin typeface="Times New Roman" pitchFamily="18" charset="0"/>
+                <a:cs typeface="Times New Roman" pitchFamily="18" charset="0"/>
+              </a:rPr>
+              <a:t>Dạy</a:t>
+            </a:r>
+            <a:r>
+              <a:rPr lang="en-US" sz="1400" dirty="0" smtClean="0">
+                <a:solidFill>
+                  <a:srgbClr val="FF0000"/>
+                </a:solidFill>
+                <a:latin typeface="Times New Roman" pitchFamily="18" charset="0"/>
+                <a:cs typeface="Times New Roman" pitchFamily="18" charset="0"/>
+              </a:rPr>
+              <a:t> </a:t>
+            </a:r>
+            <a:r>
+              <a:rPr lang="en-US" sz="1400" dirty="0" err="1" smtClean="0">
+                <a:solidFill>
+                  <a:srgbClr val="FF0000"/>
+                </a:solidFill>
+                <a:latin typeface="Times New Roman" pitchFamily="18" charset="0"/>
+                <a:cs typeface="Times New Roman" pitchFamily="18" charset="0"/>
+              </a:rPr>
+              <a:t>Học</a:t>
+            </a:r>
+            <a:r>
+              <a:rPr lang="en-US" sz="1400" dirty="0" smtClean="0">
+                <a:solidFill>
+                  <a:srgbClr val="FF0000"/>
+                </a:solidFill>
+                <a:latin typeface="Times New Roman" pitchFamily="18" charset="0"/>
+                <a:cs typeface="Times New Roman" pitchFamily="18" charset="0"/>
+              </a:rPr>
+              <a:t>: 27% (?)</a:t>
+            </a:r>
+          </a:p>
+        </p:txBody>
+      </p:sp>
+      <p:sp>
+        <p:nvSpPr>
+          <p:cNvPr id="4" name="Slide Number Placeholder 3"/>
+          <p:cNvSpPr>
+            <a:spLocks noGrp="1"/>
+          </p:cNvSpPr>
+          <p:nvPr>
+            <p:ph type="sldNum" sz="quarter" idx="10"/>
+          </p:nvPr>
+        </p:nvSpPr>
+        <p:spPr/>
+        <p:txBody>
+          <a:bodyPr/>
+          <a:lstStyle/>
+          <a:p>
+            <a:fld id="{6759AABE-7878-44D4-BD96-7B6FB0360361}" type="slidenum">
+              <a:rPr lang="en-US" smtClean="0"/>
+              <a:pPr/>
+              <a:t>20</a:t>
             </a:fld>
             <a:endParaRPr lang="en-US"/>
           </a:p>
@@ -20086,7 +20222,7 @@
             <a:fld id="{D5750C61-1B1B-46B6-B31E-D649465530C5}" type="datetime1">
               <a:rPr lang="en-US" smtClean="0"/>
               <a:pPr/>
-              <a:t>12/04/2011</a:t>
+              <a:t>12/06/2011</a:t>
             </a:fld>
             <a:endParaRPr lang="en-US"/>
           </a:p>
@@ -20253,7 +20389,7 @@
             <a:fld id="{F0102A04-BBCD-461B-A199-D9BD4E84C0E5}" type="datetime1">
               <a:rPr lang="en-US" smtClean="0"/>
               <a:pPr/>
-              <a:t>12/04/2011</a:t>
+              <a:t>12/06/2011</a:t>
             </a:fld>
             <a:endParaRPr lang="en-US"/>
           </a:p>
@@ -20430,7 +20566,7 @@
             <a:fld id="{F5ADEA59-335A-4139-B6AC-2C2AF3B0B34D}" type="datetime1">
               <a:rPr lang="en-US" smtClean="0"/>
               <a:pPr/>
-              <a:t>12/04/2011</a:t>
+              <a:t>12/06/2011</a:t>
             </a:fld>
             <a:endParaRPr lang="en-US"/>
           </a:p>
@@ -20597,7 +20733,7 @@
             <a:fld id="{7D8299D4-A067-483F-B2B9-F2F8A3FB729A}" type="datetime1">
               <a:rPr lang="en-US" smtClean="0"/>
               <a:pPr/>
-              <a:t>12/04/2011</a:t>
+              <a:t>12/06/2011</a:t>
             </a:fld>
             <a:endParaRPr lang="en-US"/>
           </a:p>
@@ -20840,7 +20976,7 @@
             <a:fld id="{C22C175D-2C7A-4D66-88B6-E0F5F5B17531}" type="datetime1">
               <a:rPr lang="en-US" smtClean="0"/>
               <a:pPr/>
-              <a:t>12/04/2011</a:t>
+              <a:t>12/06/2011</a:t>
             </a:fld>
             <a:endParaRPr lang="en-US"/>
           </a:p>
@@ -21125,7 +21261,7 @@
             <a:fld id="{C2D7B737-869F-4FAF-9385-D3F2738BB1AE}" type="datetime1">
               <a:rPr lang="en-US" smtClean="0"/>
               <a:pPr/>
-              <a:t>12/04/2011</a:t>
+              <a:t>12/06/2011</a:t>
             </a:fld>
             <a:endParaRPr lang="en-US"/>
           </a:p>
@@ -21544,7 +21680,7 @@
             <a:fld id="{5E1BB41B-6DB4-43E8-9FE7-8BDAFA3680E9}" type="datetime1">
               <a:rPr lang="en-US" smtClean="0"/>
               <a:pPr/>
-              <a:t>12/04/2011</a:t>
+              <a:t>12/06/2011</a:t>
             </a:fld>
             <a:endParaRPr lang="en-US"/>
           </a:p>
@@ -21659,7 +21795,7 @@
             <a:fld id="{BF629E0D-50CD-4636-8F50-CEFDF0E19BF7}" type="datetime1">
               <a:rPr lang="en-US" smtClean="0"/>
               <a:pPr/>
-              <a:t>12/04/2011</a:t>
+              <a:t>12/06/2011</a:t>
             </a:fld>
             <a:endParaRPr lang="en-US"/>
           </a:p>
@@ -21751,7 +21887,7 @@
             <a:fld id="{594EDB9E-11A9-485B-B60E-0AFD450CBBF3}" type="datetime1">
               <a:rPr lang="en-US" smtClean="0"/>
               <a:pPr/>
-              <a:t>12/04/2011</a:t>
+              <a:t>12/06/2011</a:t>
             </a:fld>
             <a:endParaRPr lang="en-US"/>
           </a:p>
@@ -22025,7 +22161,7 @@
             <a:fld id="{7B0459D5-DCA3-4EF3-B47F-B43A4B354999}" type="datetime1">
               <a:rPr lang="en-US" smtClean="0"/>
               <a:pPr/>
-              <a:t>12/04/2011</a:t>
+              <a:t>12/06/2011</a:t>
             </a:fld>
             <a:endParaRPr lang="en-US"/>
           </a:p>
@@ -22275,7 +22411,7 @@
             <a:fld id="{938DE8E1-FE14-4385-A876-487C9FA1D09F}" type="datetime1">
               <a:rPr lang="en-US" smtClean="0"/>
               <a:pPr/>
-              <a:t>12/04/2011</a:t>
+              <a:t>12/06/2011</a:t>
             </a:fld>
             <a:endParaRPr lang="en-US"/>
           </a:p>
@@ -22485,7 +22621,7 @@
             <a:fld id="{7ADFE16A-217C-4C76-96D2-0BBDED199008}" type="datetime1">
               <a:rPr lang="en-US" smtClean="0"/>
               <a:pPr/>
-              <a:t>12/04/2011</a:t>
+              <a:t>12/06/2011</a:t>
             </a:fld>
             <a:endParaRPr lang="en-US"/>
           </a:p>
@@ -27891,32 +28027,6 @@
           </a:p>
         </p:txBody>
       </p:sp>
-      <p:pic>
-        <p:nvPicPr>
-          <p:cNvPr id="4098" name="Picture 2" descr="D:\15. App Development\CNet\drop-out\02. Database\Imgs\Ky4_analytics_partition.PNG"/>
-          <p:cNvPicPr>
-            <a:picLocks noChangeAspect="1" noChangeArrowheads="1"/>
-          </p:cNvPicPr>
-          <p:nvPr/>
-        </p:nvPicPr>
-        <p:blipFill>
-          <a:blip r:embed="rId3" cstate="print"/>
-          <a:srcRect/>
-          <a:stretch>
-            <a:fillRect/>
-          </a:stretch>
-        </p:blipFill>
-        <p:spPr bwMode="auto">
-          <a:xfrm>
-            <a:off x="838200" y="1600200"/>
-            <a:ext cx="7593013" cy="4514850"/>
-          </a:xfrm>
-          <a:prstGeom prst="rect">
-            <a:avLst/>
-          </a:prstGeom>
-          <a:noFill/>
-        </p:spPr>
-      </p:pic>
       <p:sp>
         <p:nvSpPr>
           <p:cNvPr id="6" name="TextBox 5"/>
@@ -28004,6 +28114,38 @@
           </a:p>
         </p:txBody>
       </p:sp>
+      <p:pic>
+        <p:nvPicPr>
+          <p:cNvPr id="1026" name="Picture 2"/>
+          <p:cNvPicPr>
+            <a:picLocks noChangeAspect="1" noChangeArrowheads="1"/>
+          </p:cNvPicPr>
+          <p:nvPr/>
+        </p:nvPicPr>
+        <p:blipFill>
+          <a:blip r:embed="rId3" cstate="print"/>
+          <a:srcRect/>
+          <a:stretch>
+            <a:fillRect/>
+          </a:stretch>
+        </p:blipFill>
+        <p:spPr bwMode="auto">
+          <a:xfrm>
+            <a:off x="457199" y="1600200"/>
+            <a:ext cx="8210609" cy="3810000"/>
+          </a:xfrm>
+          <a:prstGeom prst="rect">
+            <a:avLst/>
+          </a:prstGeom>
+          <a:noFill/>
+          <a:ln w="9525">
+            <a:noFill/>
+            <a:miter lim="800000"/>
+            <a:headEnd/>
+            <a:tailEnd/>
+          </a:ln>
+        </p:spPr>
+      </p:pic>
     </p:spTree>
   </p:cSld>
   <p:clrMapOvr>
@@ -28012,7 +28154,83 @@
   <p:timing>
     <p:tnLst>
       <p:par>
-        <p:cTn id="1" dur="indefinite" restart="never" nodeType="tmRoot"/>
+        <p:cTn id="1" dur="indefinite" restart="never" nodeType="tmRoot">
+          <p:childTnLst>
+            <p:seq concurrent="1" nextAc="seek">
+              <p:cTn id="2" dur="indefinite" nodeType="mainSeq">
+                <p:childTnLst>
+                  <p:par>
+                    <p:cTn id="3" fill="hold">
+                      <p:stCondLst>
+                        <p:cond delay="indefinite"/>
+                      </p:stCondLst>
+                      <p:childTnLst>
+                        <p:par>
+                          <p:cTn id="4" fill="hold">
+                            <p:stCondLst>
+                              <p:cond delay="0"/>
+                            </p:stCondLst>
+                            <p:childTnLst>
+                              <p:par>
+                                <p:cTn id="5" presetID="4" presetClass="entr" presetSubtype="16" fill="hold" nodeType="clickEffect">
+                                  <p:stCondLst>
+                                    <p:cond delay="0"/>
+                                  </p:stCondLst>
+                                  <p:childTnLst>
+                                    <p:set>
+                                      <p:cBhvr>
+                                        <p:cTn id="6" dur="1" fill="hold">
+                                          <p:stCondLst>
+                                            <p:cond delay="0"/>
+                                          </p:stCondLst>
+                                        </p:cTn>
+                                        <p:tgtEl>
+                                          <p:spTgt spid="1026"/>
+                                        </p:tgtEl>
+                                        <p:attrNameLst>
+                                          <p:attrName>style.visibility</p:attrName>
+                                        </p:attrNameLst>
+                                      </p:cBhvr>
+                                      <p:to>
+                                        <p:strVal val="visible"/>
+                                      </p:to>
+                                    </p:set>
+                                    <p:animEffect transition="in" filter="box(in)">
+                                      <p:cBhvr>
+                                        <p:cTn id="7" dur="500"/>
+                                        <p:tgtEl>
+                                          <p:spTgt spid="1026"/>
+                                        </p:tgtEl>
+                                      </p:cBhvr>
+                                    </p:animEffect>
+                                  </p:childTnLst>
+                                </p:cTn>
+                              </p:par>
+                            </p:childTnLst>
+                          </p:cTn>
+                        </p:par>
+                      </p:childTnLst>
+                    </p:cTn>
+                  </p:par>
+                </p:childTnLst>
+              </p:cTn>
+              <p:prevCondLst>
+                <p:cond evt="onPrev" delay="0">
+                  <p:tgtEl>
+                    <p:sldTgt/>
+                  </p:tgtEl>
+                </p:cond>
+              </p:prevCondLst>
+              <p:nextCondLst>
+                <p:cond evt="onNext" delay="0">
+                  <p:tgtEl>
+                    <p:sldTgt/>
+                  </p:tgtEl>
+                </p:cond>
+              </p:nextCondLst>
+            </p:seq>
+          </p:childTnLst>
+        </p:cTn>
       </p:par>
     </p:tnLst>
   </p:timing>
@@ -28110,42 +28328,16 @@
           </a:p>
         </p:txBody>
       </p:sp>
-      <p:pic>
-        <p:nvPicPr>
-          <p:cNvPr id="2051" name="Picture 3" descr="D:\15. App Development\CNet\drop-out\02. Database\Imgs\Ky4_training.PNG"/>
-          <p:cNvPicPr>
-            <a:picLocks noChangeAspect="1" noChangeArrowheads="1"/>
-          </p:cNvPicPr>
-          <p:nvPr/>
-        </p:nvPicPr>
-        <p:blipFill>
-          <a:blip r:embed="rId3" cstate="print"/>
-          <a:srcRect/>
-          <a:stretch>
-            <a:fillRect/>
-          </a:stretch>
-        </p:blipFill>
-        <p:spPr bwMode="auto">
-          <a:xfrm>
-            <a:off x="1066800" y="1524000"/>
-            <a:ext cx="6726238" cy="4848225"/>
-          </a:xfrm>
-          <a:prstGeom prst="rect">
-            <a:avLst/>
-          </a:prstGeom>
-          <a:noFill/>
-        </p:spPr>
-      </p:pic>
       <p:sp>
         <p:nvSpPr>
-          <p:cNvPr id="7" name="TextBox 6"/>
+          <p:cNvPr id="6" name="TextBox 5"/>
           <p:cNvSpPr txBox="1"/>
           <p:nvPr/>
         </p:nvSpPr>
         <p:spPr>
           <a:xfrm>
-            <a:off x="2286000" y="6400800"/>
-            <a:ext cx="4800600" cy="369332"/>
+            <a:off x="1752600" y="6324600"/>
+            <a:ext cx="5181600" cy="369332"/>
           </a:xfrm>
           <a:prstGeom prst="rect">
             <a:avLst/>
@@ -28169,7 +28361,7 @@
             </a:r>
             <a:r>
               <a:rPr lang="en-US" dirty="0" err="1" smtClean="0"/>
-              <a:t>Luyện</a:t>
+              <a:t>Dữ</a:t>
             </a:r>
             <a:r>
               <a:rPr lang="en-US" dirty="0" smtClean="0"/>
@@ -28177,7 +28369,23 @@
             </a:r>
             <a:r>
               <a:rPr lang="en-US" dirty="0" err="1" smtClean="0"/>
-              <a:t>mạng</a:t>
+              <a:t>liệu</a:t>
+            </a:r>
+            <a:r>
+              <a:rPr lang="en-US" dirty="0" smtClean="0"/>
+              <a:t> </a:t>
+            </a:r>
+            <a:r>
+              <a:rPr lang="en-US" dirty="0" err="1" smtClean="0"/>
+              <a:t>học</a:t>
+            </a:r>
+            <a:r>
+              <a:rPr lang="en-US" dirty="0" smtClean="0"/>
+              <a:t> </a:t>
+            </a:r>
+            <a:r>
+              <a:rPr lang="en-US" dirty="0" err="1" smtClean="0"/>
+              <a:t>viên</a:t>
             </a:r>
             <a:endParaRPr lang="en-US" dirty="0"/>
           </a:p>
@@ -28185,7 +28393,7 @@
       </p:sp>
       <p:sp>
         <p:nvSpPr>
-          <p:cNvPr id="8" name="Slide Number Placeholder 7"/>
+          <p:cNvPr id="7" name="Slide Number Placeholder 6"/>
           <p:cNvSpPr>
             <a:spLocks noGrp="1"/>
           </p:cNvSpPr>
@@ -28207,6 +28415,64 @@
           </a:p>
         </p:txBody>
       </p:sp>
+      <p:pic>
+        <p:nvPicPr>
+          <p:cNvPr id="2050" name="Picture 2"/>
+          <p:cNvPicPr>
+            <a:picLocks noChangeAspect="1" noChangeArrowheads="1"/>
+          </p:cNvPicPr>
+          <p:nvPr/>
+        </p:nvPicPr>
+        <p:blipFill>
+          <a:blip r:embed="rId3" cstate="print"/>
+          <a:srcRect/>
+          <a:stretch>
+            <a:fillRect/>
+          </a:stretch>
+        </p:blipFill>
+        <p:spPr bwMode="auto">
+          <a:xfrm>
+            <a:off x="381000" y="1600200"/>
+            <a:ext cx="7144369" cy="3643312"/>
+          </a:xfrm>
+          <a:prstGeom prst="rect">
+            <a:avLst/>
+          </a:prstGeom>
+          <a:noFill/>
+          <a:ln w="9525">
+            <a:noFill/>
+            <a:miter lim="800000"/>
+            <a:headEnd/>
+            <a:tailEnd/>
+          </a:ln>
+        </p:spPr>
+      </p:pic>
+      <p:pic>
+        <p:nvPicPr>
+          <p:cNvPr id="8" name="Picture 2" descr="D:\15. App Development\CNet\drop-out\02. Database\Imgs\Ky4_analytics_partition.PNG"/>
+          <p:cNvPicPr>
+            <a:picLocks noChangeAspect="1" noChangeArrowheads="1"/>
+          </p:cNvPicPr>
+          <p:nvPr/>
+        </p:nvPicPr>
+        <p:blipFill>
+          <a:blip r:embed="rId4" cstate="print"/>
+          <a:srcRect/>
+          <a:stretch>
+            <a:fillRect/>
+          </a:stretch>
+        </p:blipFill>
+        <p:spPr bwMode="auto">
+          <a:xfrm>
+            <a:off x="2362200" y="2362200"/>
+            <a:ext cx="6406265" cy="3810000"/>
+          </a:xfrm>
+          <a:prstGeom prst="rect">
+            <a:avLst/>
+          </a:prstGeom>
+          <a:noFill/>
+        </p:spPr>
+      </p:pic>
     </p:spTree>
   </p:cSld>
   <p:clrMapOvr>
@@ -28215,7 +28481,139 @@
   <p:timing>
     <p:tnLst>
       <p:par>
-        <p:cTn id="1" dur="indefinite" restart="never" nodeType="tmRoot"/>
+        <p:cTn id="1" dur="indefinite" restart="never" nodeType="tmRoot">
+          <p:childTnLst>
+            <p:seq concurrent="1" nextAc="seek">
+              <p:cTn id="2" dur="indefinite" nodeType="mainSeq">
+                <p:childTnLst>
+                  <p:par>
+                    <p:cTn id="3" fill="hold">
+                      <p:stCondLst>
+                        <p:cond delay="indefinite"/>
+                        <p:cond evt="onBegin" delay="0">
+                          <p:tn val="2"/>
+                        </p:cond>
+                      </p:stCondLst>
+                      <p:childTnLst>
+                        <p:par>
+                          <p:cTn id="4" fill="hold">
+                            <p:stCondLst>
+                              <p:cond delay="0"/>
+                            </p:stCondLst>
+                            <p:childTnLst>
+                              <p:par>
+                                <p:cTn id="5" presetID="3" presetClass="entr" presetSubtype="10" fill="hold" nodeType="withEffect">
+                                  <p:stCondLst>
+                                    <p:cond delay="0"/>
+                                  </p:stCondLst>
+                                  <p:childTnLst>
+                                    <p:set>
+                                      <p:cBhvr>
+                                        <p:cTn id="6" dur="1" fill="hold">
+                                          <p:stCondLst>
+                                            <p:cond delay="0"/>
+                                          </p:stCondLst>
+                                        </p:cTn>
+                                        <p:tgtEl>
+                                          <p:spTgt spid="2050"/>
+                                        </p:tgtEl>
+                                        <p:attrNameLst>
+                                          <p:attrName>style.visibility</p:attrName>
+                                        </p:attrNameLst>
+                                      </p:cBhvr>
+                                      <p:to>
+                                        <p:strVal val="visible"/>
+                                      </p:to>
+                                    </p:set>
+                                    <p:animEffect transition="in" filter="blinds(horizontal)">
+                                      <p:cBhvr>
+                                        <p:cTn id="7" dur="500"/>
+                                        <p:tgtEl>
+                                          <p:spTgt spid="2050"/>
+                                        </p:tgtEl>
+                                      </p:cBhvr>
+                                    </p:animEffect>
+                                  </p:childTnLst>
+                                </p:cTn>
+                              </p:par>
+                            </p:childTnLst>
+                          </p:cTn>
+                        </p:par>
+                      </p:childTnLst>
+                    </p:cTn>
+                  </p:par>
+                  <p:par>
+                    <p:cTn id="8" fill="hold">
+                      <p:stCondLst>
+                        <p:cond delay="indefinite"/>
+                      </p:stCondLst>
+                      <p:childTnLst>
+                        <p:par>
+                          <p:cTn id="9" fill="hold">
+                            <p:stCondLst>
+                              <p:cond delay="0"/>
+                            </p:stCondLst>
+                            <p:childTnLst>
+                              <p:par>
+                                <p:cTn id="10" presetID="3" presetClass="entr" presetSubtype="5" fill="hold" nodeType="clickEffect">
+                                  <p:stCondLst>
+                                    <p:cond delay="0"/>
+                                  </p:stCondLst>
+                                  <p:childTnLst>
+                                    <p:set>
+                                      <p:cBhvr>
+                                        <p:cTn id="11" dur="1" fill="hold">
+                                          <p:stCondLst>
+                                            <p:cond delay="0"/>
+                                          </p:stCondLst>
+                                        </p:cTn>
+                                        <p:tgtEl>
+                                          <p:spTgt spid="8"/>
+                                        </p:tgtEl>
+                                        <p:attrNameLst>
+                                          <p:attrName>style.visibility</p:attrName>
+                                        </p:attrNameLst>
+                                      </p:cBhvr>
+                                      <p:to>
+                                        <p:strVal val="visible"/>
+                                      </p:to>
+                                    </p:set>
+                                    <p:animEffect transition="in" filter="blinds(vertical)">
+                                      <p:cBhvr>
+                                        <p:cTn id="12" dur="500"/>
+                                        <p:tgtEl>
+                                          <p:spTgt spid="8"/>
+                                        </p:tgtEl>
+                                      </p:cBhvr>
+                                    </p:animEffect>
+                                  </p:childTnLst>
+                                </p:cTn>
+                              </p:par>
+                            </p:childTnLst>
+                          </p:cTn>
+                        </p:par>
+                      </p:childTnLst>
+                    </p:cTn>
+                  </p:par>
+                </p:childTnLst>
+              </p:cTn>
+              <p:prevCondLst>
+                <p:cond evt="onPrev" delay="0">
+                  <p:tgtEl>
+                    <p:sldTgt/>
+                  </p:tgtEl>
+                </p:cond>
+              </p:prevCondLst>
+              <p:nextCondLst>
+                <p:cond evt="onNext" delay="0">
+                  <p:tgtEl>
+                    <p:sldTgt/>
+                  </p:tgtEl>
+                </p:cond>
+              </p:nextCondLst>
+            </p:seq>
+          </p:childTnLst>
+        </p:cTn>
       </p:par>
     </p:tnLst>
   </p:timing>
@@ -28315,6 +28713,407 @@
       </p:sp>
       <p:sp>
         <p:nvSpPr>
+          <p:cNvPr id="7" name="TextBox 6"/>
+          <p:cNvSpPr txBox="1"/>
+          <p:nvPr/>
+        </p:nvSpPr>
+        <p:spPr>
+          <a:xfrm>
+            <a:off x="2286000" y="6400800"/>
+            <a:ext cx="4800600" cy="369332"/>
+          </a:xfrm>
+          <a:prstGeom prst="rect">
+            <a:avLst/>
+          </a:prstGeom>
+          <a:noFill/>
+        </p:spPr>
+        <p:txBody>
+          <a:bodyPr wrap="square" rtlCol="0">
+            <a:spAutoFit/>
+          </a:bodyPr>
+          <a:lstStyle/>
+          <a:p>
+            <a:pPr algn="ctr"/>
+            <a:r>
+              <a:rPr lang="en-US" dirty="0" err="1" smtClean="0"/>
+              <a:t>Hình</a:t>
+            </a:r>
+            <a:r>
+              <a:rPr lang="en-US" dirty="0" smtClean="0"/>
+              <a:t>. </a:t>
+            </a:r>
+            <a:r>
+              <a:rPr lang="en-US" dirty="0" err="1" smtClean="0"/>
+              <a:t>Biến</a:t>
+            </a:r>
+            <a:r>
+              <a:rPr lang="en-US" dirty="0" smtClean="0"/>
+              <a:t> </a:t>
+            </a:r>
+            <a:r>
+              <a:rPr lang="en-US" dirty="0" err="1" smtClean="0"/>
+              <a:t>đổi</a:t>
+            </a:r>
+            <a:r>
+              <a:rPr lang="en-US" dirty="0" smtClean="0"/>
+              <a:t> </a:t>
+            </a:r>
+            <a:r>
+              <a:rPr lang="en-US" dirty="0" err="1" smtClean="0"/>
+              <a:t>dữ</a:t>
+            </a:r>
+            <a:r>
+              <a:rPr lang="en-US" dirty="0" smtClean="0"/>
+              <a:t> </a:t>
+            </a:r>
+            <a:r>
+              <a:rPr lang="en-US" dirty="0" err="1" smtClean="0"/>
+              <a:t>liệu</a:t>
+            </a:r>
+            <a:r>
+              <a:rPr lang="en-US" dirty="0" smtClean="0"/>
+              <a:t> </a:t>
+            </a:r>
+            <a:r>
+              <a:rPr lang="en-US" dirty="0" err="1" smtClean="0"/>
+              <a:t>và</a:t>
+            </a:r>
+            <a:r>
+              <a:rPr lang="en-US" dirty="0" smtClean="0"/>
+              <a:t> </a:t>
+            </a:r>
+            <a:r>
+              <a:rPr lang="en-US" dirty="0" err="1" smtClean="0"/>
+              <a:t>Luyện</a:t>
+            </a:r>
+            <a:r>
+              <a:rPr lang="en-US" dirty="0" smtClean="0"/>
+              <a:t> </a:t>
+            </a:r>
+            <a:r>
+              <a:rPr lang="en-US" dirty="0" err="1" smtClean="0"/>
+              <a:t>mạng</a:t>
+            </a:r>
+            <a:endParaRPr lang="en-US" dirty="0"/>
+          </a:p>
+        </p:txBody>
+      </p:sp>
+      <p:sp>
+        <p:nvSpPr>
+          <p:cNvPr id="8" name="Slide Number Placeholder 7"/>
+          <p:cNvSpPr>
+            <a:spLocks noGrp="1"/>
+          </p:cNvSpPr>
+          <p:nvPr>
+            <p:ph type="sldNum" sz="quarter" idx="12"/>
+          </p:nvPr>
+        </p:nvSpPr>
+        <p:spPr/>
+        <p:txBody>
+          <a:bodyPr/>
+          <a:lstStyle/>
+          <a:p>
+            <a:fld id="{B6F15528-21DE-4FAA-801E-634DDDAF4B2B}" type="slidenum">
+              <a:rPr lang="en-US" smtClean="0"/>
+              <a:pPr/>
+              <a:t>18</a:t>
+            </a:fld>
+            <a:endParaRPr lang="en-US"/>
+          </a:p>
+        </p:txBody>
+      </p:sp>
+      <p:pic>
+        <p:nvPicPr>
+          <p:cNvPr id="3074" name="Picture 2" descr="D:\15. App Development\CNet\drop-out\02. Database\Imgs\Ky4_preprocessing_transform.PNG"/>
+          <p:cNvPicPr>
+            <a:picLocks noChangeAspect="1" noChangeArrowheads="1"/>
+          </p:cNvPicPr>
+          <p:nvPr/>
+        </p:nvPicPr>
+        <p:blipFill>
+          <a:blip r:embed="rId3" cstate="print"/>
+          <a:srcRect/>
+          <a:stretch>
+            <a:fillRect/>
+          </a:stretch>
+        </p:blipFill>
+        <p:spPr bwMode="auto">
+          <a:xfrm>
+            <a:off x="457200" y="1676400"/>
+            <a:ext cx="5486400" cy="3951137"/>
+          </a:xfrm>
+          <a:prstGeom prst="rect">
+            <a:avLst/>
+          </a:prstGeom>
+          <a:noFill/>
+        </p:spPr>
+      </p:pic>
+      <p:pic>
+        <p:nvPicPr>
+          <p:cNvPr id="2051" name="Picture 3" descr="D:\15. App Development\CNet\drop-out\02. Database\Imgs\Ky4_training.PNG"/>
+          <p:cNvPicPr>
+            <a:picLocks noChangeAspect="1" noChangeArrowheads="1"/>
+          </p:cNvPicPr>
+          <p:nvPr/>
+        </p:nvPicPr>
+        <p:blipFill>
+          <a:blip r:embed="rId4" cstate="print"/>
+          <a:srcRect/>
+          <a:stretch>
+            <a:fillRect/>
+          </a:stretch>
+        </p:blipFill>
+        <p:spPr bwMode="auto">
+          <a:xfrm>
+            <a:off x="3124200" y="2133600"/>
+            <a:ext cx="5715000" cy="4119332"/>
+          </a:xfrm>
+          <a:prstGeom prst="rect">
+            <a:avLst/>
+          </a:prstGeom>
+          <a:noFill/>
+        </p:spPr>
+      </p:pic>
+    </p:spTree>
+  </p:cSld>
+  <p:clrMapOvr>
+    <a:masterClrMapping/>
+  </p:clrMapOvr>
+  <p:timing>
+    <p:tnLst>
+      <p:par>
+        <p:cTn id="1" dur="indefinite" restart="never" nodeType="tmRoot">
+          <p:childTnLst>
+            <p:seq concurrent="1" nextAc="seek">
+              <p:cTn id="2" dur="indefinite" nodeType="mainSeq">
+                <p:childTnLst>
+                  <p:par>
+                    <p:cTn id="3" fill="hold">
+                      <p:stCondLst>
+                        <p:cond delay="indefinite"/>
+                        <p:cond evt="onBegin" delay="0">
+                          <p:tn val="2"/>
+                        </p:cond>
+                      </p:stCondLst>
+                      <p:childTnLst>
+                        <p:par>
+                          <p:cTn id="4" fill="hold">
+                            <p:stCondLst>
+                              <p:cond delay="0"/>
+                            </p:stCondLst>
+                            <p:childTnLst>
+                              <p:par>
+                                <p:cTn id="5" presetID="3" presetClass="entr" presetSubtype="10" fill="hold" nodeType="withEffect">
+                                  <p:stCondLst>
+                                    <p:cond delay="0"/>
+                                  </p:stCondLst>
+                                  <p:childTnLst>
+                                    <p:set>
+                                      <p:cBhvr>
+                                        <p:cTn id="6" dur="1" fill="hold">
+                                          <p:stCondLst>
+                                            <p:cond delay="0"/>
+                                          </p:stCondLst>
+                                        </p:cTn>
+                                        <p:tgtEl>
+                                          <p:spTgt spid="3074"/>
+                                        </p:tgtEl>
+                                        <p:attrNameLst>
+                                          <p:attrName>style.visibility</p:attrName>
+                                        </p:attrNameLst>
+                                      </p:cBhvr>
+                                      <p:to>
+                                        <p:strVal val="visible"/>
+                                      </p:to>
+                                    </p:set>
+                                    <p:animEffect transition="in" filter="blinds(horizontal)">
+                                      <p:cBhvr>
+                                        <p:cTn id="7" dur="500"/>
+                                        <p:tgtEl>
+                                          <p:spTgt spid="3074"/>
+                                        </p:tgtEl>
+                                      </p:cBhvr>
+                                    </p:animEffect>
+                                  </p:childTnLst>
+                                </p:cTn>
+                              </p:par>
+                            </p:childTnLst>
+                          </p:cTn>
+                        </p:par>
+                      </p:childTnLst>
+                    </p:cTn>
+                  </p:par>
+                  <p:par>
+                    <p:cTn id="8" fill="hold">
+                      <p:stCondLst>
+                        <p:cond delay="indefinite"/>
+                      </p:stCondLst>
+                      <p:childTnLst>
+                        <p:par>
+                          <p:cTn id="9" fill="hold">
+                            <p:stCondLst>
+                              <p:cond delay="0"/>
+                            </p:stCondLst>
+                            <p:childTnLst>
+                              <p:par>
+                                <p:cTn id="10" presetID="3" presetClass="entr" presetSubtype="5" fill="hold" nodeType="clickEffect">
+                                  <p:stCondLst>
+                                    <p:cond delay="0"/>
+                                  </p:stCondLst>
+                                  <p:childTnLst>
+                                    <p:set>
+                                      <p:cBhvr>
+                                        <p:cTn id="11" dur="1" fill="hold">
+                                          <p:stCondLst>
+                                            <p:cond delay="0"/>
+                                          </p:stCondLst>
+                                        </p:cTn>
+                                        <p:tgtEl>
+                                          <p:spTgt spid="2051"/>
+                                        </p:tgtEl>
+                                        <p:attrNameLst>
+                                          <p:attrName>style.visibility</p:attrName>
+                                        </p:attrNameLst>
+                                      </p:cBhvr>
+                                      <p:to>
+                                        <p:strVal val="visible"/>
+                                      </p:to>
+                                    </p:set>
+                                    <p:animEffect transition="in" filter="blinds(vertical)">
+                                      <p:cBhvr>
+                                        <p:cTn id="12" dur="500"/>
+                                        <p:tgtEl>
+                                          <p:spTgt spid="2051"/>
+                                        </p:tgtEl>
+                                      </p:cBhvr>
+                                    </p:animEffect>
+                                  </p:childTnLst>
+                                </p:cTn>
+                              </p:par>
+                            </p:childTnLst>
+                          </p:cTn>
+                        </p:par>
+                      </p:childTnLst>
+                    </p:cTn>
+                  </p:par>
+                </p:childTnLst>
+              </p:cTn>
+              <p:prevCondLst>
+                <p:cond evt="onPrev" delay="0">
+                  <p:tgtEl>
+                    <p:sldTgt/>
+                  </p:tgtEl>
+                </p:cond>
+              </p:prevCondLst>
+              <p:nextCondLst>
+                <p:cond evt="onNext" delay="0">
+                  <p:tgtEl>
+                    <p:sldTgt/>
+                  </p:tgtEl>
+                </p:cond>
+              </p:nextCondLst>
+            </p:seq>
+          </p:childTnLst>
+        </p:cTn>
+      </p:par>
+    </p:tnLst>
+  </p:timing>
+</p:sld>
+</file>
+
+<file path=ppt/slides/slide19.xml><?xml version="1.0" encoding="utf-8"?>
+<p:sld xmlns:a="http://schemas.openxmlformats.org/drawingml/2006/main" xmlns:r="http://schemas.openxmlformats.org/officeDocument/2006/relationships" xmlns:p="http://schemas.openxmlformats.org/presentationml/2006/main">
+  <p:cSld>
+    <p:spTree>
+      <p:nvGrpSpPr>
+        <p:cNvPr id="1" name=""/>
+        <p:cNvGrpSpPr/>
+        <p:nvPr/>
+      </p:nvGrpSpPr>
+      <p:grpSpPr>
+        <a:xfrm>
+          <a:off x="0" y="0"/>
+          <a:ext cx="0" cy="0"/>
+          <a:chOff x="0" y="0"/>
+          <a:chExt cx="0" cy="0"/>
+        </a:xfrm>
+      </p:grpSpPr>
+      <p:sp>
+        <p:nvSpPr>
+          <p:cNvPr id="2" name="Title 1"/>
+          <p:cNvSpPr>
+            <a:spLocks noGrp="1"/>
+          </p:cNvSpPr>
+          <p:nvPr>
+            <p:ph type="title"/>
+          </p:nvPr>
+        </p:nvSpPr>
+        <p:spPr>
+          <a:xfrm>
+            <a:off x="457200" y="304800"/>
+            <a:ext cx="8229600" cy="1143000"/>
+          </a:xfrm>
+          <a:solidFill>
+            <a:srgbClr val="810C15"/>
+          </a:solidFill>
+        </p:spPr>
+        <p:txBody>
+          <a:bodyPr>
+            <a:normAutofit/>
+          </a:bodyPr>
+          <a:lstStyle/>
+          <a:p>
+            <a:pPr algn="l"/>
+            <a:r>
+              <a:rPr lang="en-US" sz="4000" smtClean="0">
+                <a:solidFill>
+                  <a:schemeClr val="bg1"/>
+                </a:solidFill>
+              </a:rPr>
+              <a:t>3.4 </a:t>
+            </a:r>
+            <a:r>
+              <a:rPr lang="en-US" sz="4000" err="1" smtClean="0">
+                <a:solidFill>
+                  <a:schemeClr val="bg1"/>
+                </a:solidFill>
+              </a:rPr>
+              <a:t>Phần</a:t>
+            </a:r>
+            <a:r>
+              <a:rPr lang="en-US" sz="4000" smtClean="0">
+                <a:solidFill>
+                  <a:schemeClr val="bg1"/>
+                </a:solidFill>
+              </a:rPr>
+              <a:t> </a:t>
+            </a:r>
+            <a:r>
+              <a:rPr lang="en-US" sz="4000" err="1" smtClean="0">
+                <a:solidFill>
+                  <a:schemeClr val="bg1"/>
+                </a:solidFill>
+              </a:rPr>
+              <a:t>mềm</a:t>
+            </a:r>
+            <a:r>
+              <a:rPr lang="en-US" sz="4000" smtClean="0">
+                <a:solidFill>
+                  <a:schemeClr val="bg1"/>
+                </a:solidFill>
+              </a:rPr>
+              <a:t> hỗ trợ ra quyết định</a:t>
+            </a:r>
+            <a:endParaRPr lang="en-US" sz="4000">
+              <a:solidFill>
+                <a:schemeClr val="bg1"/>
+              </a:solidFill>
+            </a:endParaRPr>
+          </a:p>
+        </p:txBody>
+      </p:sp>
+      <p:sp>
+        <p:nvSpPr>
           <p:cNvPr id="5" name="TextBox 4"/>
           <p:cNvSpPr txBox="1"/>
           <p:nvPr/>
@@ -28346,7 +29145,7 @@
             </a:r>
             <a:r>
               <a:rPr lang="en-US" dirty="0" err="1" smtClean="0"/>
-              <a:t>Kết</a:t>
+              <a:t>Kiểm</a:t>
             </a:r>
             <a:r>
               <a:rPr lang="en-US" dirty="0" smtClean="0"/>
@@ -28354,7 +29153,7 @@
             </a:r>
             <a:r>
               <a:rPr lang="en-US" dirty="0" err="1" smtClean="0"/>
-              <a:t>quả</a:t>
+              <a:t>tra</a:t>
             </a:r>
             <a:r>
               <a:rPr lang="en-US" dirty="0" smtClean="0"/>
@@ -28362,7 +29161,7 @@
             </a:r>
             <a:r>
               <a:rPr lang="en-US" dirty="0" err="1" smtClean="0"/>
-              <a:t>truy</a:t>
+              <a:t>và</a:t>
             </a:r>
             <a:r>
               <a:rPr lang="en-US" dirty="0" smtClean="0"/>
@@ -28370,7 +29169,7 @@
             </a:r>
             <a:r>
               <a:rPr lang="en-US" dirty="0" err="1" smtClean="0"/>
-              <a:t>vấn</a:t>
+              <a:t>truy</a:t>
             </a:r>
             <a:r>
               <a:rPr lang="en-US" dirty="0" smtClean="0"/>
@@ -28378,7 +29177,7 @@
             </a:r>
             <a:r>
               <a:rPr lang="en-US" dirty="0" err="1" smtClean="0"/>
-              <a:t>với</a:t>
+              <a:t>vấn</a:t>
             </a:r>
             <a:r>
               <a:rPr lang="en-US" dirty="0" smtClean="0"/>
@@ -28467,7 +29266,7 @@
         </p:blipFill>
         <p:spPr bwMode="auto">
           <a:xfrm>
-            <a:off x="3352800" y="3657600"/>
+            <a:off x="2590800" y="3505200"/>
             <a:ext cx="6278562" cy="1390650"/>
           </a:xfrm>
           <a:prstGeom prst="rect">
@@ -28493,7 +29292,7 @@
         </p:blipFill>
         <p:spPr bwMode="auto">
           <a:xfrm>
-            <a:off x="3352800" y="1752600"/>
+            <a:off x="2590800" y="1828800"/>
             <a:ext cx="6326188" cy="1428750"/>
           </a:xfrm>
           <a:prstGeom prst="rect">
@@ -28520,7 +29319,314 @@
             <a:fld id="{B6F15528-21DE-4FAA-801E-634DDDAF4B2B}" type="slidenum">
               <a:rPr lang="en-US" smtClean="0"/>
               <a:pPr/>
-              <a:t>18</a:t>
+              <a:t>19</a:t>
+            </a:fld>
+            <a:endParaRPr lang="en-US"/>
+          </a:p>
+        </p:txBody>
+      </p:sp>
+    </p:spTree>
+  </p:cSld>
+  <p:clrMapOvr>
+    <a:masterClrMapping/>
+  </p:clrMapOvr>
+  <p:timing>
+    <p:tnLst>
+      <p:par>
+        <p:cTn id="1" dur="indefinite" restart="never" nodeType="tmRoot">
+          <p:childTnLst>
+            <p:seq concurrent="1" nextAc="seek">
+              <p:cTn id="2" dur="indefinite" nodeType="mainSeq">
+                <p:childTnLst>
+                  <p:par>
+                    <p:cTn id="3" fill="hold">
+                      <p:stCondLst>
+                        <p:cond delay="indefinite"/>
+                        <p:cond evt="onBegin" delay="0">
+                          <p:tn val="2"/>
+                        </p:cond>
+                      </p:stCondLst>
+                      <p:childTnLst>
+                        <p:par>
+                          <p:cTn id="4" fill="hold">
+                            <p:stCondLst>
+                              <p:cond delay="0"/>
+                            </p:stCondLst>
+                            <p:childTnLst>
+                              <p:par>
+                                <p:cTn id="5" presetID="3" presetClass="entr" presetSubtype="10" fill="hold" nodeType="afterEffect">
+                                  <p:stCondLst>
+                                    <p:cond delay="0"/>
+                                  </p:stCondLst>
+                                  <p:childTnLst>
+                                    <p:set>
+                                      <p:cBhvr>
+                                        <p:cTn id="6" dur="1" fill="hold">
+                                          <p:stCondLst>
+                                            <p:cond delay="0"/>
+                                          </p:stCondLst>
+                                        </p:cTn>
+                                        <p:tgtEl>
+                                          <p:spTgt spid="3075"/>
+                                        </p:tgtEl>
+                                        <p:attrNameLst>
+                                          <p:attrName>style.visibility</p:attrName>
+                                        </p:attrNameLst>
+                                      </p:cBhvr>
+                                      <p:to>
+                                        <p:strVal val="visible"/>
+                                      </p:to>
+                                    </p:set>
+                                    <p:animEffect transition="in" filter="blinds(horizontal)">
+                                      <p:cBhvr>
+                                        <p:cTn id="7" dur="500"/>
+                                        <p:tgtEl>
+                                          <p:spTgt spid="3075"/>
+                                        </p:tgtEl>
+                                      </p:cBhvr>
+                                    </p:animEffect>
+                                  </p:childTnLst>
+                                </p:cTn>
+                              </p:par>
+                            </p:childTnLst>
+                          </p:cTn>
+                        </p:par>
+                      </p:childTnLst>
+                    </p:cTn>
+                  </p:par>
+                  <p:par>
+                    <p:cTn id="8" fill="hold">
+                      <p:stCondLst>
+                        <p:cond delay="indefinite"/>
+                      </p:stCondLst>
+                      <p:childTnLst>
+                        <p:par>
+                          <p:cTn id="9" fill="hold">
+                            <p:stCondLst>
+                              <p:cond delay="0"/>
+                            </p:stCondLst>
+                            <p:childTnLst>
+                              <p:par>
+                                <p:cTn id="10" presetID="3" presetClass="entr" presetSubtype="5" fill="hold" nodeType="clickEffect">
+                                  <p:stCondLst>
+                                    <p:cond delay="0"/>
+                                  </p:stCondLst>
+                                  <p:childTnLst>
+                                    <p:set>
+                                      <p:cBhvr>
+                                        <p:cTn id="11" dur="1" fill="hold">
+                                          <p:stCondLst>
+                                            <p:cond delay="0"/>
+                                          </p:stCondLst>
+                                        </p:cTn>
+                                        <p:tgtEl>
+                                          <p:spTgt spid="3077"/>
+                                        </p:tgtEl>
+                                        <p:attrNameLst>
+                                          <p:attrName>style.visibility</p:attrName>
+                                        </p:attrNameLst>
+                                      </p:cBhvr>
+                                      <p:to>
+                                        <p:strVal val="visible"/>
+                                      </p:to>
+                                    </p:set>
+                                    <p:animEffect transition="in" filter="blinds(vertical)">
+                                      <p:cBhvr>
+                                        <p:cTn id="12" dur="500"/>
+                                        <p:tgtEl>
+                                          <p:spTgt spid="3077"/>
+                                        </p:tgtEl>
+                                      </p:cBhvr>
+                                    </p:animEffect>
+                                  </p:childTnLst>
+                                </p:cTn>
+                              </p:par>
+                            </p:childTnLst>
+                          </p:cTn>
+                        </p:par>
+                      </p:childTnLst>
+                    </p:cTn>
+                  </p:par>
+                  <p:par>
+                    <p:cTn id="13" fill="hold">
+                      <p:stCondLst>
+                        <p:cond delay="indefinite"/>
+                      </p:stCondLst>
+                      <p:childTnLst>
+                        <p:par>
+                          <p:cTn id="14" fill="hold">
+                            <p:stCondLst>
+                              <p:cond delay="0"/>
+                            </p:stCondLst>
+                            <p:childTnLst>
+                              <p:par>
+                                <p:cTn id="15" presetID="3" presetClass="entr" presetSubtype="10" fill="hold" nodeType="clickEffect">
+                                  <p:stCondLst>
+                                    <p:cond delay="0"/>
+                                  </p:stCondLst>
+                                  <p:childTnLst>
+                                    <p:set>
+                                      <p:cBhvr>
+                                        <p:cTn id="16" dur="1" fill="hold">
+                                          <p:stCondLst>
+                                            <p:cond delay="0"/>
+                                          </p:stCondLst>
+                                        </p:cTn>
+                                        <p:tgtEl>
+                                          <p:spTgt spid="3076"/>
+                                        </p:tgtEl>
+                                        <p:attrNameLst>
+                                          <p:attrName>style.visibility</p:attrName>
+                                        </p:attrNameLst>
+                                      </p:cBhvr>
+                                      <p:to>
+                                        <p:strVal val="visible"/>
+                                      </p:to>
+                                    </p:set>
+                                    <p:animEffect transition="in" filter="blinds(horizontal)">
+                                      <p:cBhvr>
+                                        <p:cTn id="17" dur="500"/>
+                                        <p:tgtEl>
+                                          <p:spTgt spid="3076"/>
+                                        </p:tgtEl>
+                                      </p:cBhvr>
+                                    </p:animEffect>
+                                  </p:childTnLst>
+                                </p:cTn>
+                              </p:par>
+                            </p:childTnLst>
+                          </p:cTn>
+                        </p:par>
+                      </p:childTnLst>
+                    </p:cTn>
+                  </p:par>
+                </p:childTnLst>
+              </p:cTn>
+              <p:prevCondLst>
+                <p:cond evt="onPrev" delay="0">
+                  <p:tgtEl>
+                    <p:sldTgt/>
+                  </p:tgtEl>
+                </p:cond>
+              </p:prevCondLst>
+              <p:nextCondLst>
+                <p:cond evt="onNext" delay="0">
+                  <p:tgtEl>
+                    <p:sldTgt/>
+                  </p:tgtEl>
+                </p:cond>
+              </p:nextCondLst>
+            </p:seq>
+          </p:childTnLst>
+        </p:cTn>
+      </p:par>
+    </p:tnLst>
+  </p:timing>
+</p:sld>
+</file>
+
+<file path=ppt/slides/slide2.xml><?xml version="1.0" encoding="utf-8"?>
+<p:sld xmlns:a="http://schemas.openxmlformats.org/drawingml/2006/main" xmlns:r="http://schemas.openxmlformats.org/officeDocument/2006/relationships" xmlns:p="http://schemas.openxmlformats.org/presentationml/2006/main">
+  <p:cSld>
+    <p:spTree>
+      <p:nvGrpSpPr>
+        <p:cNvPr id="1" name=""/>
+        <p:cNvGrpSpPr/>
+        <p:nvPr/>
+      </p:nvGrpSpPr>
+      <p:grpSpPr>
+        <a:xfrm>
+          <a:off x="0" y="0"/>
+          <a:ext cx="0" cy="0"/>
+          <a:chOff x="0" y="0"/>
+          <a:chExt cx="0" cy="0"/>
+        </a:xfrm>
+      </p:grpSpPr>
+      <p:sp>
+        <p:nvSpPr>
+          <p:cNvPr id="2" name="Title 1"/>
+          <p:cNvSpPr>
+            <a:spLocks noGrp="1"/>
+          </p:cNvSpPr>
+          <p:nvPr>
+            <p:ph type="title"/>
+          </p:nvPr>
+        </p:nvSpPr>
+        <p:spPr>
+          <a:solidFill>
+            <a:srgbClr val="810C15"/>
+          </a:solidFill>
+        </p:spPr>
+        <p:txBody>
+          <a:bodyPr>
+            <a:normAutofit/>
+          </a:bodyPr>
+          <a:lstStyle/>
+          <a:p>
+            <a:pPr algn="l"/>
+            <a:r>
+              <a:rPr lang="en-US" sz="4000" b="1" dirty="0" err="1" smtClean="0">
+                <a:solidFill>
+                  <a:schemeClr val="bg1"/>
+                </a:solidFill>
+              </a:rPr>
+              <a:t>Nội</a:t>
+            </a:r>
+            <a:r>
+              <a:rPr lang="en-US" sz="4000" b="1" dirty="0" smtClean="0">
+                <a:solidFill>
+                  <a:schemeClr val="bg1"/>
+                </a:solidFill>
+              </a:rPr>
+              <a:t> dung</a:t>
+            </a:r>
+            <a:endParaRPr lang="en-US" sz="4000" b="1" dirty="0">
+              <a:solidFill>
+                <a:schemeClr val="bg1"/>
+              </a:solidFill>
+            </a:endParaRPr>
+          </a:p>
+        </p:txBody>
+      </p:sp>
+      <p:graphicFrame>
+        <p:nvGraphicFramePr>
+          <p:cNvPr id="4" name="Content Placeholder 3"/>
+          <p:cNvGraphicFramePr>
+            <a:graphicFrameLocks noGrp="1"/>
+          </p:cNvGraphicFramePr>
+          <p:nvPr>
+            <p:ph idx="1"/>
+          </p:nvPr>
+        </p:nvGraphicFramePr>
+        <p:xfrm>
+          <a:off x="457200" y="1600200"/>
+          <a:ext cx="8229600" cy="4525963"/>
+        </p:xfrm>
+        <a:graphic>
+          <a:graphicData uri="http://schemas.openxmlformats.org/drawingml/2006/diagram">
+            <dgm:relIds xmlns:dgm="http://schemas.openxmlformats.org/drawingml/2006/diagram" xmlns:r="http://schemas.openxmlformats.org/officeDocument/2006/relationships" r:dm="rId3" r:lo="rId4" r:qs="rId5" r:cs="rId6"/>
+          </a:graphicData>
+        </a:graphic>
+      </p:graphicFrame>
+      <p:sp>
+        <p:nvSpPr>
+          <p:cNvPr id="5" name="Slide Number Placeholder 4"/>
+          <p:cNvSpPr>
+            <a:spLocks noGrp="1"/>
+          </p:cNvSpPr>
+          <p:nvPr>
+            <p:ph type="sldNum" sz="quarter" idx="12"/>
+          </p:nvPr>
+        </p:nvSpPr>
+        <p:spPr/>
+        <p:txBody>
+          <a:bodyPr/>
+          <a:lstStyle/>
+          <a:p>
+            <a:fld id="{B6F15528-21DE-4FAA-801E-634DDDAF4B2B}" type="slidenum">
+              <a:rPr lang="en-US" smtClean="0"/>
+              <a:pPr/>
+              <a:t>2</a:t>
             </a:fld>
             <a:endParaRPr lang="en-US"/>
           </a:p>
@@ -28541,7 +29647,7 @@
 </p:sld>
 </file>
 
-<file path=ppt/slides/slide19.xml><?xml version="1.0" encoding="utf-8"?>
+<file path=ppt/slides/slide20.xml><?xml version="1.0" encoding="utf-8"?>
 <p:sld xmlns:a="http://schemas.openxmlformats.org/drawingml/2006/main" xmlns:r="http://schemas.openxmlformats.org/officeDocument/2006/relationships" xmlns:p="http://schemas.openxmlformats.org/presentationml/2006/main">
   <p:cSld>
     <p:spTree>
@@ -29714,22 +30820,18 @@
                     <a:bodyPr/>
                     <a:lstStyle/>
                     <a:p>
-                      <a:pPr algn="r" fontAlgn="b"/>
-                      <a:r>
-                        <a:rPr lang="en-US" sz="1800" b="0" i="0" u="none" strike="noStrike" dirty="0" smtClean="0">
+                      <a:pPr marL="0" algn="r" defTabSz="914400" rtl="0" eaLnBrk="1" fontAlgn="b" latinLnBrk="0" hangingPunct="1"/>
+                      <a:r>
+                        <a:rPr lang="en-US" sz="1800" b="0" i="0" u="none" strike="noStrike" kern="1200" dirty="0">
                           <a:solidFill>
-                            <a:srgbClr val="FF0000"/>
+                            <a:srgbClr val="000000"/>
                           </a:solidFill>
                           <a:latin typeface="+mj-lt"/>
-                        </a:rPr>
-                        <a:t>?</a:t>
-                      </a:r>
-                      <a:endParaRPr lang="en-US" sz="1800" b="0" i="0" u="none" strike="noStrike" dirty="0">
-                        <a:solidFill>
-                          <a:srgbClr val="FF0000"/>
-                        </a:solidFill>
-                        <a:latin typeface="+mj-lt"/>
-                      </a:endParaRPr>
+                          <a:ea typeface="+mn-ea"/>
+                          <a:cs typeface="+mn-cs"/>
+                        </a:rPr>
+                        <a:t>78</a:t>
+                      </a:r>
                     </a:p>
                   </a:txBody>
                   <a:tcPr marL="9525" marR="9525" marT="9525" marB="0" anchor="b">
@@ -30118,22 +31220,18 @@
                     <a:bodyPr/>
                     <a:lstStyle/>
                     <a:p>
-                      <a:pPr algn="r" fontAlgn="b"/>
-                      <a:r>
-                        <a:rPr lang="en-US" sz="1800" b="0" i="0" u="none" strike="noStrike" dirty="0" smtClean="0">
+                      <a:pPr marL="0" algn="r" defTabSz="914400" rtl="0" eaLnBrk="1" fontAlgn="b" latinLnBrk="0" hangingPunct="1"/>
+                      <a:r>
+                        <a:rPr lang="en-US" sz="1800" b="0" i="0" u="none" strike="noStrike" kern="1200" dirty="0">
                           <a:solidFill>
-                            <a:srgbClr val="FF0000"/>
+                            <a:srgbClr val="000000"/>
                           </a:solidFill>
                           <a:latin typeface="+mj-lt"/>
-                        </a:rPr>
-                        <a:t>?</a:t>
-                      </a:r>
-                      <a:endParaRPr lang="en-US" sz="1800" b="0" i="0" u="none" strike="noStrike" dirty="0">
-                        <a:solidFill>
-                          <a:srgbClr val="FF0000"/>
-                        </a:solidFill>
-                        <a:latin typeface="+mj-lt"/>
-                      </a:endParaRPr>
+                          <a:ea typeface="+mn-ea"/>
+                          <a:cs typeface="+mn-cs"/>
+                        </a:rPr>
+                        <a:t>53</a:t>
+                      </a:r>
                     </a:p>
                   </a:txBody>
                   <a:tcPr marL="9525" marR="9525" marT="9525" marB="0" anchor="b">
@@ -30182,7 +31280,7 @@
                     <a:p>
                       <a:pPr algn="r" fontAlgn="b"/>
                       <a:r>
-                        <a:rPr lang="en-US" sz="1800" b="0" i="0" u="none" strike="noStrike">
+                        <a:rPr lang="en-US" sz="1800" b="0" i="0" u="none" strike="noStrike" dirty="0">
                           <a:solidFill>
                             <a:srgbClr val="000000"/>
                           </a:solidFill>
@@ -30576,22 +31674,18 @@
                     <a:bodyPr/>
                     <a:lstStyle/>
                     <a:p>
-                      <a:pPr algn="r" fontAlgn="b"/>
-                      <a:r>
-                        <a:rPr lang="en-US" sz="1800" b="0" i="0" u="none" strike="noStrike" dirty="0" smtClean="0">
+                      <a:pPr marL="0" algn="r" defTabSz="914400" rtl="0" eaLnBrk="1" fontAlgn="b" latinLnBrk="0" hangingPunct="1"/>
+                      <a:r>
+                        <a:rPr lang="en-US" sz="1800" b="0" i="0" u="none" strike="noStrike" kern="1200" dirty="0">
                           <a:solidFill>
-                            <a:srgbClr val="FF0000"/>
+                            <a:srgbClr val="000000"/>
                           </a:solidFill>
                           <a:latin typeface="+mj-lt"/>
-                        </a:rPr>
-                        <a:t>?</a:t>
-                      </a:r>
-                      <a:endParaRPr lang="en-US" sz="1800" b="0" i="0" u="none" strike="noStrike" dirty="0">
-                        <a:solidFill>
-                          <a:srgbClr val="FF0000"/>
-                        </a:solidFill>
-                        <a:latin typeface="+mj-lt"/>
-                      </a:endParaRPr>
+                          <a:ea typeface="+mn-ea"/>
+                          <a:cs typeface="+mn-cs"/>
+                        </a:rPr>
+                        <a:t>12</a:t>
+                      </a:r>
                     </a:p>
                   </a:txBody>
                   <a:tcPr marL="9525" marR="9525" marT="9525" marB="0" anchor="b">
@@ -30640,7 +31734,7 @@
                     <a:p>
                       <a:pPr algn="r" fontAlgn="b"/>
                       <a:r>
-                        <a:rPr lang="en-US" sz="1800" b="0" i="0" u="none" strike="noStrike">
+                        <a:rPr lang="en-US" sz="1800" b="0" i="0" u="none" strike="noStrike" dirty="0">
                           <a:solidFill>
                             <a:srgbClr val="000000"/>
                           </a:solidFill>
@@ -30998,22 +32092,18 @@
                     <a:bodyPr/>
                     <a:lstStyle/>
                     <a:p>
-                      <a:pPr algn="r" fontAlgn="b"/>
-                      <a:r>
-                        <a:rPr lang="en-US" sz="1800" b="0" i="0" u="none" strike="noStrike" dirty="0" smtClean="0">
+                      <a:pPr marL="0" algn="r" defTabSz="914400" rtl="0" eaLnBrk="1" fontAlgn="b" latinLnBrk="0" hangingPunct="1"/>
+                      <a:r>
+                        <a:rPr lang="en-US" sz="1800" b="0" i="0" u="none" strike="noStrike" kern="1200" dirty="0">
                           <a:solidFill>
-                            <a:srgbClr val="FF0000"/>
+                            <a:srgbClr val="000000"/>
                           </a:solidFill>
                           <a:latin typeface="+mj-lt"/>
-                        </a:rPr>
-                        <a:t>?</a:t>
-                      </a:r>
-                      <a:endParaRPr lang="en-US" sz="1800" b="0" i="0" u="none" strike="noStrike" dirty="0">
-                        <a:solidFill>
-                          <a:srgbClr val="FF0000"/>
-                        </a:solidFill>
-                        <a:latin typeface="+mj-lt"/>
-                      </a:endParaRPr>
+                          <a:ea typeface="+mn-ea"/>
+                          <a:cs typeface="+mn-cs"/>
+                        </a:rPr>
+                        <a:t>12</a:t>
+                      </a:r>
                     </a:p>
                   </a:txBody>
                   <a:tcPr marL="9525" marR="9525" marT="9525" marB="0" anchor="b">
@@ -31399,22 +32489,18 @@
                     <a:bodyPr/>
                     <a:lstStyle/>
                     <a:p>
-                      <a:pPr algn="ctr" fontAlgn="b"/>
-                      <a:r>
-                        <a:rPr lang="en-US" sz="1800" b="0" i="0" u="none" strike="noStrike" dirty="0" smtClean="0">
+                      <a:pPr marL="0" algn="ctr" defTabSz="914400" rtl="0" eaLnBrk="1" fontAlgn="b" latinLnBrk="0" hangingPunct="1"/>
+                      <a:r>
+                        <a:rPr lang="en-US" sz="1800" b="0" i="0" u="none" strike="noStrike" kern="1200" dirty="0">
                           <a:solidFill>
                             <a:srgbClr val="FFFFFF"/>
                           </a:solidFill>
                           <a:latin typeface="+mj-lt"/>
-                        </a:rPr>
-                        <a:t>?</a:t>
-                      </a:r>
-                      <a:endParaRPr lang="en-US" sz="1800" b="0" i="0" u="none" strike="noStrike" dirty="0">
-                        <a:solidFill>
-                          <a:srgbClr val="FFFFFF"/>
-                        </a:solidFill>
-                        <a:latin typeface="+mj-lt"/>
-                      </a:endParaRPr>
+                          <a:ea typeface="+mn-ea"/>
+                          <a:cs typeface="+mn-cs"/>
+                        </a:rPr>
+                        <a:t>91.67%</a:t>
+                      </a:r>
                     </a:p>
                   </a:txBody>
                   <a:tcPr marL="9525" marR="9525" marT="9525" marB="0" anchor="b">
@@ -31466,7 +32552,7 @@
                     <a:p>
                       <a:pPr algn="ctr" fontAlgn="b"/>
                       <a:r>
-                        <a:rPr lang="en-US" sz="1800" b="0" i="0" u="none" strike="noStrike">
+                        <a:rPr lang="en-US" sz="1800" b="0" i="0" u="none" strike="noStrike" dirty="0">
                           <a:solidFill>
                             <a:srgbClr val="FFFFFF"/>
                           </a:solidFill>
@@ -31734,7 +32820,7 @@
             </a:r>
             <a:r>
               <a:rPr lang="en-US" dirty="0" err="1" smtClean="0"/>
-              <a:t>trạng</a:t>
+              <a:t>khả</a:t>
             </a:r>
             <a:r>
               <a:rPr lang="en-US" dirty="0" smtClean="0"/>
@@ -31742,23 +32828,11 @@
             </a:r>
             <a:r>
               <a:rPr lang="en-US" dirty="0" err="1" smtClean="0"/>
-              <a:t>thái</a:t>
+              <a:t>năng</a:t>
             </a:r>
             <a:r>
               <a:rPr lang="en-US" dirty="0" smtClean="0"/>
-              <a:t> </a:t>
-            </a:r>
-            <a:r>
-              <a:rPr lang="en-US" dirty="0" err="1" smtClean="0"/>
-              <a:t>học</a:t>
-            </a:r>
-            <a:r>
-              <a:rPr lang="en-US" dirty="0" smtClean="0"/>
-              <a:t> </a:t>
-            </a:r>
-            <a:r>
-              <a:rPr lang="en-US" dirty="0" err="1" smtClean="0"/>
-              <a:t>viên</a:t>
+              <a:t> NGHỈ HỌC</a:t>
             </a:r>
             <a:endParaRPr lang="en-US" dirty="0"/>
           </a:p>
@@ -31767,966 +32841,6 @@
       <p:sp>
         <p:nvSpPr>
           <p:cNvPr id="9" name="Slide Number Placeholder 8"/>
-          <p:cNvSpPr>
-            <a:spLocks noGrp="1"/>
-          </p:cNvSpPr>
-          <p:nvPr>
-            <p:ph type="sldNum" sz="quarter" idx="12"/>
-          </p:nvPr>
-        </p:nvSpPr>
-        <p:spPr/>
-        <p:txBody>
-          <a:bodyPr/>
-          <a:lstStyle/>
-          <a:p>
-            <a:fld id="{B6F15528-21DE-4FAA-801E-634DDDAF4B2B}" type="slidenum">
-              <a:rPr lang="en-US" smtClean="0"/>
-              <a:pPr/>
-              <a:t>19</a:t>
-            </a:fld>
-            <a:endParaRPr lang="en-US"/>
-          </a:p>
-        </p:txBody>
-      </p:sp>
-    </p:spTree>
-  </p:cSld>
-  <p:clrMapOvr>
-    <a:masterClrMapping/>
-  </p:clrMapOvr>
-  <p:timing>
-    <p:tnLst>
-      <p:par>
-        <p:cTn id="1" dur="indefinite" restart="never" nodeType="tmRoot"/>
-      </p:par>
-    </p:tnLst>
-  </p:timing>
-</p:sld>
-</file>
-
-<file path=ppt/slides/slide2.xml><?xml version="1.0" encoding="utf-8"?>
-<p:sld xmlns:a="http://schemas.openxmlformats.org/drawingml/2006/main" xmlns:r="http://schemas.openxmlformats.org/officeDocument/2006/relationships" xmlns:p="http://schemas.openxmlformats.org/presentationml/2006/main">
-  <p:cSld>
-    <p:spTree>
-      <p:nvGrpSpPr>
-        <p:cNvPr id="1" name=""/>
-        <p:cNvGrpSpPr/>
-        <p:nvPr/>
-      </p:nvGrpSpPr>
-      <p:grpSpPr>
-        <a:xfrm>
-          <a:off x="0" y="0"/>
-          <a:ext cx="0" cy="0"/>
-          <a:chOff x="0" y="0"/>
-          <a:chExt cx="0" cy="0"/>
-        </a:xfrm>
-      </p:grpSpPr>
-      <p:sp>
-        <p:nvSpPr>
-          <p:cNvPr id="2" name="Title 1"/>
-          <p:cNvSpPr>
-            <a:spLocks noGrp="1"/>
-          </p:cNvSpPr>
-          <p:nvPr>
-            <p:ph type="title"/>
-          </p:nvPr>
-        </p:nvSpPr>
-        <p:spPr>
-          <a:solidFill>
-            <a:srgbClr val="810C15"/>
-          </a:solidFill>
-        </p:spPr>
-        <p:txBody>
-          <a:bodyPr>
-            <a:normAutofit/>
-          </a:bodyPr>
-          <a:lstStyle/>
-          <a:p>
-            <a:pPr algn="l"/>
-            <a:r>
-              <a:rPr lang="en-US" sz="4000" b="1" dirty="0" err="1" smtClean="0">
-                <a:solidFill>
-                  <a:schemeClr val="bg1"/>
-                </a:solidFill>
-              </a:rPr>
-              <a:t>Nội</a:t>
-            </a:r>
-            <a:r>
-              <a:rPr lang="en-US" sz="4000" b="1" dirty="0" smtClean="0">
-                <a:solidFill>
-                  <a:schemeClr val="bg1"/>
-                </a:solidFill>
-              </a:rPr>
-              <a:t> dung</a:t>
-            </a:r>
-            <a:endParaRPr lang="en-US" sz="4000" b="1" dirty="0">
-              <a:solidFill>
-                <a:schemeClr val="bg1"/>
-              </a:solidFill>
-            </a:endParaRPr>
-          </a:p>
-        </p:txBody>
-      </p:sp>
-      <p:graphicFrame>
-        <p:nvGraphicFramePr>
-          <p:cNvPr id="4" name="Content Placeholder 3"/>
-          <p:cNvGraphicFramePr>
-            <a:graphicFrameLocks noGrp="1"/>
-          </p:cNvGraphicFramePr>
-          <p:nvPr>
-            <p:ph idx="1"/>
-          </p:nvPr>
-        </p:nvGraphicFramePr>
-        <p:xfrm>
-          <a:off x="457200" y="1600200"/>
-          <a:ext cx="8229600" cy="4525963"/>
-        </p:xfrm>
-        <a:graphic>
-          <a:graphicData uri="http://schemas.openxmlformats.org/drawingml/2006/diagram">
-            <dgm:relIds xmlns:dgm="http://schemas.openxmlformats.org/drawingml/2006/diagram" xmlns:r="http://schemas.openxmlformats.org/officeDocument/2006/relationships" r:dm="rId3" r:lo="rId4" r:qs="rId5" r:cs="rId6"/>
-          </a:graphicData>
-        </a:graphic>
-      </p:graphicFrame>
-      <p:sp>
-        <p:nvSpPr>
-          <p:cNvPr id="5" name="Slide Number Placeholder 4"/>
-          <p:cNvSpPr>
-            <a:spLocks noGrp="1"/>
-          </p:cNvSpPr>
-          <p:nvPr>
-            <p:ph type="sldNum" sz="quarter" idx="12"/>
-          </p:nvPr>
-        </p:nvSpPr>
-        <p:spPr/>
-        <p:txBody>
-          <a:bodyPr/>
-          <a:lstStyle/>
-          <a:p>
-            <a:fld id="{B6F15528-21DE-4FAA-801E-634DDDAF4B2B}" type="slidenum">
-              <a:rPr lang="en-US" smtClean="0"/>
-              <a:pPr/>
-              <a:t>2</a:t>
-            </a:fld>
-            <a:endParaRPr lang="en-US"/>
-          </a:p>
-        </p:txBody>
-      </p:sp>
-    </p:spTree>
-  </p:cSld>
-  <p:clrMapOvr>
-    <a:masterClrMapping/>
-  </p:clrMapOvr>
-  <p:timing>
-    <p:tnLst>
-      <p:par>
-        <p:cTn id="1" dur="indefinite" restart="never" nodeType="tmRoot"/>
-      </p:par>
-    </p:tnLst>
-  </p:timing>
-</p:sld>
-</file>
-
-<file path=ppt/slides/slide20.xml><?xml version="1.0" encoding="utf-8"?>
-<p:sld xmlns:a="http://schemas.openxmlformats.org/drawingml/2006/main" xmlns:r="http://schemas.openxmlformats.org/officeDocument/2006/relationships" xmlns:p="http://schemas.openxmlformats.org/presentationml/2006/main">
-  <p:cSld>
-    <p:spTree>
-      <p:nvGrpSpPr>
-        <p:cNvPr id="1" name=""/>
-        <p:cNvGrpSpPr/>
-        <p:nvPr/>
-      </p:nvGrpSpPr>
-      <p:grpSpPr>
-        <a:xfrm>
-          <a:off x="0" y="0"/>
-          <a:ext cx="0" cy="0"/>
-          <a:chOff x="0" y="0"/>
-          <a:chExt cx="0" cy="0"/>
-        </a:xfrm>
-      </p:grpSpPr>
-      <p:sp>
-        <p:nvSpPr>
-          <p:cNvPr id="2" name="Title 1"/>
-          <p:cNvSpPr>
-            <a:spLocks noGrp="1"/>
-          </p:cNvSpPr>
-          <p:nvPr>
-            <p:ph type="title"/>
-          </p:nvPr>
-        </p:nvSpPr>
-        <p:spPr>
-          <a:solidFill>
-            <a:srgbClr val="810C15"/>
-          </a:solidFill>
-        </p:spPr>
-        <p:txBody>
-          <a:bodyPr>
-            <a:normAutofit/>
-          </a:bodyPr>
-          <a:lstStyle/>
-          <a:p>
-            <a:pPr algn="l"/>
-            <a:r>
-              <a:rPr lang="en-US" sz="4000" smtClean="0">
-                <a:solidFill>
-                  <a:schemeClr val="bg1"/>
-                </a:solidFill>
-              </a:rPr>
-              <a:t>4. Kết quả </a:t>
-            </a:r>
-            <a:r>
-              <a:rPr lang="en-US" sz="4000" err="1" smtClean="0">
-                <a:solidFill>
-                  <a:schemeClr val="bg1"/>
-                </a:solidFill>
-              </a:rPr>
-              <a:t>chính</a:t>
-            </a:r>
-            <a:endParaRPr lang="en-US" sz="4000">
-              <a:solidFill>
-                <a:schemeClr val="bg1"/>
-              </a:solidFill>
-            </a:endParaRPr>
-          </a:p>
-        </p:txBody>
-      </p:sp>
-      <p:sp>
-        <p:nvSpPr>
-          <p:cNvPr id="3" name="Content Placeholder 2"/>
-          <p:cNvSpPr>
-            <a:spLocks noGrp="1"/>
-          </p:cNvSpPr>
-          <p:nvPr>
-            <p:ph idx="1"/>
-          </p:nvPr>
-        </p:nvSpPr>
-        <p:spPr/>
-        <p:txBody>
-          <a:bodyPr>
-            <a:normAutofit/>
-          </a:bodyPr>
-          <a:lstStyle/>
-          <a:p>
-            <a:r>
-              <a:rPr lang="en-US" dirty="0" smtClean="0">
-                <a:solidFill>
-                  <a:srgbClr val="FF0000"/>
-                </a:solidFill>
-              </a:rPr>
-              <a:t>7 </a:t>
-            </a:r>
-            <a:r>
-              <a:rPr lang="en-US" dirty="0" err="1" smtClean="0">
-                <a:solidFill>
-                  <a:srgbClr val="FF0000"/>
-                </a:solidFill>
-              </a:rPr>
-              <a:t>nhân</a:t>
-            </a:r>
-            <a:r>
-              <a:rPr lang="en-US" dirty="0" smtClean="0">
-                <a:solidFill>
-                  <a:srgbClr val="FF0000"/>
-                </a:solidFill>
-              </a:rPr>
-              <a:t> </a:t>
-            </a:r>
-            <a:r>
-              <a:rPr lang="en-US" dirty="0" err="1" smtClean="0">
-                <a:solidFill>
-                  <a:srgbClr val="FF0000"/>
-                </a:solidFill>
-              </a:rPr>
-              <a:t>tô</a:t>
-            </a:r>
-            <a:r>
-              <a:rPr lang="en-US" dirty="0" smtClean="0">
-                <a:solidFill>
-                  <a:srgbClr val="FF0000"/>
-                </a:solidFill>
-              </a:rPr>
-              <a:t>́ </a:t>
-            </a:r>
-            <a:r>
-              <a:rPr lang="en-US" dirty="0" err="1" smtClean="0">
-                <a:solidFill>
-                  <a:srgbClr val="FF0000"/>
-                </a:solidFill>
-              </a:rPr>
-              <a:t>chính</a:t>
-            </a:r>
-            <a:r>
-              <a:rPr lang="en-US" dirty="0" smtClean="0">
-                <a:solidFill>
-                  <a:srgbClr val="FF0000"/>
-                </a:solidFill>
-              </a:rPr>
-              <a:t> </a:t>
-            </a:r>
-            <a:r>
-              <a:rPr lang="en-US" dirty="0" err="1" smtClean="0">
-                <a:solidFill>
-                  <a:srgbClr val="FF0000"/>
-                </a:solidFill>
-              </a:rPr>
-              <a:t>ảnh</a:t>
-            </a:r>
-            <a:r>
-              <a:rPr lang="en-US" dirty="0" smtClean="0">
-                <a:solidFill>
-                  <a:srgbClr val="FF0000"/>
-                </a:solidFill>
-              </a:rPr>
-              <a:t> </a:t>
-            </a:r>
-            <a:r>
-              <a:rPr lang="en-US" dirty="0" err="1" smtClean="0">
-                <a:solidFill>
-                  <a:srgbClr val="FF0000"/>
-                </a:solidFill>
-              </a:rPr>
-              <a:t>hưởng</a:t>
-            </a:r>
-            <a:r>
-              <a:rPr lang="en-US" dirty="0" smtClean="0">
-                <a:solidFill>
-                  <a:srgbClr val="FF0000"/>
-                </a:solidFill>
-              </a:rPr>
-              <a:t> </a:t>
-            </a:r>
-            <a:r>
-              <a:rPr lang="en-US" dirty="0" err="1" smtClean="0">
-                <a:solidFill>
-                  <a:srgbClr val="FF0000"/>
-                </a:solidFill>
-              </a:rPr>
-              <a:t>đến</a:t>
-            </a:r>
-            <a:r>
-              <a:rPr lang="en-US" dirty="0" smtClean="0">
-                <a:solidFill>
-                  <a:srgbClr val="FF0000"/>
-                </a:solidFill>
-              </a:rPr>
-              <a:t> </a:t>
-            </a:r>
-            <a:r>
-              <a:rPr lang="en-US" dirty="0" err="1" smtClean="0">
-                <a:solidFill>
-                  <a:srgbClr val="FF0000"/>
-                </a:solidFill>
-              </a:rPr>
-              <a:t>kha</a:t>
-            </a:r>
-            <a:r>
-              <a:rPr lang="en-US" dirty="0" smtClean="0">
-                <a:solidFill>
-                  <a:srgbClr val="FF0000"/>
-                </a:solidFill>
-              </a:rPr>
-              <a:t>̉ </a:t>
-            </a:r>
-            <a:r>
-              <a:rPr lang="en-US" dirty="0" err="1" smtClean="0">
-                <a:solidFill>
-                  <a:srgbClr val="FF0000"/>
-                </a:solidFill>
-              </a:rPr>
-              <a:t>năng</a:t>
-            </a:r>
-            <a:r>
-              <a:rPr lang="en-US" dirty="0" smtClean="0">
-                <a:solidFill>
-                  <a:srgbClr val="FF0000"/>
-                </a:solidFill>
-              </a:rPr>
-              <a:t> </a:t>
-            </a:r>
-            <a:r>
-              <a:rPr lang="vi-VN" dirty="0" smtClean="0">
-                <a:solidFill>
-                  <a:srgbClr val="FF0000"/>
-                </a:solidFill>
-              </a:rPr>
-              <a:t>NGHỈ HỌC</a:t>
-            </a:r>
-            <a:endParaRPr lang="en-US" dirty="0" smtClean="0">
-              <a:solidFill>
-                <a:srgbClr val="FF0000"/>
-              </a:solidFill>
-            </a:endParaRPr>
-          </a:p>
-          <a:p>
-            <a:r>
-              <a:rPr lang="en-US" dirty="0" err="1" smtClean="0">
-                <a:solidFill>
-                  <a:srgbClr val="FF0000"/>
-                </a:solidFill>
-              </a:rPr>
-              <a:t>Mô</a:t>
-            </a:r>
-            <a:r>
-              <a:rPr lang="en-US" dirty="0" smtClean="0">
-                <a:solidFill>
-                  <a:srgbClr val="FF0000"/>
-                </a:solidFill>
-              </a:rPr>
-              <a:t> </a:t>
-            </a:r>
-            <a:r>
-              <a:rPr lang="en-US" dirty="0" err="1" smtClean="0">
-                <a:solidFill>
-                  <a:srgbClr val="FF0000"/>
-                </a:solidFill>
-              </a:rPr>
-              <a:t>hình</a:t>
-            </a:r>
-            <a:r>
-              <a:rPr lang="en-US" dirty="0" smtClean="0">
-                <a:solidFill>
-                  <a:srgbClr val="FF0000"/>
-                </a:solidFill>
-              </a:rPr>
-              <a:t> </a:t>
-            </a:r>
-            <a:r>
-              <a:rPr lang="en-US" dirty="0" err="1" smtClean="0">
-                <a:solidFill>
-                  <a:srgbClr val="FF0000"/>
-                </a:solidFill>
-              </a:rPr>
-              <a:t>dư</a:t>
-            </a:r>
-            <a:r>
-              <a:rPr lang="en-US" dirty="0" smtClean="0">
-                <a:solidFill>
-                  <a:srgbClr val="FF0000"/>
-                </a:solidFill>
-              </a:rPr>
-              <a:t>̣ </a:t>
-            </a:r>
-            <a:r>
-              <a:rPr lang="en-US" dirty="0" err="1" smtClean="0">
-                <a:solidFill>
-                  <a:srgbClr val="FF0000"/>
-                </a:solidFill>
-              </a:rPr>
-              <a:t>báo</a:t>
-            </a:r>
-            <a:r>
-              <a:rPr lang="en-US" dirty="0" smtClean="0">
-                <a:solidFill>
-                  <a:srgbClr val="FF0000"/>
-                </a:solidFill>
-              </a:rPr>
-              <a:t> </a:t>
-            </a:r>
-            <a:r>
-              <a:rPr lang="en-US" dirty="0" err="1" smtClean="0">
-                <a:solidFill>
-                  <a:srgbClr val="FF0000"/>
-                </a:solidFill>
-              </a:rPr>
-              <a:t>kha</a:t>
-            </a:r>
-            <a:r>
-              <a:rPr lang="en-US" dirty="0" smtClean="0">
-                <a:solidFill>
-                  <a:srgbClr val="FF0000"/>
-                </a:solidFill>
-              </a:rPr>
-              <a:t>̉ </a:t>
-            </a:r>
-            <a:r>
-              <a:rPr lang="en-US" dirty="0" err="1" smtClean="0">
-                <a:solidFill>
-                  <a:srgbClr val="FF0000"/>
-                </a:solidFill>
-              </a:rPr>
-              <a:t>năng</a:t>
-            </a:r>
-            <a:r>
-              <a:rPr lang="en-US" dirty="0" smtClean="0">
-                <a:solidFill>
-                  <a:srgbClr val="FF0000"/>
-                </a:solidFill>
-              </a:rPr>
-              <a:t> NGHỈ HỌC </a:t>
-            </a:r>
-            <a:r>
-              <a:rPr lang="en-US" dirty="0" err="1" smtClean="0">
-                <a:solidFill>
-                  <a:srgbClr val="FF0000"/>
-                </a:solidFill>
-              </a:rPr>
-              <a:t>của</a:t>
-            </a:r>
-            <a:r>
-              <a:rPr lang="en-US" dirty="0" smtClean="0">
-                <a:solidFill>
-                  <a:srgbClr val="FF0000"/>
-                </a:solidFill>
-              </a:rPr>
-              <a:t> </a:t>
-            </a:r>
-            <a:r>
-              <a:rPr lang="en-US" dirty="0" err="1" smtClean="0">
-                <a:solidFill>
-                  <a:srgbClr val="FF0000"/>
-                </a:solidFill>
-              </a:rPr>
-              <a:t>học</a:t>
-            </a:r>
-            <a:r>
-              <a:rPr lang="en-US" dirty="0" smtClean="0">
-                <a:solidFill>
-                  <a:srgbClr val="FF0000"/>
-                </a:solidFill>
-              </a:rPr>
-              <a:t> </a:t>
-            </a:r>
-            <a:r>
-              <a:rPr lang="en-US" dirty="0" err="1" smtClean="0">
-                <a:solidFill>
-                  <a:srgbClr val="FF0000"/>
-                </a:solidFill>
-              </a:rPr>
-              <a:t>viên</a:t>
-            </a:r>
-            <a:r>
-              <a:rPr lang="en-US" dirty="0" smtClean="0">
-                <a:solidFill>
-                  <a:srgbClr val="FF0000"/>
-                </a:solidFill>
-              </a:rPr>
-              <a:t> </a:t>
-            </a:r>
-            <a:r>
-              <a:rPr lang="en-US" dirty="0" err="1" smtClean="0">
-                <a:solidFill>
-                  <a:srgbClr val="FF0000"/>
-                </a:solidFill>
-              </a:rPr>
-              <a:t>căn</a:t>
-            </a:r>
-            <a:r>
-              <a:rPr lang="en-US" dirty="0" smtClean="0">
-                <a:solidFill>
-                  <a:srgbClr val="FF0000"/>
-                </a:solidFill>
-              </a:rPr>
-              <a:t> </a:t>
-            </a:r>
-            <a:r>
-              <a:rPr lang="en-US" dirty="0" err="1" smtClean="0">
-                <a:solidFill>
-                  <a:srgbClr val="FF0000"/>
-                </a:solidFill>
-              </a:rPr>
-              <a:t>cư</a:t>
-            </a:r>
-            <a:r>
-              <a:rPr lang="en-US" dirty="0" smtClean="0">
-                <a:solidFill>
-                  <a:srgbClr val="FF0000"/>
-                </a:solidFill>
-              </a:rPr>
-              <a:t>́ </a:t>
-            </a:r>
-            <a:r>
-              <a:rPr lang="en-US" dirty="0" err="1" smtClean="0">
-                <a:solidFill>
-                  <a:srgbClr val="FF0000"/>
-                </a:solidFill>
-              </a:rPr>
-              <a:t>trên</a:t>
-            </a:r>
-            <a:r>
-              <a:rPr lang="en-US" dirty="0" smtClean="0">
-                <a:solidFill>
-                  <a:srgbClr val="FF0000"/>
-                </a:solidFill>
-              </a:rPr>
-              <a:t> </a:t>
-            </a:r>
-            <a:r>
-              <a:rPr lang="en-US" dirty="0" err="1" smtClean="0">
-                <a:solidFill>
-                  <a:srgbClr val="FF0000"/>
-                </a:solidFill>
-              </a:rPr>
-              <a:t>hô</a:t>
-            </a:r>
-            <a:r>
-              <a:rPr lang="en-US" dirty="0" smtClean="0">
-                <a:solidFill>
-                  <a:srgbClr val="FF0000"/>
-                </a:solidFill>
-              </a:rPr>
-              <a:t>̀ </a:t>
-            </a:r>
-            <a:r>
-              <a:rPr lang="en-US" dirty="0" err="1" smtClean="0">
-                <a:solidFill>
-                  <a:srgbClr val="FF0000"/>
-                </a:solidFill>
-              </a:rPr>
-              <a:t>sơ</a:t>
-            </a:r>
-            <a:r>
-              <a:rPr lang="en-US" dirty="0" smtClean="0">
-                <a:solidFill>
-                  <a:srgbClr val="FF0000"/>
-                </a:solidFill>
-              </a:rPr>
-              <a:t> </a:t>
-            </a:r>
-            <a:r>
-              <a:rPr lang="en-US" dirty="0" err="1" smtClean="0">
-                <a:solidFill>
-                  <a:srgbClr val="FF0000"/>
-                </a:solidFill>
-              </a:rPr>
-              <a:t>thông</a:t>
-            </a:r>
-            <a:r>
-              <a:rPr lang="en-US" dirty="0" smtClean="0">
-                <a:solidFill>
-                  <a:srgbClr val="FF0000"/>
-                </a:solidFill>
-              </a:rPr>
-              <a:t> tin</a:t>
-            </a:r>
-          </a:p>
-          <a:p>
-            <a:r>
-              <a:rPr lang="en-US" dirty="0" err="1" smtClean="0">
-                <a:solidFill>
-                  <a:srgbClr val="FF0000"/>
-                </a:solidFill>
-              </a:rPr>
-              <a:t>Sản</a:t>
-            </a:r>
-            <a:r>
-              <a:rPr lang="en-US" dirty="0" smtClean="0">
-                <a:solidFill>
-                  <a:srgbClr val="FF0000"/>
-                </a:solidFill>
-              </a:rPr>
-              <a:t> </a:t>
-            </a:r>
-            <a:r>
-              <a:rPr lang="en-US" dirty="0" err="1" smtClean="0">
-                <a:solidFill>
-                  <a:srgbClr val="FF0000"/>
-                </a:solidFill>
-              </a:rPr>
-              <a:t>phẩm</a:t>
-            </a:r>
-            <a:r>
-              <a:rPr lang="en-US" dirty="0" smtClean="0">
-                <a:solidFill>
-                  <a:srgbClr val="FF0000"/>
-                </a:solidFill>
-              </a:rPr>
-              <a:t> </a:t>
-            </a:r>
-            <a:r>
-              <a:rPr lang="en-US" dirty="0" err="1" smtClean="0">
-                <a:solidFill>
-                  <a:srgbClr val="FF0000"/>
-                </a:solidFill>
-              </a:rPr>
-              <a:t>phần</a:t>
-            </a:r>
-            <a:r>
-              <a:rPr lang="en-US" dirty="0" smtClean="0">
-                <a:solidFill>
-                  <a:srgbClr val="FF0000"/>
-                </a:solidFill>
-              </a:rPr>
-              <a:t> </a:t>
-            </a:r>
-            <a:r>
-              <a:rPr lang="en-US" dirty="0" err="1" smtClean="0">
-                <a:solidFill>
-                  <a:srgbClr val="FF0000"/>
-                </a:solidFill>
-              </a:rPr>
-              <a:t>mềm</a:t>
-            </a:r>
-            <a:endParaRPr lang="en-US" dirty="0" smtClean="0">
-              <a:solidFill>
-                <a:srgbClr val="FF0000"/>
-              </a:solidFill>
-            </a:endParaRPr>
-          </a:p>
-          <a:p>
-            <a:r>
-              <a:rPr lang="en-US" dirty="0" err="1" smtClean="0">
-                <a:solidFill>
-                  <a:srgbClr val="FF0000"/>
-                </a:solidFill>
-              </a:rPr>
-              <a:t>Xác</a:t>
-            </a:r>
-            <a:r>
-              <a:rPr lang="en-US" dirty="0" smtClean="0">
-                <a:solidFill>
-                  <a:srgbClr val="FF0000"/>
-                </a:solidFill>
-              </a:rPr>
-              <a:t> </a:t>
-            </a:r>
-            <a:r>
-              <a:rPr lang="en-US" dirty="0" err="1" smtClean="0">
-                <a:solidFill>
-                  <a:srgbClr val="FF0000"/>
-                </a:solidFill>
-              </a:rPr>
-              <a:t>định</a:t>
-            </a:r>
-            <a:r>
-              <a:rPr lang="en-US" dirty="0" smtClean="0">
-                <a:solidFill>
-                  <a:srgbClr val="FF0000"/>
-                </a:solidFill>
-              </a:rPr>
-              <a:t> </a:t>
-            </a:r>
-            <a:r>
-              <a:rPr lang="en-US" dirty="0" err="1" smtClean="0">
-                <a:solidFill>
-                  <a:srgbClr val="FF0000"/>
-                </a:solidFill>
-              </a:rPr>
-              <a:t>một</a:t>
-            </a:r>
-            <a:r>
-              <a:rPr lang="en-US" dirty="0" smtClean="0">
-                <a:solidFill>
-                  <a:srgbClr val="FF0000"/>
-                </a:solidFill>
-              </a:rPr>
-              <a:t> </a:t>
-            </a:r>
-            <a:r>
-              <a:rPr lang="en-US" dirty="0" err="1" smtClean="0">
-                <a:solidFill>
-                  <a:srgbClr val="FF0000"/>
-                </a:solidFill>
-              </a:rPr>
-              <a:t>nhân</a:t>
-            </a:r>
-            <a:r>
-              <a:rPr lang="en-US" dirty="0" smtClean="0">
-                <a:solidFill>
-                  <a:srgbClr val="FF0000"/>
-                </a:solidFill>
-              </a:rPr>
-              <a:t> </a:t>
-            </a:r>
-            <a:r>
-              <a:rPr lang="en-US" dirty="0" err="1" smtClean="0">
-                <a:solidFill>
-                  <a:srgbClr val="FF0000"/>
-                </a:solidFill>
-              </a:rPr>
-              <a:t>tô</a:t>
-            </a:r>
-            <a:r>
-              <a:rPr lang="en-US" dirty="0" smtClean="0">
-                <a:solidFill>
-                  <a:srgbClr val="FF0000"/>
-                </a:solidFill>
-              </a:rPr>
-              <a:t>́ </a:t>
-            </a:r>
-            <a:r>
-              <a:rPr lang="en-US" dirty="0" err="1" smtClean="0">
-                <a:solidFill>
-                  <a:srgbClr val="FF0000"/>
-                </a:solidFill>
-              </a:rPr>
-              <a:t>khác</a:t>
-            </a:r>
-            <a:r>
-              <a:rPr lang="en-US" dirty="0" smtClean="0">
-                <a:solidFill>
-                  <a:srgbClr val="FF0000"/>
-                </a:solidFill>
-              </a:rPr>
-              <a:t>  CHƯA </a:t>
-            </a:r>
-            <a:r>
-              <a:rPr lang="en-US" dirty="0" err="1" smtClean="0">
-                <a:solidFill>
-                  <a:srgbClr val="FF0000"/>
-                </a:solidFill>
-              </a:rPr>
-              <a:t>định</a:t>
-            </a:r>
-            <a:r>
-              <a:rPr lang="en-US" dirty="0" smtClean="0">
-                <a:solidFill>
-                  <a:srgbClr val="FF0000"/>
-                </a:solidFill>
-              </a:rPr>
-              <a:t> </a:t>
-            </a:r>
-            <a:r>
-              <a:rPr lang="en-US" dirty="0" err="1" smtClean="0">
-                <a:solidFill>
-                  <a:srgbClr val="FF0000"/>
-                </a:solidFill>
-              </a:rPr>
-              <a:t>lượng</a:t>
-            </a:r>
-            <a:r>
-              <a:rPr lang="en-US" dirty="0" smtClean="0">
-                <a:solidFill>
-                  <a:srgbClr val="FF0000"/>
-                </a:solidFill>
-              </a:rPr>
-              <a:t> </a:t>
-            </a:r>
-            <a:r>
-              <a:rPr lang="en-US" dirty="0" err="1" smtClean="0">
-                <a:solidFill>
-                  <a:srgbClr val="FF0000"/>
-                </a:solidFill>
-              </a:rPr>
-              <a:t>được</a:t>
-            </a:r>
-            <a:r>
-              <a:rPr lang="en-US" dirty="0" smtClean="0">
-                <a:solidFill>
-                  <a:srgbClr val="FF0000"/>
-                </a:solidFill>
-              </a:rPr>
-              <a:t> </a:t>
-            </a:r>
-            <a:r>
-              <a:rPr lang="en-US" dirty="0" err="1" smtClean="0">
-                <a:solidFill>
-                  <a:srgbClr val="FF0000"/>
-                </a:solidFill>
-              </a:rPr>
-              <a:t>cũng</a:t>
-            </a:r>
-            <a:r>
-              <a:rPr lang="en-US" dirty="0" smtClean="0">
-                <a:solidFill>
-                  <a:srgbClr val="FF0000"/>
-                </a:solidFill>
-              </a:rPr>
-              <a:t> </a:t>
-            </a:r>
-            <a:r>
-              <a:rPr lang="en-US" dirty="0" err="1" smtClean="0">
-                <a:solidFill>
-                  <a:srgbClr val="FF0000"/>
-                </a:solidFill>
-              </a:rPr>
-              <a:t>ảnh</a:t>
-            </a:r>
-            <a:r>
-              <a:rPr lang="en-US" dirty="0" smtClean="0">
-                <a:solidFill>
-                  <a:srgbClr val="FF0000"/>
-                </a:solidFill>
-              </a:rPr>
-              <a:t> </a:t>
-            </a:r>
-            <a:r>
-              <a:rPr lang="en-US" dirty="0" err="1" smtClean="0">
-                <a:solidFill>
-                  <a:srgbClr val="FF0000"/>
-                </a:solidFill>
-              </a:rPr>
-              <a:t>hưởng</a:t>
-            </a:r>
-            <a:r>
-              <a:rPr lang="en-US" dirty="0" smtClean="0">
-                <a:solidFill>
-                  <a:srgbClr val="FF0000"/>
-                </a:solidFill>
-              </a:rPr>
-              <a:t> </a:t>
-            </a:r>
-            <a:r>
-              <a:rPr lang="en-US" dirty="0" err="1" smtClean="0">
-                <a:solidFill>
-                  <a:srgbClr val="FF0000"/>
-                </a:solidFill>
-              </a:rPr>
-              <a:t>đến</a:t>
-            </a:r>
-            <a:r>
-              <a:rPr lang="en-US" dirty="0" smtClean="0">
-                <a:solidFill>
-                  <a:srgbClr val="FF0000"/>
-                </a:solidFill>
-              </a:rPr>
-              <a:t> </a:t>
-            </a:r>
-            <a:r>
-              <a:rPr lang="en-US" dirty="0" err="1" smtClean="0">
-                <a:solidFill>
-                  <a:srgbClr val="FF0000"/>
-                </a:solidFill>
-              </a:rPr>
-              <a:t>kha</a:t>
-            </a:r>
-            <a:r>
-              <a:rPr lang="en-US" dirty="0" smtClean="0">
-                <a:solidFill>
-                  <a:srgbClr val="FF0000"/>
-                </a:solidFill>
-              </a:rPr>
-              <a:t>̉ </a:t>
-            </a:r>
-            <a:r>
-              <a:rPr lang="en-US" dirty="0" err="1" smtClean="0">
-                <a:solidFill>
-                  <a:srgbClr val="FF0000"/>
-                </a:solidFill>
-              </a:rPr>
-              <a:t>năng</a:t>
-            </a:r>
-            <a:r>
-              <a:rPr lang="en-US" dirty="0" smtClean="0">
-                <a:solidFill>
-                  <a:srgbClr val="FF0000"/>
-                </a:solidFill>
-              </a:rPr>
-              <a:t> </a:t>
-            </a:r>
-            <a:r>
-              <a:rPr lang="vi-VN" dirty="0" smtClean="0">
-                <a:solidFill>
-                  <a:srgbClr val="FF0000"/>
-                </a:solidFill>
-              </a:rPr>
-              <a:t>NGHỈ HỌC</a:t>
-            </a:r>
-            <a:endParaRPr lang="en-US" dirty="0" smtClean="0">
-              <a:solidFill>
-                <a:srgbClr val="FF0000"/>
-              </a:solidFill>
-            </a:endParaRPr>
-          </a:p>
-          <a:p>
-            <a:endParaRPr lang="en-US" dirty="0">
-              <a:solidFill>
-                <a:srgbClr val="FF0000"/>
-              </a:solidFill>
-            </a:endParaRPr>
-          </a:p>
-        </p:txBody>
-      </p:sp>
-      <p:sp>
-        <p:nvSpPr>
-          <p:cNvPr id="5" name="Slide Number Placeholder 4"/>
           <p:cNvSpPr>
             <a:spLocks noGrp="1"/>
           </p:cNvSpPr>
@@ -32803,6 +32917,844 @@
           <a:p>
             <a:pPr algn="l"/>
             <a:r>
+              <a:rPr lang="en-US" sz="4000" smtClean="0">
+                <a:solidFill>
+                  <a:schemeClr val="bg1"/>
+                </a:solidFill>
+              </a:rPr>
+              <a:t>4. Kết quả </a:t>
+            </a:r>
+            <a:r>
+              <a:rPr lang="en-US" sz="4000" err="1" smtClean="0">
+                <a:solidFill>
+                  <a:schemeClr val="bg1"/>
+                </a:solidFill>
+              </a:rPr>
+              <a:t>chính</a:t>
+            </a:r>
+            <a:endParaRPr lang="en-US" sz="4000">
+              <a:solidFill>
+                <a:schemeClr val="bg1"/>
+              </a:solidFill>
+            </a:endParaRPr>
+          </a:p>
+        </p:txBody>
+      </p:sp>
+      <p:sp>
+        <p:nvSpPr>
+          <p:cNvPr id="3" name="Content Placeholder 2"/>
+          <p:cNvSpPr>
+            <a:spLocks noGrp="1"/>
+          </p:cNvSpPr>
+          <p:nvPr>
+            <p:ph idx="1"/>
+          </p:nvPr>
+        </p:nvSpPr>
+        <p:spPr/>
+        <p:txBody>
+          <a:bodyPr>
+            <a:normAutofit/>
+          </a:bodyPr>
+          <a:lstStyle/>
+          <a:p>
+            <a:r>
+              <a:rPr lang="en-US" dirty="0" smtClean="0">
+                <a:solidFill>
+                  <a:srgbClr val="FF0000"/>
+                </a:solidFill>
+              </a:rPr>
+              <a:t>5 </a:t>
+            </a:r>
+            <a:r>
+              <a:rPr lang="en-US" dirty="0" err="1" smtClean="0">
+                <a:solidFill>
+                  <a:srgbClr val="FF0000"/>
+                </a:solidFill>
+              </a:rPr>
+              <a:t>nhân</a:t>
+            </a:r>
+            <a:r>
+              <a:rPr lang="en-US" dirty="0" smtClean="0">
+                <a:solidFill>
+                  <a:srgbClr val="FF0000"/>
+                </a:solidFill>
+              </a:rPr>
+              <a:t> </a:t>
+            </a:r>
+            <a:r>
+              <a:rPr lang="en-US" dirty="0" err="1" smtClean="0">
+                <a:solidFill>
+                  <a:srgbClr val="FF0000"/>
+                </a:solidFill>
+              </a:rPr>
+              <a:t>tô</a:t>
+            </a:r>
+            <a:r>
+              <a:rPr lang="en-US" dirty="0" smtClean="0">
+                <a:solidFill>
+                  <a:srgbClr val="FF0000"/>
+                </a:solidFill>
+              </a:rPr>
+              <a:t>́ </a:t>
+            </a:r>
+            <a:r>
+              <a:rPr lang="en-US" dirty="0" err="1" smtClean="0">
+                <a:solidFill>
+                  <a:srgbClr val="FF0000"/>
+                </a:solidFill>
+              </a:rPr>
+              <a:t>chính</a:t>
+            </a:r>
+            <a:r>
+              <a:rPr lang="en-US" dirty="0" smtClean="0">
+                <a:solidFill>
+                  <a:srgbClr val="FF0000"/>
+                </a:solidFill>
+              </a:rPr>
+              <a:t> </a:t>
+            </a:r>
+            <a:r>
+              <a:rPr lang="en-US" dirty="0" err="1" smtClean="0">
+                <a:solidFill>
+                  <a:srgbClr val="FF0000"/>
+                </a:solidFill>
+              </a:rPr>
+              <a:t>ảnh</a:t>
+            </a:r>
+            <a:r>
+              <a:rPr lang="en-US" dirty="0" smtClean="0">
+                <a:solidFill>
+                  <a:srgbClr val="FF0000"/>
+                </a:solidFill>
+              </a:rPr>
+              <a:t> </a:t>
+            </a:r>
+            <a:r>
+              <a:rPr lang="en-US" dirty="0" err="1" smtClean="0">
+                <a:solidFill>
+                  <a:srgbClr val="FF0000"/>
+                </a:solidFill>
+              </a:rPr>
+              <a:t>hưởng</a:t>
+            </a:r>
+            <a:r>
+              <a:rPr lang="en-US" dirty="0" smtClean="0">
+                <a:solidFill>
+                  <a:srgbClr val="FF0000"/>
+                </a:solidFill>
+              </a:rPr>
+              <a:t> </a:t>
+            </a:r>
+            <a:r>
+              <a:rPr lang="en-US" dirty="0" err="1" smtClean="0">
+                <a:solidFill>
+                  <a:srgbClr val="FF0000"/>
+                </a:solidFill>
+              </a:rPr>
+              <a:t>đến</a:t>
+            </a:r>
+            <a:r>
+              <a:rPr lang="en-US" dirty="0" smtClean="0">
+                <a:solidFill>
+                  <a:srgbClr val="FF0000"/>
+                </a:solidFill>
+              </a:rPr>
+              <a:t> </a:t>
+            </a:r>
+            <a:r>
+              <a:rPr lang="en-US" dirty="0" err="1" smtClean="0">
+                <a:solidFill>
+                  <a:srgbClr val="FF0000"/>
+                </a:solidFill>
+              </a:rPr>
+              <a:t>kha</a:t>
+            </a:r>
+            <a:r>
+              <a:rPr lang="en-US" dirty="0" smtClean="0">
+                <a:solidFill>
+                  <a:srgbClr val="FF0000"/>
+                </a:solidFill>
+              </a:rPr>
+              <a:t>̉ </a:t>
+            </a:r>
+            <a:r>
+              <a:rPr lang="en-US" dirty="0" err="1" smtClean="0">
+                <a:solidFill>
+                  <a:srgbClr val="FF0000"/>
+                </a:solidFill>
+              </a:rPr>
+              <a:t>năng</a:t>
+            </a:r>
+            <a:r>
+              <a:rPr lang="en-US" dirty="0" smtClean="0">
+                <a:solidFill>
+                  <a:srgbClr val="FF0000"/>
+                </a:solidFill>
+              </a:rPr>
+              <a:t> </a:t>
+            </a:r>
+            <a:r>
+              <a:rPr lang="vi-VN" dirty="0" smtClean="0">
+                <a:solidFill>
+                  <a:srgbClr val="FF0000"/>
+                </a:solidFill>
+              </a:rPr>
+              <a:t>NGHỈ HỌC</a:t>
+            </a:r>
+            <a:endParaRPr lang="en-US" dirty="0" smtClean="0">
+              <a:solidFill>
+                <a:srgbClr val="FF0000"/>
+              </a:solidFill>
+            </a:endParaRPr>
+          </a:p>
+          <a:p>
+            <a:r>
+              <a:rPr lang="en-US" dirty="0" err="1" smtClean="0">
+                <a:solidFill>
+                  <a:srgbClr val="FF0000"/>
+                </a:solidFill>
+              </a:rPr>
+              <a:t>Mô</a:t>
+            </a:r>
+            <a:r>
+              <a:rPr lang="en-US" dirty="0" smtClean="0">
+                <a:solidFill>
+                  <a:srgbClr val="FF0000"/>
+                </a:solidFill>
+              </a:rPr>
+              <a:t> </a:t>
+            </a:r>
+            <a:r>
+              <a:rPr lang="en-US" dirty="0" err="1" smtClean="0">
+                <a:solidFill>
+                  <a:srgbClr val="FF0000"/>
+                </a:solidFill>
+              </a:rPr>
+              <a:t>hình</a:t>
+            </a:r>
+            <a:r>
+              <a:rPr lang="en-US" dirty="0" smtClean="0">
+                <a:solidFill>
+                  <a:srgbClr val="FF0000"/>
+                </a:solidFill>
+              </a:rPr>
+              <a:t> </a:t>
+            </a:r>
+            <a:r>
+              <a:rPr lang="en-US" dirty="0" err="1" smtClean="0">
+                <a:solidFill>
+                  <a:srgbClr val="FF0000"/>
+                </a:solidFill>
+              </a:rPr>
+              <a:t>dư</a:t>
+            </a:r>
+            <a:r>
+              <a:rPr lang="en-US" dirty="0" smtClean="0">
+                <a:solidFill>
+                  <a:srgbClr val="FF0000"/>
+                </a:solidFill>
+              </a:rPr>
+              <a:t>̣ </a:t>
+            </a:r>
+            <a:r>
+              <a:rPr lang="en-US" dirty="0" err="1" smtClean="0">
+                <a:solidFill>
+                  <a:srgbClr val="FF0000"/>
+                </a:solidFill>
+              </a:rPr>
+              <a:t>báo</a:t>
+            </a:r>
+            <a:r>
+              <a:rPr lang="en-US" dirty="0" smtClean="0">
+                <a:solidFill>
+                  <a:srgbClr val="FF0000"/>
+                </a:solidFill>
+              </a:rPr>
+              <a:t> </a:t>
+            </a:r>
+            <a:r>
+              <a:rPr lang="en-US" dirty="0" err="1" smtClean="0">
+                <a:solidFill>
+                  <a:srgbClr val="FF0000"/>
+                </a:solidFill>
+              </a:rPr>
+              <a:t>kha</a:t>
+            </a:r>
+            <a:r>
+              <a:rPr lang="en-US" dirty="0" smtClean="0">
+                <a:solidFill>
+                  <a:srgbClr val="FF0000"/>
+                </a:solidFill>
+              </a:rPr>
+              <a:t>̉ </a:t>
+            </a:r>
+            <a:r>
+              <a:rPr lang="en-US" dirty="0" err="1" smtClean="0">
+                <a:solidFill>
+                  <a:srgbClr val="FF0000"/>
+                </a:solidFill>
+              </a:rPr>
+              <a:t>năng</a:t>
+            </a:r>
+            <a:r>
+              <a:rPr lang="en-US" dirty="0" smtClean="0">
+                <a:solidFill>
+                  <a:srgbClr val="FF0000"/>
+                </a:solidFill>
+              </a:rPr>
+              <a:t> NGHỈ HỌC </a:t>
+            </a:r>
+            <a:r>
+              <a:rPr lang="en-US" dirty="0" err="1" smtClean="0">
+                <a:solidFill>
+                  <a:srgbClr val="FF0000"/>
+                </a:solidFill>
+              </a:rPr>
+              <a:t>của</a:t>
+            </a:r>
+            <a:r>
+              <a:rPr lang="en-US" dirty="0" smtClean="0">
+                <a:solidFill>
+                  <a:srgbClr val="FF0000"/>
+                </a:solidFill>
+              </a:rPr>
+              <a:t> </a:t>
+            </a:r>
+            <a:r>
+              <a:rPr lang="en-US" dirty="0" err="1" smtClean="0">
+                <a:solidFill>
+                  <a:srgbClr val="FF0000"/>
+                </a:solidFill>
+              </a:rPr>
+              <a:t>học</a:t>
+            </a:r>
+            <a:r>
+              <a:rPr lang="en-US" dirty="0" smtClean="0">
+                <a:solidFill>
+                  <a:srgbClr val="FF0000"/>
+                </a:solidFill>
+              </a:rPr>
+              <a:t> </a:t>
+            </a:r>
+            <a:r>
+              <a:rPr lang="en-US" dirty="0" err="1" smtClean="0">
+                <a:solidFill>
+                  <a:srgbClr val="FF0000"/>
+                </a:solidFill>
+              </a:rPr>
+              <a:t>viên</a:t>
+            </a:r>
+            <a:r>
+              <a:rPr lang="en-US" dirty="0" smtClean="0">
+                <a:solidFill>
+                  <a:srgbClr val="FF0000"/>
+                </a:solidFill>
+              </a:rPr>
+              <a:t> </a:t>
+            </a:r>
+            <a:r>
+              <a:rPr lang="en-US" dirty="0" err="1" smtClean="0">
+                <a:solidFill>
+                  <a:srgbClr val="FF0000"/>
+                </a:solidFill>
+              </a:rPr>
+              <a:t>căn</a:t>
+            </a:r>
+            <a:r>
+              <a:rPr lang="en-US" dirty="0" smtClean="0">
+                <a:solidFill>
+                  <a:srgbClr val="FF0000"/>
+                </a:solidFill>
+              </a:rPr>
+              <a:t> </a:t>
+            </a:r>
+            <a:r>
+              <a:rPr lang="en-US" dirty="0" err="1" smtClean="0">
+                <a:solidFill>
+                  <a:srgbClr val="FF0000"/>
+                </a:solidFill>
+              </a:rPr>
+              <a:t>cư</a:t>
+            </a:r>
+            <a:r>
+              <a:rPr lang="en-US" dirty="0" smtClean="0">
+                <a:solidFill>
+                  <a:srgbClr val="FF0000"/>
+                </a:solidFill>
+              </a:rPr>
+              <a:t>́ </a:t>
+            </a:r>
+            <a:r>
+              <a:rPr lang="en-US" dirty="0" err="1" smtClean="0">
+                <a:solidFill>
+                  <a:srgbClr val="FF0000"/>
+                </a:solidFill>
+              </a:rPr>
+              <a:t>trên</a:t>
+            </a:r>
+            <a:r>
+              <a:rPr lang="en-US" dirty="0" smtClean="0">
+                <a:solidFill>
+                  <a:srgbClr val="FF0000"/>
+                </a:solidFill>
+              </a:rPr>
+              <a:t> </a:t>
+            </a:r>
+            <a:r>
+              <a:rPr lang="en-US" dirty="0" err="1" smtClean="0">
+                <a:solidFill>
+                  <a:srgbClr val="FF0000"/>
+                </a:solidFill>
+              </a:rPr>
+              <a:t>hô</a:t>
+            </a:r>
+            <a:r>
+              <a:rPr lang="en-US" dirty="0" smtClean="0">
+                <a:solidFill>
+                  <a:srgbClr val="FF0000"/>
+                </a:solidFill>
+              </a:rPr>
+              <a:t>̀ </a:t>
+            </a:r>
+            <a:r>
+              <a:rPr lang="en-US" dirty="0" err="1" smtClean="0">
+                <a:solidFill>
+                  <a:srgbClr val="FF0000"/>
+                </a:solidFill>
+              </a:rPr>
+              <a:t>sơ</a:t>
+            </a:r>
+            <a:r>
+              <a:rPr lang="en-US" dirty="0" smtClean="0">
+                <a:solidFill>
+                  <a:srgbClr val="FF0000"/>
+                </a:solidFill>
+              </a:rPr>
+              <a:t> </a:t>
+            </a:r>
+            <a:r>
+              <a:rPr lang="en-US" dirty="0" err="1" smtClean="0">
+                <a:solidFill>
+                  <a:srgbClr val="FF0000"/>
+                </a:solidFill>
+              </a:rPr>
+              <a:t>thông</a:t>
+            </a:r>
+            <a:r>
+              <a:rPr lang="en-US" dirty="0" smtClean="0">
+                <a:solidFill>
+                  <a:srgbClr val="FF0000"/>
+                </a:solidFill>
+              </a:rPr>
+              <a:t> tin</a:t>
+            </a:r>
+          </a:p>
+          <a:p>
+            <a:r>
+              <a:rPr lang="en-US" dirty="0" err="1" smtClean="0">
+                <a:solidFill>
+                  <a:srgbClr val="FF0000"/>
+                </a:solidFill>
+              </a:rPr>
+              <a:t>Sản</a:t>
+            </a:r>
+            <a:r>
+              <a:rPr lang="en-US" dirty="0" smtClean="0">
+                <a:solidFill>
+                  <a:srgbClr val="FF0000"/>
+                </a:solidFill>
+              </a:rPr>
+              <a:t> </a:t>
+            </a:r>
+            <a:r>
+              <a:rPr lang="en-US" dirty="0" err="1" smtClean="0">
+                <a:solidFill>
+                  <a:srgbClr val="FF0000"/>
+                </a:solidFill>
+              </a:rPr>
+              <a:t>phẩm</a:t>
+            </a:r>
+            <a:r>
+              <a:rPr lang="en-US" dirty="0" smtClean="0">
+                <a:solidFill>
+                  <a:srgbClr val="FF0000"/>
+                </a:solidFill>
+              </a:rPr>
+              <a:t> </a:t>
+            </a:r>
+            <a:r>
+              <a:rPr lang="en-US" dirty="0" err="1" smtClean="0">
+                <a:solidFill>
+                  <a:srgbClr val="FF0000"/>
+                </a:solidFill>
+              </a:rPr>
+              <a:t>phần</a:t>
+            </a:r>
+            <a:r>
+              <a:rPr lang="en-US" dirty="0" smtClean="0">
+                <a:solidFill>
+                  <a:srgbClr val="FF0000"/>
+                </a:solidFill>
+              </a:rPr>
+              <a:t> </a:t>
+            </a:r>
+            <a:r>
+              <a:rPr lang="en-US" dirty="0" err="1" smtClean="0">
+                <a:solidFill>
+                  <a:srgbClr val="FF0000"/>
+                </a:solidFill>
+              </a:rPr>
+              <a:t>mềm</a:t>
+            </a:r>
+            <a:endParaRPr lang="en-US" dirty="0" smtClean="0">
+              <a:solidFill>
+                <a:srgbClr val="FF0000"/>
+              </a:solidFill>
+            </a:endParaRPr>
+          </a:p>
+          <a:p>
+            <a:r>
+              <a:rPr lang="en-US" dirty="0" err="1" smtClean="0">
+                <a:solidFill>
+                  <a:srgbClr val="FF0000"/>
+                </a:solidFill>
+              </a:rPr>
+              <a:t>Xác</a:t>
+            </a:r>
+            <a:r>
+              <a:rPr lang="en-US" dirty="0" smtClean="0">
+                <a:solidFill>
+                  <a:srgbClr val="FF0000"/>
+                </a:solidFill>
+              </a:rPr>
+              <a:t> </a:t>
+            </a:r>
+            <a:r>
+              <a:rPr lang="en-US" dirty="0" err="1" smtClean="0">
+                <a:solidFill>
+                  <a:srgbClr val="FF0000"/>
+                </a:solidFill>
+              </a:rPr>
+              <a:t>định</a:t>
+            </a:r>
+            <a:r>
+              <a:rPr lang="en-US" dirty="0" smtClean="0">
+                <a:solidFill>
+                  <a:srgbClr val="FF0000"/>
+                </a:solidFill>
+              </a:rPr>
+              <a:t> </a:t>
+            </a:r>
+            <a:r>
+              <a:rPr lang="en-US" dirty="0" err="1" smtClean="0">
+                <a:solidFill>
+                  <a:srgbClr val="FF0000"/>
+                </a:solidFill>
+              </a:rPr>
+              <a:t>một</a:t>
+            </a:r>
+            <a:r>
+              <a:rPr lang="en-US" dirty="0" smtClean="0">
+                <a:solidFill>
+                  <a:srgbClr val="FF0000"/>
+                </a:solidFill>
+              </a:rPr>
+              <a:t> </a:t>
+            </a:r>
+            <a:r>
+              <a:rPr lang="en-US" dirty="0" err="1" smtClean="0">
+                <a:solidFill>
+                  <a:srgbClr val="FF0000"/>
+                </a:solidFill>
+              </a:rPr>
+              <a:t>nhân</a:t>
+            </a:r>
+            <a:r>
+              <a:rPr lang="en-US" dirty="0" smtClean="0">
+                <a:solidFill>
+                  <a:srgbClr val="FF0000"/>
+                </a:solidFill>
+              </a:rPr>
+              <a:t> </a:t>
+            </a:r>
+            <a:r>
+              <a:rPr lang="en-US" dirty="0" err="1" smtClean="0">
+                <a:solidFill>
+                  <a:srgbClr val="FF0000"/>
+                </a:solidFill>
+              </a:rPr>
+              <a:t>tô</a:t>
+            </a:r>
+            <a:r>
+              <a:rPr lang="en-US" dirty="0" smtClean="0">
+                <a:solidFill>
+                  <a:srgbClr val="FF0000"/>
+                </a:solidFill>
+              </a:rPr>
+              <a:t>́ </a:t>
+            </a:r>
+            <a:r>
+              <a:rPr lang="en-US" dirty="0" err="1" smtClean="0">
+                <a:solidFill>
+                  <a:srgbClr val="FF0000"/>
+                </a:solidFill>
+              </a:rPr>
+              <a:t>khác</a:t>
+            </a:r>
+            <a:r>
+              <a:rPr lang="en-US" dirty="0" smtClean="0">
+                <a:solidFill>
+                  <a:srgbClr val="FF0000"/>
+                </a:solidFill>
+              </a:rPr>
+              <a:t>  CHƯA </a:t>
+            </a:r>
+            <a:r>
+              <a:rPr lang="en-US" dirty="0" err="1" smtClean="0">
+                <a:solidFill>
+                  <a:srgbClr val="FF0000"/>
+                </a:solidFill>
+              </a:rPr>
+              <a:t>định</a:t>
+            </a:r>
+            <a:r>
+              <a:rPr lang="en-US" dirty="0" smtClean="0">
+                <a:solidFill>
+                  <a:srgbClr val="FF0000"/>
+                </a:solidFill>
+              </a:rPr>
+              <a:t> </a:t>
+            </a:r>
+            <a:r>
+              <a:rPr lang="en-US" dirty="0" err="1" smtClean="0">
+                <a:solidFill>
+                  <a:srgbClr val="FF0000"/>
+                </a:solidFill>
+              </a:rPr>
+              <a:t>lượng</a:t>
+            </a:r>
+            <a:r>
+              <a:rPr lang="en-US" dirty="0" smtClean="0">
+                <a:solidFill>
+                  <a:srgbClr val="FF0000"/>
+                </a:solidFill>
+              </a:rPr>
+              <a:t> </a:t>
+            </a:r>
+            <a:r>
+              <a:rPr lang="en-US" dirty="0" err="1" smtClean="0">
+                <a:solidFill>
+                  <a:srgbClr val="FF0000"/>
+                </a:solidFill>
+              </a:rPr>
+              <a:t>được</a:t>
+            </a:r>
+            <a:r>
+              <a:rPr lang="en-US" dirty="0" smtClean="0">
+                <a:solidFill>
+                  <a:srgbClr val="FF0000"/>
+                </a:solidFill>
+              </a:rPr>
+              <a:t> </a:t>
+            </a:r>
+            <a:r>
+              <a:rPr lang="en-US" dirty="0" err="1" smtClean="0">
+                <a:solidFill>
+                  <a:srgbClr val="FF0000"/>
+                </a:solidFill>
+              </a:rPr>
+              <a:t>cũng</a:t>
+            </a:r>
+            <a:r>
+              <a:rPr lang="en-US" dirty="0" smtClean="0">
+                <a:solidFill>
+                  <a:srgbClr val="FF0000"/>
+                </a:solidFill>
+              </a:rPr>
+              <a:t> </a:t>
+            </a:r>
+            <a:r>
+              <a:rPr lang="en-US" dirty="0" err="1" smtClean="0">
+                <a:solidFill>
+                  <a:srgbClr val="FF0000"/>
+                </a:solidFill>
+              </a:rPr>
+              <a:t>ảnh</a:t>
+            </a:r>
+            <a:r>
+              <a:rPr lang="en-US" dirty="0" smtClean="0">
+                <a:solidFill>
+                  <a:srgbClr val="FF0000"/>
+                </a:solidFill>
+              </a:rPr>
+              <a:t> </a:t>
+            </a:r>
+            <a:r>
+              <a:rPr lang="en-US" dirty="0" err="1" smtClean="0">
+                <a:solidFill>
+                  <a:srgbClr val="FF0000"/>
+                </a:solidFill>
+              </a:rPr>
+              <a:t>hưởng</a:t>
+            </a:r>
+            <a:r>
+              <a:rPr lang="en-US" dirty="0" smtClean="0">
+                <a:solidFill>
+                  <a:srgbClr val="FF0000"/>
+                </a:solidFill>
+              </a:rPr>
+              <a:t> </a:t>
+            </a:r>
+            <a:r>
+              <a:rPr lang="en-US" dirty="0" err="1" smtClean="0">
+                <a:solidFill>
+                  <a:srgbClr val="FF0000"/>
+                </a:solidFill>
+              </a:rPr>
+              <a:t>đến</a:t>
+            </a:r>
+            <a:r>
+              <a:rPr lang="en-US" dirty="0" smtClean="0">
+                <a:solidFill>
+                  <a:srgbClr val="FF0000"/>
+                </a:solidFill>
+              </a:rPr>
+              <a:t> </a:t>
+            </a:r>
+            <a:r>
+              <a:rPr lang="en-US" dirty="0" err="1" smtClean="0">
+                <a:solidFill>
+                  <a:srgbClr val="FF0000"/>
+                </a:solidFill>
+              </a:rPr>
+              <a:t>kha</a:t>
+            </a:r>
+            <a:r>
+              <a:rPr lang="en-US" dirty="0" smtClean="0">
+                <a:solidFill>
+                  <a:srgbClr val="FF0000"/>
+                </a:solidFill>
+              </a:rPr>
+              <a:t>̉ </a:t>
+            </a:r>
+            <a:r>
+              <a:rPr lang="en-US" dirty="0" err="1" smtClean="0">
+                <a:solidFill>
+                  <a:srgbClr val="FF0000"/>
+                </a:solidFill>
+              </a:rPr>
+              <a:t>năng</a:t>
+            </a:r>
+            <a:r>
+              <a:rPr lang="en-US" dirty="0" smtClean="0">
+                <a:solidFill>
+                  <a:srgbClr val="FF0000"/>
+                </a:solidFill>
+              </a:rPr>
+              <a:t> </a:t>
+            </a:r>
+            <a:r>
+              <a:rPr lang="vi-VN" dirty="0" smtClean="0">
+                <a:solidFill>
+                  <a:srgbClr val="FF0000"/>
+                </a:solidFill>
+              </a:rPr>
+              <a:t>NGHỈ HỌC</a:t>
+            </a:r>
+            <a:endParaRPr lang="en-US" dirty="0" smtClean="0">
+              <a:solidFill>
+                <a:srgbClr val="FF0000"/>
+              </a:solidFill>
+            </a:endParaRPr>
+          </a:p>
+          <a:p>
+            <a:endParaRPr lang="en-US" dirty="0">
+              <a:solidFill>
+                <a:srgbClr val="FF0000"/>
+              </a:solidFill>
+            </a:endParaRPr>
+          </a:p>
+        </p:txBody>
+      </p:sp>
+      <p:sp>
+        <p:nvSpPr>
+          <p:cNvPr id="5" name="Slide Number Placeholder 4"/>
+          <p:cNvSpPr>
+            <a:spLocks noGrp="1"/>
+          </p:cNvSpPr>
+          <p:nvPr>
+            <p:ph type="sldNum" sz="quarter" idx="12"/>
+          </p:nvPr>
+        </p:nvSpPr>
+        <p:spPr/>
+        <p:txBody>
+          <a:bodyPr/>
+          <a:lstStyle/>
+          <a:p>
+            <a:fld id="{B6F15528-21DE-4FAA-801E-634DDDAF4B2B}" type="slidenum">
+              <a:rPr lang="en-US" smtClean="0"/>
+              <a:pPr/>
+              <a:t>21</a:t>
+            </a:fld>
+            <a:endParaRPr lang="en-US"/>
+          </a:p>
+        </p:txBody>
+      </p:sp>
+    </p:spTree>
+  </p:cSld>
+  <p:clrMapOvr>
+    <a:masterClrMapping/>
+  </p:clrMapOvr>
+  <p:timing>
+    <p:tnLst>
+      <p:par>
+        <p:cTn id="1" dur="indefinite" restart="never" nodeType="tmRoot"/>
+      </p:par>
+    </p:tnLst>
+  </p:timing>
+</p:sld>
+</file>
+
+<file path=ppt/slides/slide22.xml><?xml version="1.0" encoding="utf-8"?>
+<p:sld xmlns:a="http://schemas.openxmlformats.org/drawingml/2006/main" xmlns:r="http://schemas.openxmlformats.org/officeDocument/2006/relationships" xmlns:p="http://schemas.openxmlformats.org/presentationml/2006/main">
+  <p:cSld>
+    <p:spTree>
+      <p:nvGrpSpPr>
+        <p:cNvPr id="1" name=""/>
+        <p:cNvGrpSpPr/>
+        <p:nvPr/>
+      </p:nvGrpSpPr>
+      <p:grpSpPr>
+        <a:xfrm>
+          <a:off x="0" y="0"/>
+          <a:ext cx="0" cy="0"/>
+          <a:chOff x="0" y="0"/>
+          <a:chExt cx="0" cy="0"/>
+        </a:xfrm>
+      </p:grpSpPr>
+      <p:sp>
+        <p:nvSpPr>
+          <p:cNvPr id="2" name="Title 1"/>
+          <p:cNvSpPr>
+            <a:spLocks noGrp="1"/>
+          </p:cNvSpPr>
+          <p:nvPr>
+            <p:ph type="title"/>
+          </p:nvPr>
+        </p:nvSpPr>
+        <p:spPr>
+          <a:solidFill>
+            <a:srgbClr val="810C15"/>
+          </a:solidFill>
+        </p:spPr>
+        <p:txBody>
+          <a:bodyPr>
+            <a:normAutofit/>
+          </a:bodyPr>
+          <a:lstStyle/>
+          <a:p>
+            <a:pPr algn="l"/>
+            <a:r>
               <a:rPr lang="en-US" sz="4000" dirty="0" smtClean="0">
                 <a:solidFill>
                   <a:schemeClr val="bg1"/>
@@ -33160,7 +34112,7 @@
             <a:fld id="{B6F15528-21DE-4FAA-801E-634DDDAF4B2B}" type="slidenum">
               <a:rPr lang="en-US" smtClean="0"/>
               <a:pPr/>
-              <a:t>21</a:t>
+              <a:t>22</a:t>
             </a:fld>
             <a:endParaRPr lang="en-US"/>
           </a:p>

--- a/01. Document/DropOut_Project_Report v_04.12.2011.pptx
+++ b/01. Document/DropOut_Project_Report v_04.12.2011.pptx
@@ -254,7 +254,7 @@
                   <c:v>0.23832034024881138</c:v>
                 </c:pt>
                 <c:pt idx="3">
-                  <c:v>0.39262967375366747</c:v>
+                  <c:v>0.39262967375366759</c:v>
                 </c:pt>
               </c:numCache>
             </c:numRef>
@@ -310,13 +310,13 @@
                   <c:v>0.20414887194318332</c:v>
                 </c:pt>
                 <c:pt idx="2">
-                  <c:v>0.36933638443936007</c:v>
+                  <c:v>0.36933638443936012</c:v>
                 </c:pt>
                 <c:pt idx="3">
-                  <c:v>0.31250000000000072</c:v>
+                  <c:v>0.31250000000000078</c:v>
                 </c:pt>
                 <c:pt idx="4">
-                  <c:v>0.31250000000000072</c:v>
+                  <c:v>0.31250000000000078</c:v>
                 </c:pt>
               </c:numCache>
             </c:numRef>
@@ -369,7 +369,7 @@
                   <c:v>0</c:v>
                 </c:pt>
                 <c:pt idx="1">
-                  <c:v>0.13237374467863655</c:v>
+                  <c:v>0.13237374467863652</c:v>
                 </c:pt>
                 <c:pt idx="2">
                   <c:v>0.42974122300911977</c:v>
@@ -388,25 +388,25 @@
           <c:showVal val="1"/>
         </c:dLbls>
         <c:shape val="box"/>
-        <c:axId val="93342720"/>
-        <c:axId val="93356800"/>
+        <c:axId val="95235072"/>
+        <c:axId val="95249152"/>
         <c:axId val="0"/>
       </c:bar3DChart>
       <c:catAx>
-        <c:axId val="93342720"/>
+        <c:axId val="95235072"/>
         <c:scaling>
           <c:orientation val="minMax"/>
         </c:scaling>
         <c:axPos val="b"/>
         <c:tickLblPos val="nextTo"/>
-        <c:crossAx val="93356800"/>
+        <c:crossAx val="95249152"/>
         <c:crosses val="autoZero"/>
         <c:auto val="1"/>
         <c:lblAlgn val="ctr"/>
         <c:lblOffset val="100"/>
       </c:catAx>
       <c:valAx>
-        <c:axId val="93356800"/>
+        <c:axId val="95249152"/>
         <c:scaling>
           <c:orientation val="minMax"/>
         </c:scaling>
@@ -441,7 +441,7 @@
         </c:title>
         <c:numFmt formatCode="0%" sourceLinked="1"/>
         <c:tickLblPos val="nextTo"/>
-        <c:crossAx val="93342720"/>
+        <c:crossAx val="95235072"/>
         <c:crosses val="autoZero"/>
         <c:crossBetween val="between"/>
       </c:valAx>
@@ -18653,1268 +18653,1260 @@
           <a:lstStyle/>
           <a:p>
             <a:r>
-              <a:rPr lang="en-US" err="1" smtClean="0"/>
+              <a:rPr lang="en-US" dirty="0" err="1" smtClean="0"/>
               <a:t>Quy</a:t>
             </a:r>
             <a:r>
-              <a:rPr lang="en-US" smtClean="0"/>
+              <a:rPr lang="en-US" dirty="0" smtClean="0"/>
               <a:t> </a:t>
             </a:r>
             <a:r>
-              <a:rPr lang="en-US" err="1" smtClean="0"/>
+              <a:rPr lang="en-US" dirty="0" err="1" smtClean="0"/>
               <a:t>Trình</a:t>
             </a:r>
             <a:r>
-              <a:rPr lang="en-US" baseline="0" smtClean="0"/>
+              <a:rPr lang="en-US" baseline="0" dirty="0" smtClean="0"/>
               <a:t> </a:t>
             </a:r>
             <a:r>
-              <a:rPr lang="en-US" baseline="0" err="1" smtClean="0"/>
+              <a:rPr lang="en-US" baseline="0" dirty="0" err="1" smtClean="0"/>
               <a:t>khám</a:t>
             </a:r>
             <a:r>
-              <a:rPr lang="en-US" baseline="0" smtClean="0"/>
+              <a:rPr lang="en-US" baseline="0" dirty="0" smtClean="0"/>
               <a:t> </a:t>
             </a:r>
             <a:r>
-              <a:rPr lang="en-US" baseline="0" err="1" smtClean="0"/>
+              <a:rPr lang="en-US" baseline="0" dirty="0" err="1" smtClean="0"/>
               <a:t>pha</a:t>
             </a:r>
             <a:r>
-              <a:rPr lang="en-US" baseline="0" smtClean="0"/>
+              <a:rPr lang="en-US" baseline="0" dirty="0" smtClean="0"/>
               <a:t>́ tri </a:t>
             </a:r>
             <a:r>
-              <a:rPr lang="en-US" baseline="0" err="1" smtClean="0"/>
+              <a:rPr lang="en-US" baseline="0" dirty="0" err="1" smtClean="0"/>
               <a:t>thức</a:t>
             </a:r>
             <a:r>
-              <a:rPr lang="en-US" baseline="0" smtClean="0"/>
+              <a:rPr lang="en-US" baseline="0" dirty="0" smtClean="0"/>
               <a:t> KDD:</a:t>
             </a:r>
           </a:p>
           <a:p>
             <a:r>
-              <a:rPr lang="en-US" sz="1300" err="1" smtClean="0"/>
+              <a:rPr lang="en-US" sz="1300" dirty="0" err="1" smtClean="0"/>
               <a:t>Bước</a:t>
             </a:r>
             <a:r>
-              <a:rPr lang="en-US" sz="1300" smtClean="0"/>
+              <a:rPr lang="en-US" sz="1300" dirty="0" smtClean="0"/>
               <a:t> 1: </a:t>
             </a:r>
             <a:r>
-              <a:rPr lang="en-US" sz="1300" err="1" smtClean="0"/>
+              <a:rPr lang="en-US" sz="1300" dirty="0" err="1" smtClean="0"/>
               <a:t>Tìm</a:t>
             </a:r>
             <a:r>
-              <a:rPr lang="en-US" sz="1300" smtClean="0"/>
+              <a:rPr lang="en-US" sz="1300" dirty="0" smtClean="0"/>
               <a:t> </a:t>
             </a:r>
             <a:r>
-              <a:rPr lang="en-US" sz="1300" err="1" smtClean="0"/>
+              <a:rPr lang="en-US" sz="1300" dirty="0" err="1" smtClean="0"/>
               <a:t>hiểu</a:t>
             </a:r>
             <a:r>
-              <a:rPr lang="en-US" sz="1300" smtClean="0"/>
+              <a:rPr lang="en-US" sz="1300" dirty="0" smtClean="0"/>
               <a:t> </a:t>
             </a:r>
             <a:r>
-              <a:rPr lang="en-US" sz="1300" err="1" smtClean="0"/>
+              <a:rPr lang="en-US" sz="1300" dirty="0" err="1" smtClean="0"/>
               <a:t>phạm</a:t>
             </a:r>
             <a:r>
-              <a:rPr lang="en-US" sz="1300" smtClean="0"/>
+              <a:rPr lang="en-US" sz="1300" dirty="0" smtClean="0"/>
               <a:t> vi </a:t>
             </a:r>
             <a:r>
-              <a:rPr lang="en-US" sz="1300" err="1" smtClean="0"/>
+              <a:rPr lang="en-US" sz="1300" dirty="0" err="1" smtClean="0"/>
               <a:t>của</a:t>
             </a:r>
             <a:r>
-              <a:rPr lang="en-US" sz="1300" smtClean="0"/>
+              <a:rPr lang="en-US" sz="1300" dirty="0" smtClean="0"/>
               <a:t> </a:t>
             </a:r>
             <a:r>
-              <a:rPr lang="en-US" sz="1300" err="1" smtClean="0"/>
+              <a:rPr lang="en-US" sz="1300" dirty="0" err="1" smtClean="0"/>
               <a:t>bài</a:t>
             </a:r>
             <a:r>
-              <a:rPr lang="en-US" sz="1300" smtClean="0"/>
+              <a:rPr lang="en-US" sz="1300" dirty="0" smtClean="0"/>
               <a:t> </a:t>
             </a:r>
             <a:r>
-              <a:rPr lang="en-US" sz="1300" err="1" smtClean="0"/>
+              <a:rPr lang="en-US" sz="1300" dirty="0" err="1" smtClean="0"/>
               <a:t>toán</a:t>
             </a:r>
             <a:r>
-              <a:rPr lang="en-US" sz="1300" smtClean="0"/>
+              <a:rPr lang="en-US" sz="1300" dirty="0" smtClean="0"/>
               <a:t>: </a:t>
             </a:r>
             <a:r>
-              <a:rPr lang="en-US" sz="1300" err="1" smtClean="0"/>
+              <a:rPr lang="en-US" sz="1300" dirty="0" err="1" smtClean="0"/>
               <a:t>Mục</a:t>
             </a:r>
             <a:r>
-              <a:rPr lang="en-US" sz="1300" smtClean="0"/>
+              <a:rPr lang="en-US" sz="1300" dirty="0" smtClean="0"/>
               <a:t> </a:t>
             </a:r>
             <a:r>
-              <a:rPr lang="en-US" sz="1300" err="1" smtClean="0"/>
+              <a:rPr lang="en-US" sz="1300" dirty="0" err="1" smtClean="0"/>
               <a:t>đích</a:t>
             </a:r>
             <a:r>
-              <a:rPr lang="en-US" sz="1300" smtClean="0"/>
+              <a:rPr lang="en-US" sz="1300" dirty="0" smtClean="0"/>
               <a:t> </a:t>
             </a:r>
             <a:r>
-              <a:rPr lang="en-US" sz="1300" err="1" smtClean="0"/>
+              <a:rPr lang="en-US" sz="1300" dirty="0" err="1" smtClean="0"/>
               <a:t>của</a:t>
             </a:r>
             <a:r>
-              <a:rPr lang="en-US" sz="1300" smtClean="0"/>
+              <a:rPr lang="en-US" sz="1300" dirty="0" smtClean="0"/>
               <a:t> </a:t>
             </a:r>
             <a:r>
-              <a:rPr lang="en-US" sz="1300" err="1" smtClean="0"/>
+              <a:rPr lang="en-US" sz="1300" dirty="0" err="1" smtClean="0"/>
               <a:t>bài</a:t>
             </a:r>
             <a:r>
-              <a:rPr lang="en-US" sz="1300" smtClean="0"/>
+              <a:rPr lang="en-US" sz="1300" dirty="0" smtClean="0"/>
               <a:t> </a:t>
             </a:r>
             <a:r>
-              <a:rPr lang="en-US" sz="1300" err="1" smtClean="0"/>
+              <a:rPr lang="en-US" sz="1300" dirty="0" err="1" smtClean="0"/>
               <a:t>toán</a:t>
             </a:r>
             <a:r>
-              <a:rPr lang="en-US" sz="1300" smtClean="0"/>
+              <a:rPr lang="en-US" sz="1300" dirty="0" smtClean="0"/>
               <a:t>, </a:t>
             </a:r>
             <a:r>
-              <a:rPr lang="en-US" sz="1300" err="1" smtClean="0"/>
+              <a:rPr lang="en-US" sz="1300" dirty="0" err="1" smtClean="0"/>
               <a:t>các</a:t>
             </a:r>
             <a:r>
-              <a:rPr lang="en-US" sz="1300" smtClean="0"/>
+              <a:rPr lang="en-US" sz="1300" dirty="0" smtClean="0"/>
               <a:t> tri </a:t>
             </a:r>
             <a:r>
-              <a:rPr lang="en-US" sz="1300" err="1" smtClean="0"/>
+              <a:rPr lang="en-US" sz="1300" dirty="0" err="1" smtClean="0"/>
               <a:t>thức</a:t>
             </a:r>
             <a:r>
-              <a:rPr lang="en-US" sz="1300" smtClean="0"/>
+              <a:rPr lang="en-US" sz="1300" dirty="0" smtClean="0"/>
               <a:t> </a:t>
             </a:r>
             <a:r>
-              <a:rPr lang="en-US" sz="1300" err="1" smtClean="0"/>
+              <a:rPr lang="en-US" sz="1300" dirty="0" err="1" smtClean="0"/>
               <a:t>cụ</a:t>
             </a:r>
             <a:r>
-              <a:rPr lang="en-US" sz="1300" smtClean="0"/>
+              <a:rPr lang="en-US" sz="1300" dirty="0" smtClean="0"/>
               <a:t> </a:t>
             </a:r>
             <a:r>
-              <a:rPr lang="en-US" sz="1300" err="1" smtClean="0"/>
+              <a:rPr lang="en-US" sz="1300" dirty="0" err="1" smtClean="0"/>
               <a:t>thể</a:t>
             </a:r>
             <a:r>
-              <a:rPr lang="en-US" sz="1300" smtClean="0"/>
+              <a:rPr lang="en-US" sz="1300" dirty="0" smtClean="0"/>
               <a:t> </a:t>
             </a:r>
             <a:r>
-              <a:rPr lang="en-US" sz="1300" err="1" smtClean="0"/>
+              <a:rPr lang="en-US" sz="1300" dirty="0" err="1" smtClean="0"/>
               <a:t>của</a:t>
             </a:r>
             <a:r>
-              <a:rPr lang="en-US" sz="1300" smtClean="0"/>
+              <a:rPr lang="en-US" sz="1300" dirty="0" smtClean="0"/>
               <a:t> </a:t>
             </a:r>
             <a:r>
-              <a:rPr lang="en-US" sz="1300" err="1" smtClean="0"/>
+              <a:rPr lang="en-US" sz="1300" dirty="0" err="1" smtClean="0"/>
               <a:t>bài</a:t>
             </a:r>
             <a:r>
-              <a:rPr lang="en-US" sz="1300" smtClean="0"/>
+              <a:rPr lang="en-US" sz="1300" dirty="0" smtClean="0"/>
               <a:t> </a:t>
             </a:r>
             <a:r>
-              <a:rPr lang="en-US" sz="1300" err="1" smtClean="0"/>
+              <a:rPr lang="en-US" sz="1300" dirty="0" err="1" smtClean="0"/>
               <a:t>toán</a:t>
             </a:r>
             <a:r>
-              <a:rPr lang="en-US" sz="1300" smtClean="0"/>
+              <a:rPr lang="en-US" sz="1300" dirty="0" smtClean="0"/>
               <a:t>. </a:t>
             </a:r>
           </a:p>
           <a:p>
             <a:r>
-              <a:rPr lang="en-US" sz="1300" err="1" smtClean="0"/>
+              <a:rPr lang="en-US" sz="1300" dirty="0" err="1" smtClean="0"/>
               <a:t>Bước</a:t>
             </a:r>
             <a:r>
-              <a:rPr lang="en-US" sz="1300" smtClean="0"/>
+              <a:rPr lang="en-US" sz="1300" dirty="0" smtClean="0"/>
               <a:t> 2: </a:t>
             </a:r>
             <a:r>
-              <a:rPr lang="en-US" sz="1300" err="1" smtClean="0"/>
+              <a:rPr lang="en-US" sz="1300" dirty="0" err="1" smtClean="0"/>
               <a:t>Tạo</a:t>
             </a:r>
             <a:r>
-              <a:rPr lang="en-US" sz="1300" smtClean="0"/>
+              <a:rPr lang="en-US" sz="1300" dirty="0" smtClean="0"/>
               <a:t> </a:t>
             </a:r>
             <a:r>
-              <a:rPr lang="en-US" sz="1300" err="1" smtClean="0"/>
+              <a:rPr lang="en-US" sz="1300" dirty="0" err="1" smtClean="0"/>
               <a:t>ra</a:t>
             </a:r>
             <a:r>
-              <a:rPr lang="en-US" sz="1300" smtClean="0"/>
+              <a:rPr lang="en-US" sz="1300" dirty="0" smtClean="0"/>
               <a:t> </a:t>
             </a:r>
             <a:r>
-              <a:rPr lang="en-US" sz="1300" err="1" smtClean="0"/>
+              <a:rPr lang="en-US" sz="1300" dirty="0" err="1" smtClean="0"/>
               <a:t>một</a:t>
             </a:r>
             <a:r>
-              <a:rPr lang="en-US" sz="1300" smtClean="0"/>
+              <a:rPr lang="en-US" sz="1300" dirty="0" smtClean="0"/>
               <a:t> </a:t>
             </a:r>
             <a:r>
-              <a:rPr lang="en-US" sz="1300" err="1" smtClean="0"/>
+              <a:rPr lang="en-US" sz="1300" dirty="0" err="1" smtClean="0"/>
               <a:t>tập</a:t>
             </a:r>
             <a:r>
-              <a:rPr lang="en-US" sz="1300" smtClean="0"/>
+              <a:rPr lang="en-US" sz="1300" dirty="0" smtClean="0"/>
               <a:t> </a:t>
             </a:r>
             <a:r>
-              <a:rPr lang="en-US" sz="1300" err="1" smtClean="0"/>
+              <a:rPr lang="en-US" sz="1300" dirty="0" err="1" smtClean="0"/>
               <a:t>dữ</a:t>
             </a:r>
             <a:r>
-              <a:rPr lang="en-US" sz="1300" smtClean="0"/>
+              <a:rPr lang="en-US" sz="1300" dirty="0" smtClean="0"/>
               <a:t> </a:t>
             </a:r>
             <a:r>
-              <a:rPr lang="en-US" sz="1300" err="1" smtClean="0"/>
+              <a:rPr lang="en-US" sz="1300" dirty="0" err="1" smtClean="0"/>
               <a:t>liệu</a:t>
             </a:r>
             <a:r>
-              <a:rPr lang="en-US" sz="1300" smtClean="0"/>
+              <a:rPr lang="en-US" sz="1300" dirty="0" smtClean="0"/>
               <a:t> </a:t>
             </a:r>
             <a:r>
-              <a:rPr lang="en-US" sz="1300" err="1" smtClean="0"/>
+              <a:rPr lang="en-US" sz="1300" dirty="0" err="1" smtClean="0"/>
               <a:t>mục</a:t>
             </a:r>
             <a:r>
-              <a:rPr lang="en-US" sz="1300" smtClean="0"/>
+              <a:rPr lang="en-US" sz="1300" dirty="0" smtClean="0"/>
               <a:t> </a:t>
             </a:r>
             <a:r>
-              <a:rPr lang="en-US" sz="1300" err="1" smtClean="0"/>
+              <a:rPr lang="en-US" sz="1300" dirty="0" err="1" smtClean="0"/>
               <a:t>tiêu:Lựa</a:t>
             </a:r>
             <a:r>
-              <a:rPr lang="en-US" sz="1300" smtClean="0"/>
+              <a:rPr lang="en-US" sz="1300" dirty="0" smtClean="0"/>
               <a:t> </a:t>
             </a:r>
             <a:r>
-              <a:rPr lang="en-US" sz="1300" err="1" smtClean="0"/>
+              <a:rPr lang="en-US" sz="1300" dirty="0" err="1" smtClean="0"/>
               <a:t>chọn</a:t>
             </a:r>
             <a:r>
-              <a:rPr lang="en-US" sz="1300" smtClean="0"/>
+              <a:rPr lang="en-US" sz="1300" dirty="0" smtClean="0"/>
               <a:t> </a:t>
             </a:r>
             <a:r>
-              <a:rPr lang="en-US" sz="1300" err="1" smtClean="0"/>
+              <a:rPr lang="en-US" sz="1300" dirty="0" err="1" smtClean="0"/>
               <a:t>dữ</a:t>
             </a:r>
             <a:r>
-              <a:rPr lang="en-US" sz="1300" smtClean="0"/>
+              <a:rPr lang="en-US" sz="1300" dirty="0" smtClean="0"/>
               <a:t> </a:t>
             </a:r>
             <a:r>
-              <a:rPr lang="en-US" sz="1300" err="1" smtClean="0"/>
+              <a:rPr lang="en-US" sz="1300" dirty="0" err="1" smtClean="0"/>
               <a:t>liệu</a:t>
             </a:r>
-            <a:endParaRPr lang="en-US" sz="1300" smtClean="0"/>
+            <a:endParaRPr lang="en-US" sz="1300" dirty="0" smtClean="0"/>
           </a:p>
           <a:p>
             <a:r>
-              <a:rPr lang="en-US" sz="1300" err="1" smtClean="0"/>
+              <a:rPr lang="en-US" sz="1300" dirty="0" err="1" smtClean="0"/>
               <a:t>Bước</a:t>
             </a:r>
             <a:r>
-              <a:rPr lang="en-US" sz="1300" smtClean="0"/>
+              <a:rPr lang="en-US" sz="1300" dirty="0" smtClean="0"/>
               <a:t> 3: </a:t>
             </a:r>
             <a:r>
-              <a:rPr lang="en-US" sz="1300" err="1" smtClean="0"/>
+              <a:rPr lang="en-US" sz="1300" dirty="0" err="1" smtClean="0"/>
               <a:t>Làm</a:t>
             </a:r>
             <a:r>
-              <a:rPr lang="en-US" sz="1300" smtClean="0"/>
+              <a:rPr lang="en-US" sz="1300" dirty="0" smtClean="0"/>
               <a:t> </a:t>
             </a:r>
             <a:r>
-              <a:rPr lang="en-US" sz="1300" err="1" smtClean="0"/>
+              <a:rPr lang="en-US" sz="1300" dirty="0" err="1" smtClean="0"/>
               <a:t>sạch</a:t>
             </a:r>
             <a:r>
-              <a:rPr lang="en-US" sz="1300" smtClean="0"/>
+              <a:rPr lang="en-US" sz="1300" dirty="0" smtClean="0"/>
               <a:t> </a:t>
             </a:r>
             <a:r>
-              <a:rPr lang="en-US" sz="1300" err="1" smtClean="0"/>
+              <a:rPr lang="en-US" sz="1300" dirty="0" err="1" smtClean="0"/>
               <a:t>và</a:t>
             </a:r>
             <a:r>
-              <a:rPr lang="en-US" sz="1300" smtClean="0"/>
+              <a:rPr lang="en-US" sz="1300" dirty="0" smtClean="0"/>
               <a:t> </a:t>
             </a:r>
             <a:r>
-              <a:rPr lang="en-US" sz="1300" err="1" smtClean="0"/>
+              <a:rPr lang="en-US" sz="1300" dirty="0" err="1" smtClean="0"/>
               <a:t>tiền</a:t>
             </a:r>
             <a:r>
-              <a:rPr lang="en-US" sz="1300" smtClean="0"/>
+              <a:rPr lang="en-US" sz="1300" dirty="0" smtClean="0"/>
               <a:t> </a:t>
             </a:r>
             <a:r>
-              <a:rPr lang="en-US" sz="1300" err="1" smtClean="0"/>
+              <a:rPr lang="en-US" sz="1300" dirty="0" err="1" smtClean="0"/>
               <a:t>xử</a:t>
             </a:r>
             <a:r>
-              <a:rPr lang="en-US" sz="1300" smtClean="0"/>
+              <a:rPr lang="en-US" sz="1300" dirty="0" smtClean="0"/>
               <a:t> </a:t>
             </a:r>
             <a:r>
-              <a:rPr lang="en-US" sz="1300" err="1" smtClean="0"/>
+              <a:rPr lang="en-US" sz="1300" dirty="0" err="1" smtClean="0"/>
               <a:t>lý</a:t>
             </a:r>
             <a:r>
-              <a:rPr lang="en-US" sz="1300" smtClean="0"/>
+              <a:rPr lang="en-US" sz="1300" dirty="0" smtClean="0"/>
               <a:t> </a:t>
             </a:r>
             <a:r>
-              <a:rPr lang="en-US" sz="1300" err="1" smtClean="0"/>
+              <a:rPr lang="en-US" sz="1300" dirty="0" err="1" smtClean="0"/>
               <a:t>dữ</a:t>
             </a:r>
             <a:r>
-              <a:rPr lang="en-US" sz="1300" smtClean="0"/>
+              <a:rPr lang="en-US" sz="1300" dirty="0" smtClean="0"/>
               <a:t> </a:t>
             </a:r>
             <a:r>
-              <a:rPr lang="en-US" sz="1300" err="1" smtClean="0"/>
+              <a:rPr lang="en-US" sz="1300" dirty="0" err="1" smtClean="0"/>
               <a:t>liệu</a:t>
             </a:r>
             <a:r>
-              <a:rPr lang="en-US" sz="1300" smtClean="0"/>
+              <a:rPr lang="en-US" sz="1300" dirty="0" smtClean="0"/>
               <a:t>  (</a:t>
             </a:r>
             <a:r>
-              <a:rPr lang="en-US" sz="1300" err="1" smtClean="0"/>
+              <a:rPr lang="en-US" sz="1300" dirty="0" err="1" smtClean="0"/>
               <a:t>có</a:t>
             </a:r>
             <a:r>
-              <a:rPr lang="en-US" sz="1300" smtClean="0"/>
+              <a:rPr lang="en-US" sz="1300" dirty="0" smtClean="0"/>
               <a:t> </a:t>
             </a:r>
             <a:r>
-              <a:rPr lang="en-US" sz="1300" err="1" smtClean="0"/>
+              <a:rPr lang="en-US" sz="1300" dirty="0" err="1" smtClean="0"/>
               <a:t>thể</a:t>
             </a:r>
             <a:r>
-              <a:rPr lang="en-US" sz="1300" smtClean="0"/>
+              <a:rPr lang="en-US" sz="1300" dirty="0" smtClean="0"/>
               <a:t> </a:t>
             </a:r>
             <a:r>
-              <a:rPr lang="en-US" sz="1300" err="1" smtClean="0"/>
+              <a:rPr lang="en-US" sz="1300" dirty="0" err="1" smtClean="0"/>
               <a:t>chiếm</a:t>
             </a:r>
             <a:r>
-              <a:rPr lang="en-US" sz="1300" smtClean="0"/>
+              <a:rPr lang="en-US" sz="1300" dirty="0" smtClean="0"/>
               <a:t> 60% </a:t>
             </a:r>
             <a:r>
-              <a:rPr lang="en-US" sz="1300" err="1" smtClean="0"/>
+              <a:rPr lang="en-US" sz="1300" dirty="0" err="1" smtClean="0"/>
               <a:t>kết</a:t>
             </a:r>
             <a:r>
-              <a:rPr lang="en-US" sz="1300" smtClean="0"/>
+              <a:rPr lang="en-US" sz="1300" dirty="0" smtClean="0"/>
               <a:t> </a:t>
             </a:r>
             <a:r>
-              <a:rPr lang="en-US" sz="1300" err="1" smtClean="0"/>
+              <a:rPr lang="en-US" sz="1300" dirty="0" err="1" smtClean="0"/>
               <a:t>quả</a:t>
             </a:r>
             <a:r>
-              <a:rPr lang="en-US" sz="1300" smtClean="0"/>
+              <a:rPr lang="en-US" sz="1300" dirty="0" smtClean="0"/>
               <a:t> </a:t>
             </a:r>
             <a:r>
-              <a:rPr lang="en-US" sz="1300" err="1" smtClean="0"/>
+              <a:rPr lang="en-US" sz="1300" dirty="0" err="1" smtClean="0"/>
               <a:t>của</a:t>
             </a:r>
             <a:r>
-              <a:rPr lang="en-US" sz="1300" smtClean="0"/>
+              <a:rPr lang="en-US" sz="1300" dirty="0" smtClean="0"/>
               <a:t> </a:t>
             </a:r>
             <a:r>
-              <a:rPr lang="en-US" sz="1300" err="1" smtClean="0"/>
+              <a:rPr lang="en-US" sz="1300" dirty="0" err="1" smtClean="0"/>
               <a:t>sự</a:t>
             </a:r>
             <a:r>
-              <a:rPr lang="en-US" sz="1300" smtClean="0"/>
+              <a:rPr lang="en-US" sz="1300" dirty="0" smtClean="0"/>
               <a:t> </a:t>
             </a:r>
             <a:r>
-              <a:rPr lang="en-US" sz="1300" err="1" smtClean="0"/>
+              <a:rPr lang="en-US" sz="1300" dirty="0" err="1" smtClean="0"/>
               <a:t>nỗ</a:t>
             </a:r>
             <a:r>
-              <a:rPr lang="en-US" sz="1300" smtClean="0"/>
+              <a:rPr lang="en-US" sz="1300" dirty="0" smtClean="0"/>
               <a:t> </a:t>
             </a:r>
             <a:r>
-              <a:rPr lang="en-US" sz="1300" err="1" smtClean="0"/>
+              <a:rPr lang="en-US" sz="1300" dirty="0" err="1" smtClean="0"/>
               <a:t>lực</a:t>
             </a:r>
             <a:r>
-              <a:rPr lang="en-US" sz="1300" smtClean="0"/>
+              <a:rPr lang="en-US" sz="1300" dirty="0" smtClean="0"/>
               <a:t>) </a:t>
             </a:r>
           </a:p>
           <a:p>
             <a:r>
-              <a:rPr lang="en-US" sz="1300" err="1" smtClean="0"/>
+              <a:rPr lang="en-US" sz="1300" dirty="0" err="1" smtClean="0"/>
               <a:t>Bước</a:t>
             </a:r>
             <a:r>
-              <a:rPr lang="en-US" sz="1300" smtClean="0"/>
+              <a:rPr lang="en-US" sz="1300" dirty="0" smtClean="0"/>
               <a:t> 4: </a:t>
             </a:r>
             <a:r>
-              <a:rPr lang="en-US" sz="1300" err="1" smtClean="0"/>
+              <a:rPr lang="en-US" sz="1300" dirty="0" err="1" smtClean="0"/>
               <a:t>Giảm</a:t>
             </a:r>
             <a:r>
-              <a:rPr lang="en-US" sz="1300" smtClean="0"/>
+              <a:rPr lang="en-US" sz="1300" dirty="0" smtClean="0"/>
               <a:t> </a:t>
             </a:r>
             <a:r>
-              <a:rPr lang="en-US" sz="1300" err="1" smtClean="0"/>
+              <a:rPr lang="en-US" sz="1300" dirty="0" err="1" smtClean="0"/>
               <a:t>kích</a:t>
             </a:r>
             <a:r>
-              <a:rPr lang="en-US" sz="1300" smtClean="0"/>
+              <a:rPr lang="en-US" sz="1300" dirty="0" smtClean="0"/>
               <a:t> </a:t>
             </a:r>
             <a:r>
-              <a:rPr lang="en-US" sz="1300" err="1" smtClean="0"/>
+              <a:rPr lang="en-US" sz="1300" dirty="0" err="1" smtClean="0"/>
               <a:t>thước</a:t>
             </a:r>
             <a:r>
-              <a:rPr lang="en-US" sz="1300" smtClean="0"/>
+              <a:rPr lang="en-US" sz="1300" dirty="0" smtClean="0"/>
               <a:t> </a:t>
             </a:r>
             <a:r>
-              <a:rPr lang="en-US" sz="1300" err="1" smtClean="0"/>
+              <a:rPr lang="en-US" sz="1300" dirty="0" err="1" smtClean="0"/>
               <a:t>của</a:t>
             </a:r>
             <a:r>
-              <a:rPr lang="en-US" sz="1300" smtClean="0"/>
+              <a:rPr lang="en-US" sz="1300" dirty="0" smtClean="0"/>
               <a:t> </a:t>
             </a:r>
             <a:r>
-              <a:rPr lang="en-US" sz="1300" err="1" smtClean="0"/>
+              <a:rPr lang="en-US" sz="1300" dirty="0" err="1" smtClean="0"/>
               <a:t>dữ</a:t>
             </a:r>
             <a:r>
-              <a:rPr lang="en-US" sz="1300" smtClean="0"/>
+              <a:rPr lang="en-US" sz="1300" dirty="0" smtClean="0"/>
               <a:t> </a:t>
             </a:r>
             <a:r>
-              <a:rPr lang="en-US" sz="1300" err="1" smtClean="0"/>
+              <a:rPr lang="en-US" sz="1300" dirty="0" err="1" smtClean="0"/>
               <a:t>liệu</a:t>
             </a:r>
             <a:r>
-              <a:rPr lang="en-US" sz="1300" smtClean="0"/>
+              <a:rPr lang="en-US" sz="1300" dirty="0" smtClean="0"/>
               <a:t> </a:t>
             </a:r>
             <a:r>
-              <a:rPr lang="en-US" sz="1300" err="1" smtClean="0"/>
+              <a:rPr lang="en-US" sz="1300" dirty="0" err="1" smtClean="0"/>
               <a:t>và</a:t>
             </a:r>
             <a:r>
-              <a:rPr lang="en-US" sz="1300" smtClean="0"/>
+              <a:rPr lang="en-US" sz="1300" dirty="0" smtClean="0"/>
               <a:t> </a:t>
             </a:r>
             <a:r>
-              <a:rPr lang="en-US" sz="1300" err="1" smtClean="0"/>
+              <a:rPr lang="en-US" sz="1300" dirty="0" err="1" smtClean="0"/>
               <a:t>chuyển</a:t>
             </a:r>
             <a:r>
-              <a:rPr lang="en-US" sz="1300" smtClean="0"/>
+              <a:rPr lang="en-US" sz="1300" dirty="0" smtClean="0"/>
               <a:t> </a:t>
             </a:r>
             <a:r>
-              <a:rPr lang="en-US" sz="1300" err="1" smtClean="0"/>
+              <a:rPr lang="en-US" sz="1300" dirty="0" err="1" smtClean="0"/>
               <a:t>đổi</a:t>
             </a:r>
             <a:r>
-              <a:rPr lang="en-US" sz="1300" smtClean="0"/>
+              <a:rPr lang="en-US" sz="1300" dirty="0" smtClean="0"/>
               <a:t> </a:t>
             </a:r>
             <a:r>
-              <a:rPr lang="en-US" sz="1300" err="1" smtClean="0"/>
+              <a:rPr lang="en-US" sz="1300" dirty="0" err="1" smtClean="0"/>
               <a:t>dữ</a:t>
             </a:r>
             <a:r>
-              <a:rPr lang="en-US" sz="1300" smtClean="0"/>
+              <a:rPr lang="en-US" sz="1300" dirty="0" smtClean="0"/>
               <a:t> </a:t>
             </a:r>
             <a:r>
-              <a:rPr lang="en-US" sz="1300" err="1" smtClean="0"/>
+              <a:rPr lang="en-US" sz="1300" dirty="0" err="1" smtClean="0"/>
               <a:t>liệu</a:t>
             </a:r>
             <a:r>
-              <a:rPr lang="en-US" sz="1300" smtClean="0"/>
+              <a:rPr lang="en-US" sz="1300" dirty="0" smtClean="0"/>
               <a:t>: </a:t>
             </a:r>
             <a:r>
-              <a:rPr lang="en-US" sz="1300" err="1" smtClean="0"/>
+              <a:rPr lang="en-US" sz="1300" dirty="0" err="1" smtClean="0"/>
               <a:t>Tìm</a:t>
             </a:r>
             <a:r>
-              <a:rPr lang="en-US" sz="1300" smtClean="0"/>
+              <a:rPr lang="en-US" sz="1300" dirty="0" smtClean="0"/>
               <a:t> </a:t>
             </a:r>
             <a:r>
-              <a:rPr lang="en-US" sz="1300" err="1" smtClean="0"/>
+              <a:rPr lang="en-US" sz="1300" dirty="0" err="1" smtClean="0"/>
               <a:t>những</a:t>
             </a:r>
             <a:r>
-              <a:rPr lang="en-US" sz="1300" smtClean="0"/>
+              <a:rPr lang="en-US" sz="1300" dirty="0" smtClean="0"/>
               <a:t> </a:t>
             </a:r>
             <a:r>
-              <a:rPr lang="en-US" sz="1300" err="1" smtClean="0"/>
+              <a:rPr lang="en-US" sz="1300" dirty="0" err="1" smtClean="0"/>
               <a:t>thuộc</a:t>
             </a:r>
             <a:r>
-              <a:rPr lang="en-US" sz="1300" smtClean="0"/>
+              <a:rPr lang="en-US" sz="1300" dirty="0" smtClean="0"/>
               <a:t> </a:t>
             </a:r>
             <a:r>
-              <a:rPr lang="en-US" sz="1300" err="1" smtClean="0"/>
+              <a:rPr lang="en-US" sz="1300" dirty="0" err="1" smtClean="0"/>
               <a:t>tính</a:t>
             </a:r>
             <a:r>
-              <a:rPr lang="en-US" sz="1300" smtClean="0"/>
+              <a:rPr lang="en-US" sz="1300" dirty="0" smtClean="0"/>
               <a:t> </a:t>
             </a:r>
             <a:r>
-              <a:rPr lang="en-US" sz="1300" err="1" smtClean="0"/>
+              <a:rPr lang="en-US" sz="1300" dirty="0" err="1" smtClean="0"/>
               <a:t>hữu</a:t>
             </a:r>
             <a:r>
-              <a:rPr lang="en-US" sz="1300" smtClean="0"/>
+              <a:rPr lang="en-US" sz="1300" dirty="0" smtClean="0"/>
               <a:t> </a:t>
             </a:r>
             <a:r>
-              <a:rPr lang="en-US" sz="1300" err="1" smtClean="0"/>
+              <a:rPr lang="en-US" sz="1300" dirty="0" err="1" smtClean="0"/>
               <a:t>ích</a:t>
             </a:r>
             <a:r>
-              <a:rPr lang="en-US" sz="1300" smtClean="0"/>
+              <a:rPr lang="en-US" sz="1300" dirty="0" smtClean="0"/>
               <a:t>, </a:t>
             </a:r>
             <a:r>
-              <a:rPr lang="en-US" sz="1300" err="1" smtClean="0"/>
+              <a:rPr lang="en-US" sz="1300" dirty="0" err="1" smtClean="0"/>
               <a:t>giảm</a:t>
             </a:r>
             <a:r>
-              <a:rPr lang="en-US" sz="1300" smtClean="0"/>
+              <a:rPr lang="en-US" sz="1300" dirty="0" smtClean="0"/>
               <a:t> </a:t>
             </a:r>
             <a:r>
-              <a:rPr lang="en-US" sz="1300" err="1" smtClean="0"/>
+              <a:rPr lang="en-US" sz="1300" dirty="0" err="1" smtClean="0"/>
               <a:t>số</a:t>
             </a:r>
             <a:r>
-              <a:rPr lang="en-US" sz="1300" smtClean="0"/>
+              <a:rPr lang="en-US" sz="1300" dirty="0" smtClean="0"/>
               <a:t> </a:t>
             </a:r>
             <a:r>
-              <a:rPr lang="en-US" sz="1300" err="1" smtClean="0"/>
+              <a:rPr lang="en-US" sz="1300" dirty="0" err="1" smtClean="0"/>
               <a:t>chiều</a:t>
             </a:r>
             <a:r>
-              <a:rPr lang="en-US" sz="1300" smtClean="0"/>
+              <a:rPr lang="en-US" sz="1300" dirty="0" smtClean="0"/>
               <a:t> (</a:t>
             </a:r>
             <a:r>
-              <a:rPr lang="en-US" sz="1300" err="1" smtClean="0"/>
+              <a:rPr lang="en-US" sz="1300" dirty="0" err="1" smtClean="0"/>
               <a:t>số</a:t>
             </a:r>
             <a:r>
-              <a:rPr lang="en-US" sz="1300" smtClean="0"/>
+              <a:rPr lang="en-US" sz="1300" dirty="0" smtClean="0"/>
               <a:t> </a:t>
             </a:r>
             <a:r>
-              <a:rPr lang="en-US" sz="1300" err="1" smtClean="0"/>
+              <a:rPr lang="en-US" sz="1300" dirty="0" err="1" smtClean="0"/>
               <a:t>thuộc</a:t>
             </a:r>
             <a:r>
-              <a:rPr lang="en-US" sz="1300" smtClean="0"/>
+              <a:rPr lang="en-US" sz="1300" dirty="0" smtClean="0"/>
               <a:t> </a:t>
             </a:r>
             <a:r>
-              <a:rPr lang="en-US" sz="1300" err="1" smtClean="0"/>
+              <a:rPr lang="en-US" sz="1300" dirty="0" err="1" smtClean="0"/>
               <a:t>tính</a:t>
             </a:r>
             <a:r>
-              <a:rPr lang="en-US" sz="1300" smtClean="0"/>
+              <a:rPr lang="en-US" sz="1300" dirty="0" smtClean="0"/>
               <a:t>) , </a:t>
             </a:r>
             <a:r>
-              <a:rPr lang="en-US" sz="1300" err="1" smtClean="0"/>
+              <a:rPr lang="en-US" sz="1300" dirty="0" err="1" smtClean="0"/>
               <a:t>biểu</a:t>
             </a:r>
             <a:r>
-              <a:rPr lang="en-US" sz="1300" smtClean="0"/>
+              <a:rPr lang="en-US" sz="1300" dirty="0" smtClean="0"/>
               <a:t> </a:t>
             </a:r>
             <a:r>
-              <a:rPr lang="en-US" sz="1300" err="1" smtClean="0"/>
+              <a:rPr lang="en-US" sz="1300" dirty="0" err="1" smtClean="0"/>
               <a:t>diễn</a:t>
             </a:r>
             <a:r>
-              <a:rPr lang="en-US" sz="1300" smtClean="0"/>
+              <a:rPr lang="en-US" sz="1300" dirty="0" smtClean="0"/>
               <a:t> </a:t>
             </a:r>
             <a:r>
-              <a:rPr lang="en-US" sz="1300" err="1" smtClean="0"/>
+              <a:rPr lang="en-US" sz="1300" dirty="0" err="1" smtClean="0"/>
               <a:t>bất</a:t>
             </a:r>
             <a:r>
-              <a:rPr lang="en-US" sz="1300" smtClean="0"/>
+              <a:rPr lang="en-US" sz="1300" dirty="0" smtClean="0"/>
               <a:t> </a:t>
             </a:r>
             <a:r>
-              <a:rPr lang="en-US" sz="1300" err="1" smtClean="0"/>
+              <a:rPr lang="en-US" sz="1300" dirty="0" err="1" smtClean="0"/>
               <a:t>biến</a:t>
             </a:r>
             <a:r>
-              <a:rPr lang="en-US" sz="1300" smtClean="0"/>
+              <a:rPr lang="en-US" sz="1300" dirty="0" smtClean="0"/>
               <a:t>. </a:t>
             </a:r>
           </a:p>
           <a:p>
             <a:r>
-              <a:rPr lang="en-US" sz="1300" err="1" smtClean="0"/>
+              <a:rPr lang="en-US" sz="1300" dirty="0" err="1" smtClean="0"/>
               <a:t>Bước</a:t>
             </a:r>
             <a:r>
-              <a:rPr lang="en-US" sz="1300" smtClean="0"/>
+              <a:rPr lang="en-US" sz="1300" dirty="0" smtClean="0"/>
               <a:t> 5: </a:t>
             </a:r>
             <a:r>
-              <a:rPr lang="en-US" sz="1300" err="1" smtClean="0"/>
+              <a:rPr lang="en-US" sz="1300" dirty="0" err="1" smtClean="0"/>
               <a:t>Lựa</a:t>
             </a:r>
             <a:r>
-              <a:rPr lang="en-US" sz="1300" smtClean="0"/>
+              <a:rPr lang="en-US" sz="1300" dirty="0" smtClean="0"/>
               <a:t> </a:t>
             </a:r>
             <a:r>
-              <a:rPr lang="en-US" sz="1300" err="1" smtClean="0"/>
+              <a:rPr lang="en-US" sz="1300" dirty="0" err="1" smtClean="0"/>
               <a:t>chọn</a:t>
             </a:r>
             <a:r>
-              <a:rPr lang="en-US" sz="1300" smtClean="0"/>
+              <a:rPr lang="en-US" sz="1300" dirty="0" smtClean="0"/>
               <a:t> </a:t>
             </a:r>
             <a:r>
-              <a:rPr lang="en-US" sz="1300" err="1" smtClean="0"/>
+              <a:rPr lang="en-US" sz="1300" dirty="0" err="1" smtClean="0"/>
               <a:t>chức</a:t>
             </a:r>
             <a:r>
-              <a:rPr lang="en-US" sz="1300" smtClean="0"/>
+              <a:rPr lang="en-US" sz="1300" dirty="0" smtClean="0"/>
               <a:t> </a:t>
             </a:r>
             <a:r>
-              <a:rPr lang="en-US" sz="1300" err="1" smtClean="0"/>
+              <a:rPr lang="en-US" sz="1300" dirty="0" err="1" smtClean="0"/>
               <a:t>năng</a:t>
             </a:r>
             <a:r>
-              <a:rPr lang="en-US" sz="1300" smtClean="0"/>
+              <a:rPr lang="en-US" sz="1300" dirty="0" smtClean="0"/>
               <a:t> </a:t>
             </a:r>
             <a:r>
-              <a:rPr lang="en-US" sz="1300" err="1" smtClean="0"/>
+              <a:rPr lang="en-US" sz="1300" dirty="0" err="1" smtClean="0"/>
               <a:t>khai</a:t>
             </a:r>
             <a:r>
-              <a:rPr lang="en-US" sz="1300" smtClean="0"/>
+              <a:rPr lang="en-US" sz="1300" dirty="0" smtClean="0"/>
               <a:t> </a:t>
             </a:r>
             <a:r>
-              <a:rPr lang="en-US" sz="1300" err="1" smtClean="0"/>
+              <a:rPr lang="en-US" sz="1300" dirty="0" err="1" smtClean="0"/>
               <a:t>phá</a:t>
             </a:r>
             <a:r>
-              <a:rPr lang="en-US" sz="1300" smtClean="0"/>
+              <a:rPr lang="en-US" sz="1300" dirty="0" smtClean="0"/>
               <a:t> </a:t>
             </a:r>
             <a:r>
-              <a:rPr lang="en-US" sz="1300" err="1" smtClean="0"/>
+              <a:rPr lang="en-US" sz="1300" dirty="0" err="1" smtClean="0"/>
               <a:t>dữ</a:t>
             </a:r>
             <a:r>
-              <a:rPr lang="en-US" sz="1300" smtClean="0"/>
+              <a:rPr lang="en-US" sz="1300" dirty="0" smtClean="0"/>
               <a:t> </a:t>
             </a:r>
             <a:r>
-              <a:rPr lang="en-US" sz="1300" err="1" smtClean="0"/>
+              <a:rPr lang="en-US" sz="1300" dirty="0" err="1" smtClean="0"/>
               <a:t>liệu</a:t>
             </a:r>
             <a:r>
-              <a:rPr lang="en-US" sz="1300" smtClean="0"/>
+              <a:rPr lang="en-US" sz="1300" dirty="0" smtClean="0"/>
               <a:t>: </a:t>
             </a:r>
             <a:r>
-              <a:rPr lang="en-US" sz="1300" err="1" smtClean="0"/>
+              <a:rPr lang="en-US" sz="1300" dirty="0" err="1" smtClean="0"/>
               <a:t>Tóm</a:t>
             </a:r>
             <a:r>
-              <a:rPr lang="en-US" sz="1300" smtClean="0"/>
+              <a:rPr lang="en-US" sz="1300" dirty="0" smtClean="0"/>
               <a:t> </a:t>
             </a:r>
             <a:r>
-              <a:rPr lang="en-US" sz="1300" err="1" smtClean="0"/>
+              <a:rPr lang="en-US" sz="1300" dirty="0" err="1" smtClean="0"/>
               <a:t>tắt</a:t>
             </a:r>
             <a:r>
-              <a:rPr lang="en-US" sz="1300" smtClean="0"/>
+              <a:rPr lang="en-US" sz="1300" dirty="0" smtClean="0"/>
               <a:t> </a:t>
             </a:r>
             <a:r>
-              <a:rPr lang="en-US" sz="1300" err="1" smtClean="0"/>
+              <a:rPr lang="en-US" sz="1300" dirty="0" err="1" smtClean="0"/>
               <a:t>hóa</a:t>
             </a:r>
             <a:r>
-              <a:rPr lang="en-US" sz="1300" smtClean="0"/>
+              <a:rPr lang="en-US" sz="1300" dirty="0" smtClean="0"/>
               <a:t>, </a:t>
             </a:r>
             <a:r>
-              <a:rPr lang="en-US" sz="1300" err="1" smtClean="0"/>
+              <a:rPr lang="en-US" sz="1300" dirty="0" err="1" smtClean="0"/>
               <a:t>phân</a:t>
             </a:r>
             <a:r>
-              <a:rPr lang="en-US" sz="1300" smtClean="0"/>
+              <a:rPr lang="en-US" sz="1300" dirty="0" smtClean="0"/>
               <a:t> </a:t>
             </a:r>
             <a:r>
-              <a:rPr lang="en-US" sz="1300" err="1" smtClean="0"/>
+              <a:rPr lang="en-US" sz="1300" dirty="0" err="1" smtClean="0"/>
               <a:t>loại</a:t>
             </a:r>
             <a:r>
-              <a:rPr lang="en-US" sz="1300" smtClean="0"/>
+              <a:rPr lang="en-US" sz="1300" dirty="0" smtClean="0"/>
               <a:t>/</a:t>
             </a:r>
             <a:r>
-              <a:rPr lang="en-US" sz="1300" err="1" smtClean="0"/>
+              <a:rPr lang="en-US" sz="1300" dirty="0" err="1" smtClean="0"/>
               <a:t>phân</a:t>
             </a:r>
             <a:r>
-              <a:rPr lang="en-US" sz="1300" smtClean="0"/>
+              <a:rPr lang="en-US" sz="1300" dirty="0" smtClean="0"/>
               <a:t> </a:t>
             </a:r>
             <a:r>
-              <a:rPr lang="en-US" sz="1300" err="1" smtClean="0"/>
+              <a:rPr lang="en-US" sz="1300" dirty="0" err="1" smtClean="0"/>
               <a:t>lớp</a:t>
             </a:r>
             <a:r>
-              <a:rPr lang="en-US" sz="1300" smtClean="0"/>
+              <a:rPr lang="en-US" sz="1300" dirty="0" smtClean="0"/>
               <a:t>, </a:t>
             </a:r>
             <a:r>
-              <a:rPr lang="en-US" sz="1300" err="1" smtClean="0"/>
+              <a:rPr lang="en-US" sz="1300" dirty="0" err="1" smtClean="0"/>
               <a:t>hồi</a:t>
             </a:r>
             <a:r>
-              <a:rPr lang="en-US" sz="1300" smtClean="0"/>
+              <a:rPr lang="en-US" sz="1300" dirty="0" smtClean="0"/>
               <a:t> </a:t>
             </a:r>
             <a:r>
-              <a:rPr lang="en-US" sz="1300" err="1" smtClean="0"/>
+              <a:rPr lang="en-US" sz="1300" dirty="0" err="1" smtClean="0"/>
               <a:t>quy</a:t>
             </a:r>
             <a:r>
-              <a:rPr lang="en-US" sz="1300" smtClean="0"/>
+              <a:rPr lang="en-US" sz="1300" dirty="0" smtClean="0"/>
               <a:t>/</a:t>
             </a:r>
             <a:r>
-              <a:rPr lang="en-US" sz="1300" err="1" smtClean="0"/>
+              <a:rPr lang="en-US" sz="1300" dirty="0" err="1" smtClean="0"/>
               <a:t>dự</a:t>
             </a:r>
             <a:r>
-              <a:rPr lang="en-US" sz="1300" smtClean="0"/>
+              <a:rPr lang="en-US" sz="1300" dirty="0" smtClean="0"/>
               <a:t> </a:t>
             </a:r>
             <a:r>
-              <a:rPr lang="en-US" sz="1300" err="1" smtClean="0"/>
+              <a:rPr lang="en-US" sz="1300" dirty="0" err="1" smtClean="0"/>
               <a:t>đoán</a:t>
             </a:r>
             <a:r>
-              <a:rPr lang="en-US" sz="1300" smtClean="0"/>
+              <a:rPr lang="en-US" sz="1300" dirty="0" smtClean="0"/>
               <a:t>, </a:t>
             </a:r>
             <a:r>
-              <a:rPr lang="en-US" sz="1300" err="1" smtClean="0"/>
+              <a:rPr lang="en-US" sz="1300" dirty="0" err="1" smtClean="0"/>
               <a:t>kết</a:t>
             </a:r>
             <a:r>
-              <a:rPr lang="en-US" sz="1300" smtClean="0"/>
+              <a:rPr lang="en-US" sz="1300" dirty="0" smtClean="0"/>
               <a:t> </a:t>
             </a:r>
             <a:r>
-              <a:rPr lang="en-US" sz="1300" err="1" smtClean="0"/>
+              <a:rPr lang="en-US" sz="1300" dirty="0" err="1" smtClean="0"/>
               <a:t>hợp</a:t>
             </a:r>
             <a:r>
-              <a:rPr lang="en-US" sz="1300" smtClean="0"/>
+              <a:rPr lang="en-US" sz="1300" dirty="0" smtClean="0"/>
               <a:t>, </a:t>
             </a:r>
             <a:r>
-              <a:rPr lang="en-US" sz="1300" err="1" smtClean="0"/>
+              <a:rPr lang="en-US" sz="1300" dirty="0" err="1" smtClean="0"/>
               <a:t>phân</a:t>
             </a:r>
             <a:r>
-              <a:rPr lang="en-US" sz="1300" smtClean="0"/>
+              <a:rPr lang="en-US" sz="1300" dirty="0" smtClean="0"/>
               <a:t> </a:t>
             </a:r>
             <a:r>
-              <a:rPr lang="en-US" sz="1300" err="1" smtClean="0"/>
+              <a:rPr lang="en-US" sz="1300" dirty="0" err="1" smtClean="0"/>
               <a:t>cụm</a:t>
             </a:r>
             <a:r>
-              <a:rPr lang="en-US" sz="1300" smtClean="0"/>
+              <a:rPr lang="en-US" sz="1300" dirty="0" smtClean="0"/>
               <a:t>. </a:t>
             </a:r>
           </a:p>
           <a:p>
             <a:r>
-              <a:rPr lang="en-US" sz="1300" err="1" smtClean="0"/>
+              <a:rPr lang="en-US" sz="1300" dirty="0" err="1" smtClean="0"/>
               <a:t>Bước</a:t>
             </a:r>
             <a:r>
-              <a:rPr lang="en-US" sz="1300" smtClean="0"/>
+              <a:rPr lang="en-US" sz="1300" dirty="0" smtClean="0"/>
               <a:t> 6: </a:t>
             </a:r>
             <a:r>
-              <a:rPr lang="en-US" sz="1300" err="1" smtClean="0"/>
+              <a:rPr lang="en-US" sz="1300" dirty="0" err="1" smtClean="0"/>
               <a:t>Lựa</a:t>
             </a:r>
             <a:r>
-              <a:rPr lang="en-US" sz="1300" smtClean="0"/>
+              <a:rPr lang="en-US" sz="1300" dirty="0" smtClean="0"/>
               <a:t> </a:t>
             </a:r>
             <a:r>
-              <a:rPr lang="en-US" sz="1300" err="1" smtClean="0"/>
+              <a:rPr lang="en-US" sz="1300" dirty="0" err="1" smtClean="0"/>
               <a:t>chọn</a:t>
             </a:r>
             <a:r>
-              <a:rPr lang="en-US" sz="1300" smtClean="0"/>
+              <a:rPr lang="en-US" sz="1300" dirty="0" smtClean="0"/>
               <a:t>/</a:t>
             </a:r>
             <a:r>
-              <a:rPr lang="en-US" sz="1300" err="1" smtClean="0"/>
+              <a:rPr lang="en-US" sz="1300" dirty="0" err="1" smtClean="0"/>
               <a:t>phát</a:t>
             </a:r>
             <a:r>
-              <a:rPr lang="en-US" sz="1300" smtClean="0"/>
+              <a:rPr lang="en-US" sz="1300" dirty="0" smtClean="0"/>
               <a:t> </a:t>
             </a:r>
             <a:r>
-              <a:rPr lang="en-US" sz="1300" err="1" smtClean="0"/>
+              <a:rPr lang="en-US" sz="1300" dirty="0" err="1" smtClean="0"/>
               <a:t>triển</a:t>
             </a:r>
             <a:r>
-              <a:rPr lang="en-US" sz="1300" smtClean="0"/>
+              <a:rPr lang="en-US" sz="1300" dirty="0" smtClean="0"/>
               <a:t> </a:t>
             </a:r>
             <a:r>
-              <a:rPr lang="en-US" sz="1300" err="1" smtClean="0"/>
+              <a:rPr lang="en-US" sz="1300" dirty="0" err="1" smtClean="0"/>
               <a:t>các</a:t>
             </a:r>
             <a:r>
-              <a:rPr lang="en-US" sz="1300" smtClean="0"/>
+              <a:rPr lang="en-US" sz="1300" dirty="0" smtClean="0"/>
               <a:t> </a:t>
             </a:r>
             <a:r>
-              <a:rPr lang="en-US" sz="1300" err="1" smtClean="0"/>
+              <a:rPr lang="en-US" sz="1300" dirty="0" err="1" smtClean="0"/>
               <a:t>giải</a:t>
             </a:r>
             <a:r>
-              <a:rPr lang="en-US" sz="1300" smtClean="0"/>
+              <a:rPr lang="en-US" sz="1300" dirty="0" smtClean="0"/>
               <a:t> </a:t>
             </a:r>
             <a:r>
-              <a:rPr lang="en-US" sz="1300" err="1" smtClean="0"/>
+              <a:rPr lang="en-US" sz="1300" dirty="0" err="1" smtClean="0"/>
               <a:t>thuật</a:t>
             </a:r>
             <a:r>
-              <a:rPr lang="en-US" sz="1300" smtClean="0"/>
+              <a:rPr lang="en-US" sz="1300" dirty="0" smtClean="0"/>
               <a:t> </a:t>
             </a:r>
             <a:r>
-              <a:rPr lang="en-US" sz="1300" err="1" smtClean="0"/>
+              <a:rPr lang="en-US" sz="1300" dirty="0" err="1" smtClean="0"/>
               <a:t>khai</a:t>
             </a:r>
             <a:r>
-              <a:rPr lang="en-US" sz="1300" smtClean="0"/>
+              <a:rPr lang="en-US" sz="1300" dirty="0" smtClean="0"/>
               <a:t> </a:t>
             </a:r>
             <a:r>
-              <a:rPr lang="en-US" sz="1300" err="1" smtClean="0"/>
+              <a:rPr lang="en-US" sz="1300" dirty="0" err="1" smtClean="0"/>
               <a:t>phá</a:t>
             </a:r>
             <a:r>
-              <a:rPr lang="en-US" sz="1300" smtClean="0"/>
+              <a:rPr lang="en-US" sz="1300" dirty="0" smtClean="0"/>
               <a:t> </a:t>
             </a:r>
             <a:r>
-              <a:rPr lang="en-US" sz="1300" err="1" smtClean="0"/>
+              <a:rPr lang="en-US" sz="1300" dirty="0" err="1" smtClean="0"/>
               <a:t>dữ</a:t>
             </a:r>
             <a:r>
-              <a:rPr lang="en-US" sz="1300" smtClean="0"/>
+              <a:rPr lang="en-US" sz="1300" dirty="0" smtClean="0"/>
               <a:t> </a:t>
             </a:r>
             <a:r>
-              <a:rPr lang="en-US" sz="1300" err="1" smtClean="0"/>
+              <a:rPr lang="en-US" sz="1300" dirty="0" err="1" smtClean="0"/>
               <a:t>liệu</a:t>
             </a:r>
             <a:r>
-              <a:rPr lang="en-US" sz="1300" smtClean="0"/>
+              <a:rPr lang="en-US" sz="1300" dirty="0" smtClean="0"/>
               <a:t> </a:t>
             </a:r>
             <a:r>
-              <a:rPr lang="en-US" sz="1300" err="1" smtClean="0"/>
+              <a:rPr lang="en-US" sz="1300" dirty="0" err="1" smtClean="0"/>
               <a:t>phù</a:t>
             </a:r>
             <a:r>
-              <a:rPr lang="en-US" sz="1300" smtClean="0"/>
+              <a:rPr lang="en-US" sz="1300" dirty="0" smtClean="0"/>
               <a:t> </a:t>
             </a:r>
             <a:r>
-              <a:rPr lang="en-US" sz="1300" err="1" smtClean="0"/>
+              <a:rPr lang="en-US" sz="1300" dirty="0" err="1" smtClean="0"/>
               <a:t>hợp</a:t>
             </a:r>
-            <a:endParaRPr lang="en-US" sz="1300" smtClean="0"/>
+            <a:endParaRPr lang="en-US" sz="1300" dirty="0" smtClean="0"/>
           </a:p>
           <a:p>
             <a:r>
-              <a:rPr lang="en-US" sz="1300" err="1" smtClean="0"/>
+              <a:rPr lang="en-US" sz="1300" dirty="0" err="1" smtClean="0"/>
               <a:t>Bước</a:t>
             </a:r>
             <a:r>
-              <a:rPr lang="en-US" sz="1300" smtClean="0"/>
-              <a:t> 7: </a:t>
-            </a:r>
-            <a:r>
-              <a:rPr lang="en-US" sz="1300" err="1" smtClean="0"/>
-              <a:t>Tiến</a:t>
-            </a:r>
-            <a:r>
-              <a:rPr lang="en-US" sz="1300" smtClean="0"/>
+              <a:rPr lang="en-US" sz="1300" dirty="0" smtClean="0"/>
+              <a:t> 7: Tiến </a:t>
+            </a:r>
+            <a:r>
+              <a:rPr lang="en-US" sz="1300" dirty="0" err="1" smtClean="0"/>
+              <a:t>hành</a:t>
+            </a:r>
+            <a:r>
+              <a:rPr lang="en-US" sz="1300" dirty="0" smtClean="0"/>
               <a:t> </a:t>
             </a:r>
             <a:r>
-              <a:rPr lang="en-US" sz="1300" err="1" smtClean="0"/>
-              <a:t>hành</a:t>
-            </a:r>
-            <a:r>
-              <a:rPr lang="en-US" sz="1300" smtClean="0"/>
+              <a:rPr lang="en-US" sz="1300" dirty="0" err="1" smtClean="0"/>
+              <a:t>quá</a:t>
+            </a:r>
+            <a:r>
+              <a:rPr lang="en-US" sz="1300" dirty="0" smtClean="0"/>
               <a:t> </a:t>
             </a:r>
             <a:r>
-              <a:rPr lang="en-US" sz="1300" err="1" smtClean="0"/>
-              <a:t>quá</a:t>
-            </a:r>
-            <a:r>
-              <a:rPr lang="en-US" sz="1300" smtClean="0"/>
+              <a:rPr lang="en-US" sz="1300" dirty="0" err="1" smtClean="0"/>
+              <a:t>trình</a:t>
+            </a:r>
+            <a:r>
+              <a:rPr lang="en-US" sz="1300" dirty="0" smtClean="0"/>
               <a:t> </a:t>
             </a:r>
             <a:r>
-              <a:rPr lang="en-US" sz="1300" err="1" smtClean="0"/>
-              <a:t>trình</a:t>
-            </a:r>
-            <a:r>
-              <a:rPr lang="en-US" sz="1300" smtClean="0"/>
+              <a:rPr lang="en-US" sz="1300" dirty="0" err="1" smtClean="0"/>
+              <a:t>khai</a:t>
+            </a:r>
+            <a:r>
+              <a:rPr lang="en-US" sz="1300" dirty="0" smtClean="0"/>
               <a:t> </a:t>
             </a:r>
             <a:r>
-              <a:rPr lang="en-US" sz="1300" err="1" smtClean="0"/>
-              <a:t>khai</a:t>
-            </a:r>
-            <a:r>
-              <a:rPr lang="en-US" sz="1300" smtClean="0"/>
+              <a:rPr lang="en-US" sz="1300" dirty="0" err="1" smtClean="0"/>
+              <a:t>phá</a:t>
+            </a:r>
+            <a:r>
+              <a:rPr lang="en-US" sz="1300" dirty="0" smtClean="0"/>
               <a:t> </a:t>
             </a:r>
             <a:r>
-              <a:rPr lang="en-US" sz="1300" err="1" smtClean="0"/>
-              <a:t>phá</a:t>
-            </a:r>
-            <a:r>
-              <a:rPr lang="en-US" sz="1300" smtClean="0"/>
+              <a:rPr lang="en-US" sz="1300" dirty="0" err="1" smtClean="0"/>
+              <a:t>dữ</a:t>
+            </a:r>
+            <a:r>
+              <a:rPr lang="en-US" sz="1300" dirty="0" smtClean="0"/>
               <a:t> </a:t>
             </a:r>
             <a:r>
-              <a:rPr lang="en-US" sz="1300" err="1" smtClean="0"/>
-              <a:t>dữ</a:t>
-            </a:r>
-            <a:r>
-              <a:rPr lang="en-US" sz="1300" smtClean="0"/>
-              <a:t> </a:t>
-            </a:r>
-            <a:r>
-              <a:rPr lang="en-US" sz="1300" err="1" smtClean="0"/>
+              <a:rPr lang="en-US" sz="1300" dirty="0" err="1" smtClean="0"/>
               <a:t>liệu</a:t>
             </a:r>
-            <a:endParaRPr lang="en-US" sz="1300" smtClean="0"/>
+            <a:endParaRPr lang="en-US" sz="1300" dirty="0" smtClean="0"/>
           </a:p>
           <a:p>
             <a:r>
-              <a:rPr lang="en-US" sz="1300" err="1" smtClean="0"/>
+              <a:rPr lang="en-US" sz="1300" dirty="0" err="1" smtClean="0"/>
               <a:t>Bước</a:t>
             </a:r>
             <a:r>
-              <a:rPr lang="en-US" sz="1300" smtClean="0"/>
+              <a:rPr lang="en-US" sz="1300" dirty="0" smtClean="0"/>
               <a:t> 8: </a:t>
             </a:r>
             <a:r>
-              <a:rPr lang="en-US" sz="1300" err="1" smtClean="0"/>
+              <a:rPr lang="en-US" sz="1300" dirty="0" err="1" smtClean="0"/>
               <a:t>Đánh</a:t>
             </a:r>
             <a:r>
-              <a:rPr lang="en-US" sz="1300" smtClean="0"/>
+              <a:rPr lang="en-US" sz="1300" dirty="0" smtClean="0"/>
               <a:t> </a:t>
             </a:r>
             <a:r>
-              <a:rPr lang="en-US" sz="1300" err="1" smtClean="0"/>
+              <a:rPr lang="en-US" sz="1300" dirty="0" err="1" smtClean="0"/>
               <a:t>giá</a:t>
             </a:r>
             <a:r>
-              <a:rPr lang="en-US" sz="1300" smtClean="0"/>
+              <a:rPr lang="en-US" sz="1300" dirty="0" smtClean="0"/>
               <a:t> </a:t>
             </a:r>
             <a:r>
-              <a:rPr lang="en-US" sz="1300" err="1" smtClean="0"/>
+              <a:rPr lang="en-US" sz="1300" dirty="0" err="1" smtClean="0"/>
               <a:t>mẫu</a:t>
             </a:r>
             <a:r>
-              <a:rPr lang="en-US" sz="1300" smtClean="0"/>
-              <a:t> thu </a:t>
-            </a:r>
-            <a:r>
-              <a:rPr lang="en-US" sz="1300" err="1" smtClean="0"/>
+              <a:rPr lang="en-US" sz="1300" dirty="0" smtClean="0"/>
+              <a:t> </a:t>
+            </a:r>
+            <a:r>
+              <a:rPr lang="en-US" sz="1300" dirty="0" err="1" smtClean="0"/>
+              <a:t>thu</a:t>
+            </a:r>
+            <a:r>
+              <a:rPr lang="en-US" sz="1300" dirty="0" smtClean="0"/>
+              <a:t> </a:t>
+            </a:r>
+            <a:r>
+              <a:rPr lang="en-US" sz="1300" dirty="0" err="1" smtClean="0"/>
               <a:t>được</a:t>
             </a:r>
             <a:r>
-              <a:rPr lang="en-US" sz="1300" smtClean="0"/>
+              <a:rPr lang="en-US" sz="1300" dirty="0" smtClean="0"/>
               <a:t> </a:t>
             </a:r>
             <a:r>
-              <a:rPr lang="en-US" sz="1300" err="1" smtClean="0"/>
+              <a:rPr lang="en-US" sz="1300" dirty="0" err="1" smtClean="0"/>
               <a:t>và</a:t>
             </a:r>
             <a:r>
-              <a:rPr lang="en-US" sz="1300" smtClean="0"/>
+              <a:rPr lang="en-US" sz="1300" dirty="0" smtClean="0"/>
               <a:t> </a:t>
             </a:r>
             <a:r>
-              <a:rPr lang="en-US" sz="1300" err="1" smtClean="0"/>
+              <a:rPr lang="en-US" sz="1300" dirty="0" err="1" smtClean="0"/>
               <a:t>biểu</a:t>
             </a:r>
             <a:r>
-              <a:rPr lang="en-US" sz="1300" smtClean="0"/>
+              <a:rPr lang="en-US" sz="1300" dirty="0" smtClean="0"/>
               <a:t> </a:t>
             </a:r>
             <a:r>
-              <a:rPr lang="en-US" sz="1300" err="1" smtClean="0"/>
+              <a:rPr lang="en-US" sz="1300" dirty="0" err="1" smtClean="0"/>
               <a:t>diễn</a:t>
             </a:r>
             <a:r>
-              <a:rPr lang="en-US" sz="1300" smtClean="0"/>
+              <a:rPr lang="en-US" sz="1300" dirty="0" smtClean="0"/>
               <a:t> tri </a:t>
             </a:r>
             <a:r>
-              <a:rPr lang="en-US" sz="1300" err="1" smtClean="0"/>
+              <a:rPr lang="en-US" sz="1300" dirty="0" err="1" smtClean="0"/>
               <a:t>thức:Hiển</a:t>
             </a:r>
             <a:r>
-              <a:rPr lang="en-US" sz="1300" smtClean="0"/>
+              <a:rPr lang="en-US" sz="1300" dirty="0" smtClean="0"/>
+              <a:t> thị </a:t>
+            </a:r>
+            <a:r>
+              <a:rPr lang="en-US" sz="1300" dirty="0" err="1" smtClean="0"/>
+              <a:t>hóa</a:t>
+            </a:r>
+            <a:r>
+              <a:rPr lang="en-US" sz="1300" dirty="0" smtClean="0"/>
+              <a:t>, </a:t>
+            </a:r>
+            <a:r>
+              <a:rPr lang="en-US" sz="1300" dirty="0" err="1" smtClean="0"/>
+              <a:t>chuyển</a:t>
+            </a:r>
+            <a:r>
+              <a:rPr lang="en-US" sz="1300" dirty="0" smtClean="0"/>
               <a:t> </a:t>
             </a:r>
             <a:r>
-              <a:rPr lang="en-US" sz="1300" err="1" smtClean="0"/>
-              <a:t>thị</a:t>
-            </a:r>
-            <a:r>
-              <a:rPr lang="en-US" sz="1300" smtClean="0"/>
+              <a:rPr lang="en-US" sz="1300" dirty="0" err="1" smtClean="0"/>
+              <a:t>đổi</a:t>
+            </a:r>
+            <a:r>
+              <a:rPr lang="en-US" sz="1300" dirty="0" smtClean="0"/>
+              <a:t>, </a:t>
+            </a:r>
+            <a:r>
+              <a:rPr lang="en-US" sz="1300" dirty="0" err="1" smtClean="0"/>
+              <a:t>bỏ</a:t>
+            </a:r>
+            <a:r>
+              <a:rPr lang="en-US" sz="1300" dirty="0" smtClean="0"/>
               <a:t> </a:t>
             </a:r>
             <a:r>
-              <a:rPr lang="en-US" sz="1300" err="1" smtClean="0"/>
-              <a:t>hóa</a:t>
-            </a:r>
-            <a:r>
-              <a:rPr lang="en-US" sz="1300" smtClean="0"/>
-              <a:t>, </a:t>
-            </a:r>
-            <a:r>
-              <a:rPr lang="en-US" sz="1300" err="1" smtClean="0"/>
-              <a:t>chuyển</a:t>
-            </a:r>
-            <a:r>
-              <a:rPr lang="en-US" sz="1300" smtClean="0"/>
+              <a:rPr lang="en-US" sz="1300" dirty="0" err="1" smtClean="0"/>
+              <a:t>đi</a:t>
+            </a:r>
+            <a:r>
+              <a:rPr lang="en-US" sz="1300" dirty="0" smtClean="0"/>
               <a:t> </a:t>
             </a:r>
             <a:r>
-              <a:rPr lang="en-US" sz="1300" err="1" smtClean="0"/>
-              <a:t>đổi</a:t>
-            </a:r>
-            <a:r>
-              <a:rPr lang="en-US" sz="1300" smtClean="0"/>
-              <a:t>, </a:t>
-            </a:r>
-            <a:r>
-              <a:rPr lang="en-US" sz="1300" err="1" smtClean="0"/>
-              <a:t>bỏ</a:t>
-            </a:r>
-            <a:r>
-              <a:rPr lang="en-US" sz="1300" smtClean="0"/>
+              <a:rPr lang="en-US" sz="1300" dirty="0" err="1" smtClean="0"/>
+              <a:t>các</a:t>
+            </a:r>
+            <a:r>
+              <a:rPr lang="en-US" sz="1300" dirty="0" smtClean="0"/>
               <a:t> </a:t>
             </a:r>
             <a:r>
-              <a:rPr lang="en-US" sz="1300" err="1" smtClean="0"/>
-              <a:t>đi</a:t>
-            </a:r>
-            <a:r>
-              <a:rPr lang="en-US" sz="1300" smtClean="0"/>
+              <a:rPr lang="en-US" sz="1300" dirty="0" err="1" smtClean="0"/>
+              <a:t>mẫu</a:t>
+            </a:r>
+            <a:r>
+              <a:rPr lang="en-US" sz="1300" dirty="0" smtClean="0"/>
               <a:t> </a:t>
             </a:r>
             <a:r>
-              <a:rPr lang="en-US" sz="1300" err="1" smtClean="0"/>
-              <a:t>các</a:t>
-            </a:r>
-            <a:r>
-              <a:rPr lang="en-US" sz="1300" smtClean="0"/>
+              <a:rPr lang="en-US" sz="1300" dirty="0" err="1" smtClean="0"/>
+              <a:t>dư</a:t>
+            </a:r>
+            <a:r>
+              <a:rPr lang="en-US" sz="1300" dirty="0" smtClean="0"/>
               <a:t> </a:t>
             </a:r>
             <a:r>
-              <a:rPr lang="en-US" sz="1300" err="1" smtClean="0"/>
-              <a:t>mẫu</a:t>
-            </a:r>
-            <a:r>
-              <a:rPr lang="en-US" sz="1300" smtClean="0"/>
-              <a:t> </a:t>
-            </a:r>
-            <a:r>
-              <a:rPr lang="en-US" sz="1300" err="1" smtClean="0"/>
-              <a:t>dư</a:t>
-            </a:r>
-            <a:r>
-              <a:rPr lang="en-US" sz="1300" smtClean="0"/>
-              <a:t> </a:t>
-            </a:r>
-            <a:r>
-              <a:rPr lang="en-US" sz="1300" err="1" smtClean="0"/>
+              <a:rPr lang="en-US" sz="1300" dirty="0" err="1" smtClean="0"/>
               <a:t>thừa</a:t>
             </a:r>
             <a:r>
-              <a:rPr lang="en-US" sz="1300" smtClean="0"/>
+              <a:rPr lang="en-US" sz="1300" dirty="0" smtClean="0"/>
               <a:t>…</a:t>
             </a:r>
           </a:p>
           <a:p>
             <a:r>
-              <a:rPr lang="en-US" sz="1300" err="1" smtClean="0"/>
+              <a:rPr lang="en-US" sz="1300" dirty="0" err="1" smtClean="0"/>
               <a:t>Bước</a:t>
             </a:r>
             <a:r>
-              <a:rPr lang="en-US" sz="1300" smtClean="0"/>
+              <a:rPr lang="en-US" sz="1300" dirty="0" smtClean="0"/>
               <a:t> 9: </a:t>
             </a:r>
             <a:r>
-              <a:rPr lang="en-US" sz="1300" err="1" smtClean="0"/>
+              <a:rPr lang="en-US" sz="1300" dirty="0" err="1" smtClean="0"/>
               <a:t>Sử</a:t>
             </a:r>
             <a:r>
-              <a:rPr lang="en-US" sz="1300" smtClean="0"/>
+              <a:rPr lang="en-US" sz="1300" dirty="0" smtClean="0"/>
               <a:t> </a:t>
             </a:r>
             <a:r>
-              <a:rPr lang="en-US" sz="1300" err="1" smtClean="0"/>
+              <a:rPr lang="en-US" sz="1300" dirty="0" err="1" smtClean="0"/>
               <a:t>dụng</a:t>
             </a:r>
             <a:r>
-              <a:rPr lang="en-US" sz="1300" smtClean="0"/>
+              <a:rPr lang="en-US" sz="1300" dirty="0" smtClean="0"/>
               <a:t> </a:t>
             </a:r>
             <a:r>
-              <a:rPr lang="en-US" sz="1300" err="1" smtClean="0"/>
+              <a:rPr lang="en-US" sz="1300" dirty="0" err="1" smtClean="0"/>
               <a:t>các</a:t>
             </a:r>
             <a:r>
-              <a:rPr lang="en-US" sz="1300" smtClean="0"/>
+              <a:rPr lang="en-US" sz="1300" dirty="0" smtClean="0"/>
               <a:t> tri </a:t>
             </a:r>
             <a:r>
-              <a:rPr lang="en-US" sz="1300" err="1" smtClean="0"/>
+              <a:rPr lang="en-US" sz="1300" dirty="0" err="1" smtClean="0"/>
               <a:t>thức</a:t>
             </a:r>
             <a:r>
-              <a:rPr lang="en-US" sz="1300" smtClean="0"/>
+              <a:rPr lang="en-US" sz="1300" dirty="0" smtClean="0"/>
               <a:t> </a:t>
             </a:r>
             <a:r>
-              <a:rPr lang="en-US" sz="1300" err="1" smtClean="0"/>
+              <a:rPr lang="en-US" sz="1300" dirty="0" err="1" smtClean="0"/>
               <a:t>được</a:t>
             </a:r>
             <a:r>
-              <a:rPr lang="en-US" sz="1300" smtClean="0"/>
+              <a:rPr lang="en-US" sz="1300" dirty="0" smtClean="0"/>
               <a:t> </a:t>
             </a:r>
             <a:r>
-              <a:rPr lang="en-US" sz="1300" err="1" smtClean="0"/>
+              <a:rPr lang="en-US" sz="1300" dirty="0" err="1" smtClean="0"/>
               <a:t>khám</a:t>
             </a:r>
             <a:r>
-              <a:rPr lang="en-US" sz="1300" smtClean="0"/>
+              <a:rPr lang="en-US" sz="1300" dirty="0" smtClean="0"/>
               <a:t> </a:t>
             </a:r>
             <a:r>
-              <a:rPr lang="en-US" sz="1300" err="1" smtClean="0"/>
+              <a:rPr lang="en-US" sz="1300" dirty="0" err="1" smtClean="0"/>
               <a:t>phá</a:t>
             </a:r>
             <a:r>
-              <a:rPr lang="en-US" sz="1300" smtClean="0"/>
+              <a:rPr lang="en-US" sz="1300" dirty="0" smtClean="0"/>
               <a:t>. </a:t>
             </a:r>
           </a:p>
           <a:p>
-            <a:endParaRPr lang="en-US" smtClean="0"/>
+            <a:endParaRPr lang="en-US" dirty="0" smtClean="0"/>
           </a:p>
           <a:p>
-            <a:endParaRPr lang="en-US"/>
+            <a:endParaRPr lang="en-US" dirty="0"/>
           </a:p>
         </p:txBody>
       </p:sp>
@@ -28116,6 +28108,28 @@
       </p:sp>
       <p:pic>
         <p:nvPicPr>
+          <p:cNvPr id="8" name="Picture 7" descr="YeuToAnhHuong.JPG"/>
+          <p:cNvPicPr/>
+          <p:nvPr/>
+        </p:nvPicPr>
+        <p:blipFill>
+          <a:blip r:embed="rId3" cstate="print"/>
+          <a:stretch>
+            <a:fillRect/>
+          </a:stretch>
+        </p:blipFill>
+        <p:spPr>
+          <a:xfrm>
+            <a:off x="1219200" y="1524000"/>
+            <a:ext cx="5657850" cy="4038600"/>
+          </a:xfrm>
+          <a:prstGeom prst="rect">
+            <a:avLst/>
+          </a:prstGeom>
+        </p:spPr>
+      </p:pic>
+      <p:pic>
+        <p:nvPicPr>
           <p:cNvPr id="1026" name="Picture 2"/>
           <p:cNvPicPr>
             <a:picLocks noChangeAspect="1" noChangeArrowheads="1"/>
@@ -28123,7 +28137,7 @@
           <p:nvPr/>
         </p:nvPicPr>
         <p:blipFill>
-          <a:blip r:embed="rId3" cstate="print"/>
+          <a:blip r:embed="rId4" cstate="print"/>
           <a:srcRect/>
           <a:stretch>
             <a:fillRect/>
@@ -28131,7 +28145,7 @@
         </p:blipFill>
         <p:spPr bwMode="auto">
           <a:xfrm>
-            <a:off x="457199" y="1600200"/>
+            <a:off x="457200" y="2057400"/>
             <a:ext cx="8210609" cy="3810000"/>
           </a:xfrm>
           <a:prstGeom prst="rect">
@@ -28185,7 +28199,7 @@
                                           </p:stCondLst>
                                         </p:cTn>
                                         <p:tgtEl>
-                                          <p:spTgt spid="1026"/>
+                                          <p:spTgt spid="8"/>
                                         </p:tgtEl>
                                         <p:attrNameLst>
                                           <p:attrName>style.visibility</p:attrName>
@@ -28198,6 +28212,59 @@
                                     <p:animEffect transition="in" filter="box(in)">
                                       <p:cBhvr>
                                         <p:cTn id="7" dur="500"/>
+                                        <p:tgtEl>
+                                          <p:spTgt spid="8"/>
+                                        </p:tgtEl>
+                                      </p:cBhvr>
+                                    </p:animEffect>
+                                  </p:childTnLst>
+                                </p:cTn>
+                              </p:par>
+                            </p:childTnLst>
+                          </p:cTn>
+                        </p:par>
+                      </p:childTnLst>
+                    </p:cTn>
+                  </p:par>
+                  <p:par>
+                    <p:cTn id="8" fill="hold">
+                      <p:stCondLst>
+                        <p:cond delay="indefinite"/>
+                      </p:stCondLst>
+                      <p:childTnLst>
+                        <p:par>
+                          <p:cTn id="9" fill="hold">
+                            <p:stCondLst>
+                              <p:cond delay="0"/>
+                            </p:stCondLst>
+                            <p:childTnLst>
+                              <p:par>
+                                <p:cTn id="10" presetID="3" presetClass="entr" presetSubtype="5" fill="hold" nodeType="clickEffect">
+                                  <p:stCondLst>
+                                    <p:cond delay="0"/>
+                                  </p:stCondLst>
+                                  <p:childTnLst>
+                                    <p:set>
+                                      <p:cBhvr>
+                                        <p:cTn id="11" dur="1" fill="hold">
+                                          <p:stCondLst>
+                                            <p:cond delay="0"/>
+                                          </p:stCondLst>
+                                        </p:cTn>
+                                        <p:tgtEl>
+                                          <p:spTgt spid="1026"/>
+                                        </p:tgtEl>
+                                        <p:attrNameLst>
+                                          <p:attrName>style.visibility</p:attrName>
+                                        </p:attrNameLst>
+                                      </p:cBhvr>
+                                      <p:to>
+                                        <p:strVal val="visible"/>
+                                      </p:to>
+                                    </p:set>
+                                    <p:animEffect transition="in" filter="blinds(vertical)">
+                                      <p:cBhvr>
+                                        <p:cTn id="12" dur="500"/>
                                         <p:tgtEl>
                                           <p:spTgt spid="1026"/>
                                         </p:tgtEl>
@@ -32375,6 +32442,24 @@
                         </a:rPr>
                         <a:t>báo</a:t>
                       </a:r>
+                      <a:r>
+                        <a:rPr lang="en-US" sz="1800" b="0" i="0" u="none" strike="noStrike" baseline="0" dirty="0" smtClean="0">
+                          <a:solidFill>
+                            <a:srgbClr val="FFFFFF"/>
+                          </a:solidFill>
+                          <a:latin typeface="+mj-lt"/>
+                        </a:rPr>
+                        <a:t> </a:t>
+                      </a:r>
+                      <a:r>
+                        <a:rPr lang="en-US" sz="1800" b="0" i="0" u="none" strike="noStrike" baseline="0" dirty="0" err="1" smtClean="0">
+                          <a:solidFill>
+                            <a:srgbClr val="FFFFFF"/>
+                          </a:solidFill>
+                          <a:latin typeface="+mj-lt"/>
+                        </a:rPr>
+                        <a:t>đúng</a:t>
+                      </a:r>
                       <a:endParaRPr lang="vi-VN" sz="1800" b="0" i="0" u="none" strike="noStrike" dirty="0">
                         <a:solidFill>
                           <a:srgbClr val="FFFFFF"/>
@@ -32747,8 +32832,8 @@
         </p:nvSpPr>
         <p:spPr>
           <a:xfrm>
-            <a:off x="1143000" y="4724400"/>
-            <a:ext cx="6705600" cy="369332"/>
+            <a:off x="990600" y="4800600"/>
+            <a:ext cx="7162800" cy="369332"/>
           </a:xfrm>
           <a:prstGeom prst="rect">
             <a:avLst/>
@@ -32832,7 +32917,23 @@
             </a:r>
             <a:r>
               <a:rPr lang="en-US" dirty="0" smtClean="0"/>
-              <a:t> NGHỈ HỌC</a:t>
+              <a:t> NGHỈ </a:t>
+            </a:r>
+            <a:r>
+              <a:rPr lang="en-US" dirty="0" smtClean="0"/>
+              <a:t>HỌC </a:t>
+            </a:r>
+            <a:r>
+              <a:rPr lang="en-US" dirty="0" err="1" smtClean="0"/>
+              <a:t>tại</a:t>
+            </a:r>
+            <a:r>
+              <a:rPr lang="en-US" dirty="0" smtClean="0"/>
+              <a:t> HOU - </a:t>
+            </a:r>
+            <a:r>
+              <a:rPr lang="en-US" dirty="0" err="1" smtClean="0"/>
+              <a:t>Elearning</a:t>
             </a:r>
             <a:endParaRPr lang="en-US" dirty="0"/>
           </a:p>
@@ -32950,729 +33051,400 @@
             <p:ph idx="1"/>
           </p:nvPr>
         </p:nvSpPr>
-        <p:spPr/>
+        <p:spPr>
+          <a:xfrm>
+            <a:off x="457200" y="1600200"/>
+            <a:ext cx="4191000" cy="4525963"/>
+          </a:xfrm>
+        </p:spPr>
         <p:txBody>
           <a:bodyPr>
-            <a:normAutofit/>
+            <a:normAutofit fontScale="77500" lnSpcReduction="20000"/>
           </a:bodyPr>
           <a:lstStyle/>
           <a:p>
-            <a:r>
-              <a:rPr lang="en-US" dirty="0" smtClean="0">
-                <a:solidFill>
-                  <a:srgbClr val="FF0000"/>
-                </a:solidFill>
-              </a:rPr>
+            <a:pPr algn="just">
+              <a:buFont typeface="Wingdings" pitchFamily="2" charset="2"/>
+              <a:buChar char="ü"/>
+            </a:pPr>
+            <a:r>
+              <a:rPr lang="en-US" b="1" dirty="0" smtClean="0"/>
               <a:t>5 </a:t>
             </a:r>
             <a:r>
-              <a:rPr lang="en-US" dirty="0" err="1" smtClean="0">
-                <a:solidFill>
-                  <a:srgbClr val="FF0000"/>
-                </a:solidFill>
-              </a:rPr>
+              <a:rPr lang="en-US" b="1" dirty="0" err="1" smtClean="0"/>
               <a:t>nhân</a:t>
             </a:r>
             <a:r>
-              <a:rPr lang="en-US" dirty="0" smtClean="0">
-                <a:solidFill>
-                  <a:srgbClr val="FF0000"/>
-                </a:solidFill>
-              </a:rPr>
+              <a:rPr lang="en-US" b="1" dirty="0" smtClean="0"/>
               <a:t> </a:t>
             </a:r>
             <a:r>
-              <a:rPr lang="en-US" dirty="0" err="1" smtClean="0">
-                <a:solidFill>
-                  <a:srgbClr val="FF0000"/>
-                </a:solidFill>
-              </a:rPr>
-              <a:t>tô</a:t>
-            </a:r>
-            <a:r>
-              <a:rPr lang="en-US" dirty="0" smtClean="0">
-                <a:solidFill>
-                  <a:srgbClr val="FF0000"/>
-                </a:solidFill>
-              </a:rPr>
-              <a:t>́ </a:t>
-            </a:r>
-            <a:r>
-              <a:rPr lang="en-US" dirty="0" err="1" smtClean="0">
-                <a:solidFill>
-                  <a:srgbClr val="FF0000"/>
-                </a:solidFill>
-              </a:rPr>
+              <a:rPr lang="en-US" b="1" dirty="0" err="1" smtClean="0"/>
+              <a:t>tố</a:t>
+            </a:r>
+            <a:r>
+              <a:rPr lang="en-US" b="1" dirty="0" smtClean="0"/>
+              <a:t> </a:t>
+            </a:r>
+            <a:r>
+              <a:rPr lang="en-US" dirty="0" err="1" smtClean="0"/>
               <a:t>chính</a:t>
             </a:r>
             <a:r>
-              <a:rPr lang="en-US" dirty="0" smtClean="0">
-                <a:solidFill>
-                  <a:srgbClr val="FF0000"/>
-                </a:solidFill>
-              </a:rPr>
+              <a:rPr lang="en-US" dirty="0" smtClean="0"/>
               <a:t> </a:t>
             </a:r>
             <a:r>
-              <a:rPr lang="en-US" dirty="0" err="1" smtClean="0">
-                <a:solidFill>
-                  <a:srgbClr val="FF0000"/>
-                </a:solidFill>
-              </a:rPr>
+              <a:rPr lang="en-US" dirty="0" err="1" smtClean="0"/>
               <a:t>ảnh</a:t>
             </a:r>
             <a:r>
-              <a:rPr lang="en-US" dirty="0" smtClean="0">
-                <a:solidFill>
-                  <a:srgbClr val="FF0000"/>
-                </a:solidFill>
-              </a:rPr>
+              <a:rPr lang="en-US" dirty="0" smtClean="0"/>
               <a:t> </a:t>
             </a:r>
             <a:r>
-              <a:rPr lang="en-US" dirty="0" err="1" smtClean="0">
-                <a:solidFill>
-                  <a:srgbClr val="FF0000"/>
-                </a:solidFill>
-              </a:rPr>
+              <a:rPr lang="en-US" dirty="0" err="1" smtClean="0"/>
               <a:t>hưởng</a:t>
             </a:r>
             <a:r>
-              <a:rPr lang="en-US" dirty="0" smtClean="0">
-                <a:solidFill>
-                  <a:srgbClr val="FF0000"/>
-                </a:solidFill>
-              </a:rPr>
+              <a:rPr lang="en-US" dirty="0" smtClean="0"/>
               <a:t> </a:t>
             </a:r>
             <a:r>
-              <a:rPr lang="en-US" dirty="0" err="1" smtClean="0">
-                <a:solidFill>
-                  <a:srgbClr val="FF0000"/>
-                </a:solidFill>
-              </a:rPr>
+              <a:rPr lang="en-US" dirty="0" err="1" smtClean="0"/>
               <a:t>đến</a:t>
             </a:r>
             <a:r>
-              <a:rPr lang="en-US" dirty="0" smtClean="0">
-                <a:solidFill>
-                  <a:srgbClr val="FF0000"/>
-                </a:solidFill>
-              </a:rPr>
+              <a:rPr lang="en-US" dirty="0" smtClean="0"/>
               <a:t> </a:t>
             </a:r>
             <a:r>
-              <a:rPr lang="en-US" dirty="0" err="1" smtClean="0">
-                <a:solidFill>
-                  <a:srgbClr val="FF0000"/>
-                </a:solidFill>
-              </a:rPr>
+              <a:rPr lang="en-US" dirty="0" err="1" smtClean="0"/>
               <a:t>kha</a:t>
             </a:r>
             <a:r>
-              <a:rPr lang="en-US" dirty="0" smtClean="0">
-                <a:solidFill>
-                  <a:srgbClr val="FF0000"/>
-                </a:solidFill>
-              </a:rPr>
+              <a:rPr lang="en-US" dirty="0" smtClean="0"/>
               <a:t>̉ </a:t>
             </a:r>
             <a:r>
-              <a:rPr lang="en-US" dirty="0" err="1" smtClean="0">
-                <a:solidFill>
-                  <a:srgbClr val="FF0000"/>
-                </a:solidFill>
-              </a:rPr>
+              <a:rPr lang="en-US" dirty="0" err="1" smtClean="0"/>
               <a:t>năng</a:t>
             </a:r>
             <a:r>
-              <a:rPr lang="en-US" dirty="0" smtClean="0">
-                <a:solidFill>
-                  <a:srgbClr val="FF0000"/>
-                </a:solidFill>
-              </a:rPr>
+              <a:rPr lang="en-US" dirty="0" smtClean="0"/>
               <a:t> </a:t>
             </a:r>
             <a:r>
-              <a:rPr lang="vi-VN" dirty="0" smtClean="0">
-                <a:solidFill>
-                  <a:srgbClr val="FF0000"/>
-                </a:solidFill>
-              </a:rPr>
-              <a:t>NGHỈ HỌC</a:t>
-            </a:r>
-            <a:endParaRPr lang="en-US" dirty="0" smtClean="0">
-              <a:solidFill>
-                <a:srgbClr val="FF0000"/>
-              </a:solidFill>
-            </a:endParaRPr>
+              <a:rPr lang="vi-VN" dirty="0" smtClean="0"/>
+              <a:t>NGHỈ </a:t>
+            </a:r>
+            <a:r>
+              <a:rPr lang="vi-VN" dirty="0" smtClean="0"/>
+              <a:t>HỌC</a:t>
+            </a:r>
+            <a:endParaRPr lang="en-US" dirty="0" smtClean="0"/>
           </a:p>
           <a:p>
-            <a:r>
-              <a:rPr lang="en-US" dirty="0" err="1" smtClean="0">
-                <a:solidFill>
-                  <a:srgbClr val="FF0000"/>
-                </a:solidFill>
-              </a:rPr>
+            <a:pPr algn="just">
+              <a:buFont typeface="Wingdings" pitchFamily="2" charset="2"/>
+              <a:buChar char="ü"/>
+            </a:pPr>
+            <a:r>
+              <a:rPr lang="en-US" dirty="0" err="1" smtClean="0"/>
               <a:t>Mô</a:t>
             </a:r>
             <a:r>
-              <a:rPr lang="en-US" dirty="0" smtClean="0">
-                <a:solidFill>
-                  <a:srgbClr val="FF0000"/>
-                </a:solidFill>
-              </a:rPr>
+              <a:rPr lang="en-US" dirty="0" smtClean="0"/>
               <a:t> </a:t>
             </a:r>
             <a:r>
-              <a:rPr lang="en-US" dirty="0" err="1" smtClean="0">
-                <a:solidFill>
-                  <a:srgbClr val="FF0000"/>
-                </a:solidFill>
-              </a:rPr>
+              <a:rPr lang="en-US" dirty="0" err="1" smtClean="0"/>
               <a:t>hình</a:t>
             </a:r>
             <a:r>
-              <a:rPr lang="en-US" dirty="0" smtClean="0">
-                <a:solidFill>
-                  <a:srgbClr val="FF0000"/>
-                </a:solidFill>
-              </a:rPr>
+              <a:rPr lang="en-US" dirty="0" smtClean="0"/>
               <a:t> </a:t>
             </a:r>
             <a:r>
-              <a:rPr lang="en-US" dirty="0" err="1" smtClean="0">
-                <a:solidFill>
-                  <a:srgbClr val="FF0000"/>
-                </a:solidFill>
-              </a:rPr>
+              <a:rPr lang="en-US" dirty="0" err="1" smtClean="0"/>
               <a:t>dư</a:t>
             </a:r>
             <a:r>
-              <a:rPr lang="en-US" dirty="0" smtClean="0">
-                <a:solidFill>
-                  <a:srgbClr val="FF0000"/>
-                </a:solidFill>
-              </a:rPr>
+              <a:rPr lang="en-US" dirty="0" smtClean="0"/>
               <a:t>̣ </a:t>
             </a:r>
             <a:r>
-              <a:rPr lang="en-US" dirty="0" err="1" smtClean="0">
-                <a:solidFill>
-                  <a:srgbClr val="FF0000"/>
-                </a:solidFill>
-              </a:rPr>
+              <a:rPr lang="en-US" dirty="0" err="1" smtClean="0"/>
               <a:t>báo</a:t>
             </a:r>
             <a:r>
-              <a:rPr lang="en-US" dirty="0" smtClean="0">
-                <a:solidFill>
-                  <a:srgbClr val="FF0000"/>
-                </a:solidFill>
-              </a:rPr>
+              <a:rPr lang="en-US" dirty="0" smtClean="0"/>
               <a:t> </a:t>
             </a:r>
             <a:r>
-              <a:rPr lang="en-US" dirty="0" err="1" smtClean="0">
-                <a:solidFill>
-                  <a:srgbClr val="FF0000"/>
-                </a:solidFill>
-              </a:rPr>
+              <a:rPr lang="en-US" dirty="0" err="1" smtClean="0"/>
               <a:t>kha</a:t>
             </a:r>
             <a:r>
-              <a:rPr lang="en-US" dirty="0" smtClean="0">
-                <a:solidFill>
-                  <a:srgbClr val="FF0000"/>
-                </a:solidFill>
-              </a:rPr>
+              <a:rPr lang="en-US" dirty="0" smtClean="0"/>
               <a:t>̉ </a:t>
             </a:r>
             <a:r>
-              <a:rPr lang="en-US" dirty="0" err="1" smtClean="0">
-                <a:solidFill>
-                  <a:srgbClr val="FF0000"/>
-                </a:solidFill>
-              </a:rPr>
+              <a:rPr lang="en-US" dirty="0" err="1" smtClean="0"/>
               <a:t>năng</a:t>
             </a:r>
             <a:r>
-              <a:rPr lang="en-US" dirty="0" smtClean="0">
-                <a:solidFill>
-                  <a:srgbClr val="FF0000"/>
-                </a:solidFill>
-              </a:rPr>
+              <a:rPr lang="en-US" dirty="0" smtClean="0"/>
               <a:t> NGHỈ HỌC </a:t>
             </a:r>
             <a:r>
-              <a:rPr lang="en-US" dirty="0" err="1" smtClean="0">
-                <a:solidFill>
-                  <a:srgbClr val="FF0000"/>
-                </a:solidFill>
-              </a:rPr>
+              <a:rPr lang="en-US" dirty="0" err="1" smtClean="0"/>
               <a:t>của</a:t>
             </a:r>
             <a:r>
-              <a:rPr lang="en-US" dirty="0" smtClean="0">
-                <a:solidFill>
-                  <a:srgbClr val="FF0000"/>
-                </a:solidFill>
-              </a:rPr>
+              <a:rPr lang="en-US" dirty="0" smtClean="0"/>
               <a:t> </a:t>
             </a:r>
             <a:r>
-              <a:rPr lang="en-US" dirty="0" err="1" smtClean="0">
-                <a:solidFill>
-                  <a:srgbClr val="FF0000"/>
-                </a:solidFill>
-              </a:rPr>
+              <a:rPr lang="en-US" dirty="0" err="1" smtClean="0"/>
               <a:t>học</a:t>
             </a:r>
             <a:r>
-              <a:rPr lang="en-US" dirty="0" smtClean="0">
-                <a:solidFill>
-                  <a:srgbClr val="FF0000"/>
-                </a:solidFill>
-              </a:rPr>
+              <a:rPr lang="en-US" dirty="0" smtClean="0"/>
               <a:t> </a:t>
             </a:r>
             <a:r>
-              <a:rPr lang="en-US" dirty="0" err="1" smtClean="0">
-                <a:solidFill>
-                  <a:srgbClr val="FF0000"/>
-                </a:solidFill>
-              </a:rPr>
+              <a:rPr lang="en-US" dirty="0" err="1" smtClean="0"/>
               <a:t>viên</a:t>
             </a:r>
             <a:r>
-              <a:rPr lang="en-US" dirty="0" smtClean="0">
-                <a:solidFill>
-                  <a:srgbClr val="FF0000"/>
-                </a:solidFill>
-              </a:rPr>
+              <a:rPr lang="en-US" dirty="0" smtClean="0"/>
               <a:t> </a:t>
             </a:r>
             <a:r>
-              <a:rPr lang="en-US" dirty="0" err="1" smtClean="0">
-                <a:solidFill>
-                  <a:srgbClr val="FF0000"/>
-                </a:solidFill>
-              </a:rPr>
+              <a:rPr lang="en-US" dirty="0" err="1" smtClean="0"/>
               <a:t>căn</a:t>
             </a:r>
             <a:r>
-              <a:rPr lang="en-US" dirty="0" smtClean="0">
-                <a:solidFill>
-                  <a:srgbClr val="FF0000"/>
-                </a:solidFill>
-              </a:rPr>
+              <a:rPr lang="en-US" dirty="0" smtClean="0"/>
               <a:t> </a:t>
             </a:r>
             <a:r>
-              <a:rPr lang="en-US" dirty="0" err="1" smtClean="0">
-                <a:solidFill>
-                  <a:srgbClr val="FF0000"/>
-                </a:solidFill>
-              </a:rPr>
+              <a:rPr lang="en-US" dirty="0" err="1" smtClean="0"/>
               <a:t>cư</a:t>
             </a:r>
             <a:r>
-              <a:rPr lang="en-US" dirty="0" smtClean="0">
-                <a:solidFill>
-                  <a:srgbClr val="FF0000"/>
-                </a:solidFill>
-              </a:rPr>
+              <a:rPr lang="en-US" dirty="0" smtClean="0"/>
               <a:t>́ </a:t>
             </a:r>
             <a:r>
-              <a:rPr lang="en-US" dirty="0" err="1" smtClean="0">
-                <a:solidFill>
-                  <a:srgbClr val="FF0000"/>
-                </a:solidFill>
-              </a:rPr>
+              <a:rPr lang="en-US" dirty="0" err="1" smtClean="0"/>
               <a:t>trên</a:t>
             </a:r>
             <a:r>
-              <a:rPr lang="en-US" dirty="0" smtClean="0">
-                <a:solidFill>
-                  <a:srgbClr val="FF0000"/>
-                </a:solidFill>
-              </a:rPr>
+              <a:rPr lang="en-US" dirty="0" smtClean="0"/>
               <a:t> </a:t>
             </a:r>
             <a:r>
-              <a:rPr lang="en-US" dirty="0" err="1" smtClean="0">
-                <a:solidFill>
-                  <a:srgbClr val="FF0000"/>
-                </a:solidFill>
-              </a:rPr>
-              <a:t>hô</a:t>
-            </a:r>
-            <a:r>
-              <a:rPr lang="en-US" dirty="0" smtClean="0">
-                <a:solidFill>
-                  <a:srgbClr val="FF0000"/>
-                </a:solidFill>
-              </a:rPr>
-              <a:t>̀ </a:t>
-            </a:r>
-            <a:r>
-              <a:rPr lang="en-US" dirty="0" err="1" smtClean="0">
-                <a:solidFill>
-                  <a:srgbClr val="FF0000"/>
-                </a:solidFill>
-              </a:rPr>
+              <a:rPr lang="en-US" dirty="0" err="1" smtClean="0"/>
+              <a:t>hồ</a:t>
+            </a:r>
+            <a:r>
+              <a:rPr lang="en-US" dirty="0" smtClean="0"/>
+              <a:t> </a:t>
+            </a:r>
+            <a:r>
+              <a:rPr lang="en-US" dirty="0" err="1" smtClean="0"/>
               <a:t>sơ</a:t>
             </a:r>
             <a:r>
-              <a:rPr lang="en-US" dirty="0" smtClean="0">
-                <a:solidFill>
-                  <a:srgbClr val="FF0000"/>
-                </a:solidFill>
-              </a:rPr>
+              <a:rPr lang="en-US" dirty="0" smtClean="0"/>
               <a:t> </a:t>
             </a:r>
             <a:r>
-              <a:rPr lang="en-US" dirty="0" err="1" smtClean="0">
-                <a:solidFill>
-                  <a:srgbClr val="FF0000"/>
-                </a:solidFill>
-              </a:rPr>
+              <a:rPr lang="en-US" dirty="0" err="1" smtClean="0"/>
               <a:t>thông</a:t>
             </a:r>
             <a:r>
-              <a:rPr lang="en-US" dirty="0" smtClean="0">
-                <a:solidFill>
-                  <a:srgbClr val="FF0000"/>
-                </a:solidFill>
-              </a:rPr>
-              <a:t> tin</a:t>
-            </a:r>
+              <a:rPr lang="en-US" dirty="0" smtClean="0"/>
+              <a:t> </a:t>
+            </a:r>
+            <a:r>
+              <a:rPr lang="en-US" dirty="0" smtClean="0"/>
+              <a:t>tin</a:t>
+            </a:r>
+            <a:endParaRPr lang="en-US" dirty="0" smtClean="0"/>
           </a:p>
           <a:p>
-            <a:r>
-              <a:rPr lang="en-US" dirty="0" err="1" smtClean="0">
-                <a:solidFill>
-                  <a:srgbClr val="FF0000"/>
-                </a:solidFill>
-              </a:rPr>
+            <a:pPr algn="just">
+              <a:buFont typeface="Wingdings" pitchFamily="2" charset="2"/>
+              <a:buChar char="ü"/>
+            </a:pPr>
+            <a:r>
+              <a:rPr lang="en-US" dirty="0" err="1" smtClean="0"/>
               <a:t>Sản</a:t>
             </a:r>
             <a:r>
-              <a:rPr lang="en-US" dirty="0" smtClean="0">
-                <a:solidFill>
-                  <a:srgbClr val="FF0000"/>
-                </a:solidFill>
-              </a:rPr>
+              <a:rPr lang="en-US" dirty="0" smtClean="0"/>
               <a:t> </a:t>
             </a:r>
             <a:r>
-              <a:rPr lang="en-US" dirty="0" err="1" smtClean="0">
-                <a:solidFill>
-                  <a:srgbClr val="FF0000"/>
-                </a:solidFill>
-              </a:rPr>
+              <a:rPr lang="en-US" dirty="0" err="1" smtClean="0"/>
               <a:t>phẩm</a:t>
             </a:r>
             <a:r>
-              <a:rPr lang="en-US" dirty="0" smtClean="0">
-                <a:solidFill>
-                  <a:srgbClr val="FF0000"/>
-                </a:solidFill>
-              </a:rPr>
+              <a:rPr lang="en-US" dirty="0" smtClean="0"/>
               <a:t> </a:t>
             </a:r>
             <a:r>
-              <a:rPr lang="en-US" dirty="0" err="1" smtClean="0">
-                <a:solidFill>
-                  <a:srgbClr val="FF0000"/>
-                </a:solidFill>
-              </a:rPr>
+              <a:rPr lang="en-US" dirty="0" err="1" smtClean="0"/>
               <a:t>phần</a:t>
             </a:r>
             <a:r>
-              <a:rPr lang="en-US" dirty="0" smtClean="0">
-                <a:solidFill>
-                  <a:srgbClr val="FF0000"/>
-                </a:solidFill>
-              </a:rPr>
+              <a:rPr lang="en-US" dirty="0" smtClean="0"/>
               <a:t> </a:t>
             </a:r>
             <a:r>
-              <a:rPr lang="en-US" dirty="0" err="1" smtClean="0">
-                <a:solidFill>
-                  <a:srgbClr val="FF0000"/>
-                </a:solidFill>
-              </a:rPr>
+              <a:rPr lang="en-US" dirty="0" err="1" smtClean="0"/>
               <a:t>mềm</a:t>
             </a:r>
-            <a:endParaRPr lang="en-US" dirty="0" smtClean="0">
-              <a:solidFill>
-                <a:srgbClr val="FF0000"/>
-              </a:solidFill>
-            </a:endParaRPr>
+            <a:endParaRPr lang="en-US" dirty="0" smtClean="0"/>
           </a:p>
           <a:p>
-            <a:r>
-              <a:rPr lang="en-US" dirty="0" err="1" smtClean="0">
-                <a:solidFill>
-                  <a:srgbClr val="FF0000"/>
-                </a:solidFill>
-              </a:rPr>
+            <a:pPr algn="just">
+              <a:buFont typeface="Wingdings" pitchFamily="2" charset="2"/>
+              <a:buChar char="ü"/>
+            </a:pPr>
+            <a:r>
+              <a:rPr lang="en-US" dirty="0" err="1" smtClean="0"/>
               <a:t>Xác</a:t>
             </a:r>
             <a:r>
-              <a:rPr lang="en-US" dirty="0" smtClean="0">
-                <a:solidFill>
-                  <a:srgbClr val="FF0000"/>
-                </a:solidFill>
-              </a:rPr>
+              <a:rPr lang="en-US" dirty="0" smtClean="0"/>
               <a:t> </a:t>
             </a:r>
             <a:r>
-              <a:rPr lang="en-US" dirty="0" err="1" smtClean="0">
-                <a:solidFill>
-                  <a:srgbClr val="FF0000"/>
-                </a:solidFill>
-              </a:rPr>
+              <a:rPr lang="en-US" dirty="0" err="1" smtClean="0"/>
               <a:t>định</a:t>
             </a:r>
             <a:r>
-              <a:rPr lang="en-US" dirty="0" smtClean="0">
-                <a:solidFill>
-                  <a:srgbClr val="FF0000"/>
-                </a:solidFill>
-              </a:rPr>
+              <a:rPr lang="en-US" dirty="0" smtClean="0"/>
               <a:t> </a:t>
             </a:r>
             <a:r>
-              <a:rPr lang="en-US" dirty="0" err="1" smtClean="0">
-                <a:solidFill>
-                  <a:srgbClr val="FF0000"/>
-                </a:solidFill>
-              </a:rPr>
+              <a:rPr lang="en-US" dirty="0" err="1" smtClean="0"/>
               <a:t>một</a:t>
             </a:r>
             <a:r>
-              <a:rPr lang="en-US" dirty="0" smtClean="0">
-                <a:solidFill>
-                  <a:srgbClr val="FF0000"/>
-                </a:solidFill>
-              </a:rPr>
+              <a:rPr lang="en-US" dirty="0" smtClean="0"/>
               <a:t> </a:t>
             </a:r>
             <a:r>
-              <a:rPr lang="en-US" dirty="0" err="1" smtClean="0">
-                <a:solidFill>
-                  <a:srgbClr val="FF0000"/>
-                </a:solidFill>
-              </a:rPr>
+              <a:rPr lang="en-US" dirty="0" err="1" smtClean="0"/>
               <a:t>nhân</a:t>
             </a:r>
             <a:r>
-              <a:rPr lang="en-US" dirty="0" smtClean="0">
-                <a:solidFill>
-                  <a:srgbClr val="FF0000"/>
-                </a:solidFill>
-              </a:rPr>
+              <a:rPr lang="en-US" dirty="0" smtClean="0"/>
               <a:t> </a:t>
             </a:r>
             <a:r>
-              <a:rPr lang="en-US" dirty="0" err="1" smtClean="0">
-                <a:solidFill>
-                  <a:srgbClr val="FF0000"/>
-                </a:solidFill>
-              </a:rPr>
+              <a:rPr lang="en-US" dirty="0" err="1" smtClean="0"/>
               <a:t>tô</a:t>
             </a:r>
             <a:r>
-              <a:rPr lang="en-US" dirty="0" smtClean="0">
-                <a:solidFill>
-                  <a:srgbClr val="FF0000"/>
-                </a:solidFill>
-              </a:rPr>
+              <a:rPr lang="en-US" dirty="0" smtClean="0"/>
               <a:t>́ </a:t>
             </a:r>
             <a:r>
-              <a:rPr lang="en-US" dirty="0" err="1" smtClean="0">
-                <a:solidFill>
-                  <a:srgbClr val="FF0000"/>
-                </a:solidFill>
-              </a:rPr>
+              <a:rPr lang="en-US" dirty="0" err="1" smtClean="0"/>
               <a:t>khác</a:t>
             </a:r>
             <a:r>
-              <a:rPr lang="en-US" dirty="0" smtClean="0">
-                <a:solidFill>
-                  <a:srgbClr val="FF0000"/>
-                </a:solidFill>
-              </a:rPr>
+              <a:rPr lang="en-US" dirty="0" smtClean="0"/>
               <a:t>  CHƯA </a:t>
             </a:r>
             <a:r>
-              <a:rPr lang="en-US" dirty="0" err="1" smtClean="0">
-                <a:solidFill>
-                  <a:srgbClr val="FF0000"/>
-                </a:solidFill>
-              </a:rPr>
+              <a:rPr lang="en-US" dirty="0" err="1" smtClean="0"/>
               <a:t>định</a:t>
             </a:r>
             <a:r>
-              <a:rPr lang="en-US" dirty="0" smtClean="0">
-                <a:solidFill>
-                  <a:srgbClr val="FF0000"/>
-                </a:solidFill>
-              </a:rPr>
+              <a:rPr lang="en-US" dirty="0" smtClean="0"/>
               <a:t> </a:t>
             </a:r>
             <a:r>
-              <a:rPr lang="en-US" dirty="0" err="1" smtClean="0">
-                <a:solidFill>
-                  <a:srgbClr val="FF0000"/>
-                </a:solidFill>
-              </a:rPr>
+              <a:rPr lang="en-US" dirty="0" err="1" smtClean="0"/>
               <a:t>lượng</a:t>
             </a:r>
             <a:r>
-              <a:rPr lang="en-US" dirty="0" smtClean="0">
-                <a:solidFill>
-                  <a:srgbClr val="FF0000"/>
-                </a:solidFill>
-              </a:rPr>
+              <a:rPr lang="en-US" dirty="0" smtClean="0"/>
               <a:t> </a:t>
             </a:r>
             <a:r>
-              <a:rPr lang="en-US" dirty="0" err="1" smtClean="0">
-                <a:solidFill>
-                  <a:srgbClr val="FF0000"/>
-                </a:solidFill>
-              </a:rPr>
+              <a:rPr lang="en-US" dirty="0" err="1" smtClean="0"/>
               <a:t>được</a:t>
             </a:r>
             <a:r>
-              <a:rPr lang="en-US" dirty="0" smtClean="0">
-                <a:solidFill>
-                  <a:srgbClr val="FF0000"/>
-                </a:solidFill>
-              </a:rPr>
+              <a:rPr lang="en-US" dirty="0" smtClean="0"/>
               <a:t> </a:t>
             </a:r>
             <a:r>
-              <a:rPr lang="en-US" dirty="0" err="1" smtClean="0">
-                <a:solidFill>
-                  <a:srgbClr val="FF0000"/>
-                </a:solidFill>
-              </a:rPr>
+              <a:rPr lang="en-US" dirty="0" err="1" smtClean="0"/>
               <a:t>cũng</a:t>
             </a:r>
             <a:r>
-              <a:rPr lang="en-US" dirty="0" smtClean="0">
-                <a:solidFill>
-                  <a:srgbClr val="FF0000"/>
-                </a:solidFill>
-              </a:rPr>
+              <a:rPr lang="en-US" dirty="0" smtClean="0"/>
               <a:t> </a:t>
             </a:r>
             <a:r>
-              <a:rPr lang="en-US" dirty="0" err="1" smtClean="0">
-                <a:solidFill>
-                  <a:srgbClr val="FF0000"/>
-                </a:solidFill>
-              </a:rPr>
+              <a:rPr lang="en-US" dirty="0" err="1" smtClean="0"/>
               <a:t>ảnh</a:t>
             </a:r>
             <a:r>
-              <a:rPr lang="en-US" dirty="0" smtClean="0">
-                <a:solidFill>
-                  <a:srgbClr val="FF0000"/>
-                </a:solidFill>
-              </a:rPr>
+              <a:rPr lang="en-US" dirty="0" smtClean="0"/>
               <a:t> </a:t>
             </a:r>
             <a:r>
-              <a:rPr lang="en-US" dirty="0" err="1" smtClean="0">
-                <a:solidFill>
-                  <a:srgbClr val="FF0000"/>
-                </a:solidFill>
-              </a:rPr>
+              <a:rPr lang="en-US" dirty="0" err="1" smtClean="0"/>
               <a:t>hưởng</a:t>
             </a:r>
             <a:r>
-              <a:rPr lang="en-US" dirty="0" smtClean="0">
-                <a:solidFill>
-                  <a:srgbClr val="FF0000"/>
-                </a:solidFill>
-              </a:rPr>
+              <a:rPr lang="en-US" dirty="0" smtClean="0"/>
               <a:t> </a:t>
             </a:r>
             <a:r>
-              <a:rPr lang="en-US" dirty="0" err="1" smtClean="0">
-                <a:solidFill>
-                  <a:srgbClr val="FF0000"/>
-                </a:solidFill>
-              </a:rPr>
+              <a:rPr lang="en-US" dirty="0" err="1" smtClean="0"/>
               <a:t>đến</a:t>
             </a:r>
             <a:r>
-              <a:rPr lang="en-US" dirty="0" smtClean="0">
-                <a:solidFill>
-                  <a:srgbClr val="FF0000"/>
-                </a:solidFill>
-              </a:rPr>
+              <a:rPr lang="en-US" dirty="0" smtClean="0"/>
               <a:t> </a:t>
             </a:r>
             <a:r>
-              <a:rPr lang="en-US" dirty="0" err="1" smtClean="0">
-                <a:solidFill>
-                  <a:srgbClr val="FF0000"/>
-                </a:solidFill>
-              </a:rPr>
+              <a:rPr lang="en-US" dirty="0" err="1" smtClean="0"/>
               <a:t>kha</a:t>
             </a:r>
             <a:r>
-              <a:rPr lang="en-US" dirty="0" smtClean="0">
-                <a:solidFill>
-                  <a:srgbClr val="FF0000"/>
-                </a:solidFill>
-              </a:rPr>
+              <a:rPr lang="en-US" dirty="0" smtClean="0"/>
               <a:t>̉ </a:t>
             </a:r>
             <a:r>
-              <a:rPr lang="en-US" dirty="0" err="1" smtClean="0">
-                <a:solidFill>
-                  <a:srgbClr val="FF0000"/>
-                </a:solidFill>
-              </a:rPr>
+              <a:rPr lang="en-US" dirty="0" err="1" smtClean="0"/>
               <a:t>năng</a:t>
             </a:r>
             <a:r>
-              <a:rPr lang="en-US" dirty="0" smtClean="0">
-                <a:solidFill>
-                  <a:srgbClr val="FF0000"/>
-                </a:solidFill>
-              </a:rPr>
+              <a:rPr lang="en-US" dirty="0" smtClean="0"/>
               <a:t> </a:t>
             </a:r>
             <a:r>
-              <a:rPr lang="vi-VN" dirty="0" smtClean="0">
-                <a:solidFill>
-                  <a:srgbClr val="FF0000"/>
-                </a:solidFill>
-              </a:rPr>
-              <a:t>NGHỈ HỌC</a:t>
-            </a:r>
-            <a:endParaRPr lang="en-US" dirty="0" smtClean="0">
-              <a:solidFill>
-                <a:srgbClr val="FF0000"/>
-              </a:solidFill>
-            </a:endParaRPr>
-          </a:p>
-          <a:p>
-            <a:endParaRPr lang="en-US" dirty="0">
-              <a:solidFill>
-                <a:srgbClr val="FF0000"/>
-              </a:solidFill>
-            </a:endParaRPr>
+              <a:rPr lang="vi-VN" dirty="0" smtClean="0"/>
+              <a:t>NGHỈ </a:t>
+            </a:r>
+            <a:r>
+              <a:rPr lang="vi-VN" dirty="0" smtClean="0"/>
+              <a:t>HỌC</a:t>
+            </a:r>
+            <a:endParaRPr lang="en-US" dirty="0" smtClean="0"/>
           </a:p>
         </p:txBody>
       </p:sp>
@@ -33700,6 +33472,573 @@
           </a:p>
         </p:txBody>
       </p:sp>
+      <p:graphicFrame>
+        <p:nvGraphicFramePr>
+          <p:cNvPr id="6" name="Table 5"/>
+          <p:cNvGraphicFramePr>
+            <a:graphicFrameLocks noGrp="1"/>
+          </p:cNvGraphicFramePr>
+          <p:nvPr/>
+        </p:nvGraphicFramePr>
+        <p:xfrm>
+          <a:off x="4953000" y="1981200"/>
+          <a:ext cx="3733800" cy="2380690"/>
+        </p:xfrm>
+        <a:graphic>
+          <a:graphicData uri="http://schemas.openxmlformats.org/drawingml/2006/table">
+            <a:tbl>
+              <a:tblPr/>
+              <a:tblGrid>
+                <a:gridCol w="3733800"/>
+              </a:tblGrid>
+              <a:tr h="504265">
+                <a:tc>
+                  <a:txBody>
+                    <a:bodyPr/>
+                    <a:lstStyle/>
+                    <a:p>
+                      <a:pPr algn="ctr" fontAlgn="ctr"/>
+                      <a:r>
+                        <a:rPr lang="vi-VN" sz="2500" b="0" kern="1200" dirty="0" smtClean="0">
+                          <a:solidFill>
+                            <a:schemeClr val="bg1"/>
+                          </a:solidFill>
+                          <a:latin typeface="+mn-lt"/>
+                          <a:ea typeface="+mn-ea"/>
+                          <a:cs typeface="+mn-cs"/>
+                        </a:rPr>
+                        <a:t>5 nhân tố ảnh hưởng</a:t>
+                      </a:r>
+                    </a:p>
+                  </a:txBody>
+                  <a:tcPr marL="9525" marR="9525" marT="9525" marB="0" anchor="ctr">
+                    <a:lnL w="6350" cap="flat" cmpd="sng" algn="ctr">
+                      <a:solidFill>
+                        <a:srgbClr val="000000"/>
+                      </a:solidFill>
+                      <a:prstDash val="solid"/>
+                      <a:round/>
+                      <a:headEnd type="none" w="med" len="med"/>
+                      <a:tailEnd type="none" w="med" len="med"/>
+                    </a:lnL>
+                    <a:lnR w="6350" cap="flat" cmpd="sng" algn="ctr">
+                      <a:solidFill>
+                        <a:srgbClr val="000000"/>
+                      </a:solidFill>
+                      <a:prstDash val="solid"/>
+                      <a:round/>
+                      <a:headEnd type="none" w="med" len="med"/>
+                      <a:tailEnd type="none" w="med" len="med"/>
+                    </a:lnR>
+                    <a:lnT w="6350" cap="flat" cmpd="sng" algn="ctr">
+                      <a:solidFill>
+                        <a:srgbClr val="000000"/>
+                      </a:solidFill>
+                      <a:prstDash val="solid"/>
+                      <a:round/>
+                      <a:headEnd type="none" w="med" len="med"/>
+                      <a:tailEnd type="none" w="med" len="med"/>
+                    </a:lnT>
+                    <a:lnB w="6350" cap="flat" cmpd="sng" algn="ctr">
+                      <a:solidFill>
+                        <a:srgbClr val="000000"/>
+                      </a:solidFill>
+                      <a:prstDash val="solid"/>
+                      <a:round/>
+                      <a:headEnd type="none" w="med" len="med"/>
+                      <a:tailEnd type="none" w="med" len="med"/>
+                    </a:lnB>
+                    <a:solidFill>
+                      <a:srgbClr val="00B050"/>
+                    </a:solidFill>
+                  </a:tcPr>
+                </a:tc>
+              </a:tr>
+              <a:tr h="280147">
+                <a:tc>
+                  <a:txBody>
+                    <a:bodyPr/>
+                    <a:lstStyle/>
+                    <a:p>
+                      <a:pPr algn="l" fontAlgn="b"/>
+                      <a:r>
+                        <a:rPr lang="en-US" sz="2400" kern="1200" dirty="0" smtClean="0">
+                          <a:solidFill>
+                            <a:schemeClr val="tx1"/>
+                          </a:solidFill>
+                          <a:latin typeface="+mn-lt"/>
+                          <a:ea typeface="+mn-ea"/>
+                          <a:cs typeface="+mn-cs"/>
+                        </a:rPr>
+                        <a:t> 1</a:t>
+                      </a:r>
+                      <a:r>
+                        <a:rPr lang="en-US" sz="2400" kern="1200" dirty="0" smtClean="0">
+                          <a:solidFill>
+                            <a:schemeClr val="tx1"/>
+                          </a:solidFill>
+                          <a:latin typeface="+mn-lt"/>
+                          <a:ea typeface="+mn-ea"/>
+                          <a:cs typeface="+mn-cs"/>
+                        </a:rPr>
+                        <a:t>. </a:t>
+                      </a:r>
+                      <a:r>
+                        <a:rPr lang="en-US" sz="2400" kern="1200" dirty="0" err="1" smtClean="0">
+                          <a:solidFill>
+                            <a:schemeClr val="tx1"/>
+                          </a:solidFill>
+                          <a:latin typeface="+mn-lt"/>
+                          <a:ea typeface="+mn-ea"/>
+                          <a:cs typeface="+mn-cs"/>
+                        </a:rPr>
+                        <a:t>Tuổi</a:t>
+                      </a:r>
+                      <a:endParaRPr lang="en-US" sz="2400" kern="1200" dirty="0" smtClean="0">
+                        <a:solidFill>
+                          <a:schemeClr val="tx1"/>
+                        </a:solidFill>
+                        <a:latin typeface="+mn-lt"/>
+                        <a:ea typeface="+mn-ea"/>
+                        <a:cs typeface="+mn-cs"/>
+                      </a:endParaRPr>
+                    </a:p>
+                  </a:txBody>
+                  <a:tcPr marL="9525" marR="9525" marT="9525" marB="0" anchor="b">
+                    <a:lnL w="6350" cap="flat" cmpd="sng" algn="ctr">
+                      <a:solidFill>
+                        <a:srgbClr val="000000"/>
+                      </a:solidFill>
+                      <a:prstDash val="solid"/>
+                      <a:round/>
+                      <a:headEnd type="none" w="med" len="med"/>
+                      <a:tailEnd type="none" w="med" len="med"/>
+                    </a:lnL>
+                    <a:lnR w="6350" cap="flat" cmpd="sng" algn="ctr">
+                      <a:solidFill>
+                        <a:srgbClr val="000000"/>
+                      </a:solidFill>
+                      <a:prstDash val="solid"/>
+                      <a:round/>
+                      <a:headEnd type="none" w="med" len="med"/>
+                      <a:tailEnd type="none" w="med" len="med"/>
+                    </a:lnR>
+                    <a:lnT w="6350" cap="flat" cmpd="sng" algn="ctr">
+                      <a:solidFill>
+                        <a:srgbClr val="000000"/>
+                      </a:solidFill>
+                      <a:prstDash val="solid"/>
+                      <a:round/>
+                      <a:headEnd type="none" w="med" len="med"/>
+                      <a:tailEnd type="none" w="med" len="med"/>
+                    </a:lnT>
+                    <a:lnB w="6350" cap="flat" cmpd="sng" algn="ctr">
+                      <a:solidFill>
+                        <a:srgbClr val="000000"/>
+                      </a:solidFill>
+                      <a:prstDash val="solid"/>
+                      <a:round/>
+                      <a:headEnd type="none" w="med" len="med"/>
+                      <a:tailEnd type="none" w="med" len="med"/>
+                    </a:lnB>
+                  </a:tcPr>
+                </a:tc>
+              </a:tr>
+              <a:tr h="280147">
+                <a:tc>
+                  <a:txBody>
+                    <a:bodyPr/>
+                    <a:lstStyle/>
+                    <a:p>
+                      <a:pPr algn="l" fontAlgn="b"/>
+                      <a:r>
+                        <a:rPr lang="en-US" sz="2400" kern="1200" dirty="0" smtClean="0">
+                          <a:solidFill>
+                            <a:schemeClr val="tx1"/>
+                          </a:solidFill>
+                          <a:latin typeface="+mn-lt"/>
+                          <a:ea typeface="+mn-ea"/>
+                          <a:cs typeface="+mn-cs"/>
+                        </a:rPr>
+                        <a:t> 2</a:t>
+                      </a:r>
+                      <a:r>
+                        <a:rPr lang="en-US" sz="2400" kern="1200" dirty="0" smtClean="0">
+                          <a:solidFill>
+                            <a:schemeClr val="tx1"/>
+                          </a:solidFill>
+                          <a:latin typeface="+mn-lt"/>
+                          <a:ea typeface="+mn-ea"/>
+                          <a:cs typeface="+mn-cs"/>
+                        </a:rPr>
+                        <a:t>. </a:t>
+                      </a:r>
+                      <a:r>
+                        <a:rPr lang="en-US" sz="2400" kern="1200" dirty="0" err="1" smtClean="0">
+                          <a:solidFill>
+                            <a:schemeClr val="tx1"/>
+                          </a:solidFill>
+                          <a:latin typeface="+mn-lt"/>
+                          <a:ea typeface="+mn-ea"/>
+                          <a:cs typeface="+mn-cs"/>
+                        </a:rPr>
+                        <a:t>Giới</a:t>
+                      </a:r>
+                      <a:r>
+                        <a:rPr lang="en-US" sz="2400" kern="1200" dirty="0" smtClean="0">
+                          <a:solidFill>
+                            <a:schemeClr val="tx1"/>
+                          </a:solidFill>
+                          <a:latin typeface="+mn-lt"/>
+                          <a:ea typeface="+mn-ea"/>
+                          <a:cs typeface="+mn-cs"/>
+                        </a:rPr>
+                        <a:t> </a:t>
+                      </a:r>
+                      <a:r>
+                        <a:rPr lang="en-US" sz="2400" kern="1200" dirty="0" err="1" smtClean="0">
+                          <a:solidFill>
+                            <a:schemeClr val="tx1"/>
+                          </a:solidFill>
+                          <a:latin typeface="+mn-lt"/>
+                          <a:ea typeface="+mn-ea"/>
+                          <a:cs typeface="+mn-cs"/>
+                        </a:rPr>
+                        <a:t>tính</a:t>
+                      </a:r>
+                      <a:endParaRPr lang="en-US" sz="2400" kern="1200" dirty="0" smtClean="0">
+                        <a:solidFill>
+                          <a:schemeClr val="tx1"/>
+                        </a:solidFill>
+                        <a:latin typeface="+mn-lt"/>
+                        <a:ea typeface="+mn-ea"/>
+                        <a:cs typeface="+mn-cs"/>
+                      </a:endParaRPr>
+                    </a:p>
+                  </a:txBody>
+                  <a:tcPr marL="9525" marR="9525" marT="9525" marB="0" anchor="b">
+                    <a:lnL w="6350" cap="flat" cmpd="sng" algn="ctr">
+                      <a:solidFill>
+                        <a:srgbClr val="000000"/>
+                      </a:solidFill>
+                      <a:prstDash val="solid"/>
+                      <a:round/>
+                      <a:headEnd type="none" w="med" len="med"/>
+                      <a:tailEnd type="none" w="med" len="med"/>
+                    </a:lnL>
+                    <a:lnR w="6350" cap="flat" cmpd="sng" algn="ctr">
+                      <a:solidFill>
+                        <a:srgbClr val="000000"/>
+                      </a:solidFill>
+                      <a:prstDash val="solid"/>
+                      <a:round/>
+                      <a:headEnd type="none" w="med" len="med"/>
+                      <a:tailEnd type="none" w="med" len="med"/>
+                    </a:lnR>
+                    <a:lnT w="6350" cap="flat" cmpd="sng" algn="ctr">
+                      <a:solidFill>
+                        <a:srgbClr val="000000"/>
+                      </a:solidFill>
+                      <a:prstDash val="solid"/>
+                      <a:round/>
+                      <a:headEnd type="none" w="med" len="med"/>
+                      <a:tailEnd type="none" w="med" len="med"/>
+                    </a:lnT>
+                    <a:lnB w="6350" cap="flat" cmpd="sng" algn="ctr">
+                      <a:solidFill>
+                        <a:srgbClr val="000000"/>
+                      </a:solidFill>
+                      <a:prstDash val="solid"/>
+                      <a:round/>
+                      <a:headEnd type="none" w="med" len="med"/>
+                      <a:tailEnd type="none" w="med" len="med"/>
+                    </a:lnB>
+                  </a:tcPr>
+                </a:tc>
+              </a:tr>
+              <a:tr h="280147">
+                <a:tc>
+                  <a:txBody>
+                    <a:bodyPr/>
+                    <a:lstStyle/>
+                    <a:p>
+                      <a:pPr algn="l" fontAlgn="b"/>
+                      <a:r>
+                        <a:rPr lang="en-US" sz="2400" kern="1200" dirty="0" smtClean="0">
+                          <a:solidFill>
+                            <a:schemeClr val="tx1"/>
+                          </a:solidFill>
+                          <a:latin typeface="+mn-lt"/>
+                          <a:ea typeface="+mn-ea"/>
+                          <a:cs typeface="+mn-cs"/>
+                        </a:rPr>
+                        <a:t> </a:t>
+                      </a:r>
+                      <a:r>
+                        <a:rPr lang="vi-VN" sz="2400" kern="1200" dirty="0" smtClean="0">
+                          <a:solidFill>
+                            <a:schemeClr val="tx1"/>
+                          </a:solidFill>
+                          <a:latin typeface="+mn-lt"/>
+                          <a:ea typeface="+mn-ea"/>
+                          <a:cs typeface="+mn-cs"/>
+                        </a:rPr>
+                        <a:t>3</a:t>
+                      </a:r>
+                      <a:r>
+                        <a:rPr lang="vi-VN" sz="2400" kern="1200" dirty="0" smtClean="0">
+                          <a:solidFill>
+                            <a:schemeClr val="tx1"/>
+                          </a:solidFill>
+                          <a:latin typeface="+mn-lt"/>
+                          <a:ea typeface="+mn-ea"/>
+                          <a:cs typeface="+mn-cs"/>
+                        </a:rPr>
+                        <a:t>. Đối tượng học</a:t>
+                      </a:r>
+                    </a:p>
+                  </a:txBody>
+                  <a:tcPr marL="9525" marR="9525" marT="9525" marB="0" anchor="b">
+                    <a:lnL w="6350" cap="flat" cmpd="sng" algn="ctr">
+                      <a:solidFill>
+                        <a:srgbClr val="000000"/>
+                      </a:solidFill>
+                      <a:prstDash val="solid"/>
+                      <a:round/>
+                      <a:headEnd type="none" w="med" len="med"/>
+                      <a:tailEnd type="none" w="med" len="med"/>
+                    </a:lnL>
+                    <a:lnR w="6350" cap="flat" cmpd="sng" algn="ctr">
+                      <a:solidFill>
+                        <a:srgbClr val="000000"/>
+                      </a:solidFill>
+                      <a:prstDash val="solid"/>
+                      <a:round/>
+                      <a:headEnd type="none" w="med" len="med"/>
+                      <a:tailEnd type="none" w="med" len="med"/>
+                    </a:lnR>
+                    <a:lnT w="6350" cap="flat" cmpd="sng" algn="ctr">
+                      <a:solidFill>
+                        <a:srgbClr val="000000"/>
+                      </a:solidFill>
+                      <a:prstDash val="solid"/>
+                      <a:round/>
+                      <a:headEnd type="none" w="med" len="med"/>
+                      <a:tailEnd type="none" w="med" len="med"/>
+                    </a:lnT>
+                    <a:lnB w="6350" cap="flat" cmpd="sng" algn="ctr">
+                      <a:solidFill>
+                        <a:srgbClr val="000000"/>
+                      </a:solidFill>
+                      <a:prstDash val="solid"/>
+                      <a:round/>
+                      <a:headEnd type="none" w="med" len="med"/>
+                      <a:tailEnd type="none" w="med" len="med"/>
+                    </a:lnB>
+                  </a:tcPr>
+                </a:tc>
+              </a:tr>
+              <a:tr h="280147">
+                <a:tc>
+                  <a:txBody>
+                    <a:bodyPr/>
+                    <a:lstStyle/>
+                    <a:p>
+                      <a:pPr algn="l" fontAlgn="b"/>
+                      <a:r>
+                        <a:rPr lang="en-US" sz="2400" kern="1200" dirty="0" smtClean="0">
+                          <a:solidFill>
+                            <a:schemeClr val="tx1"/>
+                          </a:solidFill>
+                          <a:latin typeface="+mn-lt"/>
+                          <a:ea typeface="+mn-ea"/>
+                          <a:cs typeface="+mn-cs"/>
+                        </a:rPr>
+                        <a:t> 4</a:t>
+                      </a:r>
+                      <a:r>
+                        <a:rPr lang="en-US" sz="2400" kern="1200" dirty="0" smtClean="0">
+                          <a:solidFill>
+                            <a:schemeClr val="tx1"/>
+                          </a:solidFill>
+                          <a:latin typeface="+mn-lt"/>
+                          <a:ea typeface="+mn-ea"/>
+                          <a:cs typeface="+mn-cs"/>
+                        </a:rPr>
+                        <a:t>. </a:t>
+                      </a:r>
+                      <a:r>
+                        <a:rPr lang="en-US" sz="2400" kern="1200" dirty="0" err="1" smtClean="0">
+                          <a:solidFill>
+                            <a:schemeClr val="tx1"/>
+                          </a:solidFill>
+                          <a:latin typeface="+mn-lt"/>
+                          <a:ea typeface="+mn-ea"/>
+                          <a:cs typeface="+mn-cs"/>
+                        </a:rPr>
+                        <a:t>Khác</a:t>
+                      </a:r>
+                      <a:r>
+                        <a:rPr lang="en-US" sz="2400" kern="1200" dirty="0" smtClean="0">
+                          <a:solidFill>
+                            <a:schemeClr val="tx1"/>
+                          </a:solidFill>
+                          <a:latin typeface="+mn-lt"/>
+                          <a:ea typeface="+mn-ea"/>
+                          <a:cs typeface="+mn-cs"/>
+                        </a:rPr>
+                        <a:t> </a:t>
+                      </a:r>
+                      <a:r>
+                        <a:rPr lang="en-US" sz="2400" kern="1200" dirty="0" err="1" smtClean="0">
+                          <a:solidFill>
+                            <a:schemeClr val="tx1"/>
+                          </a:solidFill>
+                          <a:latin typeface="+mn-lt"/>
+                          <a:ea typeface="+mn-ea"/>
+                          <a:cs typeface="+mn-cs"/>
+                        </a:rPr>
+                        <a:t>ngành</a:t>
+                      </a:r>
+                      <a:r>
+                        <a:rPr lang="en-US" sz="2400" kern="1200" dirty="0" smtClean="0">
+                          <a:solidFill>
+                            <a:schemeClr val="tx1"/>
+                          </a:solidFill>
+                          <a:latin typeface="+mn-lt"/>
+                          <a:ea typeface="+mn-ea"/>
+                          <a:cs typeface="+mn-cs"/>
+                        </a:rPr>
+                        <a:t> YN</a:t>
+                      </a:r>
+                    </a:p>
+                  </a:txBody>
+                  <a:tcPr marL="9525" marR="9525" marT="9525" marB="0" anchor="b">
+                    <a:lnL w="6350" cap="flat" cmpd="sng" algn="ctr">
+                      <a:solidFill>
+                        <a:srgbClr val="000000"/>
+                      </a:solidFill>
+                      <a:prstDash val="solid"/>
+                      <a:round/>
+                      <a:headEnd type="none" w="med" len="med"/>
+                      <a:tailEnd type="none" w="med" len="med"/>
+                    </a:lnL>
+                    <a:lnR w="6350" cap="flat" cmpd="sng" algn="ctr">
+                      <a:solidFill>
+                        <a:srgbClr val="000000"/>
+                      </a:solidFill>
+                      <a:prstDash val="solid"/>
+                      <a:round/>
+                      <a:headEnd type="none" w="med" len="med"/>
+                      <a:tailEnd type="none" w="med" len="med"/>
+                    </a:lnR>
+                    <a:lnT w="6350" cap="flat" cmpd="sng" algn="ctr">
+                      <a:solidFill>
+                        <a:srgbClr val="000000"/>
+                      </a:solidFill>
+                      <a:prstDash val="solid"/>
+                      <a:round/>
+                      <a:headEnd type="none" w="med" len="med"/>
+                      <a:tailEnd type="none" w="med" len="med"/>
+                    </a:lnT>
+                    <a:lnB w="6350" cap="flat" cmpd="sng" algn="ctr">
+                      <a:solidFill>
+                        <a:srgbClr val="000000"/>
+                      </a:solidFill>
+                      <a:prstDash val="solid"/>
+                      <a:round/>
+                      <a:headEnd type="none" w="med" len="med"/>
+                      <a:tailEnd type="none" w="med" len="med"/>
+                    </a:lnB>
+                  </a:tcPr>
+                </a:tc>
+              </a:tr>
+              <a:tr h="280147">
+                <a:tc>
+                  <a:txBody>
+                    <a:bodyPr/>
+                    <a:lstStyle/>
+                    <a:p>
+                      <a:pPr algn="l" fontAlgn="b"/>
+                      <a:r>
+                        <a:rPr lang="en-US" sz="2400" kern="1200" dirty="0" smtClean="0">
+                          <a:solidFill>
+                            <a:schemeClr val="tx1"/>
+                          </a:solidFill>
+                          <a:latin typeface="+mn-lt"/>
+                          <a:ea typeface="+mn-ea"/>
+                          <a:cs typeface="+mn-cs"/>
+                        </a:rPr>
+                        <a:t> </a:t>
+                      </a:r>
+                      <a:r>
+                        <a:rPr lang="vi-VN" sz="2400" kern="1200" dirty="0" smtClean="0">
+                          <a:solidFill>
+                            <a:schemeClr val="tx1"/>
+                          </a:solidFill>
+                          <a:latin typeface="+mn-lt"/>
+                          <a:ea typeface="+mn-ea"/>
+                          <a:cs typeface="+mn-cs"/>
+                        </a:rPr>
+                        <a:t>5</a:t>
+                      </a:r>
+                      <a:r>
+                        <a:rPr lang="vi-VN" sz="2400" kern="1200" dirty="0" smtClean="0">
+                          <a:solidFill>
+                            <a:schemeClr val="tx1"/>
+                          </a:solidFill>
+                          <a:latin typeface="+mn-lt"/>
+                          <a:ea typeface="+mn-ea"/>
+                          <a:cs typeface="+mn-cs"/>
+                        </a:rPr>
+                        <a:t>. Mã ngành đã tốt nghiệp</a:t>
+                      </a:r>
+                    </a:p>
+                  </a:txBody>
+                  <a:tcPr marL="9525" marR="9525" marT="9525" marB="0" anchor="b">
+                    <a:lnL w="6350" cap="flat" cmpd="sng" algn="ctr">
+                      <a:solidFill>
+                        <a:srgbClr val="000000"/>
+                      </a:solidFill>
+                      <a:prstDash val="solid"/>
+                      <a:round/>
+                      <a:headEnd type="none" w="med" len="med"/>
+                      <a:tailEnd type="none" w="med" len="med"/>
+                    </a:lnL>
+                    <a:lnR w="6350" cap="flat" cmpd="sng" algn="ctr">
+                      <a:solidFill>
+                        <a:srgbClr val="000000"/>
+                      </a:solidFill>
+                      <a:prstDash val="solid"/>
+                      <a:round/>
+                      <a:headEnd type="none" w="med" len="med"/>
+                      <a:tailEnd type="none" w="med" len="med"/>
+                    </a:lnR>
+                    <a:lnT w="6350" cap="flat" cmpd="sng" algn="ctr">
+                      <a:solidFill>
+                        <a:srgbClr val="000000"/>
+                      </a:solidFill>
+                      <a:prstDash val="solid"/>
+                      <a:round/>
+                      <a:headEnd type="none" w="med" len="med"/>
+                      <a:tailEnd type="none" w="med" len="med"/>
+                    </a:lnT>
+                    <a:lnB w="6350" cap="flat" cmpd="sng" algn="ctr">
+                      <a:solidFill>
+                        <a:srgbClr val="000000"/>
+                      </a:solidFill>
+                      <a:prstDash val="solid"/>
+                      <a:round/>
+                      <a:headEnd type="none" w="med" len="med"/>
+                      <a:tailEnd type="none" w="med" len="med"/>
+                    </a:lnB>
+                  </a:tcPr>
+                </a:tc>
+              </a:tr>
+            </a:tbl>
+          </a:graphicData>
+        </a:graphic>
+      </p:graphicFrame>
     </p:spTree>
   </p:cSld>
   <p:clrMapOvr>
@@ -42986,14 +43325,127 @@
             <p:ph idx="1"/>
           </p:nvPr>
         </p:nvSpPr>
-        <p:spPr/>
+        <p:spPr>
+          <a:xfrm>
+            <a:off x="457200" y="4419600"/>
+            <a:ext cx="8229600" cy="1905000"/>
+          </a:xfrm>
+        </p:spPr>
         <p:txBody>
-          <a:bodyPr/>
+          <a:bodyPr>
+            <a:normAutofit fontScale="47500" lnSpcReduction="20000"/>
+          </a:bodyPr>
           <a:lstStyle/>
           <a:p>
             <a:pPr>
               <a:buNone/>
             </a:pPr>
+            <a:r>
+              <a:rPr lang="en-US" b="1" dirty="0" smtClean="0">
+                <a:solidFill>
+                  <a:srgbClr val="002060"/>
+                </a:solidFill>
+              </a:rPr>
+              <a:t>Major Data Mining Methods</a:t>
+            </a:r>
+          </a:p>
+          <a:p>
+            <a:pPr>
+              <a:buFont typeface="Wingdings" pitchFamily="2" charset="2"/>
+              <a:buChar char="§"/>
+            </a:pPr>
+            <a:r>
+              <a:rPr lang="en-US" b="1" dirty="0" smtClean="0"/>
+              <a:t>Classification</a:t>
+            </a:r>
+            <a:r>
+              <a:rPr lang="en-US" dirty="0" smtClean="0"/>
+              <a:t>: predicting an item class</a:t>
+            </a:r>
+          </a:p>
+          <a:p>
+            <a:pPr>
+              <a:buFont typeface="Wingdings" pitchFamily="2" charset="2"/>
+              <a:buChar char="§"/>
+            </a:pPr>
+            <a:r>
+              <a:rPr lang="en-US" b="1" dirty="0" smtClean="0"/>
+              <a:t>Clustering</a:t>
+            </a:r>
+            <a:r>
+              <a:rPr lang="en-US" dirty="0" smtClean="0"/>
+              <a:t>: finding clusters in data</a:t>
+            </a:r>
+          </a:p>
+          <a:p>
+            <a:pPr>
+              <a:buFont typeface="Wingdings" pitchFamily="2" charset="2"/>
+              <a:buChar char="§"/>
+            </a:pPr>
+            <a:r>
+              <a:rPr lang="en-US" b="1" dirty="0" smtClean="0"/>
+              <a:t>Associations</a:t>
+            </a:r>
+            <a:r>
+              <a:rPr lang="en-US" dirty="0" smtClean="0"/>
+              <a:t>: e.g. A &amp; B &amp; C occur frequently</a:t>
+            </a:r>
+          </a:p>
+          <a:p>
+            <a:pPr>
+              <a:buFont typeface="Wingdings" pitchFamily="2" charset="2"/>
+              <a:buChar char="§"/>
+            </a:pPr>
+            <a:r>
+              <a:rPr lang="en-US" b="1" dirty="0" smtClean="0"/>
+              <a:t>Visualization</a:t>
+            </a:r>
+            <a:r>
+              <a:rPr lang="en-US" dirty="0" smtClean="0"/>
+              <a:t>: to facilitate human discovery</a:t>
+            </a:r>
+          </a:p>
+          <a:p>
+            <a:pPr>
+              <a:buFont typeface="Wingdings" pitchFamily="2" charset="2"/>
+              <a:buChar char="§"/>
+            </a:pPr>
+            <a:r>
+              <a:rPr lang="en-US" b="1" dirty="0" smtClean="0"/>
+              <a:t>Summarization</a:t>
+            </a:r>
+            <a:r>
+              <a:rPr lang="en-US" dirty="0" smtClean="0"/>
+              <a:t>: describing a group</a:t>
+            </a:r>
+          </a:p>
+          <a:p>
+            <a:pPr>
+              <a:buFont typeface="Wingdings" pitchFamily="2" charset="2"/>
+              <a:buChar char="§"/>
+            </a:pPr>
+            <a:r>
+              <a:rPr lang="en-US" b="1" dirty="0" smtClean="0"/>
+              <a:t>Deviation Detection</a:t>
+            </a:r>
+            <a:r>
+              <a:rPr lang="en-US" dirty="0" smtClean="0"/>
+              <a:t>: finding changes</a:t>
+            </a:r>
+          </a:p>
+          <a:p>
+            <a:pPr>
+              <a:buFont typeface="Wingdings" pitchFamily="2" charset="2"/>
+              <a:buChar char="§"/>
+            </a:pPr>
+            <a:r>
+              <a:rPr lang="en-US" b="1" dirty="0" smtClean="0"/>
+              <a:t>Estimation</a:t>
+            </a:r>
+            <a:r>
+              <a:rPr lang="en-US" dirty="0" smtClean="0"/>
+              <a:t>: predicting a continuous value</a:t>
+            </a:r>
             <a:endParaRPr lang="en-US" dirty="0"/>
           </a:p>
         </p:txBody>
@@ -43015,34 +43467,8 @@
         </p:blipFill>
         <p:spPr bwMode="auto">
           <a:xfrm>
-            <a:off x="457200" y="1676400"/>
+            <a:off x="1295400" y="1524000"/>
             <a:ext cx="6477001" cy="2743200"/>
-          </a:xfrm>
-          <a:prstGeom prst="rect">
-            <a:avLst/>
-          </a:prstGeom>
-          <a:noFill/>
-        </p:spPr>
-      </p:pic>
-      <p:pic>
-        <p:nvPicPr>
-          <p:cNvPr id="1027" name="Picture 3" descr="C:\Users\Asus\Desktop\DropOutv22.8.2011\img\Phuong Phap Khai Pha DL.JPG"/>
-          <p:cNvPicPr>
-            <a:picLocks noChangeAspect="1" noChangeArrowheads="1"/>
-          </p:cNvPicPr>
-          <p:nvPr/>
-        </p:nvPicPr>
-        <p:blipFill>
-          <a:blip r:embed="rId4" cstate="print"/>
-          <a:srcRect/>
-          <a:stretch>
-            <a:fillRect/>
-          </a:stretch>
-        </p:blipFill>
-        <p:spPr bwMode="auto">
-          <a:xfrm>
-            <a:off x="381000" y="4419600"/>
-            <a:ext cx="3743325" cy="2181225"/>
           </a:xfrm>
           <a:prstGeom prst="rect">
             <a:avLst/>

--- a/01. Document/DropOut_Project_Report v_04.12.2011.pptx
+++ b/01. Document/DropOut_Project_Report v_04.12.2011.pptx
@@ -254,7 +254,7 @@
                   <c:v>0.23832034024881138</c:v>
                 </c:pt>
                 <c:pt idx="3">
-                  <c:v>0.39262967375366759</c:v>
+                  <c:v>0.39262967375366775</c:v>
                 </c:pt>
               </c:numCache>
             </c:numRef>
@@ -310,13 +310,13 @@
                   <c:v>0.20414887194318332</c:v>
                 </c:pt>
                 <c:pt idx="2">
-                  <c:v>0.36933638443936012</c:v>
+                  <c:v>0.36933638443936018</c:v>
                 </c:pt>
                 <c:pt idx="3">
-                  <c:v>0.31250000000000078</c:v>
+                  <c:v>0.31250000000000083</c:v>
                 </c:pt>
                 <c:pt idx="4">
-                  <c:v>0.31250000000000078</c:v>
+                  <c:v>0.31250000000000083</c:v>
                 </c:pt>
               </c:numCache>
             </c:numRef>
@@ -369,7 +369,7 @@
                   <c:v>0</c:v>
                 </c:pt>
                 <c:pt idx="1">
-                  <c:v>0.13237374467863652</c:v>
+                  <c:v>0.1323737446786365</c:v>
                 </c:pt>
                 <c:pt idx="2">
                   <c:v>0.42974122300911977</c:v>
@@ -388,25 +388,25 @@
           <c:showVal val="1"/>
         </c:dLbls>
         <c:shape val="box"/>
-        <c:axId val="95235072"/>
-        <c:axId val="95249152"/>
+        <c:axId val="73739264"/>
+        <c:axId val="73753344"/>
         <c:axId val="0"/>
       </c:bar3DChart>
       <c:catAx>
-        <c:axId val="95235072"/>
+        <c:axId val="73739264"/>
         <c:scaling>
           <c:orientation val="minMax"/>
         </c:scaling>
         <c:axPos val="b"/>
         <c:tickLblPos val="nextTo"/>
-        <c:crossAx val="95249152"/>
+        <c:crossAx val="73753344"/>
         <c:crosses val="autoZero"/>
         <c:auto val="1"/>
         <c:lblAlgn val="ctr"/>
         <c:lblOffset val="100"/>
       </c:catAx>
       <c:valAx>
-        <c:axId val="95249152"/>
+        <c:axId val="73753344"/>
         <c:scaling>
           <c:orientation val="minMax"/>
         </c:scaling>
@@ -441,7 +441,7 @@
         </c:title>
         <c:numFmt formatCode="0%" sourceLinked="1"/>
         <c:tickLblPos val="nextTo"/>
-        <c:crossAx val="95235072"/>
+        <c:crossAx val="73739264"/>
         <c:crosses val="autoZero"/>
         <c:crossBetween val="between"/>
       </c:valAx>
@@ -11921,14 +11921,106 @@
           <a:lstStyle/>
           <a:p>
             <a:r>
-              <a:rPr lang="en-US" smtClean="0"/>
-              <a:t>THEM NAM</a:t>
-            </a:r>
-            <a:r>
-              <a:rPr lang="en-US" baseline="0" smtClean="0"/>
-              <a:t> CONG BO(2011)</a:t>
-            </a:r>
-            <a:endParaRPr lang="en-US"/>
+              <a:rPr lang="en-US" baseline="0" dirty="0" err="1" smtClean="0"/>
+              <a:t>Weka</a:t>
+            </a:r>
+            <a:r>
+              <a:rPr lang="en-US" baseline="0" dirty="0" smtClean="0"/>
+              <a:t> – </a:t>
+            </a:r>
+            <a:r>
+              <a:rPr lang="en-US" baseline="0" dirty="0" err="1" smtClean="0"/>
+              <a:t>Bộ</a:t>
+            </a:r>
+            <a:r>
+              <a:rPr lang="en-US" baseline="0" dirty="0" smtClean="0"/>
+              <a:t> </a:t>
+            </a:r>
+            <a:r>
+              <a:rPr lang="en-US" baseline="0" dirty="0" err="1" smtClean="0"/>
+              <a:t>mã</a:t>
+            </a:r>
+            <a:r>
+              <a:rPr lang="en-US" baseline="0" dirty="0" smtClean="0"/>
+              <a:t> </a:t>
+            </a:r>
+            <a:r>
+              <a:rPr lang="en-US" baseline="0" dirty="0" err="1" smtClean="0"/>
+              <a:t>nguồn</a:t>
+            </a:r>
+            <a:r>
+              <a:rPr lang="en-US" baseline="0" dirty="0" smtClean="0"/>
+              <a:t> </a:t>
+            </a:r>
+            <a:r>
+              <a:rPr lang="en-US" baseline="0" dirty="0" err="1" smtClean="0"/>
+              <a:t>mở</a:t>
+            </a:r>
+            <a:r>
+              <a:rPr lang="en-US" baseline="0" dirty="0" smtClean="0"/>
+              <a:t> </a:t>
+            </a:r>
+            <a:r>
+              <a:rPr lang="en-US" baseline="0" dirty="0" err="1" smtClean="0"/>
+              <a:t>cho</a:t>
+            </a:r>
+            <a:r>
+              <a:rPr lang="en-US" baseline="0" dirty="0" smtClean="0"/>
+              <a:t> </a:t>
+            </a:r>
+            <a:r>
+              <a:rPr lang="en-US" baseline="0" dirty="0" err="1" smtClean="0"/>
+              <a:t>các</a:t>
+            </a:r>
+            <a:r>
+              <a:rPr lang="en-US" baseline="0" dirty="0" smtClean="0"/>
+              <a:t> </a:t>
+            </a:r>
+            <a:r>
+              <a:rPr lang="en-US" baseline="0" dirty="0" err="1" smtClean="0"/>
+              <a:t>thuật</a:t>
+            </a:r>
+            <a:r>
+              <a:rPr lang="en-US" baseline="0" dirty="0" smtClean="0"/>
+              <a:t> </a:t>
+            </a:r>
+            <a:r>
+              <a:rPr lang="en-US" baseline="0" dirty="0" err="1" smtClean="0"/>
+              <a:t>toán</a:t>
+            </a:r>
+            <a:r>
+              <a:rPr lang="en-US" baseline="0" dirty="0" smtClean="0"/>
+              <a:t> </a:t>
+            </a:r>
+            <a:r>
+              <a:rPr lang="en-US" baseline="0" dirty="0" err="1" smtClean="0"/>
+              <a:t>khai</a:t>
+            </a:r>
+            <a:r>
+              <a:rPr lang="en-US" baseline="0" dirty="0" smtClean="0"/>
+              <a:t> </a:t>
+            </a:r>
+            <a:r>
+              <a:rPr lang="en-US" baseline="0" dirty="0" err="1" smtClean="0"/>
+              <a:t>phá</a:t>
+            </a:r>
+            <a:r>
+              <a:rPr lang="en-US" baseline="0" dirty="0" smtClean="0"/>
+              <a:t> </a:t>
+            </a:r>
+            <a:r>
+              <a:rPr lang="en-US" baseline="0" dirty="0" err="1" smtClean="0"/>
+              <a:t>dữ</a:t>
+            </a:r>
+            <a:r>
+              <a:rPr lang="en-US" baseline="0" dirty="0" smtClean="0"/>
+              <a:t> </a:t>
+            </a:r>
+            <a:r>
+              <a:rPr lang="en-US" baseline="0" dirty="0" err="1" smtClean="0"/>
+              <a:t>liệu</a:t>
+            </a:r>
+            <a:endParaRPr lang="en-US" baseline="0" dirty="0" smtClean="0"/>
           </a:p>
         </p:txBody>
       </p:sp>
@@ -23362,8 +23454,8 @@
           </p:nvPr>
         </p:nvGraphicFramePr>
         <p:xfrm>
-          <a:off x="457200" y="1600200"/>
-          <a:ext cx="8382000" cy="5217160"/>
+          <a:off x="228600" y="1524000"/>
+          <a:ext cx="8686800" cy="6314440"/>
         </p:xfrm>
         <a:graphic>
           <a:graphicData uri="http://schemas.openxmlformats.org/drawingml/2006/table">
@@ -23372,10 +23464,10 @@
                 <a:tableStyleId>{5C22544A-7EE6-4342-B048-85BDC9FD1C3A}</a:tableStyleId>
               </a:tblPr>
               <a:tblGrid>
-                <a:gridCol w="2095500"/>
-                <a:gridCol w="2705100"/>
-                <a:gridCol w="914400"/>
-                <a:gridCol w="2667000"/>
+                <a:gridCol w="2171700"/>
+                <a:gridCol w="2803468"/>
+                <a:gridCol w="710738"/>
+                <a:gridCol w="3000894"/>
               </a:tblGrid>
               <a:tr h="370840">
                 <a:tc>
@@ -23564,7 +23656,375 @@
                     <a:bodyPr/>
                     <a:lstStyle/>
                     <a:p>
-                      <a:endParaRPr lang="en-US" sz="1200"/>
+                      <a:r>
+                        <a:rPr lang="en-US" sz="1200" dirty="0" err="1" smtClean="0"/>
+                        <a:t>Sử</a:t>
+                      </a:r>
+                      <a:r>
+                        <a:rPr lang="en-US" sz="1200" baseline="0" dirty="0" smtClean="0"/>
+                        <a:t> </a:t>
+                      </a:r>
+                      <a:r>
+                        <a:rPr lang="en-US" sz="1200" baseline="0" dirty="0" err="1" smtClean="0"/>
+                        <a:t>dụng</a:t>
+                      </a:r>
+                      <a:r>
+                        <a:rPr lang="en-US" sz="1200" baseline="0" dirty="0" smtClean="0"/>
+                        <a:t> </a:t>
+                      </a:r>
+                      <a:r>
+                        <a:rPr lang="en-US" sz="1200" baseline="0" dirty="0" err="1" smtClean="0"/>
+                        <a:t>mạng</a:t>
+                      </a:r>
+                      <a:r>
+                        <a:rPr lang="en-US" sz="1200" baseline="0" dirty="0" smtClean="0"/>
+                        <a:t> </a:t>
+                      </a:r>
+                      <a:r>
+                        <a:rPr lang="en-US" sz="1200" baseline="0" dirty="0" err="1" smtClean="0"/>
+                        <a:t>Perceptron</a:t>
+                      </a:r>
+                      <a:r>
+                        <a:rPr lang="en-US" sz="1200" baseline="0" dirty="0" smtClean="0"/>
+                        <a:t> 3 </a:t>
+                      </a:r>
+                      <a:r>
+                        <a:rPr lang="en-US" sz="1200" baseline="0" dirty="0" err="1" smtClean="0"/>
+                        <a:t>lớp</a:t>
+                      </a:r>
+                      <a:r>
+                        <a:rPr lang="en-US" sz="1200" baseline="0" dirty="0" smtClean="0"/>
+                        <a:t> </a:t>
+                      </a:r>
+                      <a:r>
+                        <a:rPr lang="en-US" sz="1200" baseline="0" dirty="0" err="1" smtClean="0"/>
+                        <a:t>dự</a:t>
+                      </a:r>
+                      <a:r>
+                        <a:rPr lang="en-US" sz="1200" baseline="0" dirty="0" smtClean="0"/>
+                        <a:t> </a:t>
+                      </a:r>
+                      <a:r>
+                        <a:rPr lang="en-US" sz="1200" baseline="0" dirty="0" err="1" smtClean="0"/>
+                        <a:t>báo</a:t>
+                      </a:r>
+                      <a:r>
+                        <a:rPr lang="en-US" sz="1200" baseline="0" dirty="0" smtClean="0"/>
+                        <a:t> </a:t>
+                      </a:r>
+                      <a:r>
+                        <a:rPr lang="en-US" sz="1200" baseline="0" dirty="0" err="1" smtClean="0"/>
+                        <a:t>khả</a:t>
+                      </a:r>
+                      <a:r>
+                        <a:rPr lang="en-US" sz="1200" baseline="0" dirty="0" smtClean="0"/>
+                        <a:t> </a:t>
+                      </a:r>
+                      <a:r>
+                        <a:rPr lang="en-US" sz="1200" baseline="0" dirty="0" err="1" smtClean="0"/>
+                        <a:t>năng</a:t>
+                      </a:r>
+                      <a:r>
+                        <a:rPr lang="en-US" sz="1200" baseline="0" dirty="0" smtClean="0"/>
+                        <a:t> </a:t>
+                      </a:r>
+                      <a:r>
+                        <a:rPr lang="en-US" sz="1200" baseline="0" dirty="0" err="1" smtClean="0"/>
+                        <a:t>tốt</a:t>
+                      </a:r>
+                      <a:r>
+                        <a:rPr lang="en-US" sz="1200" baseline="0" dirty="0" smtClean="0"/>
+                        <a:t> </a:t>
+                      </a:r>
+                      <a:r>
+                        <a:rPr lang="en-US" sz="1200" baseline="0" dirty="0" err="1" smtClean="0"/>
+                        <a:t>nghiệp</a:t>
+                      </a:r>
+                      <a:r>
+                        <a:rPr lang="en-US" sz="1200" baseline="0" dirty="0" smtClean="0"/>
+                        <a:t>. </a:t>
+                      </a:r>
+                      <a:r>
+                        <a:rPr lang="en-US" sz="1200" baseline="0" dirty="0" err="1" smtClean="0"/>
+                        <a:t>Luyện</a:t>
+                      </a:r>
+                      <a:r>
+                        <a:rPr lang="en-US" sz="1200" baseline="0" dirty="0" smtClean="0"/>
+                        <a:t> </a:t>
+                      </a:r>
+                      <a:r>
+                        <a:rPr lang="en-US" sz="1200" baseline="0" dirty="0" err="1" smtClean="0"/>
+                        <a:t>với</a:t>
+                      </a:r>
+                      <a:r>
+                        <a:rPr lang="en-US" sz="1200" baseline="0" dirty="0" smtClean="0"/>
+                        <a:t> 1407 </a:t>
+                      </a:r>
+                      <a:r>
+                        <a:rPr lang="en-US" sz="1200" baseline="0" dirty="0" err="1" smtClean="0"/>
+                        <a:t>hồ</a:t>
+                      </a:r>
+                      <a:r>
+                        <a:rPr lang="en-US" sz="1200" baseline="0" dirty="0" smtClean="0"/>
+                        <a:t> </a:t>
+                      </a:r>
+                      <a:r>
+                        <a:rPr lang="en-US" sz="1200" baseline="0" dirty="0" err="1" smtClean="0"/>
+                        <a:t>sơ</a:t>
+                      </a:r>
+                      <a:r>
+                        <a:rPr lang="en-US" sz="1200" baseline="0" dirty="0" smtClean="0"/>
+                        <a:t> </a:t>
+                      </a:r>
+                      <a:r>
+                        <a:rPr lang="en-US" sz="1200" baseline="0" dirty="0" err="1" smtClean="0"/>
+                        <a:t>của</a:t>
+                      </a:r>
+                      <a:r>
+                        <a:rPr lang="en-US" sz="1200" baseline="0" dirty="0" smtClean="0"/>
+                        <a:t> </a:t>
+                      </a:r>
+                      <a:r>
+                        <a:rPr lang="en-US" sz="1200" baseline="0" dirty="0" err="1" smtClean="0"/>
+                        <a:t>các</a:t>
+                      </a:r>
+                      <a:r>
+                        <a:rPr lang="en-US" sz="1200" baseline="0" dirty="0" smtClean="0"/>
+                        <a:t> </a:t>
+                      </a:r>
+                      <a:r>
+                        <a:rPr lang="en-US" sz="1200" baseline="0" dirty="0" err="1" smtClean="0"/>
+                        <a:t>học</a:t>
+                      </a:r>
+                      <a:r>
+                        <a:rPr lang="en-US" sz="1200" baseline="0" dirty="0" smtClean="0"/>
+                        <a:t> </a:t>
+                      </a:r>
+                      <a:r>
+                        <a:rPr lang="en-US" sz="1200" baseline="0" dirty="0" err="1" smtClean="0"/>
+                        <a:t>viên</a:t>
+                      </a:r>
+                      <a:r>
+                        <a:rPr lang="en-US" sz="1200" baseline="0" dirty="0" smtClean="0"/>
+                        <a:t> </a:t>
+                      </a:r>
+                      <a:r>
+                        <a:rPr lang="en-US" sz="1200" baseline="0" dirty="0" err="1" smtClean="0"/>
+                        <a:t>trường</a:t>
+                      </a:r>
+                      <a:r>
+                        <a:rPr lang="en-US" sz="1200" baseline="0" dirty="0" smtClean="0"/>
+                        <a:t> </a:t>
+                      </a:r>
+                      <a:r>
+                        <a:rPr lang="en-US" sz="1200" baseline="0" dirty="0" err="1" smtClean="0"/>
+                        <a:t>Waubonsee</a:t>
+                      </a:r>
+                      <a:r>
+                        <a:rPr lang="en-US" sz="1200" baseline="0" dirty="0" smtClean="0"/>
+                        <a:t> College; </a:t>
+                      </a:r>
+                      <a:r>
+                        <a:rPr lang="en-US" sz="1200" baseline="0" dirty="0" err="1" smtClean="0"/>
+                        <a:t>Tập</a:t>
+                      </a:r>
+                      <a:r>
+                        <a:rPr lang="en-US" sz="1200" baseline="0" dirty="0" smtClean="0"/>
+                        <a:t> </a:t>
+                      </a:r>
+                      <a:r>
+                        <a:rPr lang="en-US" sz="1200" baseline="0" dirty="0" err="1" smtClean="0"/>
+                        <a:t>dữ</a:t>
+                      </a:r>
+                      <a:r>
+                        <a:rPr lang="en-US" sz="1200" baseline="0" dirty="0" smtClean="0"/>
+                        <a:t> </a:t>
+                      </a:r>
+                      <a:r>
+                        <a:rPr lang="en-US" sz="1200" baseline="0" dirty="0" err="1" smtClean="0"/>
+                        <a:t>liệu</a:t>
+                      </a:r>
+                      <a:r>
+                        <a:rPr lang="en-US" sz="1200" baseline="0" dirty="0" smtClean="0"/>
+                        <a:t> </a:t>
+                      </a:r>
+                      <a:r>
+                        <a:rPr lang="en-US" sz="1200" baseline="0" dirty="0" err="1" smtClean="0"/>
+                        <a:t>chia</a:t>
+                      </a:r>
+                      <a:r>
+                        <a:rPr lang="en-US" sz="1200" baseline="0" dirty="0" smtClean="0"/>
+                        <a:t> </a:t>
+                      </a:r>
+                      <a:r>
+                        <a:rPr lang="en-US" sz="1200" baseline="0" dirty="0" err="1" smtClean="0"/>
+                        <a:t>làm</a:t>
+                      </a:r>
+                      <a:r>
+                        <a:rPr lang="en-US" sz="1200" baseline="0" dirty="0" smtClean="0"/>
+                        <a:t> 2 </a:t>
+                      </a:r>
+                      <a:r>
+                        <a:rPr lang="en-US" sz="1200" baseline="0" dirty="0" err="1" smtClean="0"/>
+                        <a:t>tập</a:t>
+                      </a:r>
+                      <a:r>
+                        <a:rPr lang="en-US" sz="1200" baseline="0" dirty="0" smtClean="0"/>
+                        <a:t>. </a:t>
+                      </a:r>
+                      <a:r>
+                        <a:rPr lang="en-US" sz="1200" baseline="0" dirty="0" err="1" smtClean="0"/>
+                        <a:t>Kết</a:t>
+                      </a:r>
+                      <a:r>
+                        <a:rPr lang="en-US" sz="1200" baseline="0" dirty="0" smtClean="0"/>
+                        <a:t> </a:t>
+                      </a:r>
+                      <a:r>
+                        <a:rPr lang="en-US" sz="1200" baseline="0" dirty="0" err="1" smtClean="0"/>
+                        <a:t>quả</a:t>
+                      </a:r>
+                      <a:r>
+                        <a:rPr lang="en-US" sz="1200" baseline="0" dirty="0" smtClean="0"/>
+                        <a:t>: </a:t>
+                      </a:r>
+                      <a:r>
+                        <a:rPr lang="en-US" sz="1200" baseline="0" dirty="0" err="1" smtClean="0"/>
+                        <a:t>Trên</a:t>
+                      </a:r>
+                      <a:r>
+                        <a:rPr lang="en-US" sz="1200" baseline="0" dirty="0" smtClean="0"/>
+                        <a:t> </a:t>
+                      </a:r>
+                      <a:r>
+                        <a:rPr lang="en-US" sz="1200" baseline="0" dirty="0" err="1" smtClean="0"/>
+                        <a:t>tập</a:t>
+                      </a:r>
+                      <a:r>
+                        <a:rPr lang="en-US" sz="1200" baseline="0" dirty="0" smtClean="0"/>
+                        <a:t> </a:t>
+                      </a:r>
+                      <a:r>
+                        <a:rPr lang="en-US" sz="1200" baseline="0" dirty="0" err="1" smtClean="0"/>
+                        <a:t>luyện</a:t>
+                      </a:r>
+                      <a:r>
+                        <a:rPr lang="en-US" sz="1200" baseline="0" dirty="0" smtClean="0"/>
+                        <a:t> </a:t>
+                      </a:r>
+                      <a:r>
+                        <a:rPr lang="en-US" sz="1200" baseline="0" dirty="0" err="1" smtClean="0"/>
+                        <a:t>với</a:t>
+                      </a:r>
+                      <a:r>
+                        <a:rPr lang="en-US" sz="1200" baseline="0" dirty="0" smtClean="0"/>
+                        <a:t> </a:t>
+                      </a:r>
+                      <a:r>
+                        <a:rPr lang="en-US" sz="1200" baseline="0" dirty="0" err="1" smtClean="0"/>
+                        <a:t>số</a:t>
+                      </a:r>
+                      <a:r>
+                        <a:rPr lang="en-US" sz="1200" baseline="0" dirty="0" smtClean="0"/>
+                        <a:t> </a:t>
+                      </a:r>
+                      <a:r>
+                        <a:rPr lang="en-US" sz="1200" baseline="0" dirty="0" err="1" smtClean="0"/>
+                        <a:t>mẫu</a:t>
+                      </a:r>
+                      <a:r>
+                        <a:rPr lang="en-US" sz="1200" baseline="0" dirty="0" smtClean="0"/>
+                        <a:t> 1,100 </a:t>
+                      </a:r>
+                      <a:r>
+                        <a:rPr lang="en-US" sz="1200" baseline="0" dirty="0" err="1" smtClean="0"/>
+                        <a:t>là</a:t>
+                      </a:r>
+                      <a:r>
+                        <a:rPr lang="en-US" sz="1200" baseline="0" dirty="0" smtClean="0"/>
+                        <a:t> 77% </a:t>
+                      </a:r>
+                      <a:r>
+                        <a:rPr lang="en-US" sz="1200" baseline="0" dirty="0" err="1" smtClean="0"/>
+                        <a:t>và</a:t>
+                      </a:r>
+                      <a:r>
+                        <a:rPr lang="en-US" sz="1200" baseline="0" dirty="0" smtClean="0"/>
+                        <a:t> </a:t>
+                      </a:r>
+                      <a:r>
+                        <a:rPr lang="en-US" sz="1200" baseline="0" dirty="0" err="1" smtClean="0"/>
+                        <a:t>tập</a:t>
+                      </a:r>
+                      <a:r>
+                        <a:rPr lang="en-US" sz="1200" baseline="0" dirty="0" smtClean="0"/>
+                        <a:t> </a:t>
+                      </a:r>
+                      <a:r>
+                        <a:rPr lang="en-US" sz="1200" baseline="0" dirty="0" err="1" smtClean="0"/>
+                        <a:t>dữ</a:t>
+                      </a:r>
+                      <a:r>
+                        <a:rPr lang="en-US" sz="1200" baseline="0" dirty="0" smtClean="0"/>
+                        <a:t> </a:t>
+                      </a:r>
+                      <a:r>
+                        <a:rPr lang="en-US" sz="1200" baseline="0" dirty="0" err="1" smtClean="0"/>
+                        <a:t>liệu</a:t>
+                      </a:r>
+                      <a:r>
+                        <a:rPr lang="en-US" sz="1200" baseline="0" dirty="0" smtClean="0"/>
+                        <a:t> </a:t>
+                      </a:r>
+                      <a:r>
+                        <a:rPr lang="en-US" sz="1200" baseline="0" dirty="0" err="1" smtClean="0"/>
+                        <a:t>kiểm</a:t>
+                      </a:r>
+                      <a:r>
+                        <a:rPr lang="en-US" sz="1200" baseline="0" dirty="0" smtClean="0"/>
+                        <a:t> </a:t>
+                      </a:r>
+                      <a:r>
+                        <a:rPr lang="en-US" sz="1200" baseline="0" dirty="0" err="1" smtClean="0"/>
+                        <a:t>tra</a:t>
+                      </a:r>
+                      <a:r>
+                        <a:rPr lang="en-US" sz="1200" baseline="0" dirty="0" smtClean="0"/>
+                        <a:t> </a:t>
+                      </a:r>
+                      <a:r>
+                        <a:rPr lang="en-US" sz="1200" baseline="0" dirty="0" err="1" smtClean="0"/>
+                        <a:t>với</a:t>
+                      </a:r>
+                      <a:r>
+                        <a:rPr lang="en-US" sz="1200" baseline="0" dirty="0" smtClean="0"/>
+                        <a:t> </a:t>
+                      </a:r>
+                      <a:r>
+                        <a:rPr lang="en-US" sz="1200" baseline="0" dirty="0" err="1" smtClean="0"/>
+                        <a:t>số</a:t>
+                      </a:r>
+                      <a:r>
+                        <a:rPr lang="en-US" sz="1200" baseline="0" dirty="0" smtClean="0"/>
+                        <a:t> </a:t>
+                      </a:r>
+                      <a:r>
+                        <a:rPr lang="en-US" sz="1200" baseline="0" dirty="0" err="1" smtClean="0"/>
+                        <a:t>mẫu</a:t>
+                      </a:r>
+                      <a:r>
+                        <a:rPr lang="en-US" sz="1200" baseline="0" dirty="0" smtClean="0"/>
+                        <a:t> 307 </a:t>
+                      </a:r>
+                      <a:r>
+                        <a:rPr lang="en-US" sz="1200" baseline="0" dirty="0" err="1" smtClean="0"/>
+                        <a:t>là</a:t>
+                      </a:r>
+                      <a:r>
+                        <a:rPr lang="en-US" sz="1200" baseline="0" dirty="0" smtClean="0"/>
+                        <a:t> 68%.</a:t>
+                      </a:r>
+                      <a:endParaRPr lang="en-US" sz="1200" dirty="0"/>
                     </a:p>
                   </a:txBody>
                   <a:tcPr/>
@@ -23642,7 +24102,405 @@
                     <a:bodyPr/>
                     <a:lstStyle/>
                     <a:p>
-                      <a:endParaRPr lang="en-US" sz="1200" b="0">
+                      <a:pPr algn="just"/>
+                      <a:r>
+                        <a:rPr lang="en-US" sz="1200" b="0" dirty="0" err="1" smtClean="0">
+                          <a:latin typeface="Calibri" pitchFamily="34" charset="0"/>
+                          <a:cs typeface="Calibri" pitchFamily="34" charset="0"/>
+                        </a:rPr>
+                        <a:t>Mô</a:t>
+                      </a:r>
+                      <a:r>
+                        <a:rPr lang="en-US" sz="1200" b="0" baseline="0" dirty="0" smtClean="0">
+                          <a:latin typeface="Calibri" pitchFamily="34" charset="0"/>
+                          <a:cs typeface="Calibri" pitchFamily="34" charset="0"/>
+                        </a:rPr>
+                        <a:t> </a:t>
+                      </a:r>
+                      <a:r>
+                        <a:rPr lang="en-US" sz="1200" b="0" baseline="0" dirty="0" err="1" smtClean="0">
+                          <a:latin typeface="Calibri" pitchFamily="34" charset="0"/>
+                          <a:cs typeface="Calibri" pitchFamily="34" charset="0"/>
+                        </a:rPr>
+                        <a:t>hình</a:t>
+                      </a:r>
+                      <a:r>
+                        <a:rPr lang="en-US" sz="1200" b="0" baseline="0" dirty="0" smtClean="0">
+                          <a:latin typeface="Calibri" pitchFamily="34" charset="0"/>
+                          <a:cs typeface="Calibri" pitchFamily="34" charset="0"/>
+                        </a:rPr>
+                        <a:t> </a:t>
+                      </a:r>
+                      <a:r>
+                        <a:rPr lang="en-US" sz="1200" b="0" baseline="0" dirty="0" err="1" smtClean="0">
+                          <a:latin typeface="Calibri" pitchFamily="34" charset="0"/>
+                          <a:cs typeface="Calibri" pitchFamily="34" charset="0"/>
+                        </a:rPr>
+                        <a:t>dự</a:t>
+                      </a:r>
+                      <a:r>
+                        <a:rPr lang="en-US" sz="1200" b="0" baseline="0" dirty="0" smtClean="0">
+                          <a:latin typeface="Calibri" pitchFamily="34" charset="0"/>
+                          <a:cs typeface="Calibri" pitchFamily="34" charset="0"/>
+                        </a:rPr>
+                        <a:t> </a:t>
+                      </a:r>
+                      <a:r>
+                        <a:rPr lang="en-US" sz="1200" b="0" baseline="0" dirty="0" err="1" smtClean="0">
+                          <a:latin typeface="Calibri" pitchFamily="34" charset="0"/>
+                          <a:cs typeface="Calibri" pitchFamily="34" charset="0"/>
+                        </a:rPr>
+                        <a:t>báo</a:t>
+                      </a:r>
+                      <a:r>
+                        <a:rPr lang="en-US" sz="1200" b="0" baseline="0" dirty="0" smtClean="0">
+                          <a:latin typeface="Calibri" pitchFamily="34" charset="0"/>
+                          <a:cs typeface="Calibri" pitchFamily="34" charset="0"/>
+                        </a:rPr>
+                        <a:t> NGHỈ HỌC </a:t>
+                      </a:r>
+                      <a:r>
+                        <a:rPr lang="en-US" sz="1200" b="0" baseline="0" dirty="0" err="1" smtClean="0">
+                          <a:latin typeface="Calibri" pitchFamily="34" charset="0"/>
+                          <a:cs typeface="Calibri" pitchFamily="34" charset="0"/>
+                        </a:rPr>
+                        <a:t>tại</a:t>
+                      </a:r>
+                      <a:r>
+                        <a:rPr lang="en-US" sz="1200" b="0" baseline="0" dirty="0" smtClean="0">
+                          <a:latin typeface="Calibri" pitchFamily="34" charset="0"/>
+                          <a:cs typeface="Calibri" pitchFamily="34" charset="0"/>
+                        </a:rPr>
+                        <a:t> </a:t>
+                      </a:r>
+                      <a:r>
+                        <a:rPr lang="en-US" sz="1200" b="0" kern="1200" baseline="0" dirty="0" smtClean="0">
+                          <a:solidFill>
+                            <a:schemeClr val="dk1"/>
+                          </a:solidFill>
+                          <a:latin typeface="Calibri" pitchFamily="34" charset="0"/>
+                          <a:ea typeface="+mn-ea"/>
+                          <a:cs typeface="Calibri" pitchFamily="34" charset="0"/>
+                        </a:rPr>
+                        <a:t>Electrical Engineering Department of Eindhoven University of Technology </a:t>
+                      </a:r>
+                      <a:r>
+                        <a:rPr lang="en-US" sz="1200" b="0" kern="1200" baseline="0" dirty="0" err="1" smtClean="0">
+                          <a:solidFill>
+                            <a:schemeClr val="dk1"/>
+                          </a:solidFill>
+                          <a:latin typeface="Calibri" pitchFamily="34" charset="0"/>
+                          <a:ea typeface="+mn-ea"/>
+                          <a:cs typeface="Calibri" pitchFamily="34" charset="0"/>
+                        </a:rPr>
+                        <a:t>sử</a:t>
+                      </a:r>
+                      <a:r>
+                        <a:rPr lang="en-US" sz="1200" b="0" kern="1200" baseline="0" dirty="0" smtClean="0">
+                          <a:solidFill>
+                            <a:schemeClr val="dk1"/>
+                          </a:solidFill>
+                          <a:latin typeface="Calibri" pitchFamily="34" charset="0"/>
+                          <a:ea typeface="+mn-ea"/>
+                          <a:cs typeface="Calibri" pitchFamily="34" charset="0"/>
+                        </a:rPr>
+                        <a:t> </a:t>
+                      </a:r>
+                      <a:r>
+                        <a:rPr lang="en-US" sz="1200" b="0" baseline="0" dirty="0" err="1" smtClean="0">
+                          <a:latin typeface="Calibri" pitchFamily="34" charset="0"/>
+                          <a:cs typeface="Calibri" pitchFamily="34" charset="0"/>
+                        </a:rPr>
+                        <a:t>dụng</a:t>
+                      </a:r>
+                      <a:r>
+                        <a:rPr lang="en-US" sz="1200" b="0" baseline="0" dirty="0" smtClean="0">
+                          <a:latin typeface="Calibri" pitchFamily="34" charset="0"/>
+                          <a:cs typeface="Calibri" pitchFamily="34" charset="0"/>
+                        </a:rPr>
+                        <a:t> WEKA . </a:t>
+                      </a:r>
+                      <a:r>
+                        <a:rPr lang="en-US" sz="1200" b="0" baseline="0" dirty="0" err="1" smtClean="0">
+                          <a:latin typeface="Calibri" pitchFamily="34" charset="0"/>
+                          <a:cs typeface="Calibri" pitchFamily="34" charset="0"/>
+                        </a:rPr>
+                        <a:t>Kết</a:t>
+                      </a:r>
+                      <a:r>
+                        <a:rPr lang="en-US" sz="1200" b="0" baseline="0" dirty="0" smtClean="0">
+                          <a:latin typeface="Calibri" pitchFamily="34" charset="0"/>
+                          <a:cs typeface="Calibri" pitchFamily="34" charset="0"/>
+                        </a:rPr>
+                        <a:t> </a:t>
+                      </a:r>
+                      <a:r>
+                        <a:rPr lang="en-US" sz="1200" b="0" baseline="0" dirty="0" err="1" smtClean="0">
+                          <a:latin typeface="Calibri" pitchFamily="34" charset="0"/>
+                          <a:cs typeface="Calibri" pitchFamily="34" charset="0"/>
+                        </a:rPr>
+                        <a:t>quả</a:t>
+                      </a:r>
+                      <a:r>
+                        <a:rPr lang="en-US" sz="1200" b="0" baseline="0" dirty="0" smtClean="0">
+                          <a:latin typeface="Calibri" pitchFamily="34" charset="0"/>
+                          <a:cs typeface="Calibri" pitchFamily="34" charset="0"/>
+                        </a:rPr>
+                        <a:t> </a:t>
+                      </a:r>
+                      <a:r>
+                        <a:rPr lang="en-US" sz="1200" b="0" baseline="0" dirty="0" err="1" smtClean="0">
+                          <a:latin typeface="Calibri" pitchFamily="34" charset="0"/>
+                          <a:cs typeface="Calibri" pitchFamily="34" charset="0"/>
+                        </a:rPr>
+                        <a:t>phân</a:t>
+                      </a:r>
+                      <a:r>
+                        <a:rPr lang="en-US" sz="1200" b="0" baseline="0" dirty="0" smtClean="0">
+                          <a:latin typeface="Calibri" pitchFamily="34" charset="0"/>
+                          <a:cs typeface="Calibri" pitchFamily="34" charset="0"/>
+                        </a:rPr>
+                        <a:t> </a:t>
+                      </a:r>
+                      <a:r>
+                        <a:rPr lang="en-US" sz="1200" b="0" baseline="0" dirty="0" err="1" smtClean="0">
+                          <a:latin typeface="Calibri" pitchFamily="34" charset="0"/>
+                          <a:cs typeface="Calibri" pitchFamily="34" charset="0"/>
+                        </a:rPr>
+                        <a:t>lớp</a:t>
+                      </a:r>
+                      <a:r>
+                        <a:rPr lang="en-US" sz="1200" b="0" baseline="0" dirty="0" smtClean="0">
+                          <a:latin typeface="Calibri" pitchFamily="34" charset="0"/>
+                          <a:cs typeface="Calibri" pitchFamily="34" charset="0"/>
+                        </a:rPr>
+                        <a:t> </a:t>
+                      </a:r>
+                      <a:r>
+                        <a:rPr lang="en-US" sz="1200" b="0" baseline="0" dirty="0" err="1" smtClean="0">
+                          <a:latin typeface="Calibri" pitchFamily="34" charset="0"/>
+                          <a:cs typeface="Calibri" pitchFamily="34" charset="0"/>
+                        </a:rPr>
+                        <a:t>đúng</a:t>
+                      </a:r>
+                      <a:r>
+                        <a:rPr lang="en-US" sz="1200" b="0" baseline="0" dirty="0" smtClean="0">
+                          <a:latin typeface="Calibri" pitchFamily="34" charset="0"/>
+                          <a:cs typeface="Calibri" pitchFamily="34" charset="0"/>
+                        </a:rPr>
+                        <a:t> </a:t>
+                      </a:r>
+                      <a:r>
+                        <a:rPr lang="en-US" sz="1200" b="0" baseline="0" dirty="0" err="1" smtClean="0">
+                          <a:latin typeface="Calibri" pitchFamily="34" charset="0"/>
+                          <a:cs typeface="Calibri" pitchFamily="34" charset="0"/>
+                        </a:rPr>
+                        <a:t>từ</a:t>
+                      </a:r>
+                      <a:r>
+                        <a:rPr lang="en-US" sz="1200" b="0" baseline="0" dirty="0" smtClean="0">
+                          <a:latin typeface="Calibri" pitchFamily="34" charset="0"/>
+                          <a:cs typeface="Calibri" pitchFamily="34" charset="0"/>
+                        </a:rPr>
+                        <a:t> 75 </a:t>
+                      </a:r>
+                      <a:r>
+                        <a:rPr lang="en-US" sz="1200" b="0" baseline="0" dirty="0" err="1" smtClean="0">
+                          <a:latin typeface="Calibri" pitchFamily="34" charset="0"/>
+                          <a:cs typeface="Calibri" pitchFamily="34" charset="0"/>
+                        </a:rPr>
+                        <a:t>đến</a:t>
+                      </a:r>
+                      <a:r>
+                        <a:rPr lang="en-US" sz="1200" b="0" baseline="0" dirty="0" smtClean="0">
+                          <a:latin typeface="Calibri" pitchFamily="34" charset="0"/>
+                          <a:cs typeface="Calibri" pitchFamily="34" charset="0"/>
+                        </a:rPr>
+                        <a:t> 80% </a:t>
+                      </a:r>
+                      <a:r>
+                        <a:rPr lang="en-US" sz="1200" b="0" baseline="0" dirty="0" err="1" smtClean="0">
+                          <a:latin typeface="Calibri" pitchFamily="34" charset="0"/>
+                          <a:cs typeface="Calibri" pitchFamily="34" charset="0"/>
+                        </a:rPr>
+                        <a:t>dựa</a:t>
+                      </a:r>
+                      <a:r>
+                        <a:rPr lang="en-US" sz="1200" b="0" baseline="0" dirty="0" smtClean="0">
+                          <a:latin typeface="Calibri" pitchFamily="34" charset="0"/>
+                          <a:cs typeface="Calibri" pitchFamily="34" charset="0"/>
+                        </a:rPr>
+                        <a:t> </a:t>
+                      </a:r>
+                      <a:r>
+                        <a:rPr lang="en-US" sz="1200" b="0" baseline="0" dirty="0" err="1" smtClean="0">
+                          <a:latin typeface="Calibri" pitchFamily="34" charset="0"/>
+                          <a:cs typeface="Calibri" pitchFamily="34" charset="0"/>
+                        </a:rPr>
+                        <a:t>các</a:t>
+                      </a:r>
+                      <a:r>
+                        <a:rPr lang="en-US" sz="1200" b="0" baseline="0" dirty="0" smtClean="0">
+                          <a:latin typeface="Calibri" pitchFamily="34" charset="0"/>
+                          <a:cs typeface="Calibri" pitchFamily="34" charset="0"/>
+                        </a:rPr>
+                        <a:t> </a:t>
+                      </a:r>
+                      <a:r>
+                        <a:rPr lang="en-US" sz="1200" b="0" baseline="0" dirty="0" err="1" smtClean="0">
+                          <a:latin typeface="Calibri" pitchFamily="34" charset="0"/>
+                          <a:cs typeface="Calibri" pitchFamily="34" charset="0"/>
+                        </a:rPr>
+                        <a:t>dữ</a:t>
+                      </a:r>
+                      <a:r>
+                        <a:rPr lang="en-US" sz="1200" b="0" baseline="0" dirty="0" smtClean="0">
+                          <a:latin typeface="Calibri" pitchFamily="34" charset="0"/>
+                          <a:cs typeface="Calibri" pitchFamily="34" charset="0"/>
+                        </a:rPr>
+                        <a:t> </a:t>
+                      </a:r>
+                      <a:r>
+                        <a:rPr lang="en-US" sz="1200" b="0" baseline="0" dirty="0" err="1" smtClean="0">
+                          <a:latin typeface="Calibri" pitchFamily="34" charset="0"/>
+                          <a:cs typeface="Calibri" pitchFamily="34" charset="0"/>
+                        </a:rPr>
+                        <a:t>liệu</a:t>
+                      </a:r>
+                      <a:r>
+                        <a:rPr lang="en-US" sz="1200" b="0" baseline="0" dirty="0" smtClean="0">
+                          <a:latin typeface="Calibri" pitchFamily="34" charset="0"/>
+                          <a:cs typeface="Calibri" pitchFamily="34" charset="0"/>
+                        </a:rPr>
+                        <a:t> </a:t>
+                      </a:r>
+                      <a:r>
+                        <a:rPr lang="en-US" sz="1200" b="0" baseline="0" dirty="0" err="1" smtClean="0">
+                          <a:latin typeface="Calibri" pitchFamily="34" charset="0"/>
+                          <a:cs typeface="Calibri" pitchFamily="34" charset="0"/>
+                        </a:rPr>
+                        <a:t>trước</a:t>
+                      </a:r>
+                      <a:r>
+                        <a:rPr lang="en-US" sz="1200" b="0" baseline="0" dirty="0" smtClean="0">
+                          <a:latin typeface="Calibri" pitchFamily="34" charset="0"/>
+                          <a:cs typeface="Calibri" pitchFamily="34" charset="0"/>
+                        </a:rPr>
+                        <a:t> </a:t>
+                      </a:r>
+                      <a:r>
+                        <a:rPr lang="en-US" sz="1200" b="0" baseline="0" dirty="0" err="1" smtClean="0">
+                          <a:latin typeface="Calibri" pitchFamily="34" charset="0"/>
+                          <a:cs typeface="Calibri" pitchFamily="34" charset="0"/>
+                        </a:rPr>
+                        <a:t>đại</a:t>
+                      </a:r>
+                      <a:r>
+                        <a:rPr lang="en-US" sz="1200" b="0" baseline="0" dirty="0" smtClean="0">
+                          <a:latin typeface="Calibri" pitchFamily="34" charset="0"/>
+                          <a:cs typeface="Calibri" pitchFamily="34" charset="0"/>
+                        </a:rPr>
+                        <a:t> </a:t>
+                      </a:r>
+                      <a:r>
+                        <a:rPr lang="en-US" sz="1200" b="0" baseline="0" dirty="0" err="1" smtClean="0">
+                          <a:latin typeface="Calibri" pitchFamily="34" charset="0"/>
+                          <a:cs typeface="Calibri" pitchFamily="34" charset="0"/>
+                        </a:rPr>
+                        <a:t>học</a:t>
+                      </a:r>
+                      <a:r>
+                        <a:rPr lang="en-US" sz="1200" b="0" baseline="0" dirty="0" smtClean="0">
+                          <a:latin typeface="Calibri" pitchFamily="34" charset="0"/>
+                          <a:cs typeface="Calibri" pitchFamily="34" charset="0"/>
+                        </a:rPr>
+                        <a:t> </a:t>
+                      </a:r>
+                      <a:r>
+                        <a:rPr lang="en-US" sz="1200" b="0" baseline="0" dirty="0" err="1" smtClean="0">
+                          <a:latin typeface="Calibri" pitchFamily="34" charset="0"/>
+                          <a:cs typeface="Calibri" pitchFamily="34" charset="0"/>
+                        </a:rPr>
+                        <a:t>và</a:t>
+                      </a:r>
+                      <a:r>
+                        <a:rPr lang="en-US" sz="1200" b="0" baseline="0" dirty="0" smtClean="0">
+                          <a:latin typeface="Calibri" pitchFamily="34" charset="0"/>
+                          <a:cs typeface="Calibri" pitchFamily="34" charset="0"/>
+                        </a:rPr>
+                        <a:t> </a:t>
+                      </a:r>
+                      <a:r>
+                        <a:rPr lang="en-US" sz="1200" b="0" baseline="0" dirty="0" err="1" smtClean="0">
+                          <a:latin typeface="Calibri" pitchFamily="34" charset="0"/>
+                          <a:cs typeface="Calibri" pitchFamily="34" charset="0"/>
+                        </a:rPr>
+                        <a:t>dữ</a:t>
+                      </a:r>
+                      <a:r>
+                        <a:rPr lang="en-US" sz="1200" b="0" baseline="0" dirty="0" smtClean="0">
+                          <a:latin typeface="Calibri" pitchFamily="34" charset="0"/>
+                          <a:cs typeface="Calibri" pitchFamily="34" charset="0"/>
+                        </a:rPr>
+                        <a:t> </a:t>
+                      </a:r>
+                      <a:r>
+                        <a:rPr lang="en-US" sz="1200" b="0" baseline="0" dirty="0" err="1" smtClean="0">
+                          <a:latin typeface="Calibri" pitchFamily="34" charset="0"/>
+                          <a:cs typeface="Calibri" pitchFamily="34" charset="0"/>
+                        </a:rPr>
+                        <a:t>liệu</a:t>
+                      </a:r>
+                      <a:r>
+                        <a:rPr lang="en-US" sz="1200" b="0" baseline="0" dirty="0" smtClean="0">
+                          <a:latin typeface="Calibri" pitchFamily="34" charset="0"/>
+                          <a:cs typeface="Calibri" pitchFamily="34" charset="0"/>
+                        </a:rPr>
+                        <a:t> </a:t>
+                      </a:r>
+                      <a:r>
+                        <a:rPr lang="en-US" sz="1200" b="0" baseline="0" dirty="0" err="1" smtClean="0">
+                          <a:latin typeface="Calibri" pitchFamily="34" charset="0"/>
+                          <a:cs typeface="Calibri" pitchFamily="34" charset="0"/>
+                        </a:rPr>
+                        <a:t>kỳ</a:t>
+                      </a:r>
+                      <a:r>
+                        <a:rPr lang="en-US" sz="1200" b="0" baseline="0" dirty="0" smtClean="0">
+                          <a:latin typeface="Calibri" pitchFamily="34" charset="0"/>
+                          <a:cs typeface="Calibri" pitchFamily="34" charset="0"/>
+                        </a:rPr>
+                        <a:t> </a:t>
+                      </a:r>
+                      <a:r>
+                        <a:rPr lang="en-US" sz="1200" b="0" baseline="0" dirty="0" err="1" smtClean="0">
+                          <a:latin typeface="Calibri" pitchFamily="34" charset="0"/>
+                          <a:cs typeface="Calibri" pitchFamily="34" charset="0"/>
+                        </a:rPr>
+                        <a:t>đầu</a:t>
+                      </a:r>
+                      <a:r>
+                        <a:rPr lang="en-US" sz="1200" b="0" baseline="0" dirty="0" smtClean="0">
+                          <a:latin typeface="Calibri" pitchFamily="34" charset="0"/>
+                          <a:cs typeface="Calibri" pitchFamily="34" charset="0"/>
+                        </a:rPr>
+                        <a:t> </a:t>
+                      </a:r>
+                      <a:r>
+                        <a:rPr lang="en-US" sz="1200" b="0" baseline="0" dirty="0" err="1" smtClean="0">
+                          <a:latin typeface="Calibri" pitchFamily="34" charset="0"/>
+                          <a:cs typeface="Calibri" pitchFamily="34" charset="0"/>
+                        </a:rPr>
+                        <a:t>tiên</a:t>
+                      </a:r>
+                      <a:r>
+                        <a:rPr lang="en-US" sz="1200" b="0" baseline="0" dirty="0" smtClean="0">
+                          <a:latin typeface="Calibri" pitchFamily="34" charset="0"/>
+                          <a:cs typeface="Calibri" pitchFamily="34" charset="0"/>
+                        </a:rPr>
+                        <a:t>.</a:t>
+                      </a:r>
+                      <a:endParaRPr lang="en-US" sz="1200" b="0" dirty="0">
                         <a:latin typeface="Calibri" pitchFamily="34" charset="0"/>
                         <a:cs typeface="Calibri" pitchFamily="34" charset="0"/>
                       </a:endParaRPr>
@@ -23728,7 +24586,7 @@
                     <a:bodyPr/>
                     <a:lstStyle/>
                     <a:p>
-                      <a:endParaRPr lang="en-US" sz="1200"/>
+                      <a:endParaRPr lang="en-US" sz="1200" dirty="0"/>
                     </a:p>
                   </a:txBody>
                   <a:tcPr/>
@@ -23973,6 +24831,686 @@
                     <a:bodyPr/>
                     <a:lstStyle/>
                     <a:p>
+                      <a:r>
+                        <a:rPr lang="en-US" sz="1200" dirty="0" smtClean="0">
+                          <a:solidFill>
+                            <a:srgbClr val="FF0000"/>
+                          </a:solidFill>
+                        </a:rPr>
+                        <a:t>So </a:t>
+                      </a:r>
+                      <a:r>
+                        <a:rPr lang="en-US" sz="1200" dirty="0" err="1" smtClean="0">
+                          <a:solidFill>
+                            <a:srgbClr val="FF0000"/>
+                          </a:solidFill>
+                        </a:rPr>
+                        <a:t>sánh</a:t>
+                      </a:r>
+                      <a:r>
+                        <a:rPr lang="en-US" sz="1200" baseline="0" dirty="0" smtClean="0">
+                          <a:solidFill>
+                            <a:srgbClr val="FF0000"/>
+                          </a:solidFill>
+                        </a:rPr>
+                        <a:t> </a:t>
+                      </a:r>
+                      <a:r>
+                        <a:rPr lang="en-US" sz="1200" baseline="0" dirty="0" err="1" smtClean="0">
+                          <a:solidFill>
+                            <a:srgbClr val="FF0000"/>
+                          </a:solidFill>
+                        </a:rPr>
+                        <a:t>câc</a:t>
+                      </a:r>
+                      <a:r>
+                        <a:rPr lang="en-US" sz="1200" baseline="0" dirty="0" smtClean="0">
+                          <a:solidFill>
+                            <a:srgbClr val="FF0000"/>
+                          </a:solidFill>
+                        </a:rPr>
+                        <a:t> phương </a:t>
+                      </a:r>
+                      <a:r>
+                        <a:rPr lang="en-US" sz="1200" baseline="0" dirty="0" err="1" smtClean="0">
+                          <a:solidFill>
+                            <a:srgbClr val="FF0000"/>
+                          </a:solidFill>
+                        </a:rPr>
+                        <a:t>pháp</a:t>
+                      </a:r>
+                      <a:r>
+                        <a:rPr lang="en-US" sz="1200" baseline="0" dirty="0" smtClean="0">
+                          <a:solidFill>
+                            <a:srgbClr val="FF0000"/>
+                          </a:solidFill>
+                        </a:rPr>
+                        <a:t> </a:t>
+                      </a:r>
+                      <a:r>
+                        <a:rPr lang="en-US" sz="1200" baseline="0" dirty="0" err="1" smtClean="0">
+                          <a:solidFill>
+                            <a:srgbClr val="FF0000"/>
+                          </a:solidFill>
+                        </a:rPr>
+                        <a:t>khai</a:t>
+                      </a:r>
+                      <a:r>
+                        <a:rPr lang="en-US" sz="1200" baseline="0" dirty="0" smtClean="0">
+                          <a:solidFill>
+                            <a:srgbClr val="FF0000"/>
+                          </a:solidFill>
+                        </a:rPr>
+                        <a:t> </a:t>
+                      </a:r>
+                      <a:r>
+                        <a:rPr lang="en-US" sz="1200" baseline="0" dirty="0" err="1" smtClean="0">
+                          <a:solidFill>
+                            <a:srgbClr val="FF0000"/>
+                          </a:solidFill>
+                        </a:rPr>
+                        <a:t>phá</a:t>
+                      </a:r>
+                      <a:r>
+                        <a:rPr lang="en-US" sz="1200" baseline="0" dirty="0" smtClean="0">
+                          <a:solidFill>
+                            <a:srgbClr val="FF0000"/>
+                          </a:solidFill>
+                        </a:rPr>
+                        <a:t> </a:t>
+                      </a:r>
+                      <a:r>
+                        <a:rPr lang="en-US" sz="1200" baseline="0" dirty="0" err="1" smtClean="0">
+                          <a:solidFill>
+                            <a:srgbClr val="FF0000"/>
+                          </a:solidFill>
+                        </a:rPr>
+                        <a:t>dữ</a:t>
+                      </a:r>
+                      <a:r>
+                        <a:rPr lang="en-US" sz="1200" baseline="0" dirty="0" smtClean="0">
+                          <a:solidFill>
+                            <a:srgbClr val="FF0000"/>
+                          </a:solidFill>
+                        </a:rPr>
+                        <a:t> </a:t>
+                      </a:r>
+                      <a:r>
+                        <a:rPr lang="en-US" sz="1200" baseline="0" dirty="0" err="1" smtClean="0">
+                          <a:solidFill>
+                            <a:srgbClr val="FF0000"/>
+                          </a:solidFill>
+                        </a:rPr>
+                        <a:t>liệu</a:t>
+                      </a:r>
+                      <a:r>
+                        <a:rPr lang="en-US" sz="1200" baseline="0" dirty="0" smtClean="0">
+                          <a:solidFill>
+                            <a:srgbClr val="FF0000"/>
+                          </a:solidFill>
+                        </a:rPr>
+                        <a:t> </a:t>
+                      </a:r>
+                      <a:r>
+                        <a:rPr lang="en-US" sz="1200" baseline="0" dirty="0" err="1" smtClean="0">
+                          <a:solidFill>
+                            <a:srgbClr val="FF0000"/>
+                          </a:solidFill>
+                        </a:rPr>
+                        <a:t>để</a:t>
+                      </a:r>
+                      <a:r>
+                        <a:rPr lang="en-US" sz="1200" baseline="0" dirty="0" smtClean="0">
+                          <a:solidFill>
+                            <a:srgbClr val="FF0000"/>
+                          </a:solidFill>
+                        </a:rPr>
+                        <a:t> </a:t>
+                      </a:r>
+                      <a:r>
+                        <a:rPr lang="en-US" sz="1200" baseline="0" dirty="0" err="1" smtClean="0">
+                          <a:solidFill>
+                            <a:srgbClr val="FF0000"/>
+                          </a:solidFill>
+                        </a:rPr>
+                        <a:t>phân</a:t>
+                      </a:r>
+                      <a:r>
+                        <a:rPr lang="en-US" sz="1200" baseline="0" dirty="0" smtClean="0">
+                          <a:solidFill>
+                            <a:srgbClr val="FF0000"/>
+                          </a:solidFill>
+                        </a:rPr>
+                        <a:t> </a:t>
+                      </a:r>
+                      <a:r>
+                        <a:rPr lang="en-US" sz="1200" baseline="0" dirty="0" err="1" smtClean="0">
+                          <a:solidFill>
+                            <a:srgbClr val="FF0000"/>
+                          </a:solidFill>
+                        </a:rPr>
+                        <a:t>lớp</a:t>
+                      </a:r>
+                      <a:r>
+                        <a:rPr lang="en-US" sz="1200" baseline="0" dirty="0" smtClean="0">
+                          <a:solidFill>
+                            <a:srgbClr val="FF0000"/>
+                          </a:solidFill>
+                        </a:rPr>
+                        <a:t> </a:t>
+                      </a:r>
+                      <a:r>
+                        <a:rPr lang="en-US" sz="1200" baseline="0" dirty="0" err="1" smtClean="0">
+                          <a:solidFill>
+                            <a:srgbClr val="FF0000"/>
+                          </a:solidFill>
+                        </a:rPr>
+                        <a:t>sinh</a:t>
+                      </a:r>
+                      <a:r>
+                        <a:rPr lang="en-US" sz="1200" baseline="0" dirty="0" smtClean="0">
+                          <a:solidFill>
+                            <a:srgbClr val="FF0000"/>
+                          </a:solidFill>
+                        </a:rPr>
+                        <a:t> </a:t>
+                      </a:r>
+                      <a:r>
+                        <a:rPr lang="en-US" sz="1200" baseline="0" dirty="0" err="1" smtClean="0">
+                          <a:solidFill>
+                            <a:srgbClr val="FF0000"/>
+                          </a:solidFill>
+                        </a:rPr>
+                        <a:t>viên</a:t>
+                      </a:r>
+                      <a:r>
+                        <a:rPr lang="en-US" sz="1200" baseline="0" dirty="0" smtClean="0">
+                          <a:solidFill>
+                            <a:srgbClr val="FF0000"/>
+                          </a:solidFill>
+                        </a:rPr>
+                        <a:t> </a:t>
+                      </a:r>
+                      <a:r>
+                        <a:rPr lang="en-US" sz="1200" baseline="0" dirty="0" err="1" smtClean="0">
+                          <a:solidFill>
+                            <a:srgbClr val="FF0000"/>
+                          </a:solidFill>
+                        </a:rPr>
+                        <a:t>dựa</a:t>
+                      </a:r>
+                      <a:r>
+                        <a:rPr lang="en-US" sz="1200" baseline="0" dirty="0" smtClean="0">
+                          <a:solidFill>
+                            <a:srgbClr val="FF0000"/>
+                          </a:solidFill>
+                        </a:rPr>
+                        <a:t> </a:t>
+                      </a:r>
+                      <a:r>
+                        <a:rPr lang="en-US" sz="1200" baseline="0" dirty="0" err="1" smtClean="0">
+                          <a:solidFill>
+                            <a:srgbClr val="FF0000"/>
+                          </a:solidFill>
+                        </a:rPr>
+                        <a:t>vào</a:t>
+                      </a:r>
+                      <a:r>
+                        <a:rPr lang="en-US" sz="1200" baseline="0" dirty="0" smtClean="0">
+                          <a:solidFill>
+                            <a:srgbClr val="FF0000"/>
+                          </a:solidFill>
+                        </a:rPr>
+                        <a:t> 438 </a:t>
+                      </a:r>
+                      <a:r>
+                        <a:rPr lang="en-US" sz="1200" baseline="0" dirty="0" err="1" smtClean="0">
+                          <a:solidFill>
+                            <a:srgbClr val="FF0000"/>
+                          </a:solidFill>
+                        </a:rPr>
+                        <a:t>dữ</a:t>
+                      </a:r>
+                      <a:r>
+                        <a:rPr lang="en-US" sz="1200" baseline="0" dirty="0" smtClean="0">
+                          <a:solidFill>
+                            <a:srgbClr val="FF0000"/>
+                          </a:solidFill>
+                        </a:rPr>
+                        <a:t> </a:t>
+                      </a:r>
+                      <a:r>
+                        <a:rPr lang="en-US" sz="1200" baseline="0" dirty="0" err="1" smtClean="0">
+                          <a:solidFill>
+                            <a:srgbClr val="FF0000"/>
+                          </a:solidFill>
+                        </a:rPr>
+                        <a:t>liệu</a:t>
+                      </a:r>
+                      <a:r>
+                        <a:rPr lang="en-US" sz="1200" baseline="0" dirty="0" smtClean="0">
+                          <a:solidFill>
+                            <a:srgbClr val="FF0000"/>
+                          </a:solidFill>
+                        </a:rPr>
+                        <a:t> </a:t>
+                      </a:r>
+                      <a:r>
+                        <a:rPr lang="en-US" sz="1200" baseline="0" dirty="0" err="1" smtClean="0">
+                          <a:solidFill>
+                            <a:srgbClr val="FF0000"/>
+                          </a:solidFill>
+                        </a:rPr>
+                        <a:t>sinh</a:t>
+                      </a:r>
+                      <a:r>
+                        <a:rPr lang="en-US" sz="1200" baseline="0" dirty="0" smtClean="0">
+                          <a:solidFill>
+                            <a:srgbClr val="FF0000"/>
+                          </a:solidFill>
+                        </a:rPr>
+                        <a:t> </a:t>
+                      </a:r>
+                      <a:r>
+                        <a:rPr lang="en-US" sz="1200" baseline="0" dirty="0" err="1" smtClean="0">
+                          <a:solidFill>
+                            <a:srgbClr val="FF0000"/>
+                          </a:solidFill>
+                        </a:rPr>
+                        <a:t>viên</a:t>
+                      </a:r>
+                      <a:r>
+                        <a:rPr lang="en-US" sz="1200" baseline="0" dirty="0" smtClean="0">
+                          <a:solidFill>
+                            <a:srgbClr val="FF0000"/>
+                          </a:solidFill>
+                        </a:rPr>
+                        <a:t> </a:t>
+                      </a:r>
+                      <a:r>
+                        <a:rPr lang="en-US" sz="1200" baseline="0" dirty="0" err="1" smtClean="0">
+                          <a:solidFill>
+                            <a:srgbClr val="FF0000"/>
+                          </a:solidFill>
+                        </a:rPr>
+                        <a:t>trong</a:t>
+                      </a:r>
+                      <a:r>
+                        <a:rPr lang="en-US" sz="1200" baseline="0" dirty="0" smtClean="0">
+                          <a:solidFill>
+                            <a:srgbClr val="FF0000"/>
+                          </a:solidFill>
+                        </a:rPr>
+                        <a:t> 7 </a:t>
+                      </a:r>
+                      <a:r>
+                        <a:rPr lang="en-US" sz="1200" baseline="0" dirty="0" err="1" smtClean="0">
+                          <a:solidFill>
+                            <a:srgbClr val="FF0000"/>
+                          </a:solidFill>
+                        </a:rPr>
+                        <a:t>khóa</a:t>
+                      </a:r>
+                      <a:r>
+                        <a:rPr lang="en-US" sz="1200" baseline="0" dirty="0" smtClean="0">
+                          <a:solidFill>
+                            <a:srgbClr val="FF0000"/>
+                          </a:solidFill>
+                        </a:rPr>
+                        <a:t> </a:t>
+                      </a:r>
+                      <a:r>
+                        <a:rPr lang="en-US" sz="1200" baseline="0" dirty="0" err="1" smtClean="0">
+                          <a:solidFill>
+                            <a:srgbClr val="FF0000"/>
+                          </a:solidFill>
+                        </a:rPr>
+                        <a:t>học</a:t>
+                      </a:r>
+                      <a:r>
+                        <a:rPr lang="en-US" sz="1200" baseline="0" dirty="0" smtClean="0">
+                          <a:solidFill>
+                            <a:srgbClr val="FF0000"/>
+                          </a:solidFill>
+                        </a:rPr>
+                        <a:t> </a:t>
+                      </a:r>
+                      <a:r>
+                        <a:rPr lang="en-US" sz="1200" baseline="0" dirty="0" err="1" smtClean="0">
+                          <a:solidFill>
+                            <a:srgbClr val="FF0000"/>
+                          </a:solidFill>
+                        </a:rPr>
+                        <a:t>từ</a:t>
+                      </a:r>
+                      <a:r>
+                        <a:rPr lang="en-US" sz="1200" baseline="0" dirty="0" smtClean="0">
+                          <a:solidFill>
+                            <a:srgbClr val="FF0000"/>
+                          </a:solidFill>
+                        </a:rPr>
+                        <a:t> </a:t>
+                      </a:r>
+                      <a:r>
+                        <a:rPr lang="en-US" sz="1200" baseline="0" dirty="0" err="1" smtClean="0">
+                          <a:solidFill>
+                            <a:srgbClr val="FF0000"/>
+                          </a:solidFill>
+                        </a:rPr>
+                        <a:t>hệ</a:t>
+                      </a:r>
+                      <a:r>
+                        <a:rPr lang="en-US" sz="1200" baseline="0" dirty="0" smtClean="0">
+                          <a:solidFill>
+                            <a:srgbClr val="FF0000"/>
+                          </a:solidFill>
+                        </a:rPr>
+                        <a:t> </a:t>
+                      </a:r>
+                      <a:r>
+                        <a:rPr lang="en-US" sz="1200" baseline="0" dirty="0" err="1" smtClean="0">
+                          <a:solidFill>
+                            <a:srgbClr val="FF0000"/>
+                          </a:solidFill>
+                        </a:rPr>
+                        <a:t>thống</a:t>
+                      </a:r>
+                      <a:r>
+                        <a:rPr lang="en-US" sz="1200" baseline="0" dirty="0" smtClean="0">
+                          <a:solidFill>
+                            <a:srgbClr val="FF0000"/>
+                          </a:solidFill>
+                        </a:rPr>
+                        <a:t> </a:t>
+                      </a:r>
+                      <a:r>
+                        <a:rPr lang="en-US" sz="1200" baseline="0" dirty="0" err="1" smtClean="0">
+                          <a:solidFill>
+                            <a:srgbClr val="FF0000"/>
+                          </a:solidFill>
+                        </a:rPr>
+                        <a:t>Moodle</a:t>
+                      </a:r>
+                      <a:r>
+                        <a:rPr lang="en-US" sz="1200" baseline="0" dirty="0" smtClean="0">
+                          <a:solidFill>
+                            <a:srgbClr val="FF0000"/>
+                          </a:solidFill>
+                        </a:rPr>
+                        <a:t> </a:t>
+                      </a:r>
+                      <a:r>
+                        <a:rPr lang="en-US" sz="1200" baseline="0" dirty="0" err="1" smtClean="0">
+                          <a:solidFill>
+                            <a:srgbClr val="FF0000"/>
+                          </a:solidFill>
+                        </a:rPr>
+                        <a:t>của</a:t>
+                      </a:r>
+                      <a:r>
+                        <a:rPr lang="en-US" sz="1200" baseline="0" dirty="0" smtClean="0">
+                          <a:solidFill>
+                            <a:srgbClr val="FF0000"/>
+                          </a:solidFill>
+                        </a:rPr>
+                        <a:t> </a:t>
+                      </a:r>
+                      <a:r>
+                        <a:rPr lang="en-US" sz="1200" baseline="0" dirty="0" err="1" smtClean="0">
+                          <a:solidFill>
+                            <a:srgbClr val="FF0000"/>
+                          </a:solidFill>
+                        </a:rPr>
+                        <a:t>trường</a:t>
+                      </a:r>
+                      <a:r>
+                        <a:rPr lang="en-US" sz="1200" baseline="0" dirty="0" smtClean="0">
+                          <a:solidFill>
+                            <a:srgbClr val="FF0000"/>
+                          </a:solidFill>
+                        </a:rPr>
+                        <a:t> Cordoba University .</a:t>
+                      </a:r>
+                      <a:r>
+                        <a:rPr lang="en-US" sz="1200" baseline="0" dirty="0" err="1" smtClean="0">
+                          <a:solidFill>
+                            <a:srgbClr val="FF0000"/>
+                          </a:solidFill>
+                        </a:rPr>
+                        <a:t>Phát</a:t>
+                      </a:r>
+                      <a:r>
+                        <a:rPr lang="en-US" sz="1200" baseline="0" dirty="0" smtClean="0">
+                          <a:solidFill>
+                            <a:srgbClr val="FF0000"/>
+                          </a:solidFill>
+                        </a:rPr>
+                        <a:t> </a:t>
+                      </a:r>
+                      <a:r>
+                        <a:rPr lang="en-US" sz="1200" baseline="0" dirty="0" err="1" smtClean="0">
+                          <a:solidFill>
+                            <a:srgbClr val="FF0000"/>
+                          </a:solidFill>
+                        </a:rPr>
+                        <a:t>triển</a:t>
+                      </a:r>
+                      <a:r>
+                        <a:rPr lang="en-US" sz="1200" baseline="0" dirty="0" smtClean="0">
+                          <a:solidFill>
+                            <a:srgbClr val="FF0000"/>
+                          </a:solidFill>
+                        </a:rPr>
+                        <a:t> </a:t>
+                      </a:r>
+                      <a:r>
+                        <a:rPr lang="en-US" sz="1200" baseline="0" dirty="0" err="1" smtClean="0">
+                          <a:solidFill>
+                            <a:srgbClr val="FF0000"/>
+                          </a:solidFill>
+                        </a:rPr>
+                        <a:t>và</a:t>
+                      </a:r>
+                      <a:r>
+                        <a:rPr lang="en-US" sz="1200" baseline="0" dirty="0" smtClean="0">
+                          <a:solidFill>
+                            <a:srgbClr val="FF0000"/>
+                          </a:solidFill>
+                        </a:rPr>
+                        <a:t> </a:t>
+                      </a:r>
+                      <a:r>
+                        <a:rPr lang="en-US" sz="1200" baseline="0" dirty="0" err="1" smtClean="0">
+                          <a:solidFill>
+                            <a:srgbClr val="FF0000"/>
+                          </a:solidFill>
+                        </a:rPr>
+                        <a:t>tích</a:t>
+                      </a:r>
+                      <a:r>
+                        <a:rPr lang="en-US" sz="1200" baseline="0" dirty="0" smtClean="0">
+                          <a:solidFill>
+                            <a:srgbClr val="FF0000"/>
+                          </a:solidFill>
+                        </a:rPr>
+                        <a:t> </a:t>
+                      </a:r>
+                      <a:r>
+                        <a:rPr lang="en-US" sz="1200" baseline="0" dirty="0" err="1" smtClean="0">
+                          <a:solidFill>
+                            <a:srgbClr val="FF0000"/>
+                          </a:solidFill>
+                        </a:rPr>
+                        <a:t>hợp</a:t>
+                      </a:r>
+                      <a:r>
+                        <a:rPr lang="en-US" sz="1200" baseline="0" dirty="0" smtClean="0">
+                          <a:solidFill>
+                            <a:srgbClr val="FF0000"/>
+                          </a:solidFill>
+                        </a:rPr>
+                        <a:t> </a:t>
+                      </a:r>
+                      <a:r>
+                        <a:rPr lang="en-US" sz="1200" baseline="0" dirty="0" err="1" smtClean="0">
+                          <a:solidFill>
+                            <a:srgbClr val="FF0000"/>
+                          </a:solidFill>
+                        </a:rPr>
+                        <a:t>công</a:t>
+                      </a:r>
+                      <a:r>
+                        <a:rPr lang="en-US" sz="1200" baseline="0" dirty="0" smtClean="0">
+                          <a:solidFill>
+                            <a:srgbClr val="FF0000"/>
+                          </a:solidFill>
+                        </a:rPr>
+                        <a:t> </a:t>
+                      </a:r>
+                      <a:r>
+                        <a:rPr lang="en-US" sz="1200" baseline="0" dirty="0" err="1" smtClean="0">
+                          <a:solidFill>
+                            <a:srgbClr val="FF0000"/>
+                          </a:solidFill>
+                        </a:rPr>
+                        <a:t>cụ</a:t>
+                      </a:r>
+                      <a:r>
+                        <a:rPr lang="en-US" sz="1200" baseline="0" dirty="0" smtClean="0">
+                          <a:solidFill>
+                            <a:srgbClr val="FF0000"/>
+                          </a:solidFill>
+                        </a:rPr>
+                        <a:t> </a:t>
+                      </a:r>
+                      <a:r>
+                        <a:rPr lang="en-US" sz="1200" baseline="0" dirty="0" err="1" smtClean="0">
+                          <a:solidFill>
+                            <a:srgbClr val="FF0000"/>
+                          </a:solidFill>
+                        </a:rPr>
+                        <a:t>Moodle</a:t>
+                      </a:r>
+                      <a:r>
+                        <a:rPr lang="en-US" sz="1200" baseline="0" dirty="0" smtClean="0">
+                          <a:solidFill>
+                            <a:srgbClr val="FF0000"/>
+                          </a:solidFill>
+                        </a:rPr>
+                        <a:t> Mining Tool </a:t>
+                      </a:r>
+                      <a:r>
+                        <a:rPr lang="en-US" sz="1200" baseline="0" dirty="0" err="1" smtClean="0">
+                          <a:solidFill>
+                            <a:srgbClr val="FF0000"/>
+                          </a:solidFill>
+                        </a:rPr>
+                        <a:t>hỗ</a:t>
+                      </a:r>
+                      <a:r>
+                        <a:rPr lang="en-US" sz="1200" baseline="0" dirty="0" smtClean="0">
+                          <a:solidFill>
+                            <a:srgbClr val="FF0000"/>
+                          </a:solidFill>
+                        </a:rPr>
+                        <a:t> </a:t>
+                      </a:r>
+                      <a:r>
+                        <a:rPr lang="en-US" sz="1200" baseline="0" dirty="0" err="1" smtClean="0">
+                          <a:solidFill>
+                            <a:srgbClr val="FF0000"/>
+                          </a:solidFill>
+                        </a:rPr>
+                        <a:t>trợ</a:t>
+                      </a:r>
+                      <a:r>
+                        <a:rPr lang="en-US" sz="1200" baseline="0" dirty="0" smtClean="0">
+                          <a:solidFill>
+                            <a:srgbClr val="FF0000"/>
+                          </a:solidFill>
+                        </a:rPr>
+                        <a:t> </a:t>
+                      </a:r>
+                      <a:r>
+                        <a:rPr lang="en-US" sz="1200" baseline="0" dirty="0" err="1" smtClean="0">
+                          <a:solidFill>
+                            <a:srgbClr val="FF0000"/>
+                          </a:solidFill>
+                        </a:rPr>
+                        <a:t>các</a:t>
+                      </a:r>
+                      <a:r>
+                        <a:rPr lang="en-US" sz="1200" baseline="0" dirty="0" smtClean="0">
+                          <a:solidFill>
+                            <a:srgbClr val="FF0000"/>
+                          </a:solidFill>
+                        </a:rPr>
+                        <a:t> </a:t>
+                      </a:r>
+                      <a:r>
+                        <a:rPr lang="en-US" sz="1200" baseline="0" dirty="0" err="1" smtClean="0">
+                          <a:solidFill>
+                            <a:srgbClr val="FF0000"/>
+                          </a:solidFill>
+                        </a:rPr>
+                        <a:t>giảng</a:t>
+                      </a:r>
+                      <a:r>
+                        <a:rPr lang="en-US" sz="1200" baseline="0" dirty="0" smtClean="0">
+                          <a:solidFill>
+                            <a:srgbClr val="FF0000"/>
+                          </a:solidFill>
+                        </a:rPr>
+                        <a:t> </a:t>
+                      </a:r>
+                      <a:r>
+                        <a:rPr lang="en-US" sz="1200" baseline="0" dirty="0" err="1" smtClean="0">
+                          <a:solidFill>
+                            <a:srgbClr val="FF0000"/>
+                          </a:solidFill>
+                        </a:rPr>
+                        <a:t>viên</a:t>
+                      </a:r>
+                      <a:r>
+                        <a:rPr lang="en-US" sz="1200" baseline="0" dirty="0" smtClean="0">
+                          <a:solidFill>
+                            <a:srgbClr val="FF0000"/>
+                          </a:solidFill>
+                        </a:rPr>
+                        <a:t> </a:t>
+                      </a:r>
+                      <a:r>
+                        <a:rPr lang="en-US" sz="1200" baseline="0" dirty="0" err="1" smtClean="0">
+                          <a:solidFill>
+                            <a:srgbClr val="FF0000"/>
+                          </a:solidFill>
+                        </a:rPr>
+                        <a:t>trực</a:t>
+                      </a:r>
+                      <a:r>
+                        <a:rPr lang="en-US" sz="1200" baseline="0" dirty="0" smtClean="0">
+                          <a:solidFill>
+                            <a:srgbClr val="FF0000"/>
+                          </a:solidFill>
+                        </a:rPr>
+                        <a:t> </a:t>
+                      </a:r>
+                      <a:r>
+                        <a:rPr lang="en-US" sz="1200" baseline="0" dirty="0" err="1" smtClean="0">
+                          <a:solidFill>
+                            <a:srgbClr val="FF0000"/>
+                          </a:solidFill>
+                        </a:rPr>
+                        <a:t>tuyến</a:t>
+                      </a:r>
+                      <a:r>
+                        <a:rPr lang="en-US" sz="1200" baseline="0" dirty="0" smtClean="0">
+                          <a:solidFill>
+                            <a:srgbClr val="FF0000"/>
+                          </a:solidFill>
+                        </a:rPr>
+                        <a:t>.</a:t>
+                      </a:r>
                       <a:endParaRPr lang="en-US" sz="1200" dirty="0">
                         <a:solidFill>
                           <a:srgbClr val="FF0000"/>
@@ -32917,11 +34455,7 @@
             </a:r>
             <a:r>
               <a:rPr lang="en-US" dirty="0" smtClean="0"/>
-              <a:t> NGHỈ </a:t>
-            </a:r>
-            <a:r>
-              <a:rPr lang="en-US" dirty="0" smtClean="0"/>
-              <a:t>HỌC </a:t>
+              <a:t> NGHỈ HỌC </a:t>
             </a:r>
             <a:r>
               <a:rPr lang="en-US" dirty="0" err="1" smtClean="0"/>
@@ -33137,11 +34671,7 @@
             </a:r>
             <a:r>
               <a:rPr lang="vi-VN" dirty="0" smtClean="0"/>
-              <a:t>NGHỈ </a:t>
-            </a:r>
-            <a:r>
-              <a:rPr lang="vi-VN" dirty="0" smtClean="0"/>
-              <a:t>HỌC</a:t>
+              <a:t>NGHỈ HỌC</a:t>
             </a:r>
             <a:endParaRPr lang="en-US" dirty="0" smtClean="0"/>
           </a:p>
@@ -33268,11 +34798,41 @@
             </a:r>
             <a:r>
               <a:rPr lang="en-US" dirty="0" smtClean="0"/>
+              <a:t> tin</a:t>
+            </a:r>
+          </a:p>
+          <a:p>
+            <a:pPr algn="just">
+              <a:buFont typeface="Wingdings" pitchFamily="2" charset="2"/>
+              <a:buChar char="ü"/>
+            </a:pPr>
+            <a:r>
+              <a:rPr lang="en-US" dirty="0" err="1" smtClean="0"/>
+              <a:t>Sản</a:t>
+            </a:r>
+            <a:r>
+              <a:rPr lang="en-US" dirty="0" smtClean="0"/>
               <a:t> </a:t>
             </a:r>
             <a:r>
+              <a:rPr lang="en-US" dirty="0" err="1" smtClean="0"/>
+              <a:t>phẩm</a:t>
+            </a:r>
+            <a:r>
               <a:rPr lang="en-US" dirty="0" smtClean="0"/>
-              <a:t>tin</a:t>
+              <a:t> </a:t>
+            </a:r>
+            <a:r>
+              <a:rPr lang="en-US" dirty="0" err="1" smtClean="0"/>
+              <a:t>phần</a:t>
+            </a:r>
+            <a:r>
+              <a:rPr lang="en-US" dirty="0" smtClean="0"/>
+              <a:t> </a:t>
+            </a:r>
+            <a:r>
+              <a:rPr lang="en-US" dirty="0" err="1" smtClean="0"/>
+              <a:t>mềm</a:t>
             </a:r>
             <a:endParaRPr lang="en-US" dirty="0" smtClean="0"/>
           </a:p>
@@ -33283,7 +34843,7 @@
             </a:pPr>
             <a:r>
               <a:rPr lang="en-US" dirty="0" err="1" smtClean="0"/>
-              <a:t>Sản</a:t>
+              <a:t>Xác</a:t>
             </a:r>
             <a:r>
               <a:rPr lang="en-US" dirty="0" smtClean="0"/>
@@ -33291,7 +34851,7 @@
             </a:r>
             <a:r>
               <a:rPr lang="en-US" dirty="0" err="1" smtClean="0"/>
-              <a:t>phẩm</a:t>
+              <a:t>định</a:t>
             </a:r>
             <a:r>
               <a:rPr lang="en-US" dirty="0" smtClean="0"/>
@@ -33299,7 +34859,7 @@
             </a:r>
             <a:r>
               <a:rPr lang="en-US" dirty="0" err="1" smtClean="0"/>
-              <a:t>phần</a:t>
+              <a:t>một</a:t>
             </a:r>
             <a:r>
               <a:rPr lang="en-US" dirty="0" smtClean="0"/>
@@ -33307,18 +34867,7 @@
             </a:r>
             <a:r>
               <a:rPr lang="en-US" dirty="0" err="1" smtClean="0"/>
-              <a:t>mềm</a:t>
-            </a:r>
-            <a:endParaRPr lang="en-US" dirty="0" smtClean="0"/>
-          </a:p>
-          <a:p>
-            <a:pPr algn="just">
-              <a:buFont typeface="Wingdings" pitchFamily="2" charset="2"/>
-              <a:buChar char="ü"/>
-            </a:pPr>
-            <a:r>
-              <a:rPr lang="en-US" dirty="0" err="1" smtClean="0"/>
-              <a:t>Xác</a:t>
+              <a:t>nhân</a:t>
             </a:r>
             <a:r>
               <a:rPr lang="en-US" dirty="0" smtClean="0"/>
@@ -33326,6 +34875,22 @@
             </a:r>
             <a:r>
               <a:rPr lang="en-US" dirty="0" err="1" smtClean="0"/>
+              <a:t>tô</a:t>
+            </a:r>
+            <a:r>
+              <a:rPr lang="en-US" dirty="0" smtClean="0"/>
+              <a:t>́ </a:t>
+            </a:r>
+            <a:r>
+              <a:rPr lang="en-US" dirty="0" err="1" smtClean="0"/>
+              <a:t>khác</a:t>
+            </a:r>
+            <a:r>
+              <a:rPr lang="en-US" dirty="0" smtClean="0"/>
+              <a:t>  CHƯA </a:t>
+            </a:r>
+            <a:r>
+              <a:rPr lang="en-US" dirty="0" err="1" smtClean="0"/>
               <a:t>định</a:t>
             </a:r>
             <a:r>
@@ -33334,7 +34899,7 @@
             </a:r>
             <a:r>
               <a:rPr lang="en-US" dirty="0" err="1" smtClean="0"/>
-              <a:t>một</a:t>
+              <a:t>lượng</a:t>
             </a:r>
             <a:r>
               <a:rPr lang="en-US" dirty="0" smtClean="0"/>
@@ -33342,7 +34907,7 @@
             </a:r>
             <a:r>
               <a:rPr lang="en-US" dirty="0" err="1" smtClean="0"/>
-              <a:t>nhân</a:t>
+              <a:t>được</a:t>
             </a:r>
             <a:r>
               <a:rPr lang="en-US" dirty="0" smtClean="0"/>
@@ -33350,23 +34915,7 @@
             </a:r>
             <a:r>
               <a:rPr lang="en-US" dirty="0" err="1" smtClean="0"/>
-              <a:t>tô</a:t>
-            </a:r>
-            <a:r>
-              <a:rPr lang="en-US" dirty="0" smtClean="0"/>
-              <a:t>́ </a:t>
-            </a:r>
-            <a:r>
-              <a:rPr lang="en-US" dirty="0" err="1" smtClean="0"/>
-              <a:t>khác</a:t>
-            </a:r>
-            <a:r>
-              <a:rPr lang="en-US" dirty="0" smtClean="0"/>
-              <a:t>  CHƯA </a:t>
-            </a:r>
-            <a:r>
-              <a:rPr lang="en-US" dirty="0" err="1" smtClean="0"/>
-              <a:t>định</a:t>
+              <a:t>cũng</a:t>
             </a:r>
             <a:r>
               <a:rPr lang="en-US" dirty="0" smtClean="0"/>
@@ -33374,7 +34923,7 @@
             </a:r>
             <a:r>
               <a:rPr lang="en-US" dirty="0" err="1" smtClean="0"/>
-              <a:t>lượng</a:t>
+              <a:t>ảnh</a:t>
             </a:r>
             <a:r>
               <a:rPr lang="en-US" dirty="0" smtClean="0"/>
@@ -33382,7 +34931,7 @@
             </a:r>
             <a:r>
               <a:rPr lang="en-US" dirty="0" err="1" smtClean="0"/>
-              <a:t>được</a:t>
+              <a:t>hưởng</a:t>
             </a:r>
             <a:r>
               <a:rPr lang="en-US" dirty="0" smtClean="0"/>
@@ -33390,7 +34939,7 @@
             </a:r>
             <a:r>
               <a:rPr lang="en-US" dirty="0" err="1" smtClean="0"/>
-              <a:t>cũng</a:t>
+              <a:t>đến</a:t>
             </a:r>
             <a:r>
               <a:rPr lang="en-US" dirty="0" smtClean="0"/>
@@ -33398,51 +34947,23 @@
             </a:r>
             <a:r>
               <a:rPr lang="en-US" dirty="0" err="1" smtClean="0"/>
-              <a:t>ảnh</a:t>
+              <a:t>kha</a:t>
+            </a:r>
+            <a:r>
+              <a:rPr lang="en-US" dirty="0" smtClean="0"/>
+              <a:t>̉ </a:t>
+            </a:r>
+            <a:r>
+              <a:rPr lang="en-US" dirty="0" err="1" smtClean="0"/>
+              <a:t>năng</a:t>
             </a:r>
             <a:r>
               <a:rPr lang="en-US" dirty="0" smtClean="0"/>
               <a:t> </a:t>
             </a:r>
             <a:r>
-              <a:rPr lang="en-US" dirty="0" err="1" smtClean="0"/>
-              <a:t>hưởng</a:t>
-            </a:r>
-            <a:r>
-              <a:rPr lang="en-US" dirty="0" smtClean="0"/>
-              <a:t> </a:t>
-            </a:r>
-            <a:r>
-              <a:rPr lang="en-US" dirty="0" err="1" smtClean="0"/>
-              <a:t>đến</a:t>
-            </a:r>
-            <a:r>
-              <a:rPr lang="en-US" dirty="0" smtClean="0"/>
-              <a:t> </a:t>
-            </a:r>
-            <a:r>
-              <a:rPr lang="en-US" dirty="0" err="1" smtClean="0"/>
-              <a:t>kha</a:t>
-            </a:r>
-            <a:r>
-              <a:rPr lang="en-US" dirty="0" smtClean="0"/>
-              <a:t>̉ </a:t>
-            </a:r>
-            <a:r>
-              <a:rPr lang="en-US" dirty="0" err="1" smtClean="0"/>
-              <a:t>năng</a:t>
-            </a:r>
-            <a:r>
-              <a:rPr lang="en-US" dirty="0" smtClean="0"/>
-              <a:t> </a:t>
-            </a:r>
-            <a:r>
               <a:rPr lang="vi-VN" dirty="0" smtClean="0"/>
-              <a:t>NGHỈ </a:t>
-            </a:r>
-            <a:r>
-              <a:rPr lang="vi-VN" dirty="0" smtClean="0"/>
-              <a:t>HỌC</a:t>
+              <a:t>NGHỈ HỌC</a:t>
             </a:r>
             <a:endParaRPr lang="en-US" dirty="0" smtClean="0"/>
           </a:p>
@@ -33570,18 +35091,7 @@
                           <a:ea typeface="+mn-ea"/>
                           <a:cs typeface="+mn-cs"/>
                         </a:rPr>
-                        <a:t> 1</a:t>
-                      </a:r>
-                      <a:r>
-                        <a:rPr lang="en-US" sz="2400" kern="1200" dirty="0" smtClean="0">
-                          <a:solidFill>
-                            <a:schemeClr val="tx1"/>
-                          </a:solidFill>
-                          <a:latin typeface="+mn-lt"/>
-                          <a:ea typeface="+mn-ea"/>
-                          <a:cs typeface="+mn-cs"/>
-                        </a:rPr>
-                        <a:t>. </a:t>
+                        <a:t> 1. </a:t>
                       </a:r>
                       <a:r>
                         <a:rPr lang="en-US" sz="2400" kern="1200" dirty="0" err="1" smtClean="0">
@@ -33660,18 +35170,7 @@
                           <a:ea typeface="+mn-ea"/>
                           <a:cs typeface="+mn-cs"/>
                         </a:rPr>
-                        <a:t> 2</a:t>
-                      </a:r>
-                      <a:r>
-                        <a:rPr lang="en-US" sz="2400" kern="1200" dirty="0" smtClean="0">
-                          <a:solidFill>
-                            <a:schemeClr val="tx1"/>
-                          </a:solidFill>
-                          <a:latin typeface="+mn-lt"/>
-                          <a:ea typeface="+mn-ea"/>
-                          <a:cs typeface="+mn-cs"/>
-                        </a:rPr>
-                        <a:t>. </a:t>
+                        <a:t> 2. </a:t>
                       </a:r>
                       <a:r>
                         <a:rPr lang="en-US" sz="2400" kern="1200" dirty="0" err="1" smtClean="0">
@@ -33783,18 +35282,7 @@
                           <a:ea typeface="+mn-ea"/>
                           <a:cs typeface="+mn-cs"/>
                         </a:rPr>
-                        <a:t>3</a:t>
-                      </a:r>
-                      <a:r>
-                        <a:rPr lang="vi-VN" sz="2400" kern="1200" dirty="0" smtClean="0">
-                          <a:solidFill>
-                            <a:schemeClr val="tx1"/>
-                          </a:solidFill>
-                          <a:latin typeface="+mn-lt"/>
-                          <a:ea typeface="+mn-ea"/>
-                          <a:cs typeface="+mn-cs"/>
-                        </a:rPr>
-                        <a:t>. Đối tượng học</a:t>
+                        <a:t>3. Đối tượng học</a:t>
                       </a:r>
                     </a:p>
                   </a:txBody>
@@ -33854,18 +35342,7 @@
                           <a:ea typeface="+mn-ea"/>
                           <a:cs typeface="+mn-cs"/>
                         </a:rPr>
-                        <a:t> 4</a:t>
-                      </a:r>
-                      <a:r>
-                        <a:rPr lang="en-US" sz="2400" kern="1200" dirty="0" smtClean="0">
-                          <a:solidFill>
-                            <a:schemeClr val="tx1"/>
-                          </a:solidFill>
-                          <a:latin typeface="+mn-lt"/>
-                          <a:ea typeface="+mn-ea"/>
-                          <a:cs typeface="+mn-cs"/>
-                        </a:rPr>
-                        <a:t>. </a:t>
+                        <a:t> 4. </a:t>
                       </a:r>
                       <a:r>
                         <a:rPr lang="en-US" sz="2400" kern="1200" dirty="0" err="1" smtClean="0">
@@ -33980,18 +35457,7 @@
                           <a:ea typeface="+mn-ea"/>
                           <a:cs typeface="+mn-cs"/>
                         </a:rPr>
-                        <a:t>5</a:t>
-                      </a:r>
-                      <a:r>
-                        <a:rPr lang="vi-VN" sz="2400" kern="1200" dirty="0" smtClean="0">
-                          <a:solidFill>
-                            <a:schemeClr val="tx1"/>
-                          </a:solidFill>
-                          <a:latin typeface="+mn-lt"/>
-                          <a:ea typeface="+mn-ea"/>
-                          <a:cs typeface="+mn-cs"/>
-                        </a:rPr>
-                        <a:t>. Mã ngành đã tốt nghiệp</a:t>
+                        <a:t>5. Mã ngành đã tốt nghiệp</a:t>
                       </a:r>
                     </a:p>
                   </a:txBody>
@@ -36008,20 +37474,384 @@
                         <a:defRPr/>
                       </a:pPr>
                       <a:r>
-                        <a:rPr lang="en-US" sz="1200" i="0" smtClean="0">
+                        <a:rPr lang="en-US" sz="1200" i="0" dirty="0" err="1" smtClean="0">
                           <a:latin typeface="Times New Roman" pitchFamily="18" charset="0"/>
                           <a:cs typeface="Times New Roman" pitchFamily="18" charset="0"/>
                         </a:rPr>
                         <a:t>Trong</a:t>
                       </a:r>
                       <a:r>
-                        <a:rPr lang="en-US" sz="1200" i="0" baseline="0" smtClean="0">
-                          <a:latin typeface="Times New Roman" pitchFamily="18" charset="0"/>
-                          <a:cs typeface="Times New Roman" pitchFamily="18" charset="0"/>
-                        </a:rPr>
-                        <a:t> khoảng thời gian từ 25 đến 30 năm một học viên NGHỈ thiệt hại cho chi phí xã hội là $500,000 cho sự giúp đỡ công cộng, y tế công cộng, và chi phí tù tội.</a:t>
-                      </a:r>
-                      <a:endParaRPr lang="en-US" sz="1200" i="0" smtClean="0">
+                        <a:rPr lang="en-US" sz="1200" i="0" baseline="0" dirty="0" smtClean="0">
+                          <a:latin typeface="Times New Roman" pitchFamily="18" charset="0"/>
+                          <a:cs typeface="Times New Roman" pitchFamily="18" charset="0"/>
+                        </a:rPr>
+                        <a:t> </a:t>
+                      </a:r>
+                      <a:r>
+                        <a:rPr lang="en-US" sz="1200" i="0" baseline="0" dirty="0" err="1" smtClean="0">
+                          <a:latin typeface="Times New Roman" pitchFamily="18" charset="0"/>
+                          <a:cs typeface="Times New Roman" pitchFamily="18" charset="0"/>
+                        </a:rPr>
+                        <a:t>khoảng</a:t>
+                      </a:r>
+                      <a:r>
+                        <a:rPr lang="en-US" sz="1200" i="0" baseline="0" dirty="0" smtClean="0">
+                          <a:latin typeface="Times New Roman" pitchFamily="18" charset="0"/>
+                          <a:cs typeface="Times New Roman" pitchFamily="18" charset="0"/>
+                        </a:rPr>
+                        <a:t> </a:t>
+                      </a:r>
+                      <a:r>
+                        <a:rPr lang="en-US" sz="1200" i="0" baseline="0" dirty="0" err="1" smtClean="0">
+                          <a:latin typeface="Times New Roman" pitchFamily="18" charset="0"/>
+                          <a:cs typeface="Times New Roman" pitchFamily="18" charset="0"/>
+                        </a:rPr>
+                        <a:t>thời</a:t>
+                      </a:r>
+                      <a:r>
+                        <a:rPr lang="en-US" sz="1200" i="0" baseline="0" dirty="0" smtClean="0">
+                          <a:latin typeface="Times New Roman" pitchFamily="18" charset="0"/>
+                          <a:cs typeface="Times New Roman" pitchFamily="18" charset="0"/>
+                        </a:rPr>
+                        <a:t> </a:t>
+                      </a:r>
+                      <a:r>
+                        <a:rPr lang="en-US" sz="1200" i="0" baseline="0" dirty="0" err="1" smtClean="0">
+                          <a:latin typeface="Times New Roman" pitchFamily="18" charset="0"/>
+                          <a:cs typeface="Times New Roman" pitchFamily="18" charset="0"/>
+                        </a:rPr>
+                        <a:t>gian</a:t>
+                      </a:r>
+                      <a:r>
+                        <a:rPr lang="en-US" sz="1200" i="0" baseline="0" dirty="0" smtClean="0">
+                          <a:latin typeface="Times New Roman" pitchFamily="18" charset="0"/>
+                          <a:cs typeface="Times New Roman" pitchFamily="18" charset="0"/>
+                        </a:rPr>
+                        <a:t> </a:t>
+                      </a:r>
+                      <a:r>
+                        <a:rPr lang="en-US" sz="1200" i="0" baseline="0" dirty="0" err="1" smtClean="0">
+                          <a:latin typeface="Times New Roman" pitchFamily="18" charset="0"/>
+                          <a:cs typeface="Times New Roman" pitchFamily="18" charset="0"/>
+                        </a:rPr>
+                        <a:t>tư</a:t>
+                      </a:r>
+                      <a:r>
+                        <a:rPr lang="en-US" sz="1200" i="0" baseline="0" dirty="0" smtClean="0">
+                          <a:latin typeface="Times New Roman" pitchFamily="18" charset="0"/>
+                          <a:cs typeface="Times New Roman" pitchFamily="18" charset="0"/>
+                        </a:rPr>
+                        <a:t>̀ 25 </a:t>
+                      </a:r>
+                      <a:r>
+                        <a:rPr lang="en-US" sz="1200" i="0" baseline="0" dirty="0" err="1" smtClean="0">
+                          <a:latin typeface="Times New Roman" pitchFamily="18" charset="0"/>
+                          <a:cs typeface="Times New Roman" pitchFamily="18" charset="0"/>
+                        </a:rPr>
+                        <a:t>đến</a:t>
+                      </a:r>
+                      <a:r>
+                        <a:rPr lang="en-US" sz="1200" i="0" baseline="0" dirty="0" smtClean="0">
+                          <a:latin typeface="Times New Roman" pitchFamily="18" charset="0"/>
+                          <a:cs typeface="Times New Roman" pitchFamily="18" charset="0"/>
+                        </a:rPr>
+                        <a:t> 30 </a:t>
+                      </a:r>
+                      <a:r>
+                        <a:rPr lang="en-US" sz="1200" i="0" baseline="0" dirty="0" err="1" smtClean="0">
+                          <a:latin typeface="Times New Roman" pitchFamily="18" charset="0"/>
+                          <a:cs typeface="Times New Roman" pitchFamily="18" charset="0"/>
+                        </a:rPr>
+                        <a:t>năm</a:t>
+                      </a:r>
+                      <a:r>
+                        <a:rPr lang="en-US" sz="1200" i="0" baseline="0" dirty="0" smtClean="0">
+                          <a:latin typeface="Times New Roman" pitchFamily="18" charset="0"/>
+                          <a:cs typeface="Times New Roman" pitchFamily="18" charset="0"/>
+                        </a:rPr>
+                        <a:t> </a:t>
+                      </a:r>
+                      <a:r>
+                        <a:rPr lang="en-US" sz="1200" i="0" baseline="0" dirty="0" err="1" smtClean="0">
+                          <a:latin typeface="Times New Roman" pitchFamily="18" charset="0"/>
+                          <a:cs typeface="Times New Roman" pitchFamily="18" charset="0"/>
+                        </a:rPr>
+                        <a:t>một</a:t>
+                      </a:r>
+                      <a:r>
+                        <a:rPr lang="en-US" sz="1200" i="0" baseline="0" dirty="0" smtClean="0">
+                          <a:latin typeface="Times New Roman" pitchFamily="18" charset="0"/>
+                          <a:cs typeface="Times New Roman" pitchFamily="18" charset="0"/>
+                        </a:rPr>
+                        <a:t> </a:t>
+                      </a:r>
+                      <a:r>
+                        <a:rPr lang="en-US" sz="1200" i="0" baseline="0" dirty="0" err="1" smtClean="0">
+                          <a:latin typeface="Times New Roman" pitchFamily="18" charset="0"/>
+                          <a:cs typeface="Times New Roman" pitchFamily="18" charset="0"/>
+                        </a:rPr>
+                        <a:t>học</a:t>
+                      </a:r>
+                      <a:r>
+                        <a:rPr lang="en-US" sz="1200" i="0" baseline="0" dirty="0" smtClean="0">
+                          <a:latin typeface="Times New Roman" pitchFamily="18" charset="0"/>
+                          <a:cs typeface="Times New Roman" pitchFamily="18" charset="0"/>
+                        </a:rPr>
+                        <a:t> </a:t>
+                      </a:r>
+                      <a:r>
+                        <a:rPr lang="en-US" sz="1200" i="0" baseline="0" dirty="0" err="1" smtClean="0">
+                          <a:latin typeface="Times New Roman" pitchFamily="18" charset="0"/>
+                          <a:cs typeface="Times New Roman" pitchFamily="18" charset="0"/>
+                        </a:rPr>
+                        <a:t>viên</a:t>
+                      </a:r>
+                      <a:r>
+                        <a:rPr lang="en-US" sz="1200" i="0" baseline="0" dirty="0" smtClean="0">
+                          <a:latin typeface="Times New Roman" pitchFamily="18" charset="0"/>
+                          <a:cs typeface="Times New Roman" pitchFamily="18" charset="0"/>
+                        </a:rPr>
+                        <a:t> NGHỈ </a:t>
+                      </a:r>
+                      <a:r>
+                        <a:rPr lang="en-US" sz="1200" i="0" baseline="0" dirty="0" err="1" smtClean="0">
+                          <a:latin typeface="Times New Roman" pitchFamily="18" charset="0"/>
+                          <a:cs typeface="Times New Roman" pitchFamily="18" charset="0"/>
+                        </a:rPr>
+                        <a:t>thiệt</a:t>
+                      </a:r>
+                      <a:r>
+                        <a:rPr lang="en-US" sz="1200" i="0" baseline="0" dirty="0" smtClean="0">
+                          <a:latin typeface="Times New Roman" pitchFamily="18" charset="0"/>
+                          <a:cs typeface="Times New Roman" pitchFamily="18" charset="0"/>
+                        </a:rPr>
+                        <a:t> </a:t>
+                      </a:r>
+                      <a:r>
+                        <a:rPr lang="en-US" sz="1200" i="0" baseline="0" dirty="0" err="1" smtClean="0">
+                          <a:latin typeface="Times New Roman" pitchFamily="18" charset="0"/>
+                          <a:cs typeface="Times New Roman" pitchFamily="18" charset="0"/>
+                        </a:rPr>
+                        <a:t>hại</a:t>
+                      </a:r>
+                      <a:r>
+                        <a:rPr lang="en-US" sz="1200" i="0" baseline="0" dirty="0" smtClean="0">
+                          <a:latin typeface="Times New Roman" pitchFamily="18" charset="0"/>
+                          <a:cs typeface="Times New Roman" pitchFamily="18" charset="0"/>
+                        </a:rPr>
+                        <a:t> </a:t>
+                      </a:r>
+                      <a:r>
+                        <a:rPr lang="en-US" sz="1200" i="0" baseline="0" dirty="0" err="1" smtClean="0">
+                          <a:latin typeface="Times New Roman" pitchFamily="18" charset="0"/>
+                          <a:cs typeface="Times New Roman" pitchFamily="18" charset="0"/>
+                        </a:rPr>
+                        <a:t>cho</a:t>
+                      </a:r>
+                      <a:r>
+                        <a:rPr lang="en-US" sz="1200" i="0" baseline="0" dirty="0" smtClean="0">
+                          <a:latin typeface="Times New Roman" pitchFamily="18" charset="0"/>
+                          <a:cs typeface="Times New Roman" pitchFamily="18" charset="0"/>
+                        </a:rPr>
+                        <a:t> chi phí </a:t>
+                      </a:r>
+                      <a:r>
+                        <a:rPr lang="en-US" sz="1200" i="0" baseline="0" dirty="0" err="1" smtClean="0">
+                          <a:latin typeface="Times New Roman" pitchFamily="18" charset="0"/>
+                          <a:cs typeface="Times New Roman" pitchFamily="18" charset="0"/>
+                        </a:rPr>
+                        <a:t>xa</a:t>
+                      </a:r>
+                      <a:r>
+                        <a:rPr lang="en-US" sz="1200" i="0" baseline="0" dirty="0" smtClean="0">
+                          <a:latin typeface="Times New Roman" pitchFamily="18" charset="0"/>
+                          <a:cs typeface="Times New Roman" pitchFamily="18" charset="0"/>
+                        </a:rPr>
+                        <a:t>̃ </a:t>
+                      </a:r>
+                      <a:r>
+                        <a:rPr lang="en-US" sz="1200" i="0" baseline="0" dirty="0" err="1" smtClean="0">
+                          <a:latin typeface="Times New Roman" pitchFamily="18" charset="0"/>
+                          <a:cs typeface="Times New Roman" pitchFamily="18" charset="0"/>
+                        </a:rPr>
+                        <a:t>hội</a:t>
+                      </a:r>
+                      <a:r>
+                        <a:rPr lang="en-US" sz="1200" i="0" baseline="0" dirty="0" smtClean="0">
+                          <a:latin typeface="Times New Roman" pitchFamily="18" charset="0"/>
+                          <a:cs typeface="Times New Roman" pitchFamily="18" charset="0"/>
+                        </a:rPr>
+                        <a:t> là $500,000 </a:t>
+                      </a:r>
+                      <a:r>
+                        <a:rPr lang="en-US" sz="1200" i="0" baseline="0" dirty="0" err="1" smtClean="0">
+                          <a:latin typeface="Times New Roman" pitchFamily="18" charset="0"/>
+                          <a:cs typeface="Times New Roman" pitchFamily="18" charset="0"/>
+                        </a:rPr>
+                        <a:t>cho</a:t>
+                      </a:r>
+                      <a:r>
+                        <a:rPr lang="en-US" sz="1200" i="0" baseline="0" dirty="0" smtClean="0">
+                          <a:latin typeface="Times New Roman" pitchFamily="18" charset="0"/>
+                          <a:cs typeface="Times New Roman" pitchFamily="18" charset="0"/>
+                        </a:rPr>
+                        <a:t> </a:t>
+                      </a:r>
+                      <a:r>
+                        <a:rPr lang="en-US" sz="1200" i="0" baseline="0" dirty="0" err="1" smtClean="0">
+                          <a:latin typeface="Times New Roman" pitchFamily="18" charset="0"/>
+                          <a:cs typeface="Times New Roman" pitchFamily="18" charset="0"/>
+                        </a:rPr>
+                        <a:t>sư</a:t>
+                      </a:r>
+                      <a:r>
+                        <a:rPr lang="en-US" sz="1200" i="0" baseline="0" dirty="0" smtClean="0">
+                          <a:latin typeface="Times New Roman" pitchFamily="18" charset="0"/>
+                          <a:cs typeface="Times New Roman" pitchFamily="18" charset="0"/>
+                        </a:rPr>
+                        <a:t>̣ </a:t>
+                      </a:r>
+                      <a:r>
+                        <a:rPr lang="en-US" sz="1200" i="0" baseline="0" dirty="0" err="1" smtClean="0">
+                          <a:latin typeface="Times New Roman" pitchFamily="18" charset="0"/>
+                          <a:cs typeface="Times New Roman" pitchFamily="18" charset="0"/>
+                        </a:rPr>
+                        <a:t>giúp</a:t>
+                      </a:r>
+                      <a:r>
+                        <a:rPr lang="en-US" sz="1200" i="0" baseline="0" dirty="0" smtClean="0">
+                          <a:latin typeface="Times New Roman" pitchFamily="18" charset="0"/>
+                          <a:cs typeface="Times New Roman" pitchFamily="18" charset="0"/>
+                        </a:rPr>
+                        <a:t> </a:t>
+                      </a:r>
+                      <a:r>
+                        <a:rPr lang="en-US" sz="1200" i="0" baseline="0" dirty="0" err="1" smtClean="0">
+                          <a:latin typeface="Times New Roman" pitchFamily="18" charset="0"/>
+                          <a:cs typeface="Times New Roman" pitchFamily="18" charset="0"/>
+                        </a:rPr>
+                        <a:t>đơ</a:t>
+                      </a:r>
+                      <a:r>
+                        <a:rPr lang="en-US" sz="1200" i="0" baseline="0" dirty="0" smtClean="0">
+                          <a:latin typeface="Times New Roman" pitchFamily="18" charset="0"/>
+                          <a:cs typeface="Times New Roman" pitchFamily="18" charset="0"/>
+                        </a:rPr>
+                        <a:t>̃ </a:t>
+                      </a:r>
+                      <a:r>
+                        <a:rPr lang="en-US" sz="1200" i="0" baseline="0" dirty="0" err="1" smtClean="0">
+                          <a:latin typeface="Times New Roman" pitchFamily="18" charset="0"/>
+                          <a:cs typeface="Times New Roman" pitchFamily="18" charset="0"/>
+                        </a:rPr>
+                        <a:t>công</a:t>
+                      </a:r>
+                      <a:r>
+                        <a:rPr lang="en-US" sz="1200" i="0" baseline="0" dirty="0" smtClean="0">
+                          <a:latin typeface="Times New Roman" pitchFamily="18" charset="0"/>
+                          <a:cs typeface="Times New Roman" pitchFamily="18" charset="0"/>
+                        </a:rPr>
+                        <a:t> </a:t>
+                      </a:r>
+                      <a:r>
+                        <a:rPr lang="en-US" sz="1200" i="0" baseline="0" dirty="0" err="1" smtClean="0">
+                          <a:latin typeface="Times New Roman" pitchFamily="18" charset="0"/>
+                          <a:cs typeface="Times New Roman" pitchFamily="18" charset="0"/>
+                        </a:rPr>
+                        <a:t>cộng</a:t>
+                      </a:r>
+                      <a:r>
+                        <a:rPr lang="en-US" sz="1200" i="0" baseline="0" dirty="0" smtClean="0">
+                          <a:latin typeface="Times New Roman" pitchFamily="18" charset="0"/>
+                          <a:cs typeface="Times New Roman" pitchFamily="18" charset="0"/>
+                        </a:rPr>
+                        <a:t>, y </a:t>
+                      </a:r>
+                      <a:r>
+                        <a:rPr lang="en-US" sz="1200" i="0" baseline="0" dirty="0" err="1" smtClean="0">
+                          <a:latin typeface="Times New Roman" pitchFamily="18" charset="0"/>
+                          <a:cs typeface="Times New Roman" pitchFamily="18" charset="0"/>
+                        </a:rPr>
+                        <a:t>tê</a:t>
+                      </a:r>
+                      <a:r>
+                        <a:rPr lang="en-US" sz="1200" i="0" baseline="0" dirty="0" smtClean="0">
+                          <a:latin typeface="Times New Roman" pitchFamily="18" charset="0"/>
+                          <a:cs typeface="Times New Roman" pitchFamily="18" charset="0"/>
+                        </a:rPr>
+                        <a:t>́ </a:t>
+                      </a:r>
+                      <a:r>
+                        <a:rPr lang="en-US" sz="1200" i="0" baseline="0" dirty="0" err="1" smtClean="0">
+                          <a:latin typeface="Times New Roman" pitchFamily="18" charset="0"/>
+                          <a:cs typeface="Times New Roman" pitchFamily="18" charset="0"/>
+                        </a:rPr>
+                        <a:t>công</a:t>
+                      </a:r>
+                      <a:r>
+                        <a:rPr lang="en-US" sz="1200" i="0" baseline="0" dirty="0" smtClean="0">
+                          <a:latin typeface="Times New Roman" pitchFamily="18" charset="0"/>
+                          <a:cs typeface="Times New Roman" pitchFamily="18" charset="0"/>
+                        </a:rPr>
+                        <a:t> </a:t>
+                      </a:r>
+                      <a:r>
+                        <a:rPr lang="en-US" sz="1200" i="0" baseline="0" dirty="0" err="1" smtClean="0">
+                          <a:latin typeface="Times New Roman" pitchFamily="18" charset="0"/>
+                          <a:cs typeface="Times New Roman" pitchFamily="18" charset="0"/>
+                        </a:rPr>
+                        <a:t>cộng</a:t>
+                      </a:r>
+                      <a:r>
+                        <a:rPr lang="en-US" sz="1200" i="0" baseline="0" dirty="0" smtClean="0">
+                          <a:latin typeface="Times New Roman" pitchFamily="18" charset="0"/>
+                          <a:cs typeface="Times New Roman" pitchFamily="18" charset="0"/>
+                        </a:rPr>
+                        <a:t>, </a:t>
+                      </a:r>
+                      <a:r>
+                        <a:rPr lang="en-US" sz="1200" i="0" baseline="0" dirty="0" err="1" smtClean="0">
+                          <a:latin typeface="Times New Roman" pitchFamily="18" charset="0"/>
+                          <a:cs typeface="Times New Roman" pitchFamily="18" charset="0"/>
+                        </a:rPr>
+                        <a:t>va</a:t>
+                      </a:r>
+                      <a:r>
+                        <a:rPr lang="en-US" sz="1200" i="0" baseline="0" dirty="0" smtClean="0">
+                          <a:latin typeface="Times New Roman" pitchFamily="18" charset="0"/>
+                          <a:cs typeface="Times New Roman" pitchFamily="18" charset="0"/>
+                        </a:rPr>
+                        <a:t>̀ chi phí </a:t>
+                      </a:r>
+                      <a:r>
+                        <a:rPr lang="en-US" sz="1200" i="0" baseline="0" dirty="0" err="1" smtClean="0">
+                          <a:latin typeface="Times New Roman" pitchFamily="18" charset="0"/>
+                          <a:cs typeface="Times New Roman" pitchFamily="18" charset="0"/>
+                        </a:rPr>
+                        <a:t>tu</a:t>
+                      </a:r>
+                      <a:r>
+                        <a:rPr lang="en-US" sz="1200" i="0" baseline="0" dirty="0" smtClean="0">
+                          <a:latin typeface="Times New Roman" pitchFamily="18" charset="0"/>
+                          <a:cs typeface="Times New Roman" pitchFamily="18" charset="0"/>
+                        </a:rPr>
+                        <a:t>̀ </a:t>
+                      </a:r>
+                      <a:r>
+                        <a:rPr lang="en-US" sz="1200" i="0" baseline="0" dirty="0" err="1" smtClean="0">
+                          <a:latin typeface="Times New Roman" pitchFamily="18" charset="0"/>
+                          <a:cs typeface="Times New Roman" pitchFamily="18" charset="0"/>
+                        </a:rPr>
+                        <a:t>tội</a:t>
+                      </a:r>
+                      <a:r>
+                        <a:rPr lang="en-US" sz="1200" i="0" baseline="0" dirty="0" smtClean="0">
+                          <a:latin typeface="Times New Roman" pitchFamily="18" charset="0"/>
+                          <a:cs typeface="Times New Roman" pitchFamily="18" charset="0"/>
+                        </a:rPr>
+                        <a:t>.</a:t>
+                      </a:r>
+                      <a:endParaRPr lang="en-US" sz="1200" i="0" dirty="0" smtClean="0">
                         <a:latin typeface="Times New Roman" pitchFamily="18" charset="0"/>
                         <a:cs typeface="Times New Roman" pitchFamily="18" charset="0"/>
                       </a:endParaRPr>
@@ -36171,11 +38001,32 @@
           <a:p>
             <a:pPr marL="342900" indent="-342900"/>
             <a:r>
-              <a:rPr lang="en-US" smtClean="0">
+              <a:rPr lang="en-US" dirty="0" err="1" smtClean="0">
                 <a:latin typeface="Times New Roman" pitchFamily="18" charset="0"/>
                 <a:cs typeface="Times New Roman" pitchFamily="18" charset="0"/>
               </a:rPr>
-              <a:t>Tham khảo:</a:t>
+              <a:t>Tham</a:t>
+            </a:r>
+            <a:r>
+              <a:rPr lang="en-US" dirty="0" smtClean="0">
+                <a:latin typeface="Times New Roman" pitchFamily="18" charset="0"/>
+                <a:cs typeface="Times New Roman" pitchFamily="18" charset="0"/>
+              </a:rPr>
+              <a:t> </a:t>
+            </a:r>
+            <a:r>
+              <a:rPr lang="en-US" dirty="0" err="1" smtClean="0">
+                <a:latin typeface="Times New Roman" pitchFamily="18" charset="0"/>
+                <a:cs typeface="Times New Roman" pitchFamily="18" charset="0"/>
+              </a:rPr>
+              <a:t>khảo</a:t>
+            </a:r>
+            <a:r>
+              <a:rPr lang="en-US" dirty="0" smtClean="0">
+                <a:latin typeface="Times New Roman" pitchFamily="18" charset="0"/>
+                <a:cs typeface="Times New Roman" pitchFamily="18" charset="0"/>
+              </a:rPr>
+              <a:t>:</a:t>
             </a:r>
           </a:p>
           <a:p>
@@ -36184,7 +38035,7 @@
               <a:buAutoNum type="arabicPeriod"/>
             </a:pPr>
             <a:r>
-              <a:rPr lang="en-US" i="1" smtClean="0">
+              <a:rPr lang="en-US" i="1" dirty="0" smtClean="0">
                 <a:latin typeface="Times New Roman" pitchFamily="18" charset="0"/>
                 <a:cs typeface="Times New Roman" pitchFamily="18" charset="0"/>
               </a:rPr>
@@ -36197,13 +38048,13 @@
               <a:buAutoNum type="arabicPeriod"/>
             </a:pPr>
             <a:r>
-              <a:rPr lang="en-US" i="1" smtClean="0">
+              <a:rPr lang="en-US" i="1" dirty="0" smtClean="0">
                 <a:latin typeface="Times New Roman" pitchFamily="18" charset="0"/>
                 <a:cs typeface="Times New Roman" pitchFamily="18" charset="0"/>
               </a:rPr>
               <a:t>Indiana’s Education Round Table 2003 p 17</a:t>
             </a:r>
-            <a:endParaRPr lang="en-US" i="1"/>
+            <a:endParaRPr lang="en-US" i="1" dirty="0"/>
           </a:p>
         </p:txBody>
       </p:sp>

--- a/01. Document/DropOut_Project_Report v_04.12.2011.pptx
+++ b/01. Document/DropOut_Project_Report v_04.12.2011.pptx
@@ -24817,6 +24817,14 @@
                     <a:bodyPr/>
                     <a:lstStyle/>
                     <a:p>
+                      <a:r>
+                        <a:rPr lang="en-US" sz="1200" dirty="0" smtClean="0">
+                          <a:solidFill>
+                            <a:schemeClr val="tx1"/>
+                          </a:solidFill>
+                        </a:rPr>
+                        <a:t>2008</a:t>
+                      </a:r>
                       <a:endParaRPr lang="en-US" sz="1200" dirty="0">
                         <a:solidFill>
                           <a:schemeClr val="tx1"/>
@@ -24834,7 +24842,7 @@
                       <a:r>
                         <a:rPr lang="en-US" sz="1200" dirty="0" smtClean="0">
                           <a:solidFill>
-                            <a:srgbClr val="FF0000"/>
+                            <a:schemeClr val="tx1"/>
                           </a:solidFill>
                         </a:rPr>
                         <a:t>So </a:t>
@@ -24842,7 +24850,7 @@
                       <a:r>
                         <a:rPr lang="en-US" sz="1200" dirty="0" err="1" smtClean="0">
                           <a:solidFill>
-                            <a:srgbClr val="FF0000"/>
+                            <a:schemeClr val="tx1"/>
                           </a:solidFill>
                         </a:rPr>
                         <a:t>sánh</a:t>
@@ -24850,7 +24858,7 @@
                       <a:r>
                         <a:rPr lang="en-US" sz="1200" baseline="0" dirty="0" smtClean="0">
                           <a:solidFill>
-                            <a:srgbClr val="FF0000"/>
+                            <a:schemeClr val="tx1"/>
                           </a:solidFill>
                         </a:rPr>
                         <a:t> </a:t>
@@ -24858,7 +24866,7 @@
                       <a:r>
                         <a:rPr lang="en-US" sz="1200" baseline="0" dirty="0" err="1" smtClean="0">
                           <a:solidFill>
-                            <a:srgbClr val="FF0000"/>
+                            <a:schemeClr val="tx1"/>
                           </a:solidFill>
                         </a:rPr>
                         <a:t>câc</a:t>
@@ -24866,7 +24874,7 @@
                       <a:r>
                         <a:rPr lang="en-US" sz="1200" baseline="0" dirty="0" smtClean="0">
                           <a:solidFill>
-                            <a:srgbClr val="FF0000"/>
+                            <a:schemeClr val="tx1"/>
                           </a:solidFill>
                         </a:rPr>
                         <a:t> phương </a:t>
@@ -24874,7 +24882,7 @@
                       <a:r>
                         <a:rPr lang="en-US" sz="1200" baseline="0" dirty="0" err="1" smtClean="0">
                           <a:solidFill>
-                            <a:srgbClr val="FF0000"/>
+                            <a:schemeClr val="tx1"/>
                           </a:solidFill>
                         </a:rPr>
                         <a:t>pháp</a:t>
@@ -24882,7 +24890,7 @@
                       <a:r>
                         <a:rPr lang="en-US" sz="1200" baseline="0" dirty="0" smtClean="0">
                           <a:solidFill>
-                            <a:srgbClr val="FF0000"/>
+                            <a:schemeClr val="tx1"/>
                           </a:solidFill>
                         </a:rPr>
                         <a:t> </a:t>
@@ -24890,7 +24898,7 @@
                       <a:r>
                         <a:rPr lang="en-US" sz="1200" baseline="0" dirty="0" err="1" smtClean="0">
                           <a:solidFill>
-                            <a:srgbClr val="FF0000"/>
+                            <a:schemeClr val="tx1"/>
                           </a:solidFill>
                         </a:rPr>
                         <a:t>khai</a:t>
@@ -24898,7 +24906,7 @@
                       <a:r>
                         <a:rPr lang="en-US" sz="1200" baseline="0" dirty="0" smtClean="0">
                           <a:solidFill>
-                            <a:srgbClr val="FF0000"/>
+                            <a:schemeClr val="tx1"/>
                           </a:solidFill>
                         </a:rPr>
                         <a:t> </a:t>
@@ -24906,7 +24914,7 @@
                       <a:r>
                         <a:rPr lang="en-US" sz="1200" baseline="0" dirty="0" err="1" smtClean="0">
                           <a:solidFill>
-                            <a:srgbClr val="FF0000"/>
+                            <a:schemeClr val="tx1"/>
                           </a:solidFill>
                         </a:rPr>
                         <a:t>phá</a:t>
@@ -24914,7 +24922,7 @@
                       <a:r>
                         <a:rPr lang="en-US" sz="1200" baseline="0" dirty="0" smtClean="0">
                           <a:solidFill>
-                            <a:srgbClr val="FF0000"/>
+                            <a:schemeClr val="tx1"/>
                           </a:solidFill>
                         </a:rPr>
                         <a:t> </a:t>
@@ -24922,7 +24930,7 @@
                       <a:r>
                         <a:rPr lang="en-US" sz="1200" baseline="0" dirty="0" err="1" smtClean="0">
                           <a:solidFill>
-                            <a:srgbClr val="FF0000"/>
+                            <a:schemeClr val="tx1"/>
                           </a:solidFill>
                         </a:rPr>
                         <a:t>dữ</a:t>
@@ -24930,7 +24938,7 @@
                       <a:r>
                         <a:rPr lang="en-US" sz="1200" baseline="0" dirty="0" smtClean="0">
                           <a:solidFill>
-                            <a:srgbClr val="FF0000"/>
+                            <a:schemeClr val="tx1"/>
                           </a:solidFill>
                         </a:rPr>
                         <a:t> </a:t>
@@ -24938,7 +24946,7 @@
                       <a:r>
                         <a:rPr lang="en-US" sz="1200" baseline="0" dirty="0" err="1" smtClean="0">
                           <a:solidFill>
-                            <a:srgbClr val="FF0000"/>
+                            <a:schemeClr val="tx1"/>
                           </a:solidFill>
                         </a:rPr>
                         <a:t>liệu</a:t>
@@ -24946,7 +24954,7 @@
                       <a:r>
                         <a:rPr lang="en-US" sz="1200" baseline="0" dirty="0" smtClean="0">
                           <a:solidFill>
-                            <a:srgbClr val="FF0000"/>
+                            <a:schemeClr val="tx1"/>
                           </a:solidFill>
                         </a:rPr>
                         <a:t> </a:t>
@@ -24954,7 +24962,7 @@
                       <a:r>
                         <a:rPr lang="en-US" sz="1200" baseline="0" dirty="0" err="1" smtClean="0">
                           <a:solidFill>
-                            <a:srgbClr val="FF0000"/>
+                            <a:schemeClr val="tx1"/>
                           </a:solidFill>
                         </a:rPr>
                         <a:t>để</a:t>
@@ -24962,7 +24970,7 @@
                       <a:r>
                         <a:rPr lang="en-US" sz="1200" baseline="0" dirty="0" smtClean="0">
                           <a:solidFill>
-                            <a:srgbClr val="FF0000"/>
+                            <a:schemeClr val="tx1"/>
                           </a:solidFill>
                         </a:rPr>
                         <a:t> </a:t>
@@ -24970,7 +24978,7 @@
                       <a:r>
                         <a:rPr lang="en-US" sz="1200" baseline="0" dirty="0" err="1" smtClean="0">
                           <a:solidFill>
-                            <a:srgbClr val="FF0000"/>
+                            <a:schemeClr val="tx1"/>
                           </a:solidFill>
                         </a:rPr>
                         <a:t>phân</a:t>
@@ -24978,7 +24986,7 @@
                       <a:r>
                         <a:rPr lang="en-US" sz="1200" baseline="0" dirty="0" smtClean="0">
                           <a:solidFill>
-                            <a:srgbClr val="FF0000"/>
+                            <a:schemeClr val="tx1"/>
                           </a:solidFill>
                         </a:rPr>
                         <a:t> </a:t>
@@ -24986,7 +24994,7 @@
                       <a:r>
                         <a:rPr lang="en-US" sz="1200" baseline="0" dirty="0" err="1" smtClean="0">
                           <a:solidFill>
-                            <a:srgbClr val="FF0000"/>
+                            <a:schemeClr val="tx1"/>
                           </a:solidFill>
                         </a:rPr>
                         <a:t>lớp</a:t>
@@ -24994,7 +25002,7 @@
                       <a:r>
                         <a:rPr lang="en-US" sz="1200" baseline="0" dirty="0" smtClean="0">
                           <a:solidFill>
-                            <a:srgbClr val="FF0000"/>
+                            <a:schemeClr val="tx1"/>
                           </a:solidFill>
                         </a:rPr>
                         <a:t> </a:t>
@@ -25002,7 +25010,7 @@
                       <a:r>
                         <a:rPr lang="en-US" sz="1200" baseline="0" dirty="0" err="1" smtClean="0">
                           <a:solidFill>
-                            <a:srgbClr val="FF0000"/>
+                            <a:schemeClr val="tx1"/>
                           </a:solidFill>
                         </a:rPr>
                         <a:t>sinh</a:t>
@@ -25010,7 +25018,7 @@
                       <a:r>
                         <a:rPr lang="en-US" sz="1200" baseline="0" dirty="0" smtClean="0">
                           <a:solidFill>
-                            <a:srgbClr val="FF0000"/>
+                            <a:schemeClr val="tx1"/>
                           </a:solidFill>
                         </a:rPr>
                         <a:t> </a:t>
@@ -25018,7 +25026,7 @@
                       <a:r>
                         <a:rPr lang="en-US" sz="1200" baseline="0" dirty="0" err="1" smtClean="0">
                           <a:solidFill>
-                            <a:srgbClr val="FF0000"/>
+                            <a:schemeClr val="tx1"/>
                           </a:solidFill>
                         </a:rPr>
                         <a:t>viên</a:t>
@@ -25026,7 +25034,7 @@
                       <a:r>
                         <a:rPr lang="en-US" sz="1200" baseline="0" dirty="0" smtClean="0">
                           <a:solidFill>
-                            <a:srgbClr val="FF0000"/>
+                            <a:schemeClr val="tx1"/>
                           </a:solidFill>
                         </a:rPr>
                         <a:t> </a:t>
@@ -25034,7 +25042,7 @@
                       <a:r>
                         <a:rPr lang="en-US" sz="1200" baseline="0" dirty="0" err="1" smtClean="0">
                           <a:solidFill>
-                            <a:srgbClr val="FF0000"/>
+                            <a:schemeClr val="tx1"/>
                           </a:solidFill>
                         </a:rPr>
                         <a:t>dựa</a:t>
@@ -25042,7 +25050,7 @@
                       <a:r>
                         <a:rPr lang="en-US" sz="1200" baseline="0" dirty="0" smtClean="0">
                           <a:solidFill>
-                            <a:srgbClr val="FF0000"/>
+                            <a:schemeClr val="tx1"/>
                           </a:solidFill>
                         </a:rPr>
                         <a:t> </a:t>
@@ -25050,7 +25058,7 @@
                       <a:r>
                         <a:rPr lang="en-US" sz="1200" baseline="0" dirty="0" err="1" smtClean="0">
                           <a:solidFill>
-                            <a:srgbClr val="FF0000"/>
+                            <a:schemeClr val="tx1"/>
                           </a:solidFill>
                         </a:rPr>
                         <a:t>vào</a:t>
@@ -25058,7 +25066,7 @@
                       <a:r>
                         <a:rPr lang="en-US" sz="1200" baseline="0" dirty="0" smtClean="0">
                           <a:solidFill>
-                            <a:srgbClr val="FF0000"/>
+                            <a:schemeClr val="tx1"/>
                           </a:solidFill>
                         </a:rPr>
                         <a:t> 438 </a:t>
@@ -25066,7 +25074,7 @@
                       <a:r>
                         <a:rPr lang="en-US" sz="1200" baseline="0" dirty="0" err="1" smtClean="0">
                           <a:solidFill>
-                            <a:srgbClr val="FF0000"/>
+                            <a:schemeClr val="tx1"/>
                           </a:solidFill>
                         </a:rPr>
                         <a:t>dữ</a:t>
@@ -25074,7 +25082,7 @@
                       <a:r>
                         <a:rPr lang="en-US" sz="1200" baseline="0" dirty="0" smtClean="0">
                           <a:solidFill>
-                            <a:srgbClr val="FF0000"/>
+                            <a:schemeClr val="tx1"/>
                           </a:solidFill>
                         </a:rPr>
                         <a:t> </a:t>
@@ -25082,7 +25090,7 @@
                       <a:r>
                         <a:rPr lang="en-US" sz="1200" baseline="0" dirty="0" err="1" smtClean="0">
                           <a:solidFill>
-                            <a:srgbClr val="FF0000"/>
+                            <a:schemeClr val="tx1"/>
                           </a:solidFill>
                         </a:rPr>
                         <a:t>liệu</a:t>
@@ -25090,7 +25098,7 @@
                       <a:r>
                         <a:rPr lang="en-US" sz="1200" baseline="0" dirty="0" smtClean="0">
                           <a:solidFill>
-                            <a:srgbClr val="FF0000"/>
+                            <a:schemeClr val="tx1"/>
                           </a:solidFill>
                         </a:rPr>
                         <a:t> </a:t>
@@ -25098,7 +25106,7 @@
                       <a:r>
                         <a:rPr lang="en-US" sz="1200" baseline="0" dirty="0" err="1" smtClean="0">
                           <a:solidFill>
-                            <a:srgbClr val="FF0000"/>
+                            <a:schemeClr val="tx1"/>
                           </a:solidFill>
                         </a:rPr>
                         <a:t>sinh</a:t>
@@ -25106,7 +25114,7 @@
                       <a:r>
                         <a:rPr lang="en-US" sz="1200" baseline="0" dirty="0" smtClean="0">
                           <a:solidFill>
-                            <a:srgbClr val="FF0000"/>
+                            <a:schemeClr val="tx1"/>
                           </a:solidFill>
                         </a:rPr>
                         <a:t> </a:t>
@@ -25114,7 +25122,7 @@
                       <a:r>
                         <a:rPr lang="en-US" sz="1200" baseline="0" dirty="0" err="1" smtClean="0">
                           <a:solidFill>
-                            <a:srgbClr val="FF0000"/>
+                            <a:schemeClr val="tx1"/>
                           </a:solidFill>
                         </a:rPr>
                         <a:t>viên</a:t>
@@ -25122,7 +25130,7 @@
                       <a:r>
                         <a:rPr lang="en-US" sz="1200" baseline="0" dirty="0" smtClean="0">
                           <a:solidFill>
-                            <a:srgbClr val="FF0000"/>
+                            <a:schemeClr val="tx1"/>
                           </a:solidFill>
                         </a:rPr>
                         <a:t> </a:t>
@@ -25130,7 +25138,7 @@
                       <a:r>
                         <a:rPr lang="en-US" sz="1200" baseline="0" dirty="0" err="1" smtClean="0">
                           <a:solidFill>
-                            <a:srgbClr val="FF0000"/>
+                            <a:schemeClr val="tx1"/>
                           </a:solidFill>
                         </a:rPr>
                         <a:t>trong</a:t>
@@ -25138,7 +25146,7 @@
                       <a:r>
                         <a:rPr lang="en-US" sz="1200" baseline="0" dirty="0" smtClean="0">
                           <a:solidFill>
-                            <a:srgbClr val="FF0000"/>
+                            <a:schemeClr val="tx1"/>
                           </a:solidFill>
                         </a:rPr>
                         <a:t> 7 </a:t>
@@ -25146,7 +25154,7 @@
                       <a:r>
                         <a:rPr lang="en-US" sz="1200" baseline="0" dirty="0" err="1" smtClean="0">
                           <a:solidFill>
-                            <a:srgbClr val="FF0000"/>
+                            <a:schemeClr val="tx1"/>
                           </a:solidFill>
                         </a:rPr>
                         <a:t>khóa</a:t>
@@ -25154,7 +25162,7 @@
                       <a:r>
                         <a:rPr lang="en-US" sz="1200" baseline="0" dirty="0" smtClean="0">
                           <a:solidFill>
-                            <a:srgbClr val="FF0000"/>
+                            <a:schemeClr val="tx1"/>
                           </a:solidFill>
                         </a:rPr>
                         <a:t> </a:t>
@@ -25162,7 +25170,7 @@
                       <a:r>
                         <a:rPr lang="en-US" sz="1200" baseline="0" dirty="0" err="1" smtClean="0">
                           <a:solidFill>
-                            <a:srgbClr val="FF0000"/>
+                            <a:schemeClr val="tx1"/>
                           </a:solidFill>
                         </a:rPr>
                         <a:t>học</a:t>
@@ -25170,7 +25178,7 @@
                       <a:r>
                         <a:rPr lang="en-US" sz="1200" baseline="0" dirty="0" smtClean="0">
                           <a:solidFill>
-                            <a:srgbClr val="FF0000"/>
+                            <a:schemeClr val="tx1"/>
                           </a:solidFill>
                         </a:rPr>
                         <a:t> </a:t>
@@ -25178,7 +25186,7 @@
                       <a:r>
                         <a:rPr lang="en-US" sz="1200" baseline="0" dirty="0" err="1" smtClean="0">
                           <a:solidFill>
-                            <a:srgbClr val="FF0000"/>
+                            <a:schemeClr val="tx1"/>
                           </a:solidFill>
                         </a:rPr>
                         <a:t>từ</a:t>
@@ -25186,7 +25194,7 @@
                       <a:r>
                         <a:rPr lang="en-US" sz="1200" baseline="0" dirty="0" smtClean="0">
                           <a:solidFill>
-                            <a:srgbClr val="FF0000"/>
+                            <a:schemeClr val="tx1"/>
                           </a:solidFill>
                         </a:rPr>
                         <a:t> </a:t>
@@ -25194,7 +25202,7 @@
                       <a:r>
                         <a:rPr lang="en-US" sz="1200" baseline="0" dirty="0" err="1" smtClean="0">
                           <a:solidFill>
-                            <a:srgbClr val="FF0000"/>
+                            <a:schemeClr val="tx1"/>
                           </a:solidFill>
                         </a:rPr>
                         <a:t>hệ</a:t>
@@ -25202,7 +25210,7 @@
                       <a:r>
                         <a:rPr lang="en-US" sz="1200" baseline="0" dirty="0" smtClean="0">
                           <a:solidFill>
-                            <a:srgbClr val="FF0000"/>
+                            <a:schemeClr val="tx1"/>
                           </a:solidFill>
                         </a:rPr>
                         <a:t> </a:t>
@@ -25210,7 +25218,7 @@
                       <a:r>
                         <a:rPr lang="en-US" sz="1200" baseline="0" dirty="0" err="1" smtClean="0">
                           <a:solidFill>
-                            <a:srgbClr val="FF0000"/>
+                            <a:schemeClr val="tx1"/>
                           </a:solidFill>
                         </a:rPr>
                         <a:t>thống</a:t>
@@ -25218,7 +25226,7 @@
                       <a:r>
                         <a:rPr lang="en-US" sz="1200" baseline="0" dirty="0" smtClean="0">
                           <a:solidFill>
-                            <a:srgbClr val="FF0000"/>
+                            <a:schemeClr val="tx1"/>
                           </a:solidFill>
                         </a:rPr>
                         <a:t> </a:t>
@@ -25226,7 +25234,7 @@
                       <a:r>
                         <a:rPr lang="en-US" sz="1200" baseline="0" dirty="0" err="1" smtClean="0">
                           <a:solidFill>
-                            <a:srgbClr val="FF0000"/>
+                            <a:schemeClr val="tx1"/>
                           </a:solidFill>
                         </a:rPr>
                         <a:t>Moodle</a:t>
@@ -25234,7 +25242,7 @@
                       <a:r>
                         <a:rPr lang="en-US" sz="1200" baseline="0" dirty="0" smtClean="0">
                           <a:solidFill>
-                            <a:srgbClr val="FF0000"/>
+                            <a:schemeClr val="tx1"/>
                           </a:solidFill>
                         </a:rPr>
                         <a:t> </a:t>
@@ -25242,7 +25250,7 @@
                       <a:r>
                         <a:rPr lang="en-US" sz="1200" baseline="0" dirty="0" err="1" smtClean="0">
                           <a:solidFill>
-                            <a:srgbClr val="FF0000"/>
+                            <a:schemeClr val="tx1"/>
                           </a:solidFill>
                         </a:rPr>
                         <a:t>của</a:t>
@@ -25250,7 +25258,7 @@
                       <a:r>
                         <a:rPr lang="en-US" sz="1200" baseline="0" dirty="0" smtClean="0">
                           <a:solidFill>
-                            <a:srgbClr val="FF0000"/>
+                            <a:schemeClr val="tx1"/>
                           </a:solidFill>
                         </a:rPr>
                         <a:t> </a:t>
@@ -25258,7 +25266,7 @@
                       <a:r>
                         <a:rPr lang="en-US" sz="1200" baseline="0" dirty="0" err="1" smtClean="0">
                           <a:solidFill>
-                            <a:srgbClr val="FF0000"/>
+                            <a:schemeClr val="tx1"/>
                           </a:solidFill>
                         </a:rPr>
                         <a:t>trường</a:t>
@@ -25266,7 +25274,7 @@
                       <a:r>
                         <a:rPr lang="en-US" sz="1200" baseline="0" dirty="0" smtClean="0">
                           <a:solidFill>
-                            <a:srgbClr val="FF0000"/>
+                            <a:schemeClr val="tx1"/>
                           </a:solidFill>
                         </a:rPr>
                         <a:t> Cordoba University .</a:t>
@@ -25274,7 +25282,7 @@
                       <a:r>
                         <a:rPr lang="en-US" sz="1200" baseline="0" dirty="0" err="1" smtClean="0">
                           <a:solidFill>
-                            <a:srgbClr val="FF0000"/>
+                            <a:schemeClr val="tx1"/>
                           </a:solidFill>
                         </a:rPr>
                         <a:t>Phát</a:t>
@@ -25282,7 +25290,7 @@
                       <a:r>
                         <a:rPr lang="en-US" sz="1200" baseline="0" dirty="0" smtClean="0">
                           <a:solidFill>
-                            <a:srgbClr val="FF0000"/>
+                            <a:schemeClr val="tx1"/>
                           </a:solidFill>
                         </a:rPr>
                         <a:t> </a:t>
@@ -25290,7 +25298,7 @@
                       <a:r>
                         <a:rPr lang="en-US" sz="1200" baseline="0" dirty="0" err="1" smtClean="0">
                           <a:solidFill>
-                            <a:srgbClr val="FF0000"/>
+                            <a:schemeClr val="tx1"/>
                           </a:solidFill>
                         </a:rPr>
                         <a:t>triển</a:t>
@@ -25298,7 +25306,7 @@
                       <a:r>
                         <a:rPr lang="en-US" sz="1200" baseline="0" dirty="0" smtClean="0">
                           <a:solidFill>
-                            <a:srgbClr val="FF0000"/>
+                            <a:schemeClr val="tx1"/>
                           </a:solidFill>
                         </a:rPr>
                         <a:t> </a:t>
@@ -25306,7 +25314,7 @@
                       <a:r>
                         <a:rPr lang="en-US" sz="1200" baseline="0" dirty="0" err="1" smtClean="0">
                           <a:solidFill>
-                            <a:srgbClr val="FF0000"/>
+                            <a:schemeClr val="tx1"/>
                           </a:solidFill>
                         </a:rPr>
                         <a:t>và</a:t>
@@ -25314,7 +25322,7 @@
                       <a:r>
                         <a:rPr lang="en-US" sz="1200" baseline="0" dirty="0" smtClean="0">
                           <a:solidFill>
-                            <a:srgbClr val="FF0000"/>
+                            <a:schemeClr val="tx1"/>
                           </a:solidFill>
                         </a:rPr>
                         <a:t> </a:t>
@@ -25322,7 +25330,7 @@
                       <a:r>
                         <a:rPr lang="en-US" sz="1200" baseline="0" dirty="0" err="1" smtClean="0">
                           <a:solidFill>
-                            <a:srgbClr val="FF0000"/>
+                            <a:schemeClr val="tx1"/>
                           </a:solidFill>
                         </a:rPr>
                         <a:t>tích</a:t>
@@ -25330,7 +25338,7 @@
                       <a:r>
                         <a:rPr lang="en-US" sz="1200" baseline="0" dirty="0" smtClean="0">
                           <a:solidFill>
-                            <a:srgbClr val="FF0000"/>
+                            <a:schemeClr val="tx1"/>
                           </a:solidFill>
                         </a:rPr>
                         <a:t> </a:t>
@@ -25338,7 +25346,7 @@
                       <a:r>
                         <a:rPr lang="en-US" sz="1200" baseline="0" dirty="0" err="1" smtClean="0">
                           <a:solidFill>
-                            <a:srgbClr val="FF0000"/>
+                            <a:schemeClr val="tx1"/>
                           </a:solidFill>
                         </a:rPr>
                         <a:t>hợp</a:t>
@@ -25346,7 +25354,7 @@
                       <a:r>
                         <a:rPr lang="en-US" sz="1200" baseline="0" dirty="0" smtClean="0">
                           <a:solidFill>
-                            <a:srgbClr val="FF0000"/>
+                            <a:schemeClr val="tx1"/>
                           </a:solidFill>
                         </a:rPr>
                         <a:t> </a:t>
@@ -25354,7 +25362,7 @@
                       <a:r>
                         <a:rPr lang="en-US" sz="1200" baseline="0" dirty="0" err="1" smtClean="0">
                           <a:solidFill>
-                            <a:srgbClr val="FF0000"/>
+                            <a:schemeClr val="tx1"/>
                           </a:solidFill>
                         </a:rPr>
                         <a:t>công</a:t>
@@ -25362,7 +25370,7 @@
                       <a:r>
                         <a:rPr lang="en-US" sz="1200" baseline="0" dirty="0" smtClean="0">
                           <a:solidFill>
-                            <a:srgbClr val="FF0000"/>
+                            <a:schemeClr val="tx1"/>
                           </a:solidFill>
                         </a:rPr>
                         <a:t> </a:t>
@@ -25370,7 +25378,7 @@
                       <a:r>
                         <a:rPr lang="en-US" sz="1200" baseline="0" dirty="0" err="1" smtClean="0">
                           <a:solidFill>
-                            <a:srgbClr val="FF0000"/>
+                            <a:schemeClr val="tx1"/>
                           </a:solidFill>
                         </a:rPr>
                         <a:t>cụ</a:t>
@@ -25378,7 +25386,7 @@
                       <a:r>
                         <a:rPr lang="en-US" sz="1200" baseline="0" dirty="0" smtClean="0">
                           <a:solidFill>
-                            <a:srgbClr val="FF0000"/>
+                            <a:schemeClr val="tx1"/>
                           </a:solidFill>
                         </a:rPr>
                         <a:t> </a:t>
@@ -25386,7 +25394,7 @@
                       <a:r>
                         <a:rPr lang="en-US" sz="1200" baseline="0" dirty="0" err="1" smtClean="0">
                           <a:solidFill>
-                            <a:srgbClr val="FF0000"/>
+                            <a:schemeClr val="tx1"/>
                           </a:solidFill>
                         </a:rPr>
                         <a:t>Moodle</a:t>
@@ -25394,7 +25402,7 @@
                       <a:r>
                         <a:rPr lang="en-US" sz="1200" baseline="0" dirty="0" smtClean="0">
                           <a:solidFill>
-                            <a:srgbClr val="FF0000"/>
+                            <a:schemeClr val="tx1"/>
                           </a:solidFill>
                         </a:rPr>
                         <a:t> Mining Tool </a:t>
@@ -25402,7 +25410,7 @@
                       <a:r>
                         <a:rPr lang="en-US" sz="1200" baseline="0" dirty="0" err="1" smtClean="0">
                           <a:solidFill>
-                            <a:srgbClr val="FF0000"/>
+                            <a:schemeClr val="tx1"/>
                           </a:solidFill>
                         </a:rPr>
                         <a:t>hỗ</a:t>
@@ -25410,7 +25418,7 @@
                       <a:r>
                         <a:rPr lang="en-US" sz="1200" baseline="0" dirty="0" smtClean="0">
                           <a:solidFill>
-                            <a:srgbClr val="FF0000"/>
+                            <a:schemeClr val="tx1"/>
                           </a:solidFill>
                         </a:rPr>
                         <a:t> </a:t>
@@ -25418,7 +25426,7 @@
                       <a:r>
                         <a:rPr lang="en-US" sz="1200" baseline="0" dirty="0" err="1" smtClean="0">
                           <a:solidFill>
-                            <a:srgbClr val="FF0000"/>
+                            <a:schemeClr val="tx1"/>
                           </a:solidFill>
                         </a:rPr>
                         <a:t>trợ</a:t>
@@ -25426,7 +25434,7 @@
                       <a:r>
                         <a:rPr lang="en-US" sz="1200" baseline="0" dirty="0" smtClean="0">
                           <a:solidFill>
-                            <a:srgbClr val="FF0000"/>
+                            <a:schemeClr val="tx1"/>
                           </a:solidFill>
                         </a:rPr>
                         <a:t> </a:t>
@@ -25434,7 +25442,7 @@
                       <a:r>
                         <a:rPr lang="en-US" sz="1200" baseline="0" dirty="0" err="1" smtClean="0">
                           <a:solidFill>
-                            <a:srgbClr val="FF0000"/>
+                            <a:schemeClr val="tx1"/>
                           </a:solidFill>
                         </a:rPr>
                         <a:t>các</a:t>
@@ -25442,7 +25450,7 @@
                       <a:r>
                         <a:rPr lang="en-US" sz="1200" baseline="0" dirty="0" smtClean="0">
                           <a:solidFill>
-                            <a:srgbClr val="FF0000"/>
+                            <a:schemeClr val="tx1"/>
                           </a:solidFill>
                         </a:rPr>
                         <a:t> </a:t>
@@ -25450,7 +25458,7 @@
                       <a:r>
                         <a:rPr lang="en-US" sz="1200" baseline="0" dirty="0" err="1" smtClean="0">
                           <a:solidFill>
-                            <a:srgbClr val="FF0000"/>
+                            <a:schemeClr val="tx1"/>
                           </a:solidFill>
                         </a:rPr>
                         <a:t>giảng</a:t>
@@ -25458,7 +25466,7 @@
                       <a:r>
                         <a:rPr lang="en-US" sz="1200" baseline="0" dirty="0" smtClean="0">
                           <a:solidFill>
-                            <a:srgbClr val="FF0000"/>
+                            <a:schemeClr val="tx1"/>
                           </a:solidFill>
                         </a:rPr>
                         <a:t> </a:t>
@@ -25466,7 +25474,7 @@
                       <a:r>
                         <a:rPr lang="en-US" sz="1200" baseline="0" dirty="0" err="1" smtClean="0">
                           <a:solidFill>
-                            <a:srgbClr val="FF0000"/>
+                            <a:schemeClr val="tx1"/>
                           </a:solidFill>
                         </a:rPr>
                         <a:t>viên</a:t>
@@ -25474,7 +25482,7 @@
                       <a:r>
                         <a:rPr lang="en-US" sz="1200" baseline="0" dirty="0" smtClean="0">
                           <a:solidFill>
-                            <a:srgbClr val="FF0000"/>
+                            <a:schemeClr val="tx1"/>
                           </a:solidFill>
                         </a:rPr>
                         <a:t> </a:t>
@@ -25482,7 +25490,7 @@
                       <a:r>
                         <a:rPr lang="en-US" sz="1200" baseline="0" dirty="0" err="1" smtClean="0">
                           <a:solidFill>
-                            <a:srgbClr val="FF0000"/>
+                            <a:schemeClr val="tx1"/>
                           </a:solidFill>
                         </a:rPr>
                         <a:t>trực</a:t>
@@ -25490,7 +25498,7 @@
                       <a:r>
                         <a:rPr lang="en-US" sz="1200" baseline="0" dirty="0" smtClean="0">
                           <a:solidFill>
-                            <a:srgbClr val="FF0000"/>
+                            <a:schemeClr val="tx1"/>
                           </a:solidFill>
                         </a:rPr>
                         <a:t> </a:t>
@@ -25498,7 +25506,7 @@
                       <a:r>
                         <a:rPr lang="en-US" sz="1200" baseline="0" dirty="0" err="1" smtClean="0">
                           <a:solidFill>
-                            <a:srgbClr val="FF0000"/>
+                            <a:schemeClr val="tx1"/>
                           </a:solidFill>
                         </a:rPr>
                         <a:t>tuyến</a:t>
@@ -25506,14 +25514,14 @@
                       <a:r>
                         <a:rPr lang="en-US" sz="1200" baseline="0" dirty="0" smtClean="0">
                           <a:solidFill>
-                            <a:srgbClr val="FF0000"/>
+                            <a:schemeClr val="tx1"/>
                           </a:solidFill>
                         </a:rPr>
                         <a:t>.</a:t>
                       </a:r>
                       <a:endParaRPr lang="en-US" sz="1200" dirty="0">
                         <a:solidFill>
-                          <a:srgbClr val="FF0000"/>
+                          <a:schemeClr val="tx1"/>
                         </a:solidFill>
                       </a:endParaRPr>
                     </a:p>

--- a/01. Document/DropOut_Project_Report v_04.12.2011.pptx
+++ b/01. Document/DropOut_Project_Report v_04.12.2011.pptx
@@ -12022,6 +12022,13 @@
             </a:r>
             <a:endParaRPr lang="en-US" baseline="0" dirty="0" smtClean="0"/>
           </a:p>
+          <a:p>
+            <a:r>
+              <a:rPr lang="en-US" baseline="0" smtClean="0"/>
+              <a:t>Smooth Support Vector Machine (SSVM) </a:t>
+            </a:r>
+            <a:endParaRPr lang="en-US" baseline="0" dirty="0" smtClean="0"/>
+          </a:p>
         </p:txBody>
       </p:sp>
       <p:sp>
@@ -23455,7 +23462,7 @@
         </p:nvGraphicFramePr>
         <p:xfrm>
           <a:off x="228600" y="1524000"/>
-          <a:ext cx="8686800" cy="6314440"/>
+          <a:ext cx="8686800" cy="6863080"/>
         </p:xfrm>
         <a:graphic>
           <a:graphicData uri="http://schemas.openxmlformats.org/drawingml/2006/table">
@@ -25642,9 +25649,553 @@
                     <a:bodyPr/>
                     <a:lstStyle/>
                     <a:p>
+                      <a:r>
+                        <a:rPr lang="en-US" sz="1200" dirty="0" err="1" smtClean="0">
+                          <a:solidFill>
+                            <a:schemeClr val="tx1"/>
+                          </a:solidFill>
+                        </a:rPr>
+                        <a:t>Mô</a:t>
+                      </a:r>
+                      <a:r>
+                        <a:rPr lang="en-US" sz="1200" baseline="0" dirty="0" smtClean="0">
+                          <a:solidFill>
+                            <a:schemeClr val="tx1"/>
+                          </a:solidFill>
+                        </a:rPr>
+                        <a:t> </a:t>
+                      </a:r>
+                      <a:r>
+                        <a:rPr lang="en-US" sz="1200" baseline="0" dirty="0" err="1" smtClean="0">
+                          <a:solidFill>
+                            <a:schemeClr val="tx1"/>
+                          </a:solidFill>
+                        </a:rPr>
+                        <a:t>hình</a:t>
+                      </a:r>
+                      <a:r>
+                        <a:rPr lang="en-US" sz="1200" baseline="0" dirty="0" smtClean="0">
+                          <a:solidFill>
+                            <a:schemeClr val="tx1"/>
+                          </a:solidFill>
+                        </a:rPr>
+                        <a:t> </a:t>
+                      </a:r>
+                      <a:r>
+                        <a:rPr lang="en-US" sz="1200" baseline="0" dirty="0" err="1" smtClean="0">
+                          <a:solidFill>
+                            <a:schemeClr val="tx1"/>
+                          </a:solidFill>
+                        </a:rPr>
+                        <a:t>dự</a:t>
+                      </a:r>
+                      <a:r>
+                        <a:rPr lang="en-US" sz="1200" baseline="0" dirty="0" smtClean="0">
+                          <a:solidFill>
+                            <a:schemeClr val="tx1"/>
+                          </a:solidFill>
+                        </a:rPr>
+                        <a:t> </a:t>
+                      </a:r>
+                      <a:r>
+                        <a:rPr lang="en-US" sz="1200" baseline="0" dirty="0" err="1" smtClean="0">
+                          <a:solidFill>
+                            <a:schemeClr val="tx1"/>
+                          </a:solidFill>
+                        </a:rPr>
+                        <a:t>báo</a:t>
+                      </a:r>
+                      <a:r>
+                        <a:rPr lang="en-US" sz="1200" baseline="0" dirty="0" smtClean="0">
+                          <a:solidFill>
+                            <a:schemeClr val="tx1"/>
+                          </a:solidFill>
+                        </a:rPr>
+                        <a:t> </a:t>
+                      </a:r>
+                      <a:r>
+                        <a:rPr lang="en-US" sz="1200" baseline="0" dirty="0" err="1" smtClean="0">
+                          <a:solidFill>
+                            <a:schemeClr val="tx1"/>
+                          </a:solidFill>
+                        </a:rPr>
+                        <a:t>chất</a:t>
+                      </a:r>
+                      <a:r>
+                        <a:rPr lang="en-US" sz="1200" baseline="0" dirty="0" smtClean="0">
+                          <a:solidFill>
+                            <a:schemeClr val="tx1"/>
+                          </a:solidFill>
+                        </a:rPr>
+                        <a:t> </a:t>
+                      </a:r>
+                      <a:r>
+                        <a:rPr lang="en-US" sz="1200" baseline="0" dirty="0" err="1" smtClean="0">
+                          <a:solidFill>
+                            <a:schemeClr val="tx1"/>
+                          </a:solidFill>
+                        </a:rPr>
+                        <a:t>lượng</a:t>
+                      </a:r>
+                      <a:r>
+                        <a:rPr lang="en-US" sz="1200" baseline="0" dirty="0" smtClean="0">
+                          <a:solidFill>
+                            <a:schemeClr val="tx1"/>
+                          </a:solidFill>
+                        </a:rPr>
+                        <a:t> </a:t>
+                      </a:r>
+                      <a:r>
+                        <a:rPr lang="en-US" sz="1200" baseline="0" dirty="0" err="1" smtClean="0">
+                          <a:solidFill>
+                            <a:schemeClr val="tx1"/>
+                          </a:solidFill>
+                        </a:rPr>
+                        <a:t>học</a:t>
+                      </a:r>
+                      <a:r>
+                        <a:rPr lang="en-US" sz="1200" baseline="0" dirty="0" smtClean="0">
+                          <a:solidFill>
+                            <a:schemeClr val="tx1"/>
+                          </a:solidFill>
+                        </a:rPr>
+                        <a:t> </a:t>
+                      </a:r>
+                      <a:r>
+                        <a:rPr lang="en-US" sz="1200" baseline="0" dirty="0" err="1" smtClean="0">
+                          <a:solidFill>
+                            <a:schemeClr val="tx1"/>
+                          </a:solidFill>
+                        </a:rPr>
+                        <a:t>viên</a:t>
+                      </a:r>
+                      <a:r>
+                        <a:rPr lang="en-US" sz="1200" baseline="0" dirty="0" smtClean="0">
+                          <a:solidFill>
+                            <a:schemeClr val="tx1"/>
+                          </a:solidFill>
+                        </a:rPr>
+                        <a:t> </a:t>
+                      </a:r>
+                      <a:r>
+                        <a:rPr lang="en-US" sz="1200" baseline="0" dirty="0" err="1" smtClean="0">
+                          <a:solidFill>
+                            <a:schemeClr val="tx1"/>
+                          </a:solidFill>
+                        </a:rPr>
+                        <a:t>của</a:t>
+                      </a:r>
+                      <a:r>
+                        <a:rPr lang="en-US" sz="1200" baseline="0" dirty="0" smtClean="0">
+                          <a:solidFill>
+                            <a:schemeClr val="tx1"/>
+                          </a:solidFill>
+                        </a:rPr>
+                        <a:t> </a:t>
+                      </a:r>
+                      <a:r>
+                        <a:rPr lang="en-US" sz="1200" baseline="0" dirty="0" err="1" smtClean="0">
+                          <a:solidFill>
+                            <a:schemeClr val="tx1"/>
+                          </a:solidFill>
+                        </a:rPr>
+                        <a:t>trường</a:t>
+                      </a:r>
+                      <a:r>
+                        <a:rPr lang="en-US" sz="1200" baseline="0" dirty="0" smtClean="0">
+                          <a:solidFill>
+                            <a:schemeClr val="tx1"/>
+                          </a:solidFill>
+                        </a:rPr>
+                        <a:t> University Malaysia Pahang </a:t>
+                      </a:r>
+                      <a:r>
+                        <a:rPr lang="en-US" sz="1200" baseline="0" dirty="0" err="1" smtClean="0">
+                          <a:solidFill>
+                            <a:schemeClr val="tx1"/>
+                          </a:solidFill>
+                        </a:rPr>
+                        <a:t>với</a:t>
+                      </a:r>
+                      <a:r>
+                        <a:rPr lang="en-US" sz="1200" baseline="0" dirty="0" smtClean="0">
+                          <a:solidFill>
+                            <a:schemeClr val="tx1"/>
+                          </a:solidFill>
+                        </a:rPr>
+                        <a:t> 300 </a:t>
+                      </a:r>
+                      <a:r>
+                        <a:rPr lang="en-US" sz="1200" baseline="0" dirty="0" err="1" smtClean="0">
+                          <a:solidFill>
+                            <a:schemeClr val="tx1"/>
+                          </a:solidFill>
+                        </a:rPr>
+                        <a:t>mẫu</a:t>
+                      </a:r>
+                      <a:r>
+                        <a:rPr lang="en-US" sz="1200" baseline="0" dirty="0" smtClean="0">
+                          <a:solidFill>
+                            <a:schemeClr val="tx1"/>
+                          </a:solidFill>
+                        </a:rPr>
+                        <a:t> </a:t>
+                      </a:r>
+                      <a:r>
+                        <a:rPr lang="en-US" sz="1200" baseline="0" dirty="0" err="1" smtClean="0">
+                          <a:solidFill>
+                            <a:schemeClr val="tx1"/>
+                          </a:solidFill>
+                        </a:rPr>
+                        <a:t>dữ</a:t>
+                      </a:r>
+                      <a:r>
+                        <a:rPr lang="en-US" sz="1200" baseline="0" dirty="0" smtClean="0">
+                          <a:solidFill>
+                            <a:schemeClr val="tx1"/>
+                          </a:solidFill>
+                        </a:rPr>
+                        <a:t> </a:t>
+                      </a:r>
+                      <a:r>
+                        <a:rPr lang="en-US" sz="1200" baseline="0" dirty="0" err="1" smtClean="0">
+                          <a:solidFill>
+                            <a:schemeClr val="tx1"/>
+                          </a:solidFill>
+                        </a:rPr>
+                        <a:t>liệu</a:t>
+                      </a:r>
+                      <a:r>
+                        <a:rPr lang="en-US" sz="1200" baseline="0" dirty="0" smtClean="0">
+                          <a:solidFill>
+                            <a:schemeClr val="tx1"/>
+                          </a:solidFill>
+                        </a:rPr>
+                        <a:t> </a:t>
+                      </a:r>
+                      <a:r>
+                        <a:rPr lang="en-US" sz="1200" baseline="0" dirty="0" err="1" smtClean="0">
+                          <a:solidFill>
+                            <a:schemeClr val="tx1"/>
+                          </a:solidFill>
+                        </a:rPr>
+                        <a:t>kỳ</a:t>
+                      </a:r>
+                      <a:r>
+                        <a:rPr lang="en-US" sz="1200" baseline="0" dirty="0" smtClean="0">
+                          <a:solidFill>
+                            <a:schemeClr val="tx1"/>
+                          </a:solidFill>
+                        </a:rPr>
+                        <a:t> 3 </a:t>
+                      </a:r>
+                      <a:r>
+                        <a:rPr lang="en-US" sz="1200" baseline="0" dirty="0" err="1" smtClean="0">
+                          <a:solidFill>
+                            <a:schemeClr val="tx1"/>
+                          </a:solidFill>
+                        </a:rPr>
+                        <a:t>của</a:t>
+                      </a:r>
+                      <a:r>
+                        <a:rPr lang="en-US" sz="1200" baseline="0" dirty="0" smtClean="0">
+                          <a:solidFill>
+                            <a:schemeClr val="tx1"/>
+                          </a:solidFill>
+                        </a:rPr>
+                        <a:t> </a:t>
+                      </a:r>
+                      <a:r>
+                        <a:rPr lang="en-US" sz="1200" baseline="0" dirty="0" err="1" smtClean="0">
+                          <a:solidFill>
+                            <a:schemeClr val="tx1"/>
+                          </a:solidFill>
+                        </a:rPr>
+                        <a:t>năm</a:t>
+                      </a:r>
+                      <a:r>
+                        <a:rPr lang="en-US" sz="1200" baseline="0" dirty="0" smtClean="0">
+                          <a:solidFill>
+                            <a:schemeClr val="tx1"/>
+                          </a:solidFill>
+                        </a:rPr>
+                        <a:t> 07-08. </a:t>
+                      </a:r>
+                      <a:r>
+                        <a:rPr lang="en-US" sz="1200" baseline="0" dirty="0" err="1" smtClean="0">
+                          <a:solidFill>
+                            <a:schemeClr val="tx1"/>
+                          </a:solidFill>
+                        </a:rPr>
+                        <a:t>Sử</a:t>
+                      </a:r>
+                      <a:r>
+                        <a:rPr lang="en-US" sz="1200" baseline="0" dirty="0" smtClean="0">
+                          <a:solidFill>
+                            <a:schemeClr val="tx1"/>
+                          </a:solidFill>
+                        </a:rPr>
+                        <a:t> </a:t>
+                      </a:r>
+                      <a:r>
+                        <a:rPr lang="en-US" sz="1200" baseline="0" dirty="0" err="1" smtClean="0">
+                          <a:solidFill>
+                            <a:schemeClr val="tx1"/>
+                          </a:solidFill>
+                        </a:rPr>
+                        <a:t>dụng</a:t>
+                      </a:r>
+                      <a:r>
+                        <a:rPr lang="en-US" sz="1200" baseline="0" dirty="0" smtClean="0">
+                          <a:solidFill>
+                            <a:schemeClr val="tx1"/>
+                          </a:solidFill>
+                        </a:rPr>
+                        <a:t> phương </a:t>
+                      </a:r>
+                      <a:r>
+                        <a:rPr lang="en-US" sz="1200" baseline="0" dirty="0" err="1" smtClean="0">
+                          <a:solidFill>
+                            <a:schemeClr val="tx1"/>
+                          </a:solidFill>
+                        </a:rPr>
+                        <a:t>pháp</a:t>
+                      </a:r>
+                      <a:r>
+                        <a:rPr lang="en-US" sz="1200" baseline="0" dirty="0" smtClean="0">
+                          <a:solidFill>
+                            <a:schemeClr val="tx1"/>
+                          </a:solidFill>
+                        </a:rPr>
+                        <a:t> </a:t>
+                      </a:r>
+                      <a:r>
+                        <a:rPr lang="en-US" sz="1200" baseline="0" dirty="0" err="1" smtClean="0">
+                          <a:solidFill>
+                            <a:schemeClr val="tx1"/>
+                          </a:solidFill>
+                        </a:rPr>
+                        <a:t>phân</a:t>
+                      </a:r>
+                      <a:r>
+                        <a:rPr lang="en-US" sz="1200" baseline="0" dirty="0" smtClean="0">
+                          <a:solidFill>
+                            <a:schemeClr val="tx1"/>
+                          </a:solidFill>
+                        </a:rPr>
+                        <a:t> </a:t>
+                      </a:r>
+                      <a:r>
+                        <a:rPr lang="en-US" sz="1200" baseline="0" dirty="0" err="1" smtClean="0">
+                          <a:solidFill>
+                            <a:schemeClr val="tx1"/>
+                          </a:solidFill>
+                        </a:rPr>
+                        <a:t>lớp</a:t>
+                      </a:r>
+                      <a:r>
+                        <a:rPr lang="en-US" sz="1200" baseline="0" dirty="0" smtClean="0">
+                          <a:solidFill>
+                            <a:schemeClr val="tx1"/>
+                          </a:solidFill>
+                        </a:rPr>
+                        <a:t> SSVM </a:t>
+                      </a:r>
+                      <a:r>
+                        <a:rPr lang="en-US" sz="1200" baseline="0" dirty="0" err="1" smtClean="0">
+                          <a:solidFill>
+                            <a:schemeClr val="tx1"/>
+                          </a:solidFill>
+                        </a:rPr>
+                        <a:t>và</a:t>
+                      </a:r>
+                      <a:r>
+                        <a:rPr lang="en-US" sz="1200" baseline="0" dirty="0" smtClean="0">
+                          <a:solidFill>
+                            <a:schemeClr val="tx1"/>
+                          </a:solidFill>
+                        </a:rPr>
+                        <a:t> </a:t>
+                      </a:r>
+                      <a:r>
+                        <a:rPr lang="en-US" sz="1200" baseline="0" dirty="0" err="1" smtClean="0">
+                          <a:solidFill>
+                            <a:schemeClr val="tx1"/>
+                          </a:solidFill>
+                        </a:rPr>
+                        <a:t>phân</a:t>
+                      </a:r>
+                      <a:r>
+                        <a:rPr lang="en-US" sz="1200" baseline="0" dirty="0" smtClean="0">
+                          <a:solidFill>
+                            <a:schemeClr val="tx1"/>
+                          </a:solidFill>
+                        </a:rPr>
+                        <a:t> </a:t>
+                      </a:r>
+                      <a:r>
+                        <a:rPr lang="en-US" sz="1200" baseline="0" dirty="0" err="1" smtClean="0">
+                          <a:solidFill>
+                            <a:schemeClr val="tx1"/>
+                          </a:solidFill>
+                        </a:rPr>
+                        <a:t>cụm</a:t>
+                      </a:r>
+                      <a:r>
+                        <a:rPr lang="en-US" sz="1200" baseline="0" dirty="0" smtClean="0">
+                          <a:solidFill>
+                            <a:schemeClr val="tx1"/>
+                          </a:solidFill>
+                        </a:rPr>
+                        <a:t> K-Means. </a:t>
+                      </a:r>
+                      <a:r>
+                        <a:rPr lang="en-US" sz="1200" baseline="0" dirty="0" err="1" smtClean="0">
+                          <a:solidFill>
+                            <a:schemeClr val="tx1"/>
+                          </a:solidFill>
+                        </a:rPr>
+                        <a:t>Kết</a:t>
+                      </a:r>
+                      <a:r>
+                        <a:rPr lang="en-US" sz="1200" baseline="0" dirty="0" smtClean="0">
+                          <a:solidFill>
+                            <a:schemeClr val="tx1"/>
+                          </a:solidFill>
+                        </a:rPr>
+                        <a:t> </a:t>
+                      </a:r>
+                      <a:r>
+                        <a:rPr lang="en-US" sz="1200" baseline="0" dirty="0" err="1" smtClean="0">
+                          <a:solidFill>
+                            <a:schemeClr val="tx1"/>
+                          </a:solidFill>
+                        </a:rPr>
+                        <a:t>quả</a:t>
+                      </a:r>
+                      <a:r>
+                        <a:rPr lang="en-US" sz="1200" baseline="0" dirty="0" smtClean="0">
+                          <a:solidFill>
+                            <a:schemeClr val="tx1"/>
+                          </a:solidFill>
+                        </a:rPr>
+                        <a:t> </a:t>
+                      </a:r>
+                      <a:r>
+                        <a:rPr lang="en-US" sz="1200" baseline="0" dirty="0" err="1" smtClean="0">
+                          <a:solidFill>
+                            <a:schemeClr val="tx1"/>
+                          </a:solidFill>
+                        </a:rPr>
+                        <a:t>tốt</a:t>
+                      </a:r>
+                      <a:r>
+                        <a:rPr lang="en-US" sz="1200" baseline="0" dirty="0" smtClean="0">
+                          <a:solidFill>
+                            <a:schemeClr val="tx1"/>
+                          </a:solidFill>
+                        </a:rPr>
+                        <a:t> </a:t>
+                      </a:r>
+                      <a:r>
+                        <a:rPr lang="en-US" sz="1200" baseline="0" dirty="0" err="1" smtClean="0">
+                          <a:solidFill>
+                            <a:schemeClr val="tx1"/>
+                          </a:solidFill>
+                        </a:rPr>
+                        <a:t>nhất</a:t>
+                      </a:r>
+                      <a:r>
+                        <a:rPr lang="en-US" sz="1200" baseline="0" dirty="0" smtClean="0">
+                          <a:solidFill>
+                            <a:schemeClr val="tx1"/>
+                          </a:solidFill>
+                        </a:rPr>
+                        <a:t> </a:t>
+                      </a:r>
+                      <a:r>
+                        <a:rPr lang="en-US" sz="1200" baseline="0" dirty="0" err="1" smtClean="0">
+                          <a:solidFill>
+                            <a:schemeClr val="tx1"/>
+                          </a:solidFill>
+                        </a:rPr>
+                        <a:t>là</a:t>
+                      </a:r>
+                      <a:r>
+                        <a:rPr lang="en-US" sz="1200" baseline="0" dirty="0" smtClean="0">
+                          <a:solidFill>
+                            <a:schemeClr val="tx1"/>
+                          </a:solidFill>
+                        </a:rPr>
+                        <a:t> 93.7% </a:t>
+                      </a:r>
+                      <a:r>
+                        <a:rPr lang="en-US" sz="1200" baseline="0" dirty="0" err="1" smtClean="0">
+                          <a:solidFill>
+                            <a:schemeClr val="tx1"/>
+                          </a:solidFill>
+                        </a:rPr>
+                        <a:t>và</a:t>
+                      </a:r>
+                      <a:r>
+                        <a:rPr lang="en-US" sz="1200" baseline="0" dirty="0" smtClean="0">
+                          <a:solidFill>
+                            <a:schemeClr val="tx1"/>
+                          </a:solidFill>
+                        </a:rPr>
+                        <a:t> </a:t>
+                      </a:r>
+                      <a:r>
+                        <a:rPr lang="en-US" sz="1200" baseline="0" dirty="0" err="1" smtClean="0">
+                          <a:solidFill>
+                            <a:schemeClr val="tx1"/>
+                          </a:solidFill>
+                        </a:rPr>
+                        <a:t>thấp</a:t>
+                      </a:r>
+                      <a:r>
+                        <a:rPr lang="en-US" sz="1200" baseline="0" dirty="0" smtClean="0">
+                          <a:solidFill>
+                            <a:schemeClr val="tx1"/>
+                          </a:solidFill>
+                        </a:rPr>
+                        <a:t> </a:t>
+                      </a:r>
+                      <a:r>
+                        <a:rPr lang="en-US" sz="1200" baseline="0" dirty="0" err="1" smtClean="0">
+                          <a:solidFill>
+                            <a:schemeClr val="tx1"/>
+                          </a:solidFill>
+                        </a:rPr>
+                        <a:t>nhất</a:t>
+                      </a:r>
+                      <a:r>
+                        <a:rPr lang="en-US" sz="1200" baseline="0" dirty="0" smtClean="0">
+                          <a:solidFill>
+                            <a:schemeClr val="tx1"/>
+                          </a:solidFill>
+                        </a:rPr>
+                        <a:t> </a:t>
+                      </a:r>
+                      <a:r>
+                        <a:rPr lang="en-US" sz="1200" baseline="0" dirty="0" err="1" smtClean="0">
+                          <a:solidFill>
+                            <a:schemeClr val="tx1"/>
+                          </a:solidFill>
+                        </a:rPr>
+                        <a:t>là</a:t>
+                      </a:r>
+                      <a:r>
+                        <a:rPr lang="en-US" sz="1200" baseline="0" dirty="0" smtClean="0">
+                          <a:solidFill>
+                            <a:schemeClr val="tx1"/>
+                          </a:solidFill>
+                        </a:rPr>
+                        <a:t> 61%.</a:t>
+                      </a:r>
                       <a:endParaRPr lang="en-US" sz="1200" dirty="0">
                         <a:solidFill>
-                          <a:srgbClr val="FF0000"/>
+                          <a:schemeClr val="tx1"/>
                         </a:solidFill>
                       </a:endParaRPr>
                     </a:p>

--- a/01. Document/DropOut_Project_Report v_04.12.2011.pptx
+++ b/01. Document/DropOut_Project_Report v_04.12.2011.pptx
@@ -12024,10 +12024,9 @@
           </a:p>
           <a:p>
             <a:r>
-              <a:rPr lang="en-US" baseline="0" smtClean="0"/>
+              <a:rPr lang="en-US" baseline="0" dirty="0" smtClean="0"/>
               <a:t>Smooth Support Vector Machine (SSVM) </a:t>
             </a:r>
-            <a:endParaRPr lang="en-US" baseline="0" dirty="0" smtClean="0"/>
           </a:p>
         </p:txBody>
       </p:sp>
@@ -23462,7 +23461,7 @@
         </p:nvGraphicFramePr>
         <p:xfrm>
           <a:off x="228600" y="1524000"/>
-          <a:ext cx="8686800" cy="6863080"/>
+          <a:ext cx="8686800" cy="7777480"/>
         </p:xfrm>
         <a:graphic>
           <a:graphicData uri="http://schemas.openxmlformats.org/drawingml/2006/table">
@@ -24593,6 +24592,239 @@
                     <a:bodyPr/>
                     <a:lstStyle/>
                     <a:p>
+                      <a:pPr algn="just"/>
+                      <a:r>
+                        <a:rPr lang="en-US" sz="1200" dirty="0" err="1" smtClean="0"/>
+                        <a:t>Trình</a:t>
+                      </a:r>
+                      <a:r>
+                        <a:rPr lang="en-US" sz="1200" baseline="0" dirty="0" smtClean="0"/>
+                        <a:t> </a:t>
+                      </a:r>
+                      <a:r>
+                        <a:rPr lang="en-US" sz="1200" baseline="0" dirty="0" err="1" smtClean="0"/>
+                        <a:t>ứng</a:t>
+                      </a:r>
+                      <a:r>
+                        <a:rPr lang="en-US" sz="1200" baseline="0" dirty="0" smtClean="0"/>
+                        <a:t> </a:t>
+                      </a:r>
+                      <a:r>
+                        <a:rPr lang="en-US" sz="1200" baseline="0" dirty="0" err="1" smtClean="0"/>
+                        <a:t>dụng</a:t>
+                      </a:r>
+                      <a:r>
+                        <a:rPr lang="en-US" sz="1200" baseline="0" dirty="0" smtClean="0"/>
+                        <a:t> </a:t>
+                      </a:r>
+                      <a:r>
+                        <a:rPr lang="en-US" sz="1200" baseline="0" dirty="0" err="1" smtClean="0"/>
+                        <a:t>phân</a:t>
+                      </a:r>
+                      <a:r>
+                        <a:rPr lang="en-US" sz="1200" baseline="0" dirty="0" smtClean="0"/>
+                        <a:t> </a:t>
+                      </a:r>
+                      <a:r>
+                        <a:rPr lang="en-US" sz="1200" baseline="0" dirty="0" err="1" smtClean="0"/>
+                        <a:t>tích</a:t>
+                      </a:r>
+                      <a:r>
+                        <a:rPr lang="en-US" sz="1200" baseline="0" dirty="0" smtClean="0"/>
+                        <a:t> </a:t>
+                      </a:r>
+                      <a:r>
+                        <a:rPr lang="en-US" sz="1200" baseline="0" dirty="0" err="1" smtClean="0"/>
+                        <a:t>sinh</a:t>
+                      </a:r>
+                      <a:r>
+                        <a:rPr lang="en-US" sz="1200" baseline="0" dirty="0" smtClean="0"/>
+                        <a:t> </a:t>
+                      </a:r>
+                      <a:r>
+                        <a:rPr lang="en-US" sz="1200" baseline="0" dirty="0" err="1" smtClean="0"/>
+                        <a:t>viên</a:t>
+                      </a:r>
+                      <a:r>
+                        <a:rPr lang="en-US" sz="1200" baseline="0" dirty="0" smtClean="0"/>
+                        <a:t> NGHỈ HỌC </a:t>
+                      </a:r>
+                      <a:r>
+                        <a:rPr lang="en-US" sz="1200" baseline="0" dirty="0" err="1" smtClean="0"/>
+                        <a:t>sử</a:t>
+                      </a:r>
+                      <a:r>
+                        <a:rPr lang="en-US" sz="1200" baseline="0" dirty="0" smtClean="0"/>
+                        <a:t> </a:t>
+                      </a:r>
+                      <a:r>
+                        <a:rPr lang="en-US" sz="1200" baseline="0" dirty="0" err="1" smtClean="0"/>
+                        <a:t>dụng</a:t>
+                      </a:r>
+                      <a:r>
+                        <a:rPr lang="en-US" sz="1200" baseline="0" dirty="0" smtClean="0"/>
+                        <a:t> phương </a:t>
+                      </a:r>
+                      <a:r>
+                        <a:rPr lang="en-US" sz="1200" baseline="0" dirty="0" err="1" smtClean="0"/>
+                        <a:t>pháp</a:t>
+                      </a:r>
+                      <a:r>
+                        <a:rPr lang="en-US" sz="1200" baseline="0" dirty="0" smtClean="0"/>
+                        <a:t> </a:t>
+                      </a:r>
+                      <a:r>
+                        <a:rPr lang="en-US" sz="1200" baseline="0" dirty="0" err="1" smtClean="0"/>
+                        <a:t>phân</a:t>
+                      </a:r>
+                      <a:r>
+                        <a:rPr lang="en-US" sz="1200" baseline="0" dirty="0" smtClean="0"/>
+                        <a:t> </a:t>
+                      </a:r>
+                      <a:r>
+                        <a:rPr lang="en-US" sz="1200" baseline="0" dirty="0" err="1" smtClean="0"/>
+                        <a:t>lớp</a:t>
+                      </a:r>
+                      <a:r>
+                        <a:rPr lang="en-US" sz="1200" baseline="0" dirty="0" smtClean="0"/>
+                        <a:t> (</a:t>
+                      </a:r>
+                      <a:r>
+                        <a:rPr lang="en-US" sz="1200" baseline="0" dirty="0" err="1" smtClean="0"/>
+                        <a:t>hồi</a:t>
+                      </a:r>
+                      <a:r>
+                        <a:rPr lang="en-US" sz="1200" baseline="0" dirty="0" smtClean="0"/>
+                        <a:t> qui, </a:t>
+                      </a:r>
+                      <a:r>
+                        <a:rPr lang="en-US" sz="1200" baseline="0" dirty="0" err="1" smtClean="0"/>
+                        <a:t>mạng</a:t>
+                      </a:r>
+                      <a:r>
+                        <a:rPr lang="en-US" sz="1200" baseline="0" dirty="0" smtClean="0"/>
+                        <a:t> </a:t>
+                      </a:r>
+                      <a:r>
+                        <a:rPr lang="en-US" sz="1200" baseline="0" dirty="0" err="1" smtClean="0"/>
+                        <a:t>nơ</a:t>
+                      </a:r>
+                      <a:r>
+                        <a:rPr lang="en-US" sz="1200" baseline="0" dirty="0" smtClean="0"/>
+                        <a:t> </a:t>
+                      </a:r>
+                      <a:r>
+                        <a:rPr lang="en-US" sz="1200" baseline="0" dirty="0" err="1" smtClean="0"/>
+                        <a:t>ron</a:t>
+                      </a:r>
+                      <a:r>
+                        <a:rPr lang="en-US" sz="1200" baseline="0" dirty="0" smtClean="0"/>
+                        <a:t>, </a:t>
+                      </a:r>
+                      <a:r>
+                        <a:rPr lang="en-US" sz="1200" baseline="0" dirty="0" err="1" smtClean="0"/>
+                        <a:t>cây</a:t>
+                      </a:r>
+                      <a:r>
+                        <a:rPr lang="en-US" sz="1200" baseline="0" dirty="0" smtClean="0"/>
+                        <a:t> </a:t>
+                      </a:r>
+                      <a:r>
+                        <a:rPr lang="en-US" sz="1200" baseline="0" dirty="0" err="1" smtClean="0"/>
+                        <a:t>quyết</a:t>
+                      </a:r>
+                      <a:r>
+                        <a:rPr lang="en-US" sz="1200" baseline="0" dirty="0" smtClean="0"/>
+                        <a:t> </a:t>
+                      </a:r>
+                      <a:r>
+                        <a:rPr lang="en-US" sz="1200" baseline="0" dirty="0" err="1" smtClean="0"/>
+                        <a:t>định</a:t>
+                      </a:r>
+                      <a:r>
+                        <a:rPr lang="en-US" sz="1200" baseline="0" dirty="0" smtClean="0"/>
+                        <a:t>). </a:t>
+                      </a:r>
+                      <a:r>
+                        <a:rPr lang="en-US" sz="1200" baseline="0" dirty="0" err="1" smtClean="0"/>
+                        <a:t>Luyện</a:t>
+                      </a:r>
+                      <a:r>
+                        <a:rPr lang="en-US" sz="1200" baseline="0" dirty="0" smtClean="0"/>
+                        <a:t> </a:t>
+                      </a:r>
+                      <a:r>
+                        <a:rPr lang="en-US" sz="1200" baseline="0" dirty="0" err="1" smtClean="0"/>
+                        <a:t>với</a:t>
+                      </a:r>
+                      <a:r>
+                        <a:rPr lang="en-US" sz="1200" baseline="0" dirty="0" smtClean="0"/>
+                        <a:t> 40% </a:t>
+                      </a:r>
+                      <a:r>
+                        <a:rPr lang="en-US" sz="1200" baseline="0" dirty="0" err="1" smtClean="0"/>
+                        <a:t>tập</a:t>
+                      </a:r>
+                      <a:r>
+                        <a:rPr lang="en-US" sz="1200" baseline="0" dirty="0" smtClean="0"/>
+                        <a:t>  </a:t>
+                      </a:r>
+                      <a:r>
+                        <a:rPr lang="en-US" sz="1200" baseline="0" dirty="0" err="1" smtClean="0"/>
+                        <a:t>dữ</a:t>
+                      </a:r>
+                      <a:r>
+                        <a:rPr lang="en-US" sz="1200" baseline="0" dirty="0" smtClean="0"/>
+                        <a:t> </a:t>
+                      </a:r>
+                      <a:r>
+                        <a:rPr lang="en-US" sz="1200" baseline="0" dirty="0" err="1" smtClean="0"/>
+                        <a:t>liệu</a:t>
+                      </a:r>
+                      <a:r>
+                        <a:rPr lang="en-US" sz="1200" baseline="0" dirty="0" smtClean="0"/>
+                        <a:t> 2000 </a:t>
+                      </a:r>
+                      <a:r>
+                        <a:rPr lang="en-US" sz="1200" baseline="0" dirty="0" err="1" smtClean="0"/>
+                        <a:t>mẫu</a:t>
+                      </a:r>
+                      <a:r>
+                        <a:rPr lang="en-US" sz="1200" baseline="0" dirty="0" smtClean="0"/>
+                        <a:t> </a:t>
+                      </a:r>
+                      <a:r>
+                        <a:rPr lang="en-US" sz="1200" baseline="0" dirty="0" err="1" smtClean="0"/>
+                        <a:t>trên</a:t>
+                      </a:r>
+                      <a:r>
+                        <a:rPr lang="en-US" sz="1200" baseline="0" dirty="0" smtClean="0"/>
+                        <a:t> 715 </a:t>
+                      </a:r>
+                      <a:r>
+                        <a:rPr lang="en-US" sz="1200" baseline="0" dirty="0" err="1" smtClean="0"/>
+                        <a:t>sinh</a:t>
+                      </a:r>
+                      <a:r>
+                        <a:rPr lang="en-US" sz="1200" baseline="0" dirty="0" smtClean="0"/>
+                        <a:t> </a:t>
+                      </a:r>
+                      <a:r>
+                        <a:rPr lang="en-US" sz="1200" baseline="0" dirty="0" err="1" smtClean="0"/>
+                        <a:t>viên</a:t>
+                      </a:r>
+                      <a:r>
+                        <a:rPr lang="en-US" sz="1200" baseline="0" dirty="0" smtClean="0"/>
+                        <a:t> </a:t>
+                      </a:r>
+                      <a:r>
+                        <a:rPr lang="en-US" sz="1200" baseline="0" dirty="0" err="1" smtClean="0"/>
+                        <a:t>của</a:t>
+                      </a:r>
+                      <a:r>
+                        <a:rPr lang="en-US" sz="1200" baseline="0" dirty="0" smtClean="0"/>
+                        <a:t> Faculty of  Economics Information System.</a:t>
+                      </a:r>
                       <a:endParaRPr lang="en-US" sz="1200" dirty="0"/>
                     </a:p>
                   </a:txBody>
@@ -24670,9 +24902,457 @@
                     <a:bodyPr/>
                     <a:lstStyle/>
                     <a:p>
+                      <a:r>
+                        <a:rPr lang="en-US" sz="1200" dirty="0" err="1" smtClean="0">
+                          <a:solidFill>
+                            <a:schemeClr val="tx1"/>
+                          </a:solidFill>
+                        </a:rPr>
+                        <a:t>Xác</a:t>
+                      </a:r>
+                      <a:r>
+                        <a:rPr lang="en-US" sz="1200" baseline="0" dirty="0" smtClean="0">
+                          <a:solidFill>
+                            <a:schemeClr val="tx1"/>
+                          </a:solidFill>
+                        </a:rPr>
+                        <a:t> </a:t>
+                      </a:r>
+                      <a:r>
+                        <a:rPr lang="en-US" sz="1200" baseline="0" dirty="0" err="1" smtClean="0">
+                          <a:solidFill>
+                            <a:schemeClr val="tx1"/>
+                          </a:solidFill>
+                        </a:rPr>
+                        <a:t>định</a:t>
+                      </a:r>
+                      <a:r>
+                        <a:rPr lang="en-US" sz="1200" baseline="0" dirty="0" smtClean="0">
+                          <a:solidFill>
+                            <a:schemeClr val="tx1"/>
+                          </a:solidFill>
+                        </a:rPr>
+                        <a:t> </a:t>
+                      </a:r>
+                      <a:r>
+                        <a:rPr lang="en-US" sz="1200" baseline="0" dirty="0" err="1" smtClean="0">
+                          <a:solidFill>
+                            <a:schemeClr val="tx1"/>
+                          </a:solidFill>
+                        </a:rPr>
+                        <a:t>các</a:t>
+                      </a:r>
+                      <a:r>
+                        <a:rPr lang="en-US" sz="1200" baseline="0" dirty="0" smtClean="0">
+                          <a:solidFill>
+                            <a:schemeClr val="tx1"/>
+                          </a:solidFill>
+                        </a:rPr>
+                        <a:t> </a:t>
+                      </a:r>
+                      <a:r>
+                        <a:rPr lang="en-US" sz="1200" baseline="0" dirty="0" err="1" smtClean="0">
+                          <a:solidFill>
+                            <a:schemeClr val="tx1"/>
+                          </a:solidFill>
+                        </a:rPr>
+                        <a:t>nhân</a:t>
+                      </a:r>
+                      <a:r>
+                        <a:rPr lang="en-US" sz="1200" baseline="0" dirty="0" smtClean="0">
+                          <a:solidFill>
+                            <a:schemeClr val="tx1"/>
+                          </a:solidFill>
+                        </a:rPr>
+                        <a:t> </a:t>
+                      </a:r>
+                      <a:r>
+                        <a:rPr lang="en-US" sz="1200" baseline="0" dirty="0" err="1" smtClean="0">
+                          <a:solidFill>
+                            <a:schemeClr val="tx1"/>
+                          </a:solidFill>
+                        </a:rPr>
+                        <a:t>tố</a:t>
+                      </a:r>
+                      <a:r>
+                        <a:rPr lang="en-US" sz="1200" baseline="0" dirty="0" smtClean="0">
+                          <a:solidFill>
+                            <a:schemeClr val="tx1"/>
+                          </a:solidFill>
+                        </a:rPr>
+                        <a:t> </a:t>
+                      </a:r>
+                      <a:r>
+                        <a:rPr lang="en-US" sz="1200" baseline="0" dirty="0" err="1" smtClean="0">
+                          <a:solidFill>
+                            <a:schemeClr val="tx1"/>
+                          </a:solidFill>
+                        </a:rPr>
+                        <a:t>để</a:t>
+                      </a:r>
+                      <a:r>
+                        <a:rPr lang="en-US" sz="1200" baseline="0" dirty="0" smtClean="0">
+                          <a:solidFill>
+                            <a:schemeClr val="tx1"/>
+                          </a:solidFill>
+                        </a:rPr>
+                        <a:t> </a:t>
+                      </a:r>
+                      <a:r>
+                        <a:rPr lang="en-US" sz="1200" baseline="0" dirty="0" err="1" smtClean="0">
+                          <a:solidFill>
+                            <a:schemeClr val="tx1"/>
+                          </a:solidFill>
+                        </a:rPr>
+                        <a:t>dự</a:t>
+                      </a:r>
+                      <a:r>
+                        <a:rPr lang="en-US" sz="1200" baseline="0" dirty="0" smtClean="0">
+                          <a:solidFill>
+                            <a:schemeClr val="tx1"/>
+                          </a:solidFill>
+                        </a:rPr>
+                        <a:t> </a:t>
+                      </a:r>
+                      <a:r>
+                        <a:rPr lang="en-US" sz="1200" baseline="0" dirty="0" err="1" smtClean="0">
+                          <a:solidFill>
+                            <a:schemeClr val="tx1"/>
+                          </a:solidFill>
+                        </a:rPr>
+                        <a:t>báo</a:t>
+                      </a:r>
+                      <a:r>
+                        <a:rPr lang="en-US" sz="1200" baseline="0" dirty="0" smtClean="0">
+                          <a:solidFill>
+                            <a:schemeClr val="tx1"/>
+                          </a:solidFill>
+                        </a:rPr>
+                        <a:t> </a:t>
+                      </a:r>
+                      <a:r>
+                        <a:rPr lang="en-US" sz="1200" baseline="0" dirty="0" err="1" smtClean="0">
+                          <a:solidFill>
+                            <a:schemeClr val="tx1"/>
+                          </a:solidFill>
+                        </a:rPr>
+                        <a:t>học</a:t>
+                      </a:r>
+                      <a:r>
+                        <a:rPr lang="en-US" sz="1200" baseline="0" dirty="0" smtClean="0">
+                          <a:solidFill>
+                            <a:schemeClr val="tx1"/>
+                          </a:solidFill>
+                        </a:rPr>
+                        <a:t> </a:t>
+                      </a:r>
+                      <a:r>
+                        <a:rPr lang="en-US" sz="1200" baseline="0" dirty="0" err="1" smtClean="0">
+                          <a:solidFill>
+                            <a:schemeClr val="tx1"/>
+                          </a:solidFill>
+                        </a:rPr>
+                        <a:t>viên</a:t>
+                      </a:r>
+                      <a:r>
+                        <a:rPr lang="en-US" sz="1200" baseline="0" dirty="0" smtClean="0">
+                          <a:solidFill>
+                            <a:schemeClr val="tx1"/>
+                          </a:solidFill>
+                        </a:rPr>
+                        <a:t> </a:t>
+                      </a:r>
+                      <a:r>
+                        <a:rPr lang="en-US" sz="1200" baseline="0" dirty="0" err="1" smtClean="0">
+                          <a:solidFill>
+                            <a:schemeClr val="tx1"/>
+                          </a:solidFill>
+                        </a:rPr>
+                        <a:t>tốt</a:t>
+                      </a:r>
+                      <a:r>
+                        <a:rPr lang="en-US" sz="1200" baseline="0" dirty="0" smtClean="0">
+                          <a:solidFill>
+                            <a:schemeClr val="tx1"/>
+                          </a:solidFill>
+                        </a:rPr>
+                        <a:t> </a:t>
+                      </a:r>
+                      <a:r>
+                        <a:rPr lang="en-US" sz="1200" baseline="0" dirty="0" err="1" smtClean="0">
+                          <a:solidFill>
+                            <a:schemeClr val="tx1"/>
+                          </a:solidFill>
+                        </a:rPr>
+                        <a:t>nghiệp</a:t>
+                      </a:r>
+                      <a:r>
+                        <a:rPr lang="en-US" sz="1200" baseline="0" dirty="0" smtClean="0">
+                          <a:solidFill>
+                            <a:schemeClr val="tx1"/>
+                          </a:solidFill>
+                        </a:rPr>
+                        <a:t> </a:t>
+                      </a:r>
+                      <a:r>
+                        <a:rPr lang="en-US" sz="1200" baseline="0" dirty="0" err="1" smtClean="0">
+                          <a:solidFill>
+                            <a:schemeClr val="tx1"/>
+                          </a:solidFill>
+                        </a:rPr>
+                        <a:t>trong</a:t>
+                      </a:r>
+                      <a:r>
+                        <a:rPr lang="en-US" sz="1200" baseline="0" dirty="0" smtClean="0">
+                          <a:solidFill>
+                            <a:schemeClr val="tx1"/>
+                          </a:solidFill>
+                        </a:rPr>
+                        <a:t> </a:t>
+                      </a:r>
+                      <a:r>
+                        <a:rPr lang="en-US" sz="1200" baseline="0" dirty="0" err="1" smtClean="0">
+                          <a:solidFill>
+                            <a:schemeClr val="tx1"/>
+                          </a:solidFill>
+                        </a:rPr>
+                        <a:t>chương</a:t>
+                      </a:r>
+                      <a:r>
+                        <a:rPr lang="en-US" sz="1200" baseline="0" dirty="0" smtClean="0">
+                          <a:solidFill>
+                            <a:schemeClr val="tx1"/>
+                          </a:solidFill>
+                        </a:rPr>
+                        <a:t> </a:t>
+                      </a:r>
+                      <a:r>
+                        <a:rPr lang="en-US" sz="1200" baseline="0" dirty="0" err="1" smtClean="0">
+                          <a:solidFill>
+                            <a:schemeClr val="tx1"/>
+                          </a:solidFill>
+                        </a:rPr>
+                        <a:t>trình</a:t>
+                      </a:r>
+                      <a:r>
+                        <a:rPr lang="en-US" sz="1200" baseline="0" dirty="0" smtClean="0">
+                          <a:solidFill>
+                            <a:schemeClr val="tx1"/>
+                          </a:solidFill>
+                        </a:rPr>
+                        <a:t> </a:t>
+                      </a:r>
+                      <a:r>
+                        <a:rPr lang="en-US" sz="1200" baseline="0" dirty="0" err="1" smtClean="0">
+                          <a:solidFill>
+                            <a:schemeClr val="tx1"/>
+                          </a:solidFill>
+                        </a:rPr>
+                        <a:t>từ</a:t>
+                      </a:r>
+                      <a:r>
+                        <a:rPr lang="en-US" sz="1200" baseline="0" dirty="0" smtClean="0">
+                          <a:solidFill>
+                            <a:schemeClr val="tx1"/>
+                          </a:solidFill>
+                        </a:rPr>
+                        <a:t> </a:t>
+                      </a:r>
+                      <a:r>
+                        <a:rPr lang="en-US" sz="1200" baseline="0" dirty="0" err="1" smtClean="0">
+                          <a:solidFill>
+                            <a:schemeClr val="tx1"/>
+                          </a:solidFill>
+                        </a:rPr>
+                        <a:t>xa</a:t>
+                      </a:r>
+                      <a:r>
+                        <a:rPr lang="en-US" sz="1200" baseline="0" dirty="0" smtClean="0">
+                          <a:solidFill>
+                            <a:schemeClr val="tx1"/>
+                          </a:solidFill>
+                        </a:rPr>
+                        <a:t> </a:t>
+                      </a:r>
+                      <a:r>
+                        <a:rPr lang="en-US" sz="1200" baseline="0" dirty="0" err="1" smtClean="0">
+                          <a:solidFill>
+                            <a:schemeClr val="tx1"/>
+                          </a:solidFill>
+                        </a:rPr>
+                        <a:t>trực</a:t>
+                      </a:r>
+                      <a:r>
+                        <a:rPr lang="en-US" sz="1200" baseline="0" dirty="0" smtClean="0">
+                          <a:solidFill>
+                            <a:schemeClr val="tx1"/>
+                          </a:solidFill>
+                        </a:rPr>
+                        <a:t> </a:t>
+                      </a:r>
+                      <a:r>
+                        <a:rPr lang="en-US" sz="1200" baseline="0" dirty="0" err="1" smtClean="0">
+                          <a:solidFill>
+                            <a:schemeClr val="tx1"/>
+                          </a:solidFill>
+                        </a:rPr>
+                        <a:t>tuyến</a:t>
+                      </a:r>
+                      <a:r>
+                        <a:rPr lang="en-US" sz="1200" baseline="0" dirty="0" smtClean="0">
+                          <a:solidFill>
+                            <a:schemeClr val="tx1"/>
+                          </a:solidFill>
+                        </a:rPr>
+                        <a:t>. </a:t>
+                      </a:r>
+                      <a:r>
+                        <a:rPr lang="en-US" sz="1200" baseline="0" dirty="0" err="1" smtClean="0">
+                          <a:solidFill>
+                            <a:schemeClr val="tx1"/>
+                          </a:solidFill>
+                        </a:rPr>
+                        <a:t>Phân</a:t>
+                      </a:r>
+                      <a:r>
+                        <a:rPr lang="en-US" sz="1200" baseline="0" dirty="0" smtClean="0">
+                          <a:solidFill>
+                            <a:schemeClr val="tx1"/>
+                          </a:solidFill>
+                        </a:rPr>
+                        <a:t> </a:t>
+                      </a:r>
+                      <a:r>
+                        <a:rPr lang="en-US" sz="1200" baseline="0" dirty="0" err="1" smtClean="0">
+                          <a:solidFill>
+                            <a:schemeClr val="tx1"/>
+                          </a:solidFill>
+                        </a:rPr>
+                        <a:t>tích</a:t>
+                      </a:r>
+                      <a:r>
+                        <a:rPr lang="en-US" sz="1200" baseline="0" dirty="0" smtClean="0">
+                          <a:solidFill>
+                            <a:schemeClr val="tx1"/>
+                          </a:solidFill>
+                        </a:rPr>
+                        <a:t> </a:t>
+                      </a:r>
+                      <a:r>
+                        <a:rPr lang="en-US" sz="1200" baseline="0" dirty="0" err="1" smtClean="0">
+                          <a:solidFill>
+                            <a:schemeClr val="tx1"/>
+                          </a:solidFill>
+                        </a:rPr>
+                        <a:t>trên</a:t>
+                      </a:r>
+                      <a:r>
+                        <a:rPr lang="en-US" sz="1200" baseline="0" dirty="0" smtClean="0">
+                          <a:solidFill>
+                            <a:schemeClr val="tx1"/>
+                          </a:solidFill>
+                        </a:rPr>
+                        <a:t> </a:t>
+                      </a:r>
+                      <a:r>
+                        <a:rPr lang="en-US" sz="1200" baseline="0" dirty="0" err="1" smtClean="0">
+                          <a:solidFill>
+                            <a:schemeClr val="tx1"/>
+                          </a:solidFill>
+                        </a:rPr>
+                        <a:t>mẫu</a:t>
+                      </a:r>
+                      <a:r>
+                        <a:rPr lang="en-US" sz="1200" baseline="0" dirty="0" smtClean="0">
+                          <a:solidFill>
+                            <a:schemeClr val="tx1"/>
+                          </a:solidFill>
+                        </a:rPr>
+                        <a:t> </a:t>
+                      </a:r>
+                      <a:r>
+                        <a:rPr lang="en-US" sz="1200" baseline="0" dirty="0" err="1" smtClean="0">
+                          <a:solidFill>
+                            <a:schemeClr val="tx1"/>
+                          </a:solidFill>
+                        </a:rPr>
+                        <a:t>dữ</a:t>
+                      </a:r>
+                      <a:r>
+                        <a:rPr lang="en-US" sz="1200" baseline="0" dirty="0" smtClean="0">
+                          <a:solidFill>
+                            <a:schemeClr val="tx1"/>
+                          </a:solidFill>
+                        </a:rPr>
+                        <a:t> </a:t>
+                      </a:r>
+                      <a:r>
+                        <a:rPr lang="en-US" sz="1200" baseline="0" dirty="0" err="1" smtClean="0">
+                          <a:solidFill>
+                            <a:schemeClr val="tx1"/>
+                          </a:solidFill>
+                        </a:rPr>
+                        <a:t>liệu</a:t>
+                      </a:r>
+                      <a:r>
+                        <a:rPr lang="en-US" sz="1200" baseline="0" dirty="0" smtClean="0">
+                          <a:solidFill>
+                            <a:schemeClr val="tx1"/>
+                          </a:solidFill>
+                        </a:rPr>
+                        <a:t> </a:t>
+                      </a:r>
+                      <a:r>
+                        <a:rPr lang="en-US" sz="1200" baseline="0" dirty="0" err="1" smtClean="0">
+                          <a:solidFill>
+                            <a:schemeClr val="tx1"/>
+                          </a:solidFill>
+                        </a:rPr>
+                        <a:t>gồm</a:t>
+                      </a:r>
+                      <a:r>
+                        <a:rPr lang="en-US" sz="1200" baseline="0" dirty="0" smtClean="0">
+                          <a:solidFill>
+                            <a:schemeClr val="tx1"/>
+                          </a:solidFill>
+                        </a:rPr>
+                        <a:t> 926 </a:t>
+                      </a:r>
+                      <a:r>
+                        <a:rPr lang="en-US" sz="1200" baseline="0" dirty="0" err="1" smtClean="0">
+                          <a:solidFill>
+                            <a:schemeClr val="tx1"/>
+                          </a:solidFill>
+                        </a:rPr>
+                        <a:t>học</a:t>
+                      </a:r>
+                      <a:r>
+                        <a:rPr lang="en-US" sz="1200" baseline="0" dirty="0" smtClean="0">
+                          <a:solidFill>
+                            <a:schemeClr val="tx1"/>
+                          </a:solidFill>
+                        </a:rPr>
+                        <a:t> </a:t>
+                      </a:r>
+                      <a:r>
+                        <a:rPr lang="en-US" sz="1200" baseline="0" dirty="0" err="1" smtClean="0">
+                          <a:solidFill>
+                            <a:schemeClr val="tx1"/>
+                          </a:solidFill>
+                        </a:rPr>
+                        <a:t>viên</a:t>
+                      </a:r>
+                      <a:r>
+                        <a:rPr lang="en-US" sz="1200" baseline="0" dirty="0" smtClean="0">
+                          <a:solidFill>
+                            <a:schemeClr val="tx1"/>
+                          </a:solidFill>
+                        </a:rPr>
+                        <a:t>.</a:t>
+                      </a:r>
                       <a:endParaRPr lang="en-US" sz="1200" dirty="0">
                         <a:solidFill>
-                          <a:srgbClr val="FF0000"/>
+                          <a:schemeClr val="tx1"/>
                         </a:solidFill>
                       </a:endParaRPr>
                     </a:p>
@@ -24761,9 +25441,521 @@
                     <a:bodyPr/>
                     <a:lstStyle/>
                     <a:p>
+                      <a:r>
+                        <a:rPr lang="en-US" sz="1200" dirty="0" err="1" smtClean="0">
+                          <a:solidFill>
+                            <a:schemeClr val="tx1"/>
+                          </a:solidFill>
+                        </a:rPr>
+                        <a:t>Mô</a:t>
+                      </a:r>
+                      <a:r>
+                        <a:rPr lang="en-US" sz="1200" baseline="0" dirty="0" smtClean="0">
+                          <a:solidFill>
+                            <a:schemeClr val="tx1"/>
+                          </a:solidFill>
+                        </a:rPr>
+                        <a:t> </a:t>
+                      </a:r>
+                      <a:r>
+                        <a:rPr lang="en-US" sz="1200" baseline="0" dirty="0" err="1" smtClean="0">
+                          <a:solidFill>
+                            <a:schemeClr val="tx1"/>
+                          </a:solidFill>
+                        </a:rPr>
+                        <a:t>hình</a:t>
+                      </a:r>
+                      <a:r>
+                        <a:rPr lang="en-US" sz="1200" baseline="0" dirty="0" smtClean="0">
+                          <a:solidFill>
+                            <a:schemeClr val="tx1"/>
+                          </a:solidFill>
+                        </a:rPr>
+                        <a:t> </a:t>
+                      </a:r>
+                      <a:r>
+                        <a:rPr lang="en-US" sz="1200" baseline="0" dirty="0" err="1" smtClean="0">
+                          <a:solidFill>
+                            <a:schemeClr val="tx1"/>
+                          </a:solidFill>
+                        </a:rPr>
+                        <a:t>dự</a:t>
+                      </a:r>
+                      <a:r>
+                        <a:rPr lang="en-US" sz="1200" baseline="0" dirty="0" smtClean="0">
+                          <a:solidFill>
+                            <a:schemeClr val="tx1"/>
+                          </a:solidFill>
+                        </a:rPr>
+                        <a:t> </a:t>
+                      </a:r>
+                      <a:r>
+                        <a:rPr lang="en-US" sz="1200" baseline="0" dirty="0" err="1" smtClean="0">
+                          <a:solidFill>
+                            <a:schemeClr val="tx1"/>
+                          </a:solidFill>
+                        </a:rPr>
+                        <a:t>báo</a:t>
+                      </a:r>
+                      <a:r>
+                        <a:rPr lang="en-US" sz="1200" baseline="0" dirty="0" smtClean="0">
+                          <a:solidFill>
+                            <a:schemeClr val="tx1"/>
+                          </a:solidFill>
+                        </a:rPr>
+                        <a:t> </a:t>
+                      </a:r>
+                      <a:r>
+                        <a:rPr lang="en-US" sz="1200" baseline="0" dirty="0" err="1" smtClean="0">
+                          <a:solidFill>
+                            <a:schemeClr val="tx1"/>
+                          </a:solidFill>
+                        </a:rPr>
+                        <a:t>tuyển</a:t>
+                      </a:r>
+                      <a:r>
+                        <a:rPr lang="en-US" sz="1200" baseline="0" dirty="0" smtClean="0">
+                          <a:solidFill>
+                            <a:schemeClr val="tx1"/>
+                          </a:solidFill>
+                        </a:rPr>
+                        <a:t> </a:t>
+                      </a:r>
+                      <a:r>
+                        <a:rPr lang="en-US" sz="1200" baseline="0" dirty="0" err="1" smtClean="0">
+                          <a:solidFill>
+                            <a:schemeClr val="tx1"/>
+                          </a:solidFill>
+                        </a:rPr>
+                        <a:t>sinh</a:t>
+                      </a:r>
+                      <a:r>
+                        <a:rPr lang="en-US" sz="1200" baseline="0" dirty="0" smtClean="0">
+                          <a:solidFill>
+                            <a:schemeClr val="tx1"/>
+                          </a:solidFill>
+                        </a:rPr>
+                        <a:t> </a:t>
+                      </a:r>
+                      <a:r>
+                        <a:rPr lang="en-US" sz="1200" baseline="0" dirty="0" err="1" smtClean="0">
+                          <a:solidFill>
+                            <a:schemeClr val="tx1"/>
+                          </a:solidFill>
+                        </a:rPr>
+                        <a:t>dùng</a:t>
+                      </a:r>
+                      <a:r>
+                        <a:rPr lang="en-US" sz="1200" baseline="0" dirty="0" smtClean="0">
+                          <a:solidFill>
+                            <a:schemeClr val="tx1"/>
+                          </a:solidFill>
+                        </a:rPr>
+                        <a:t> </a:t>
+                      </a:r>
+                      <a:r>
+                        <a:rPr lang="en-US" sz="1200" baseline="0" dirty="0" err="1" smtClean="0">
+                          <a:solidFill>
+                            <a:schemeClr val="tx1"/>
+                          </a:solidFill>
+                        </a:rPr>
+                        <a:t>khai</a:t>
+                      </a:r>
+                      <a:r>
+                        <a:rPr lang="en-US" sz="1200" baseline="0" dirty="0" smtClean="0">
+                          <a:solidFill>
+                            <a:schemeClr val="tx1"/>
+                          </a:solidFill>
+                        </a:rPr>
+                        <a:t> </a:t>
+                      </a:r>
+                      <a:r>
+                        <a:rPr lang="en-US" sz="1200" baseline="0" dirty="0" err="1" smtClean="0">
+                          <a:solidFill>
+                            <a:schemeClr val="tx1"/>
+                          </a:solidFill>
+                        </a:rPr>
+                        <a:t>phá</a:t>
+                      </a:r>
+                      <a:r>
+                        <a:rPr lang="en-US" sz="1200" baseline="0" dirty="0" smtClean="0">
+                          <a:solidFill>
+                            <a:schemeClr val="tx1"/>
+                          </a:solidFill>
+                        </a:rPr>
+                        <a:t> </a:t>
+                      </a:r>
+                      <a:r>
+                        <a:rPr lang="en-US" sz="1200" baseline="0" dirty="0" err="1" smtClean="0">
+                          <a:solidFill>
+                            <a:schemeClr val="tx1"/>
+                          </a:solidFill>
+                        </a:rPr>
+                        <a:t>dữ</a:t>
+                      </a:r>
+                      <a:r>
+                        <a:rPr lang="en-US" sz="1200" baseline="0" dirty="0" smtClean="0">
+                          <a:solidFill>
+                            <a:schemeClr val="tx1"/>
+                          </a:solidFill>
+                        </a:rPr>
+                        <a:t> </a:t>
+                      </a:r>
+                      <a:r>
+                        <a:rPr lang="en-US" sz="1200" baseline="0" dirty="0" err="1" smtClean="0">
+                          <a:solidFill>
+                            <a:schemeClr val="tx1"/>
+                          </a:solidFill>
+                        </a:rPr>
+                        <a:t>liệu</a:t>
+                      </a:r>
+                      <a:r>
+                        <a:rPr lang="en-US" sz="1200" baseline="0" dirty="0" smtClean="0">
+                          <a:solidFill>
+                            <a:schemeClr val="tx1"/>
+                          </a:solidFill>
+                        </a:rPr>
+                        <a:t> </a:t>
+                      </a:r>
+                      <a:r>
+                        <a:rPr lang="en-US" sz="1200" baseline="0" dirty="0" err="1" smtClean="0">
+                          <a:solidFill>
+                            <a:schemeClr val="tx1"/>
+                          </a:solidFill>
+                        </a:rPr>
+                        <a:t>bằng</a:t>
+                      </a:r>
+                      <a:r>
+                        <a:rPr lang="en-US" sz="1200" baseline="0" dirty="0" smtClean="0">
+                          <a:solidFill>
+                            <a:schemeClr val="tx1"/>
+                          </a:solidFill>
+                        </a:rPr>
+                        <a:t> WEKA </a:t>
+                      </a:r>
+                      <a:r>
+                        <a:rPr lang="en-US" sz="1200" baseline="0" dirty="0" err="1" smtClean="0">
+                          <a:solidFill>
+                            <a:schemeClr val="tx1"/>
+                          </a:solidFill>
+                        </a:rPr>
+                        <a:t>phân</a:t>
+                      </a:r>
+                      <a:r>
+                        <a:rPr lang="en-US" sz="1200" baseline="0" dirty="0" smtClean="0">
+                          <a:solidFill>
+                            <a:schemeClr val="tx1"/>
+                          </a:solidFill>
+                        </a:rPr>
+                        <a:t> </a:t>
+                      </a:r>
+                      <a:r>
+                        <a:rPr lang="en-US" sz="1200" baseline="0" dirty="0" err="1" smtClean="0">
+                          <a:solidFill>
+                            <a:schemeClr val="tx1"/>
+                          </a:solidFill>
+                        </a:rPr>
+                        <a:t>lớp</a:t>
+                      </a:r>
+                      <a:r>
+                        <a:rPr lang="en-US" sz="1200" baseline="0" dirty="0" smtClean="0">
+                          <a:solidFill>
+                            <a:schemeClr val="tx1"/>
+                          </a:solidFill>
+                        </a:rPr>
+                        <a:t> </a:t>
+                      </a:r>
+                      <a:r>
+                        <a:rPr lang="en-US" sz="1200" baseline="0" dirty="0" err="1" smtClean="0">
+                          <a:solidFill>
+                            <a:schemeClr val="tx1"/>
+                          </a:solidFill>
+                        </a:rPr>
+                        <a:t>sử</a:t>
+                      </a:r>
+                      <a:r>
+                        <a:rPr lang="en-US" sz="1200" baseline="0" dirty="0" smtClean="0">
+                          <a:solidFill>
+                            <a:schemeClr val="tx1"/>
+                          </a:solidFill>
+                        </a:rPr>
+                        <a:t> </a:t>
+                      </a:r>
+                      <a:r>
+                        <a:rPr lang="en-US" sz="1200" baseline="0" dirty="0" err="1" smtClean="0">
+                          <a:solidFill>
+                            <a:schemeClr val="tx1"/>
+                          </a:solidFill>
+                        </a:rPr>
+                        <a:t>dụng</a:t>
+                      </a:r>
+                      <a:r>
+                        <a:rPr lang="en-US" sz="1200" baseline="0" dirty="0" smtClean="0">
+                          <a:solidFill>
+                            <a:schemeClr val="tx1"/>
+                          </a:solidFill>
+                        </a:rPr>
+                        <a:t> </a:t>
+                      </a:r>
+                      <a:r>
+                        <a:rPr lang="en-US" sz="1200" baseline="0" dirty="0" err="1" smtClean="0">
+                          <a:solidFill>
+                            <a:schemeClr val="tx1"/>
+                          </a:solidFill>
+                        </a:rPr>
+                        <a:t>cây</a:t>
+                      </a:r>
+                      <a:r>
+                        <a:rPr lang="en-US" sz="1200" baseline="0" dirty="0" smtClean="0">
+                          <a:solidFill>
+                            <a:schemeClr val="tx1"/>
+                          </a:solidFill>
+                        </a:rPr>
+                        <a:t> </a:t>
+                      </a:r>
+                      <a:r>
+                        <a:rPr lang="en-US" sz="1200" baseline="0" dirty="0" err="1" smtClean="0">
+                          <a:solidFill>
+                            <a:schemeClr val="tx1"/>
+                          </a:solidFill>
+                        </a:rPr>
+                        <a:t>quyết</a:t>
+                      </a:r>
+                      <a:r>
+                        <a:rPr lang="en-US" sz="1200" baseline="0" dirty="0" smtClean="0">
+                          <a:solidFill>
+                            <a:schemeClr val="tx1"/>
+                          </a:solidFill>
+                        </a:rPr>
+                        <a:t> </a:t>
+                      </a:r>
+                      <a:r>
+                        <a:rPr lang="en-US" sz="1200" baseline="0" dirty="0" err="1" smtClean="0">
+                          <a:solidFill>
+                            <a:schemeClr val="tx1"/>
+                          </a:solidFill>
+                        </a:rPr>
+                        <a:t>định</a:t>
+                      </a:r>
+                      <a:r>
+                        <a:rPr lang="en-US" sz="1200" baseline="0" dirty="0" smtClean="0">
+                          <a:solidFill>
+                            <a:schemeClr val="tx1"/>
+                          </a:solidFill>
+                        </a:rPr>
+                        <a:t>. </a:t>
+                      </a:r>
+                      <a:r>
+                        <a:rPr lang="en-US" sz="1200" baseline="0" dirty="0" err="1" smtClean="0">
+                          <a:solidFill>
+                            <a:schemeClr val="tx1"/>
+                          </a:solidFill>
+                        </a:rPr>
+                        <a:t>Kết</a:t>
+                      </a:r>
+                      <a:r>
+                        <a:rPr lang="en-US" sz="1200" baseline="0" dirty="0" smtClean="0">
+                          <a:solidFill>
+                            <a:schemeClr val="tx1"/>
+                          </a:solidFill>
+                        </a:rPr>
+                        <a:t> </a:t>
+                      </a:r>
+                      <a:r>
+                        <a:rPr lang="en-US" sz="1200" baseline="0" dirty="0" err="1" smtClean="0">
+                          <a:solidFill>
+                            <a:schemeClr val="tx1"/>
+                          </a:solidFill>
+                        </a:rPr>
+                        <a:t>quả</a:t>
+                      </a:r>
+                      <a:r>
+                        <a:rPr lang="en-US" sz="1200" baseline="0" dirty="0" smtClean="0">
+                          <a:solidFill>
+                            <a:schemeClr val="tx1"/>
+                          </a:solidFill>
+                        </a:rPr>
+                        <a:t> </a:t>
+                      </a:r>
+                      <a:r>
+                        <a:rPr lang="en-US" sz="1200" baseline="0" dirty="0" err="1" smtClean="0">
+                          <a:solidFill>
+                            <a:schemeClr val="tx1"/>
+                          </a:solidFill>
+                        </a:rPr>
+                        <a:t>dự</a:t>
+                      </a:r>
+                      <a:r>
+                        <a:rPr lang="en-US" sz="1200" baseline="0" dirty="0" smtClean="0">
+                          <a:solidFill>
+                            <a:schemeClr val="tx1"/>
+                          </a:solidFill>
+                        </a:rPr>
+                        <a:t> </a:t>
+                      </a:r>
+                      <a:r>
+                        <a:rPr lang="en-US" sz="1200" baseline="0" dirty="0" err="1" smtClean="0">
+                          <a:solidFill>
+                            <a:schemeClr val="tx1"/>
+                          </a:solidFill>
+                        </a:rPr>
+                        <a:t>báo</a:t>
+                      </a:r>
+                      <a:r>
+                        <a:rPr lang="en-US" sz="1200" baseline="0" dirty="0" smtClean="0">
+                          <a:solidFill>
+                            <a:schemeClr val="tx1"/>
+                          </a:solidFill>
+                        </a:rPr>
+                        <a:t> </a:t>
+                      </a:r>
+                      <a:r>
+                        <a:rPr lang="en-US" sz="1200" baseline="0" dirty="0" err="1" smtClean="0">
+                          <a:solidFill>
+                            <a:schemeClr val="tx1"/>
+                          </a:solidFill>
+                        </a:rPr>
+                        <a:t>chính</a:t>
+                      </a:r>
+                      <a:r>
+                        <a:rPr lang="en-US" sz="1200" baseline="0" dirty="0" smtClean="0">
+                          <a:solidFill>
+                            <a:schemeClr val="tx1"/>
+                          </a:solidFill>
+                        </a:rPr>
+                        <a:t> </a:t>
+                      </a:r>
+                      <a:r>
+                        <a:rPr lang="en-US" sz="1200" baseline="0" dirty="0" err="1" smtClean="0">
+                          <a:solidFill>
+                            <a:schemeClr val="tx1"/>
+                          </a:solidFill>
+                        </a:rPr>
+                        <a:t>xác</a:t>
+                      </a:r>
+                      <a:r>
+                        <a:rPr lang="en-US" sz="1200" baseline="0" dirty="0" smtClean="0">
+                          <a:solidFill>
+                            <a:schemeClr val="tx1"/>
+                          </a:solidFill>
+                        </a:rPr>
+                        <a:t> </a:t>
+                      </a:r>
+                      <a:r>
+                        <a:rPr lang="en-US" sz="1200" baseline="0" dirty="0" err="1" smtClean="0">
+                          <a:solidFill>
+                            <a:schemeClr val="tx1"/>
+                          </a:solidFill>
+                        </a:rPr>
+                        <a:t>trong</a:t>
+                      </a:r>
+                      <a:r>
+                        <a:rPr lang="en-US" sz="1200" baseline="0" dirty="0" smtClean="0">
+                          <a:solidFill>
+                            <a:schemeClr val="tx1"/>
+                          </a:solidFill>
+                        </a:rPr>
+                        <a:t> </a:t>
+                      </a:r>
+                      <a:r>
+                        <a:rPr lang="en-US" sz="1200" baseline="0" dirty="0" err="1" smtClean="0">
+                          <a:solidFill>
+                            <a:schemeClr val="tx1"/>
+                          </a:solidFill>
+                        </a:rPr>
+                        <a:t>khoảng</a:t>
+                      </a:r>
+                      <a:r>
+                        <a:rPr lang="en-US" sz="1200" baseline="0" dirty="0" smtClean="0">
+                          <a:solidFill>
+                            <a:schemeClr val="tx1"/>
+                          </a:solidFill>
+                        </a:rPr>
+                        <a:t> 83%-84%. </a:t>
+                      </a:r>
+                      <a:r>
+                        <a:rPr lang="en-US" sz="1200" baseline="0" dirty="0" err="1" smtClean="0">
+                          <a:solidFill>
+                            <a:schemeClr val="tx1"/>
+                          </a:solidFill>
+                        </a:rPr>
+                        <a:t>Dữ</a:t>
+                      </a:r>
+                      <a:r>
+                        <a:rPr lang="en-US" sz="1200" baseline="0" dirty="0" smtClean="0">
+                          <a:solidFill>
+                            <a:schemeClr val="tx1"/>
+                          </a:solidFill>
+                        </a:rPr>
+                        <a:t> </a:t>
+                      </a:r>
+                      <a:r>
+                        <a:rPr lang="en-US" sz="1200" baseline="0" dirty="0" err="1" smtClean="0">
+                          <a:solidFill>
+                            <a:schemeClr val="tx1"/>
+                          </a:solidFill>
+                        </a:rPr>
+                        <a:t>liệu</a:t>
+                      </a:r>
+                      <a:r>
+                        <a:rPr lang="en-US" sz="1200" baseline="0" dirty="0" smtClean="0">
+                          <a:solidFill>
+                            <a:schemeClr val="tx1"/>
+                          </a:solidFill>
+                        </a:rPr>
+                        <a:t> </a:t>
+                      </a:r>
+                      <a:r>
+                        <a:rPr lang="en-US" sz="1200" baseline="0" dirty="0" err="1" smtClean="0">
+                          <a:solidFill>
+                            <a:schemeClr val="tx1"/>
+                          </a:solidFill>
+                        </a:rPr>
+                        <a:t>được</a:t>
+                      </a:r>
+                      <a:r>
+                        <a:rPr lang="en-US" sz="1200" baseline="0" dirty="0" smtClean="0">
+                          <a:solidFill>
+                            <a:schemeClr val="tx1"/>
+                          </a:solidFill>
+                        </a:rPr>
+                        <a:t> </a:t>
+                      </a:r>
+                      <a:r>
+                        <a:rPr lang="en-US" sz="1200" baseline="0" dirty="0" err="1" smtClean="0">
+                          <a:solidFill>
+                            <a:schemeClr val="tx1"/>
+                          </a:solidFill>
+                        </a:rPr>
+                        <a:t>lấy</a:t>
+                      </a:r>
+                      <a:r>
+                        <a:rPr lang="en-US" sz="1200" baseline="0" dirty="0" smtClean="0">
+                          <a:solidFill>
+                            <a:schemeClr val="tx1"/>
+                          </a:solidFill>
+                        </a:rPr>
+                        <a:t> </a:t>
+                      </a:r>
+                      <a:r>
+                        <a:rPr lang="en-US" sz="1200" baseline="0" dirty="0" err="1" smtClean="0">
+                          <a:solidFill>
+                            <a:schemeClr val="tx1"/>
+                          </a:solidFill>
+                        </a:rPr>
+                        <a:t>tại</a:t>
+                      </a:r>
+                      <a:r>
+                        <a:rPr lang="en-US" sz="1200" baseline="0" dirty="0" smtClean="0">
+                          <a:solidFill>
+                            <a:schemeClr val="tx1"/>
+                          </a:solidFill>
+                        </a:rPr>
+                        <a:t> West Virginia University</a:t>
+                      </a:r>
                       <a:endParaRPr lang="en-US" sz="1200" dirty="0">
                         <a:solidFill>
-                          <a:srgbClr val="FF0000"/>
+                          <a:schemeClr val="tx1"/>
                         </a:solidFill>
                       </a:endParaRPr>
                     </a:p>
